--- a/union_density_project.pptx
+++ b/union_density_project.pptx
@@ -5,10 +5,10 @@
     <p:sldMasterId id="2147483648" r:id="rId4"/>
   </p:sldMasterIdLst>
   <p:notesMasterIdLst>
-    <p:notesMasterId r:id="rId20"/>
+    <p:notesMasterId r:id="rId18"/>
   </p:notesMasterIdLst>
   <p:handoutMasterIdLst>
-    <p:handoutMasterId r:id="rId21"/>
+    <p:handoutMasterId r:id="rId19"/>
   </p:handoutMasterIdLst>
   <p:sldIdLst>
     <p:sldId id="256" r:id="rId5"/>
@@ -18,14 +18,12 @@
     <p:sldId id="269" r:id="rId9"/>
     <p:sldId id="270" r:id="rId10"/>
     <p:sldId id="271" r:id="rId11"/>
-    <p:sldId id="272" r:id="rId12"/>
-    <p:sldId id="266" r:id="rId13"/>
-    <p:sldId id="268" r:id="rId14"/>
-    <p:sldId id="261" r:id="rId15"/>
-    <p:sldId id="262" r:id="rId16"/>
-    <p:sldId id="263" r:id="rId17"/>
-    <p:sldId id="264" r:id="rId18"/>
-    <p:sldId id="265" r:id="rId19"/>
+    <p:sldId id="268" r:id="rId12"/>
+    <p:sldId id="272" r:id="rId13"/>
+    <p:sldId id="273" r:id="rId14"/>
+    <p:sldId id="266" r:id="rId15"/>
+    <p:sldId id="274" r:id="rId16"/>
+    <p:sldId id="265" r:id="rId17"/>
   </p:sldIdLst>
   <p:sldSz cx="12192000" cy="6858000"/>
   <p:notesSz cx="6858000" cy="9144000"/>
@@ -228,7 +226,7 @@
           <a:p>
             <a:fld id="{23CEAAF3-9831-450B-8D59-2C09DB96C8FC}" type="datetimeFigureOut">
               <a:rPr lang="en-US"/>
-              <a:t>6/13/2021</a:t>
+              <a:t>6/14/2021</a:t>
             </a:fld>
             <a:endParaRPr/>
           </a:p>
@@ -393,7 +391,7 @@
           <a:p>
             <a:fld id="{2D50CD79-FC16-4410-AB61-17F26E6D3BC8}" type="datetimeFigureOut">
               <a:rPr lang="en-US"/>
-              <a:t>6/13/2021</a:t>
+              <a:t>6/14/2021</a:t>
             </a:fld>
             <a:endParaRPr/>
           </a:p>
@@ -1035,7 +1033,7 @@
             <a:fld id="{402B9795-92DC-40DC-A1CA-9A4B349D7824}" type="datetimeFigureOut">
               <a:rPr lang="en-US" smtClean="0"/>
               <a:pPr/>
-              <a:t>6/13/2021</a:t>
+              <a:t>6/14/2021</a:t>
             </a:fld>
             <a:endParaRPr lang="en-US" dirty="0"/>
           </a:p>
@@ -1329,7 +1327,7 @@
           <a:p>
             <a:fld id="{402B9795-92DC-40DC-A1CA-9A4B349D7824}" type="datetimeFigureOut">
               <a:rPr lang="en-US"/>
-              <a:t>6/13/2021</a:t>
+              <a:t>6/14/2021</a:t>
             </a:fld>
             <a:endParaRPr/>
           </a:p>
@@ -1511,7 +1509,7 @@
           <a:p>
             <a:fld id="{402B9795-92DC-40DC-A1CA-9A4B349D7824}" type="datetimeFigureOut">
               <a:rPr lang="en-US"/>
-              <a:t>6/13/2021</a:t>
+              <a:t>6/14/2021</a:t>
             </a:fld>
             <a:endParaRPr/>
           </a:p>
@@ -1703,7 +1701,7 @@
           <a:p>
             <a:fld id="{402B9795-92DC-40DC-A1CA-9A4B349D7824}" type="datetimeFigureOut">
               <a:rPr lang="en-US"/>
-              <a:t>6/13/2021</a:t>
+              <a:t>6/14/2021</a:t>
             </a:fld>
             <a:endParaRPr/>
           </a:p>
@@ -1972,7 +1970,7 @@
           <a:p>
             <a:fld id="{402B9795-92DC-40DC-A1CA-9A4B349D7824}" type="datetimeFigureOut">
               <a:rPr lang="en-US"/>
-              <a:t>6/13/2021</a:t>
+              <a:t>6/14/2021</a:t>
             </a:fld>
             <a:endParaRPr/>
           </a:p>
@@ -3001,7 +2999,7 @@
           <a:p>
             <a:fld id="{402B9795-92DC-40DC-A1CA-9A4B349D7824}" type="datetimeFigureOut">
               <a:rPr lang="en-US"/>
-              <a:t>6/13/2021</a:t>
+              <a:t>6/14/2021</a:t>
             </a:fld>
             <a:endParaRPr/>
           </a:p>
@@ -3274,7 +3272,7 @@
           <a:p>
             <a:fld id="{402B9795-92DC-40DC-A1CA-9A4B349D7824}" type="datetimeFigureOut">
               <a:rPr lang="en-US"/>
-              <a:t>6/13/2021</a:t>
+              <a:t>6/14/2021</a:t>
             </a:fld>
             <a:endParaRPr/>
           </a:p>
@@ -3654,7 +3652,7 @@
           <a:p>
             <a:fld id="{402B9795-92DC-40DC-A1CA-9A4B349D7824}" type="datetimeFigureOut">
               <a:rPr lang="en-US"/>
-              <a:t>6/13/2021</a:t>
+              <a:t>6/14/2021</a:t>
             </a:fld>
             <a:endParaRPr/>
           </a:p>
@@ -3784,7 +3782,7 @@
           <a:p>
             <a:fld id="{402B9795-92DC-40DC-A1CA-9A4B349D7824}" type="datetimeFigureOut">
               <a:rPr lang="en-US"/>
-              <a:t>6/13/2021</a:t>
+              <a:t>6/14/2021</a:t>
             </a:fld>
             <a:endParaRPr/>
           </a:p>
@@ -3891,7 +3889,7 @@
           <a:p>
             <a:fld id="{402B9795-92DC-40DC-A1CA-9A4B349D7824}" type="datetimeFigureOut">
               <a:rPr lang="en-US"/>
-              <a:t>6/13/2021</a:t>
+              <a:t>6/14/2021</a:t>
             </a:fld>
             <a:endParaRPr/>
           </a:p>
@@ -4182,7 +4180,7 @@
           <a:p>
             <a:fld id="{402B9795-92DC-40DC-A1CA-9A4B349D7824}" type="datetimeFigureOut">
               <a:rPr lang="en-US"/>
-              <a:t>6/13/2021</a:t>
+              <a:t>6/14/2021</a:t>
             </a:fld>
             <a:endParaRPr/>
           </a:p>
@@ -4408,7 +4406,7 @@
             <a:fld id="{402B9795-92DC-40DC-A1CA-9A4B349D7824}" type="datetimeFigureOut">
               <a:rPr lang="en-US" smtClean="0"/>
               <a:pPr/>
-              <a:t>6/13/2021</a:t>
+              <a:t>6/14/2021</a:t>
             </a:fld>
             <a:endParaRPr lang="en-US"/>
           </a:p>
@@ -5043,57 +5041,144 @@
             <a:spLocks noGrp="1"/>
           </p:cNvSpPr>
           <p:nvPr>
-            <p:ph type="ctrTitle"/>
-          </p:nvPr>
-        </p:nvSpPr>
-        <p:spPr/>
-        <p:txBody>
-          <a:bodyPr/>
+            <p:ph type="title"/>
+          </p:nvPr>
+        </p:nvSpPr>
+        <p:spPr>
+          <a:xfrm>
+            <a:off x="1104900" y="76200"/>
+            <a:ext cx="9980682" cy="1096962"/>
+          </a:xfrm>
+        </p:spPr>
+        <p:txBody>
+          <a:bodyPr vert="horz" lIns="0" tIns="45720" rIns="0" bIns="45720" rtlCol="0" anchor="b">
+            <a:normAutofit/>
+          </a:bodyPr>
           <a:lstStyle/>
           <a:p>
             <a:r>
               <a:rPr lang="en-US" dirty="0"/>
-              <a:t>Add a Slide Title - 1</a:t>
-            </a:r>
-          </a:p>
-        </p:txBody>
-      </p:sp>
-      <p:sp>
-        <p:nvSpPr>
-          <p:cNvPr id="3" name="Subtitle 2"/>
-          <p:cNvSpPr>
-            <a:spLocks noGrp="1"/>
-          </p:cNvSpPr>
-          <p:nvPr>
-            <p:ph type="subTitle" idx="1"/>
-          </p:nvPr>
-        </p:nvSpPr>
-        <p:spPr/>
-        <p:txBody>
-          <a:bodyPr/>
+              <a:t>Analysis</a:t>
+            </a:r>
+          </a:p>
+        </p:txBody>
+      </p:sp>
+      <p:sp>
+        <p:nvSpPr>
+          <p:cNvPr id="8" name="TextBox 7">
+            <a:extLst>
+              <a:ext uri="{FF2B5EF4-FFF2-40B4-BE49-F238E27FC236}">
+                <a16:creationId xmlns:a16="http://schemas.microsoft.com/office/drawing/2014/main" id="{598D689D-C59E-4DF2-8E34-9FE93D27522B}"/>
+              </a:ext>
+            </a:extLst>
+          </p:cNvPr>
+          <p:cNvSpPr txBox="1"/>
+          <p:nvPr/>
+        </p:nvSpPr>
+        <p:spPr>
+          <a:xfrm>
+            <a:off x="1104900" y="1600200"/>
+            <a:ext cx="4572000" cy="2141376"/>
+          </a:xfrm>
+          <a:prstGeom prst="rect">
+            <a:avLst/>
+          </a:prstGeom>
+        </p:spPr>
+        <p:txBody>
+          <a:bodyPr vert="horz" lIns="0" tIns="45720" rIns="0" bIns="45720" rtlCol="0">
+            <a:normAutofit/>
+          </a:bodyPr>
           <a:lstStyle/>
           <a:p>
-            <a:endParaRPr lang="en-US"/>
-          </a:p>
-        </p:txBody>
-      </p:sp>
+            <a:pPr>
+              <a:lnSpc>
+                <a:spcPct val="90000"/>
+              </a:lnSpc>
+              <a:spcBef>
+                <a:spcPts val="1200"/>
+              </a:spcBef>
+            </a:pPr>
+            <a:r>
+              <a:rPr lang="en-US" kern="1200" dirty="0">
+                <a:latin typeface="+mn-lt"/>
+                <a:ea typeface="+mn-ea"/>
+                <a:cs typeface="+mn-cs"/>
+              </a:rPr>
+              <a:t>When the countries are separated into regions, one can see a moderate positive correlation in the Western countries, but interestingly, a weak negative correlation in the </a:t>
+            </a:r>
+            <a:r>
+              <a:rPr lang="en-US" kern="1200" dirty="0" err="1">
+                <a:latin typeface="+mn-lt"/>
+                <a:ea typeface="+mn-ea"/>
+                <a:cs typeface="+mn-cs"/>
+              </a:rPr>
+              <a:t>Scandanavian</a:t>
+            </a:r>
+            <a:r>
+              <a:rPr lang="en-US" kern="1200" dirty="0">
+                <a:latin typeface="+mn-lt"/>
+                <a:ea typeface="+mn-ea"/>
+                <a:cs typeface="+mn-cs"/>
+              </a:rPr>
+              <a:t> countries.</a:t>
+            </a:r>
+          </a:p>
+        </p:txBody>
+      </p:sp>
+      <p:pic>
+        <p:nvPicPr>
+          <p:cNvPr id="6" name="Picture 5" descr="Graphical user interface, calendar&#10;&#10;Description automatically generated">
+            <a:extLst>
+              <a:ext uri="{FF2B5EF4-FFF2-40B4-BE49-F238E27FC236}">
+                <a16:creationId xmlns:a16="http://schemas.microsoft.com/office/drawing/2014/main" id="{969A2AA2-B138-4291-99D0-BD4D6F974FD4}"/>
+              </a:ext>
+            </a:extLst>
+          </p:cNvPr>
+          <p:cNvPicPr>
+            <a:picLocks noChangeAspect="1"/>
+          </p:cNvPicPr>
+          <p:nvPr/>
+        </p:nvPicPr>
+        <p:blipFill>
+          <a:blip r:embed="rId2">
+            <a:extLst>
+              <a:ext uri="{28A0092B-C50C-407E-A947-70E740481C1C}">
+                <a14:useLocalDpi xmlns:a14="http://schemas.microsoft.com/office/drawing/2010/main" val="0"/>
+              </a:ext>
+            </a:extLst>
+          </a:blip>
+          <a:stretch>
+            <a:fillRect/>
+          </a:stretch>
+        </p:blipFill>
+        <p:spPr>
+          <a:xfrm>
+            <a:off x="5676900" y="924345"/>
+            <a:ext cx="6032241" cy="6032241"/>
+          </a:xfrm>
+          <a:prstGeom prst="rect">
+            <a:avLst/>
+          </a:prstGeom>
+          <a:noFill/>
+        </p:spPr>
+      </p:pic>
     </p:spTree>
     <p:extLst>
       <p:ext uri="{BB962C8B-B14F-4D97-AF65-F5344CB8AC3E}">
-        <p14:creationId xmlns:p14="http://schemas.microsoft.com/office/powerpoint/2010/main" val="1315647518"/>
+        <p14:creationId xmlns:p14="http://schemas.microsoft.com/office/powerpoint/2010/main" val="3158431275"/>
       </p:ext>
     </p:extLst>
   </p:cSld>
   <p:clrMapOvr>
     <a:masterClrMapping/>
   </p:clrMapOvr>
-  <mc:AlternateContent xmlns:mc="http://schemas.openxmlformats.org/markup-compatibility/2006" xmlns:p14="http://schemas.microsoft.com/office/powerpoint/2010/main">
-    <mc:Choice Requires="p14">
+  <mc:AlternateContent xmlns:mc="http://schemas.openxmlformats.org/markup-compatibility/2006">
+    <mc:Choice xmlns:p14="http://schemas.microsoft.com/office/powerpoint/2010/main" Requires="p14">
       <p:transition spd="med" p14:dur="700">
         <p:fade/>
       </p:transition>
     </mc:Choice>
-    <mc:Fallback xmlns="">
+    <mc:Fallback>
       <p:transition spd="med">
         <p:fade/>
       </p:transition>
@@ -5136,19 +5221,19 @@
           <a:p>
             <a:r>
               <a:rPr lang="en-US" dirty="0"/>
-              <a:t>Add a Slide Title - 2</a:t>
-            </a:r>
-          </a:p>
-        </p:txBody>
-      </p:sp>
-      <p:sp>
-        <p:nvSpPr>
-          <p:cNvPr id="3" name="Text Placeholder 2"/>
-          <p:cNvSpPr>
-            <a:spLocks noGrp="1"/>
-          </p:cNvSpPr>
-          <p:nvPr>
-            <p:ph type="body" idx="1"/>
+              <a:t>Removing Statistical Outliers</a:t>
+            </a:r>
+          </a:p>
+        </p:txBody>
+      </p:sp>
+      <p:sp>
+        <p:nvSpPr>
+          <p:cNvPr id="4" name="Text Placeholder 3"/>
+          <p:cNvSpPr>
+            <a:spLocks noGrp="1"/>
+          </p:cNvSpPr>
+          <p:nvPr>
+            <p:ph type="body" sz="half" idx="2"/>
           </p:nvPr>
         </p:nvSpPr>
         <p:spPr/>
@@ -5156,14 +5241,56 @@
           <a:bodyPr/>
           <a:lstStyle/>
           <a:p>
-            <a:endParaRPr lang="en-US"/>
-          </a:p>
-        </p:txBody>
-      </p:sp>
+            <a:r>
+              <a:rPr lang="en-US" dirty="0"/>
+              <a:t>After calculating the Inter-Quartile Ranges for both GDP and Union Density and removing the datapoints outside those ranges the </a:t>
+            </a:r>
+            <a:r>
+              <a:rPr lang="en-US" dirty="0" err="1"/>
+              <a:t>r-value</a:t>
+            </a:r>
+            <a:r>
+              <a:rPr lang="en-US" dirty="0"/>
+              <a:t> to 0.49.</a:t>
+            </a:r>
+          </a:p>
+        </p:txBody>
+      </p:sp>
+      <p:pic>
+        <p:nvPicPr>
+          <p:cNvPr id="8" name="Picture Placeholder 7" descr="Chart, scatter chart&#10;&#10;Description automatically generated">
+            <a:extLst>
+              <a:ext uri="{FF2B5EF4-FFF2-40B4-BE49-F238E27FC236}">
+                <a16:creationId xmlns:a16="http://schemas.microsoft.com/office/drawing/2014/main" id="{012DA3F0-3FB1-414C-834D-1ABD4CA3F2C8}"/>
+              </a:ext>
+            </a:extLst>
+          </p:cNvPr>
+          <p:cNvPicPr>
+            <a:picLocks noGrp="1" noChangeAspect="1"/>
+          </p:cNvPicPr>
+          <p:nvPr>
+            <p:ph type="pic" idx="1"/>
+          </p:nvPr>
+        </p:nvPicPr>
+        <p:blipFill>
+          <a:blip r:embed="rId2">
+            <a:extLst>
+              <a:ext uri="{28A0092B-C50C-407E-A947-70E740481C1C}">
+                <a14:useLocalDpi xmlns:a14="http://schemas.microsoft.com/office/drawing/2010/main" val="0"/>
+              </a:ext>
+            </a:extLst>
+          </a:blip>
+          <a:srcRect l="3113" r="3113"/>
+          <a:stretch>
+            <a:fillRect/>
+          </a:stretch>
+        </p:blipFill>
+        <p:spPr/>
+      </p:pic>
     </p:spTree>
     <p:extLst>
       <p:ext uri="{BB962C8B-B14F-4D97-AF65-F5344CB8AC3E}">
-        <p14:creationId xmlns:p14="http://schemas.microsoft.com/office/powerpoint/2010/main" val="132884364"/>
+        <p14:creationId xmlns:p14="http://schemas.microsoft.com/office/powerpoint/2010/main" val="3683544629"/>
       </p:ext>
     </p:extLst>
   </p:cSld>
@@ -5204,7 +5331,93 @@
       </p:grpSpPr>
       <p:sp>
         <p:nvSpPr>
-          <p:cNvPr id="2" name="Title 1"/>
+          <p:cNvPr id="10" name="Text Placeholder 9">
+            <a:extLst>
+              <a:ext uri="{FF2B5EF4-FFF2-40B4-BE49-F238E27FC236}">
+                <a16:creationId xmlns:a16="http://schemas.microsoft.com/office/drawing/2014/main" id="{022A927E-65EE-435C-B567-9B75E6DEFE70}"/>
+              </a:ext>
+            </a:extLst>
+          </p:cNvPr>
+          <p:cNvSpPr>
+            <a:spLocks noGrp="1"/>
+          </p:cNvSpPr>
+          <p:nvPr>
+            <p:ph type="body" sz="half" idx="2"/>
+          </p:nvPr>
+        </p:nvSpPr>
+        <p:spPr>
+          <a:xfrm>
+            <a:off x="1104900" y="1600200"/>
+            <a:ext cx="9859511" cy="4572000"/>
+          </a:xfrm>
+        </p:spPr>
+        <p:txBody>
+          <a:bodyPr>
+            <a:normAutofit/>
+          </a:bodyPr>
+          <a:lstStyle/>
+          <a:p>
+            <a:r>
+              <a:rPr lang="en-US" dirty="0"/>
+              <a:t>Data Needed:</a:t>
+            </a:r>
+          </a:p>
+          <a:p>
+            <a:r>
+              <a:rPr lang="en-US" dirty="0"/>
+              <a:t>A way to delineate how the concept can be measured</a:t>
+            </a:r>
+          </a:p>
+          <a:p>
+            <a:r>
+              <a:rPr lang="en-US" dirty="0"/>
+              <a:t>The ITUC Global Rights Index is based on information recorded in the ITUC Survey, the world’s most comprehensive database on workers’ rights violations. It covers violations in law and in practice </a:t>
+            </a:r>
+          </a:p>
+          <a:p>
+            <a:r>
+              <a:rPr lang="en-US" dirty="0"/>
+              <a:t>Countries are rated on a scale from 1 to 5. A high score effectively means that a large number of violations were committed which in turn results in a poor rating</a:t>
+            </a:r>
+          </a:p>
+          <a:p>
+            <a:r>
+              <a:rPr lang="en-US" dirty="0"/>
+              <a:t>Data Source: </a:t>
+            </a:r>
+          </a:p>
+          <a:p>
+            <a:r>
+              <a:rPr lang="en-US" dirty="0"/>
+              <a:t>International Trade Union Confederation</a:t>
+            </a:r>
+          </a:p>
+          <a:p>
+            <a:r>
+              <a:rPr lang="en-US" dirty="0"/>
+              <a:t>Analysis:</a:t>
+            </a:r>
+          </a:p>
+          <a:p>
+            <a:r>
+              <a:rPr lang="en-US" dirty="0"/>
+              <a:t>OECD countries where the political and legal systems are more friendly to labor unions tend to have a lower average Gini coefficient. Interestingly, this is not true for the three countries rated most poorly</a:t>
+            </a:r>
+          </a:p>
+          <a:p>
+            <a:endParaRPr lang="en-US" dirty="0"/>
+          </a:p>
+        </p:txBody>
+      </p:sp>
+      <p:sp>
+        <p:nvSpPr>
+          <p:cNvPr id="12" name="Title 11">
+            <a:extLst>
+              <a:ext uri="{FF2B5EF4-FFF2-40B4-BE49-F238E27FC236}">
+                <a16:creationId xmlns:a16="http://schemas.microsoft.com/office/drawing/2014/main" id="{B237F72C-8E6A-409C-9FBA-98EAE4D051DF}"/>
+              </a:ext>
+            </a:extLst>
+          </p:cNvPr>
           <p:cNvSpPr>
             <a:spLocks noGrp="1"/>
           </p:cNvSpPr>
@@ -5219,104 +5432,28 @@
           <a:p>
             <a:r>
               <a:rPr lang="en-US" dirty="0"/>
-              <a:t>Add a Slide Title - 3</a:t>
-            </a:r>
-          </a:p>
-        </p:txBody>
-      </p:sp>
-      <p:sp>
-        <p:nvSpPr>
-          <p:cNvPr id="3" name="Text Placeholder 2"/>
-          <p:cNvSpPr>
-            <a:spLocks noGrp="1"/>
-          </p:cNvSpPr>
-          <p:nvPr>
-            <p:ph type="body" idx="1"/>
-          </p:nvPr>
-        </p:nvSpPr>
-        <p:spPr/>
-        <p:txBody>
-          <a:bodyPr/>
-          <a:lstStyle/>
-          <a:p>
-            <a:endParaRPr lang="en-US"/>
-          </a:p>
-        </p:txBody>
-      </p:sp>
-      <p:sp>
-        <p:nvSpPr>
-          <p:cNvPr id="4" name="Content Placeholder 3"/>
-          <p:cNvSpPr>
-            <a:spLocks noGrp="1"/>
-          </p:cNvSpPr>
-          <p:nvPr>
-            <p:ph sz="half" idx="2"/>
-          </p:nvPr>
-        </p:nvSpPr>
-        <p:spPr/>
-        <p:txBody>
-          <a:bodyPr/>
-          <a:lstStyle/>
-          <a:p>
-            <a:endParaRPr lang="en-US"/>
-          </a:p>
-        </p:txBody>
-      </p:sp>
-      <p:sp>
-        <p:nvSpPr>
-          <p:cNvPr id="5" name="Text Placeholder 4"/>
-          <p:cNvSpPr>
-            <a:spLocks noGrp="1"/>
-          </p:cNvSpPr>
-          <p:nvPr>
-            <p:ph type="body" sz="quarter" idx="3"/>
-          </p:nvPr>
-        </p:nvSpPr>
-        <p:spPr/>
-        <p:txBody>
-          <a:bodyPr/>
-          <a:lstStyle/>
-          <a:p>
-            <a:endParaRPr lang="en-US"/>
-          </a:p>
-        </p:txBody>
-      </p:sp>
-      <p:sp>
-        <p:nvSpPr>
-          <p:cNvPr id="6" name="Content Placeholder 5"/>
-          <p:cNvSpPr>
-            <a:spLocks noGrp="1"/>
-          </p:cNvSpPr>
-          <p:nvPr>
-            <p:ph sz="quarter" idx="4"/>
-          </p:nvPr>
-        </p:nvSpPr>
-        <p:spPr/>
-        <p:txBody>
-          <a:bodyPr/>
-          <a:lstStyle/>
-          <a:p>
-            <a:endParaRPr lang="en-US"/>
+              <a:t>How does the political and legal environment within each country affect income inequality?</a:t>
+            </a:r>
           </a:p>
         </p:txBody>
       </p:sp>
     </p:spTree>
     <p:extLst>
       <p:ext uri="{BB962C8B-B14F-4D97-AF65-F5344CB8AC3E}">
-        <p14:creationId xmlns:p14="http://schemas.microsoft.com/office/powerpoint/2010/main" val="2224495804"/>
+        <p14:creationId xmlns:p14="http://schemas.microsoft.com/office/powerpoint/2010/main" val="64936229"/>
       </p:ext>
     </p:extLst>
   </p:cSld>
   <p:clrMapOvr>
     <a:masterClrMapping/>
   </p:clrMapOvr>
-  <mc:AlternateContent xmlns:mc="http://schemas.openxmlformats.org/markup-compatibility/2006" xmlns:p14="http://schemas.microsoft.com/office/powerpoint/2010/main">
-    <mc:Choice Requires="p14">
+  <mc:AlternateContent xmlns:mc="http://schemas.openxmlformats.org/markup-compatibility/2006">
+    <mc:Choice xmlns:p14="http://schemas.microsoft.com/office/powerpoint/2010/main" Requires="p14">
       <p:transition spd="med" p14:dur="700">
         <p:fade/>
       </p:transition>
     </mc:Choice>
-    <mc:Fallback xmlns="">
+    <mc:Fallback>
       <p:transition spd="med">
         <p:fade/>
       </p:transition>
@@ -5352,162 +5489,61 @@
             <p:ph type="title"/>
           </p:nvPr>
         </p:nvSpPr>
-        <p:spPr/>
-        <p:txBody>
-          <a:bodyPr/>
+        <p:spPr>
+          <a:xfrm>
+            <a:off x="1104900" y="76200"/>
+            <a:ext cx="9980682" cy="1096962"/>
+          </a:xfrm>
+        </p:spPr>
+        <p:txBody>
+          <a:bodyPr anchor="b">
+            <a:normAutofit/>
+          </a:bodyPr>
           <a:lstStyle/>
           <a:p>
             <a:r>
               <a:rPr lang="en-US" dirty="0"/>
-              <a:t>Add a Slide Title - 4</a:t>
-            </a:r>
-          </a:p>
-        </p:txBody>
-      </p:sp>
-    </p:spTree>
-    <p:extLst>
-      <p:ext uri="{BB962C8B-B14F-4D97-AF65-F5344CB8AC3E}">
-        <p14:creationId xmlns:p14="http://schemas.microsoft.com/office/powerpoint/2010/main" val="1527004159"/>
-      </p:ext>
-    </p:extLst>
-  </p:cSld>
-  <p:clrMapOvr>
-    <a:masterClrMapping/>
-  </p:clrMapOvr>
-  <mc:AlternateContent xmlns:mc="http://schemas.openxmlformats.org/markup-compatibility/2006" xmlns:p14="http://schemas.microsoft.com/office/powerpoint/2010/main">
-    <mc:Choice Requires="p14">
-      <p:transition spd="med" p14:dur="700">
-        <p:fade/>
-      </p:transition>
-    </mc:Choice>
-    <mc:Fallback xmlns="">
-      <p:transition spd="med">
-        <p:fade/>
-      </p:transition>
-    </mc:Fallback>
-  </mc:AlternateContent>
-</p:sld>
-</file>
-
-<file path=ppt/slides/slide14.xml><?xml version="1.0" encoding="utf-8"?>
-<p:sld xmlns:a="http://schemas.openxmlformats.org/drawingml/2006/main" xmlns:r="http://schemas.openxmlformats.org/officeDocument/2006/relationships" xmlns:p="http://schemas.openxmlformats.org/presentationml/2006/main">
-  <p:cSld>
-    <p:spTree>
-      <p:nvGrpSpPr>
-        <p:cNvPr id="1" name=""/>
-        <p:cNvGrpSpPr/>
-        <p:nvPr/>
-      </p:nvGrpSpPr>
-      <p:grpSpPr>
-        <a:xfrm>
-          <a:off x="0" y="0"/>
-          <a:ext cx="0" cy="0"/>
-          <a:chOff x="0" y="0"/>
-          <a:chExt cx="0" cy="0"/>
-        </a:xfrm>
-      </p:grpSpPr>
-    </p:spTree>
-    <p:extLst>
-      <p:ext uri="{BB962C8B-B14F-4D97-AF65-F5344CB8AC3E}">
-        <p14:creationId xmlns:p14="http://schemas.microsoft.com/office/powerpoint/2010/main" val="1800380133"/>
-      </p:ext>
-    </p:extLst>
-  </p:cSld>
-  <p:clrMapOvr>
-    <a:masterClrMapping/>
-  </p:clrMapOvr>
-  <mc:AlternateContent xmlns:mc="http://schemas.openxmlformats.org/markup-compatibility/2006" xmlns:p14="http://schemas.microsoft.com/office/powerpoint/2010/main">
-    <mc:Choice Requires="p14">
-      <p:transition spd="med" p14:dur="700">
-        <p:fade/>
-      </p:transition>
-    </mc:Choice>
-    <mc:Fallback xmlns="">
-      <p:transition spd="med">
-        <p:fade/>
-      </p:transition>
-    </mc:Fallback>
-  </mc:AlternateContent>
-</p:sld>
-</file>
-
-<file path=ppt/slides/slide15.xml><?xml version="1.0" encoding="utf-8"?>
-<p:sld xmlns:a="http://schemas.openxmlformats.org/drawingml/2006/main" xmlns:r="http://schemas.openxmlformats.org/officeDocument/2006/relationships" xmlns:p="http://schemas.openxmlformats.org/presentationml/2006/main">
-  <p:cSld>
-    <p:spTree>
-      <p:nvGrpSpPr>
-        <p:cNvPr id="1" name=""/>
-        <p:cNvGrpSpPr/>
-        <p:nvPr/>
-      </p:nvGrpSpPr>
-      <p:grpSpPr>
-        <a:xfrm>
-          <a:off x="0" y="0"/>
-          <a:ext cx="0" cy="0"/>
-          <a:chOff x="0" y="0"/>
-          <a:chExt cx="0" cy="0"/>
-        </a:xfrm>
-      </p:grpSpPr>
-      <p:sp>
-        <p:nvSpPr>
-          <p:cNvPr id="2" name="Title 1"/>
-          <p:cNvSpPr>
-            <a:spLocks noGrp="1"/>
-          </p:cNvSpPr>
-          <p:nvPr>
-            <p:ph type="title"/>
-          </p:nvPr>
-        </p:nvSpPr>
-        <p:spPr/>
-        <p:txBody>
-          <a:bodyPr/>
-          <a:lstStyle/>
-          <a:p>
-            <a:r>
-              <a:rPr lang="en-US" dirty="0"/>
-              <a:t>Add a Slide Title - 5</a:t>
-            </a:r>
-          </a:p>
-        </p:txBody>
-      </p:sp>
-      <p:sp>
-        <p:nvSpPr>
-          <p:cNvPr id="4" name="Text Placeholder 3"/>
-          <p:cNvSpPr>
-            <a:spLocks noGrp="1"/>
-          </p:cNvSpPr>
-          <p:nvPr>
-            <p:ph type="body" sz="half" idx="2"/>
-          </p:nvPr>
-        </p:nvSpPr>
-        <p:spPr/>
-        <p:txBody>
-          <a:bodyPr/>
-          <a:lstStyle/>
-          <a:p>
-            <a:endParaRPr lang="en-US"/>
-          </a:p>
-        </p:txBody>
-      </p:sp>
-      <p:sp>
-        <p:nvSpPr>
-          <p:cNvPr id="3" name="Content Placeholder 2"/>
-          <p:cNvSpPr>
-            <a:spLocks noGrp="1"/>
-          </p:cNvSpPr>
+              <a:t>ITUC</a:t>
+            </a:r>
+          </a:p>
+        </p:txBody>
+      </p:sp>
+      <p:pic>
+        <p:nvPicPr>
+          <p:cNvPr id="6" name="Content Placeholder 5" descr="Icon&#10;&#10;Description automatically generated">
+            <a:extLst>
+              <a:ext uri="{FF2B5EF4-FFF2-40B4-BE49-F238E27FC236}">
+                <a16:creationId xmlns:a16="http://schemas.microsoft.com/office/drawing/2014/main" id="{53315586-7347-46E6-96D1-B73B062FE383}"/>
+              </a:ext>
+            </a:extLst>
+          </p:cNvPr>
+          <p:cNvPicPr>
+            <a:picLocks noGrp="1" noChangeAspect="1"/>
+          </p:cNvPicPr>
           <p:nvPr>
             <p:ph idx="1"/>
           </p:nvPr>
-        </p:nvSpPr>
-        <p:spPr/>
-        <p:txBody>
-          <a:bodyPr/>
-          <a:lstStyle/>
-          <a:p>
-            <a:endParaRPr lang="en-US"/>
-          </a:p>
-        </p:txBody>
-      </p:sp>
+        </p:nvPicPr>
+        <p:blipFill>
+          <a:blip r:embed="rId2">
+            <a:extLst>
+              <a:ext uri="{28A0092B-C50C-407E-A947-70E740481C1C}">
+                <a14:useLocalDpi xmlns:a14="http://schemas.microsoft.com/office/drawing/2010/main" val="0"/>
+              </a:ext>
+            </a:extLst>
+          </a:blip>
+          <a:stretch>
+            <a:fillRect/>
+          </a:stretch>
+        </p:blipFill>
+        <p:spPr>
+          <a:xfrm>
+            <a:off x="2667000" y="1600200"/>
+            <a:ext cx="6857999" cy="4572000"/>
+          </a:xfrm>
+          <a:noFill/>
+        </p:spPr>
+      </p:pic>
     </p:spTree>
     <p:extLst>
       <p:ext uri="{BB962C8B-B14F-4D97-AF65-F5344CB8AC3E}">
@@ -6077,13 +6113,13 @@
   <p:clrMapOvr>
     <a:masterClrMapping/>
   </p:clrMapOvr>
-  <mc:AlternateContent xmlns:mc="http://schemas.openxmlformats.org/markup-compatibility/2006">
-    <mc:Choice xmlns:p14="http://schemas.microsoft.com/office/powerpoint/2010/main" Requires="p14">
+  <mc:AlternateContent xmlns:mc="http://schemas.openxmlformats.org/markup-compatibility/2006" xmlns:p14="http://schemas.microsoft.com/office/powerpoint/2010/main">
+    <mc:Choice Requires="p14">
       <p:transition spd="med" p14:dur="700">
         <p:fade/>
       </p:transition>
     </mc:Choice>
-    <mc:Fallback>
+    <mc:Fallback xmlns="">
       <p:transition spd="med">
         <p:fade/>
       </p:transition>
@@ -6246,13 +6282,13 @@
   <p:clrMapOvr>
     <a:masterClrMapping/>
   </p:clrMapOvr>
-  <mc:AlternateContent xmlns:mc="http://schemas.openxmlformats.org/markup-compatibility/2006">
-    <mc:Choice xmlns:p14="http://schemas.microsoft.com/office/powerpoint/2010/main" Requires="p14">
+  <mc:AlternateContent xmlns:mc="http://schemas.openxmlformats.org/markup-compatibility/2006" xmlns:p14="http://schemas.microsoft.com/office/powerpoint/2010/main">
+    <mc:Choice Requires="p14">
       <p:transition spd="med" p14:dur="700">
         <p:fade/>
       </p:transition>
     </mc:Choice>
-    <mc:Fallback>
+    <mc:Fallback xmlns="">
       <p:transition spd="med">
         <p:fade/>
       </p:transition>
@@ -6399,13 +6435,13 @@
   <p:clrMapOvr>
     <a:masterClrMapping/>
   </p:clrMapOvr>
-  <mc:AlternateContent xmlns:mc="http://schemas.openxmlformats.org/markup-compatibility/2006">
-    <mc:Choice xmlns:p14="http://schemas.microsoft.com/office/powerpoint/2010/main" Requires="p14">
+  <mc:AlternateContent xmlns:mc="http://schemas.openxmlformats.org/markup-compatibility/2006" xmlns:p14="http://schemas.microsoft.com/office/powerpoint/2010/main">
+    <mc:Choice Requires="p14">
       <p:transition spd="med" p14:dur="700">
         <p:fade/>
       </p:transition>
     </mc:Choice>
-    <mc:Fallback>
+    <mc:Fallback xmlns="">
       <p:transition spd="med">
         <p:fade/>
       </p:transition>
@@ -6438,70 +6474,17 @@
             <a:spLocks noGrp="1"/>
           </p:cNvSpPr>
           <p:nvPr>
-            <p:ph type="title"/>
-          </p:nvPr>
-        </p:nvSpPr>
-        <p:spPr>
-          <a:xfrm>
-            <a:off x="1104900" y="76200"/>
-            <a:ext cx="9980682" cy="1096962"/>
-          </a:xfrm>
-        </p:spPr>
-        <p:txBody>
-          <a:bodyPr vert="horz" lIns="0" tIns="45720" rIns="0" bIns="45720" rtlCol="0" anchor="b">
-            <a:normAutofit/>
-          </a:bodyPr>
+            <p:ph type="ctrTitle"/>
+          </p:nvPr>
+        </p:nvSpPr>
+        <p:spPr/>
+        <p:txBody>
+          <a:bodyPr/>
           <a:lstStyle/>
           <a:p>
             <a:r>
               <a:rPr lang="en-US" dirty="0"/>
-              <a:t>Analysis</a:t>
-            </a:r>
-          </a:p>
-        </p:txBody>
-      </p:sp>
-      <p:sp>
-        <p:nvSpPr>
-          <p:cNvPr id="8" name="TextBox 7">
-            <a:extLst>
-              <a:ext uri="{FF2B5EF4-FFF2-40B4-BE49-F238E27FC236}">
-                <a16:creationId xmlns:a16="http://schemas.microsoft.com/office/drawing/2014/main" id="{598D689D-C59E-4DF2-8E34-9FE93D27522B}"/>
-              </a:ext>
-            </a:extLst>
-          </p:cNvPr>
-          <p:cNvSpPr txBox="1"/>
-          <p:nvPr/>
-        </p:nvSpPr>
-        <p:spPr>
-          <a:xfrm>
-            <a:off x="1104900" y="1362269"/>
-            <a:ext cx="9980682" cy="844037"/>
-          </a:xfrm>
-          <a:prstGeom prst="rect">
-            <a:avLst/>
-          </a:prstGeom>
-        </p:spPr>
-        <p:txBody>
-          <a:bodyPr vert="horz" lIns="0" tIns="45720" rIns="0" bIns="45720" rtlCol="0">
-            <a:normAutofit/>
-          </a:bodyPr>
-          <a:lstStyle/>
-          <a:p>
-            <a:pPr>
-              <a:lnSpc>
-                <a:spcPct val="90000"/>
-              </a:lnSpc>
-              <a:spcBef>
-                <a:spcPts val="1200"/>
-              </a:spcBef>
-            </a:pPr>
-            <a:r>
-              <a:rPr lang="en-US" kern="1200" dirty="0">
-                <a:latin typeface="+mn-lt"/>
-                <a:ea typeface="+mn-ea"/>
-                <a:cs typeface="+mn-cs"/>
-              </a:rPr>
-              <a:t>An analysis by region indicates the correlation is strongest in the United States and Eastern Europe and weakest in Latin America and the “Western” countries (i.e., Western Europe, Israel, Australia, New Zealand, and Canada, but excluding the Scandinavian countries).</a:t>
+              <a:t>Union Density and GDP</a:t>
             </a:r>
           </a:p>
         </p:txBody>
@@ -6509,20 +6492,20 @@
     </p:spTree>
     <p:extLst>
       <p:ext uri="{BB962C8B-B14F-4D97-AF65-F5344CB8AC3E}">
-        <p14:creationId xmlns:p14="http://schemas.microsoft.com/office/powerpoint/2010/main" val="3882789794"/>
+        <p14:creationId xmlns:p14="http://schemas.microsoft.com/office/powerpoint/2010/main" val="1315647518"/>
       </p:ext>
     </p:extLst>
   </p:cSld>
   <p:clrMapOvr>
     <a:masterClrMapping/>
   </p:clrMapOvr>
-  <mc:AlternateContent xmlns:mc="http://schemas.openxmlformats.org/markup-compatibility/2006">
-    <mc:Choice xmlns:p14="http://schemas.microsoft.com/office/powerpoint/2010/main" Requires="p14">
+  <mc:AlternateContent xmlns:mc="http://schemas.openxmlformats.org/markup-compatibility/2006" xmlns:p14="http://schemas.microsoft.com/office/powerpoint/2010/main">
+    <mc:Choice Requires="p14">
       <p:transition spd="med" p14:dur="700">
         <p:fade/>
       </p:transition>
     </mc:Choice>
-    <mc:Fallback>
+    <mc:Fallback xmlns="">
       <p:transition spd="med">
         <p:fade/>
       </p:transition>
@@ -6558,69 +6541,171 @@
             <p:ph type="title"/>
           </p:nvPr>
         </p:nvSpPr>
-        <p:spPr/>
-        <p:txBody>
-          <a:bodyPr/>
+        <p:spPr>
+          <a:xfrm>
+            <a:off x="1104900" y="76200"/>
+            <a:ext cx="9980682" cy="1096962"/>
+          </a:xfrm>
+        </p:spPr>
+        <p:txBody>
+          <a:bodyPr vert="horz" lIns="0" tIns="45720" rIns="0" bIns="45720" rtlCol="0" anchor="b">
+            <a:normAutofit/>
+          </a:bodyPr>
           <a:lstStyle/>
           <a:p>
             <a:r>
               <a:rPr lang="en-US" dirty="0"/>
-              <a:t>Picture with Caption Layout</a:t>
-            </a:r>
-          </a:p>
-        </p:txBody>
-      </p:sp>
-      <p:sp>
-        <p:nvSpPr>
-          <p:cNvPr id="4" name="Text Placeholder 3"/>
-          <p:cNvSpPr>
-            <a:spLocks noGrp="1"/>
-          </p:cNvSpPr>
-          <p:nvPr>
-            <p:ph type="body" sz="half" idx="2"/>
-          </p:nvPr>
-        </p:nvSpPr>
-        <p:spPr/>
-        <p:txBody>
-          <a:bodyPr/>
+              <a:t>Analysis</a:t>
+            </a:r>
+          </a:p>
+        </p:txBody>
+      </p:sp>
+      <p:sp>
+        <p:nvSpPr>
+          <p:cNvPr id="3" name="TextBox 2">
+            <a:extLst>
+              <a:ext uri="{FF2B5EF4-FFF2-40B4-BE49-F238E27FC236}">
+                <a16:creationId xmlns:a16="http://schemas.microsoft.com/office/drawing/2014/main" id="{DF71AE69-30F3-4232-A8F7-0EDAC72DF568}"/>
+              </a:ext>
+            </a:extLst>
+          </p:cNvPr>
+          <p:cNvSpPr txBox="1"/>
+          <p:nvPr/>
+        </p:nvSpPr>
+        <p:spPr>
+          <a:xfrm>
+            <a:off x="1104900" y="1600200"/>
+            <a:ext cx="3396996" cy="4572000"/>
+          </a:xfrm>
+          <a:prstGeom prst="rect">
+            <a:avLst/>
+          </a:prstGeom>
+        </p:spPr>
+        <p:txBody>
+          <a:bodyPr vert="horz" lIns="0" tIns="45720" rIns="0" bIns="45720" rtlCol="0">
+            <a:normAutofit/>
+          </a:bodyPr>
           <a:lstStyle/>
           <a:p>
-            <a:r>
-              <a:rPr lang="en-US" dirty="0"/>
-              <a:t>Caption</a:t>
+            <a:pPr>
+              <a:lnSpc>
+                <a:spcPct val="90000"/>
+              </a:lnSpc>
+              <a:spcBef>
+                <a:spcPts val="1200"/>
+              </a:spcBef>
+            </a:pPr>
+            <a:r>
+              <a:rPr lang="en-US" kern="1200" dirty="0">
+                <a:latin typeface="+mn-lt"/>
+                <a:ea typeface="+mn-ea"/>
+                <a:cs typeface="+mn-cs"/>
+              </a:rPr>
+              <a:t>A linear regression analysis of GDP and Union Density indicates a weak positive correlation (</a:t>
+            </a:r>
+            <a:r>
+              <a:rPr lang="en-US" kern="1200" dirty="0" err="1">
+                <a:latin typeface="+mn-lt"/>
+                <a:ea typeface="+mn-ea"/>
+                <a:cs typeface="+mn-cs"/>
+              </a:rPr>
+              <a:t>r-value</a:t>
+            </a:r>
+            <a:r>
+              <a:rPr lang="en-US" kern="1200" dirty="0">
+                <a:latin typeface="+mn-lt"/>
+                <a:ea typeface="+mn-ea"/>
+                <a:cs typeface="+mn-cs"/>
+              </a:rPr>
+              <a:t> = .36)</a:t>
             </a:r>
           </a:p>
         </p:txBody>
       </p:sp>
       <p:pic>
         <p:nvPicPr>
-          <p:cNvPr id="5" name="Picture Placeholder 4" descr="Close-up of books on shelves with more books blurred in foreground and background"/>
+          <p:cNvPr id="5" name="Picture 4" descr="Chart, scatter chart&#10;&#10;Description automatically generated">
+            <a:extLst>
+              <a:ext uri="{FF2B5EF4-FFF2-40B4-BE49-F238E27FC236}">
+                <a16:creationId xmlns:a16="http://schemas.microsoft.com/office/drawing/2014/main" id="{534A769F-63E5-49A4-82CA-54629A902C4B}"/>
+              </a:ext>
+            </a:extLst>
+          </p:cNvPr>
           <p:cNvPicPr>
-            <a:picLocks noGrp="1" noChangeAspect="1"/>
+            <a:picLocks noChangeAspect="1"/>
           </p:cNvPicPr>
-          <p:nvPr>
-            <p:ph type="pic" idx="1"/>
-          </p:nvPr>
+          <p:nvPr/>
         </p:nvPicPr>
         <p:blipFill>
-          <a:blip r:embed="rId2" cstate="print">
+          <a:blip r:embed="rId2">
             <a:extLst>
               <a:ext uri="{28A0092B-C50C-407E-A947-70E740481C1C}">
                 <a14:useLocalDpi xmlns:a14="http://schemas.microsoft.com/office/drawing/2010/main" val="0"/>
               </a:ext>
             </a:extLst>
           </a:blip>
-          <a:srcRect l="3155" r="3155"/>
           <a:stretch>
             <a:fillRect/>
           </a:stretch>
         </p:blipFill>
-        <p:spPr/>
+        <p:spPr>
+          <a:xfrm>
+            <a:off x="4654671" y="1739883"/>
+            <a:ext cx="6430912" cy="4292633"/>
+          </a:xfrm>
+          <a:prstGeom prst="rect">
+            <a:avLst/>
+          </a:prstGeom>
+          <a:noFill/>
+        </p:spPr>
       </p:pic>
+      <p:sp>
+        <p:nvSpPr>
+          <p:cNvPr id="8" name="TextBox 7">
+            <a:extLst>
+              <a:ext uri="{FF2B5EF4-FFF2-40B4-BE49-F238E27FC236}">
+                <a16:creationId xmlns:a16="http://schemas.microsoft.com/office/drawing/2014/main" id="{598D689D-C59E-4DF2-8E34-9FE93D27522B}"/>
+              </a:ext>
+            </a:extLst>
+          </p:cNvPr>
+          <p:cNvSpPr txBox="1"/>
+          <p:nvPr/>
+        </p:nvSpPr>
+        <p:spPr>
+          <a:xfrm>
+            <a:off x="1104900" y="1362269"/>
+            <a:ext cx="9980682" cy="844037"/>
+          </a:xfrm>
+          <a:prstGeom prst="rect">
+            <a:avLst/>
+          </a:prstGeom>
+        </p:spPr>
+        <p:txBody>
+          <a:bodyPr vert="horz" lIns="0" tIns="45720" rIns="0" bIns="45720" rtlCol="0">
+            <a:normAutofit/>
+          </a:bodyPr>
+          <a:lstStyle/>
+          <a:p>
+            <a:pPr>
+              <a:lnSpc>
+                <a:spcPct val="90000"/>
+              </a:lnSpc>
+              <a:spcBef>
+                <a:spcPts val="1200"/>
+              </a:spcBef>
+            </a:pPr>
+            <a:endParaRPr lang="en-US" kern="1200" dirty="0">
+              <a:latin typeface="+mn-lt"/>
+              <a:ea typeface="+mn-ea"/>
+              <a:cs typeface="+mn-cs"/>
+            </a:endParaRPr>
+          </a:p>
+        </p:txBody>
+      </p:sp>
     </p:spTree>
     <p:extLst>
       <p:ext uri="{BB962C8B-B14F-4D97-AF65-F5344CB8AC3E}">
-        <p14:creationId xmlns:p14="http://schemas.microsoft.com/office/powerpoint/2010/main" val="3683544629"/>
+        <p14:creationId xmlns:p14="http://schemas.microsoft.com/office/powerpoint/2010/main" val="3882789794"/>
       </p:ext>
     </p:extLst>
   </p:cSld>
@@ -7390,129 +7475,12 @@
 </file>
 
 <file path=customXml/item1.xml><?xml version="1.0" encoding="utf-8"?>
-<p:properties xmlns:p="http://schemas.microsoft.com/office/2006/metadata/properties" xmlns:xsi="http://www.w3.org/2001/XMLSchema-instance" xmlns:pc="http://schemas.microsoft.com/office/infopath/2007/PartnerControls">
-  <documentManagement>
-    <APDescription xmlns="4873beb7-5857-4685-be1f-d57550cc96cc" xsi:nil="true"/>
-    <AssetExpire xmlns="4873beb7-5857-4685-be1f-d57550cc96cc">2029-01-01T08:00:00+00:00</AssetExpire>
-    <CampaignTagsTaxHTField0 xmlns="4873beb7-5857-4685-be1f-d57550cc96cc">
-      <Terms xmlns="http://schemas.microsoft.com/office/infopath/2007/PartnerControls"/>
-    </CampaignTagsTaxHTField0>
-    <IntlLangReviewDate xmlns="4873beb7-5857-4685-be1f-d57550cc96cc" xsi:nil="true"/>
-    <TPFriendlyName xmlns="4873beb7-5857-4685-be1f-d57550cc96cc" xsi:nil="true"/>
-    <IntlLangReview xmlns="4873beb7-5857-4685-be1f-d57550cc96cc">false</IntlLangReview>
-    <LocLastLocAttemptVersionLookup xmlns="4873beb7-5857-4685-be1f-d57550cc96cc">855024</LocLastLocAttemptVersionLookup>
-    <PolicheckWords xmlns="4873beb7-5857-4685-be1f-d57550cc96cc" xsi:nil="true"/>
-    <SubmitterId xmlns="4873beb7-5857-4685-be1f-d57550cc96cc" xsi:nil="true"/>
-    <AcquiredFrom xmlns="4873beb7-5857-4685-be1f-d57550cc96cc">Internal MS</AcquiredFrom>
-    <EditorialStatus xmlns="4873beb7-5857-4685-be1f-d57550cc96cc">Complete</EditorialStatus>
-    <Markets xmlns="4873beb7-5857-4685-be1f-d57550cc96cc"/>
-    <OriginAsset xmlns="4873beb7-5857-4685-be1f-d57550cc96cc" xsi:nil="true"/>
-    <AssetStart xmlns="4873beb7-5857-4685-be1f-d57550cc96cc">2012-08-31T08:50:00+00:00</AssetStart>
-    <FriendlyTitle xmlns="4873beb7-5857-4685-be1f-d57550cc96cc" xsi:nil="true"/>
-    <MarketSpecific xmlns="4873beb7-5857-4685-be1f-d57550cc96cc">false</MarketSpecific>
-    <TPNamespace xmlns="4873beb7-5857-4685-be1f-d57550cc96cc" xsi:nil="true"/>
-    <PublishStatusLookup xmlns="4873beb7-5857-4685-be1f-d57550cc96cc">
-      <Value>1616423</Value>
-    </PublishStatusLookup>
-    <APAuthor xmlns="4873beb7-5857-4685-be1f-d57550cc96cc">
-      <UserInfo>
-        <DisplayName>REDMOND\kristaa</DisplayName>
-        <AccountId>136</AccountId>
-        <AccountType/>
-      </UserInfo>
-    </APAuthor>
-    <TPCommandLine xmlns="4873beb7-5857-4685-be1f-d57550cc96cc" xsi:nil="true"/>
-    <IntlLangReviewer xmlns="4873beb7-5857-4685-be1f-d57550cc96cc" xsi:nil="true"/>
-    <OpenTemplate xmlns="4873beb7-5857-4685-be1f-d57550cc96cc">true</OpenTemplate>
-    <CSXSubmissionDate xmlns="4873beb7-5857-4685-be1f-d57550cc96cc" xsi:nil="true"/>
-    <TaxCatchAll xmlns="4873beb7-5857-4685-be1f-d57550cc96cc"/>
-    <Manager xmlns="4873beb7-5857-4685-be1f-d57550cc96cc" xsi:nil="true"/>
-    <NumericId xmlns="4873beb7-5857-4685-be1f-d57550cc96cc" xsi:nil="true"/>
-    <ParentAssetId xmlns="4873beb7-5857-4685-be1f-d57550cc96cc" xsi:nil="true"/>
-    <OriginalSourceMarket xmlns="4873beb7-5857-4685-be1f-d57550cc96cc" xsi:nil="true"/>
-    <ApprovalStatus xmlns="4873beb7-5857-4685-be1f-d57550cc96cc">InProgress</ApprovalStatus>
-    <TPComponent xmlns="4873beb7-5857-4685-be1f-d57550cc96cc" xsi:nil="true"/>
-    <EditorialTags xmlns="4873beb7-5857-4685-be1f-d57550cc96cc" xsi:nil="true"/>
-    <TPExecutable xmlns="4873beb7-5857-4685-be1f-d57550cc96cc" xsi:nil="true"/>
-    <TPLaunchHelpLink xmlns="4873beb7-5857-4685-be1f-d57550cc96cc" xsi:nil="true"/>
-    <LocComments xmlns="4873beb7-5857-4685-be1f-d57550cc96cc" xsi:nil="true"/>
-    <LocRecommendedHandoff xmlns="4873beb7-5857-4685-be1f-d57550cc96cc" xsi:nil="true"/>
-    <SourceTitle xmlns="4873beb7-5857-4685-be1f-d57550cc96cc" xsi:nil="true"/>
-    <CSXUpdate xmlns="4873beb7-5857-4685-be1f-d57550cc96cc">false</CSXUpdate>
-    <IntlLocPriority xmlns="4873beb7-5857-4685-be1f-d57550cc96cc" xsi:nil="true"/>
-    <UAProjectedTotalWords xmlns="4873beb7-5857-4685-be1f-d57550cc96cc" xsi:nil="true"/>
-    <AssetType xmlns="4873beb7-5857-4685-be1f-d57550cc96cc">TP</AssetType>
-    <MachineTranslated xmlns="4873beb7-5857-4685-be1f-d57550cc96cc">false</MachineTranslated>
-    <OutputCachingOn xmlns="4873beb7-5857-4685-be1f-d57550cc96cc">false</OutputCachingOn>
-    <TemplateStatus xmlns="4873beb7-5857-4685-be1f-d57550cc96cc">Complete</TemplateStatus>
-    <IsSearchable xmlns="4873beb7-5857-4685-be1f-d57550cc96cc">true</IsSearchable>
-    <ContentItem xmlns="4873beb7-5857-4685-be1f-d57550cc96cc" xsi:nil="true"/>
-    <HandoffToMSDN xmlns="4873beb7-5857-4685-be1f-d57550cc96cc" xsi:nil="true"/>
-    <ShowIn xmlns="4873beb7-5857-4685-be1f-d57550cc96cc">Show everywhere</ShowIn>
-    <ThumbnailAssetId xmlns="4873beb7-5857-4685-be1f-d57550cc96cc" xsi:nil="true"/>
-    <UALocComments xmlns="4873beb7-5857-4685-be1f-d57550cc96cc" xsi:nil="true"/>
-    <UALocRecommendation xmlns="4873beb7-5857-4685-be1f-d57550cc96cc">Localize</UALocRecommendation>
-    <LastModifiedDateTime xmlns="4873beb7-5857-4685-be1f-d57550cc96cc" xsi:nil="true"/>
-    <LegacyData xmlns="4873beb7-5857-4685-be1f-d57550cc96cc" xsi:nil="true"/>
-    <LocManualTestRequired xmlns="4873beb7-5857-4685-be1f-d57550cc96cc">false</LocManualTestRequired>
-    <LocMarketGroupTiers2 xmlns="4873beb7-5857-4685-be1f-d57550cc96cc" xsi:nil="true"/>
-    <ClipArtFilename xmlns="4873beb7-5857-4685-be1f-d57550cc96cc" xsi:nil="true"/>
-    <TPApplication xmlns="4873beb7-5857-4685-be1f-d57550cc96cc" xsi:nil="true"/>
-    <CSXHash xmlns="4873beb7-5857-4685-be1f-d57550cc96cc" xsi:nil="true"/>
-    <DirectSourceMarket xmlns="4873beb7-5857-4685-be1f-d57550cc96cc" xsi:nil="true"/>
-    <PrimaryImageGen xmlns="4873beb7-5857-4685-be1f-d57550cc96cc">true</PrimaryImageGen>
-    <PlannedPubDate xmlns="4873beb7-5857-4685-be1f-d57550cc96cc" xsi:nil="true"/>
-    <CSXSubmissionMarket xmlns="4873beb7-5857-4685-be1f-d57550cc96cc" xsi:nil="true"/>
-    <Downloads xmlns="4873beb7-5857-4685-be1f-d57550cc96cc">0</Downloads>
-    <ArtSampleDocs xmlns="4873beb7-5857-4685-be1f-d57550cc96cc" xsi:nil="true"/>
-    <TrustLevel xmlns="4873beb7-5857-4685-be1f-d57550cc96cc">1 Microsoft Managed Content</TrustLevel>
-    <BlockPublish xmlns="4873beb7-5857-4685-be1f-d57550cc96cc">false</BlockPublish>
-    <TPLaunchHelpLinkType xmlns="4873beb7-5857-4685-be1f-d57550cc96cc">Template</TPLaunchHelpLinkType>
-    <LocalizationTagsTaxHTField0 xmlns="4873beb7-5857-4685-be1f-d57550cc96cc">
-      <Terms xmlns="http://schemas.microsoft.com/office/infopath/2007/PartnerControls"/>
-    </LocalizationTagsTaxHTField0>
-    <BusinessGroup xmlns="4873beb7-5857-4685-be1f-d57550cc96cc" xsi:nil="true"/>
-    <Providers xmlns="4873beb7-5857-4685-be1f-d57550cc96cc" xsi:nil="true"/>
-    <TemplateTemplateType xmlns="4873beb7-5857-4685-be1f-d57550cc96cc">PowerPoint Presentation Template</TemplateTemplateType>
-    <TimesCloned xmlns="4873beb7-5857-4685-be1f-d57550cc96cc" xsi:nil="true"/>
-    <TPAppVersion xmlns="4873beb7-5857-4685-be1f-d57550cc96cc" xsi:nil="true"/>
-    <VoteCount xmlns="4873beb7-5857-4685-be1f-d57550cc96cc" xsi:nil="true"/>
-    <AverageRating xmlns="4873beb7-5857-4685-be1f-d57550cc96cc" xsi:nil="true"/>
-    <FeatureTagsTaxHTField0 xmlns="4873beb7-5857-4685-be1f-d57550cc96cc">
-      <Terms xmlns="http://schemas.microsoft.com/office/infopath/2007/PartnerControls"/>
-    </FeatureTagsTaxHTField0>
-    <Provider xmlns="4873beb7-5857-4685-be1f-d57550cc96cc" xsi:nil="true"/>
-    <UACurrentWords xmlns="4873beb7-5857-4685-be1f-d57550cc96cc" xsi:nil="true"/>
-    <AssetId xmlns="4873beb7-5857-4685-be1f-d57550cc96cc">TP103431361</AssetId>
-    <TPClientViewer xmlns="4873beb7-5857-4685-be1f-d57550cc96cc" xsi:nil="true"/>
-    <DSATActionTaken xmlns="4873beb7-5857-4685-be1f-d57550cc96cc" xsi:nil="true"/>
-    <APEditor xmlns="4873beb7-5857-4685-be1f-d57550cc96cc">
-      <UserInfo>
-        <DisplayName/>
-        <AccountId xsi:nil="true"/>
-        <AccountType/>
-      </UserInfo>
-    </APEditor>
-    <TPInstallLocation xmlns="4873beb7-5857-4685-be1f-d57550cc96cc" xsi:nil="true"/>
-    <OOCacheId xmlns="4873beb7-5857-4685-be1f-d57550cc96cc" xsi:nil="true"/>
-    <IsDeleted xmlns="4873beb7-5857-4685-be1f-d57550cc96cc">false</IsDeleted>
-    <PublishTargets xmlns="4873beb7-5857-4685-be1f-d57550cc96cc">OfficeOnlineVNext</PublishTargets>
-    <ApprovalLog xmlns="4873beb7-5857-4685-be1f-d57550cc96cc" xsi:nil="true"/>
-    <BugNumber xmlns="4873beb7-5857-4685-be1f-d57550cc96cc" xsi:nil="true"/>
-    <CrawlForDependencies xmlns="4873beb7-5857-4685-be1f-d57550cc96cc">false</CrawlForDependencies>
-    <InternalTagsTaxHTField0 xmlns="4873beb7-5857-4685-be1f-d57550cc96cc">
-      <Terms xmlns="http://schemas.microsoft.com/office/infopath/2007/PartnerControls"/>
-    </InternalTagsTaxHTField0>
-    <LastHandOff xmlns="4873beb7-5857-4685-be1f-d57550cc96cc" xsi:nil="true"/>
-    <Milestone xmlns="4873beb7-5857-4685-be1f-d57550cc96cc" xsi:nil="true"/>
-    <OriginalRelease xmlns="4873beb7-5857-4685-be1f-d57550cc96cc">15</OriginalRelease>
-    <RecommendationsModifier xmlns="4873beb7-5857-4685-be1f-d57550cc96cc" xsi:nil="true"/>
-    <ScenarioTagsTaxHTField0 xmlns="4873beb7-5857-4685-be1f-d57550cc96cc">
-      <Terms xmlns="http://schemas.microsoft.com/office/infopath/2007/PartnerControls"/>
-    </ScenarioTagsTaxHTField0>
-    <UANotes xmlns="4873beb7-5857-4685-be1f-d57550cc96cc" xsi:nil="true"/>
-  </documentManagement>
-</p:properties>
+<?mso-contentType ?>
+<FormTemplates xmlns="http://schemas.microsoft.com/sharepoint/v3/contenttype/forms">
+  <Display>DocumentLibraryForm</Display>
+  <Edit>AssetEditForm</Edit>
+  <New>DocumentLibraryForm</New>
+</FormTemplates>
 </file>
 
 <file path=customXml/item2.xml><?xml version="1.0" encoding="utf-8"?>
@@ -8556,26 +8524,135 @@
 </file>
 
 <file path=customXml/item3.xml><?xml version="1.0" encoding="utf-8"?>
-<?mso-contentType ?>
-<FormTemplates xmlns="http://schemas.microsoft.com/sharepoint/v3/contenttype/forms">
-  <Display>DocumentLibraryForm</Display>
-  <Edit>AssetEditForm</Edit>
-  <New>DocumentLibraryForm</New>
-</FormTemplates>
+<p:properties xmlns:p="http://schemas.microsoft.com/office/2006/metadata/properties" xmlns:xsi="http://www.w3.org/2001/XMLSchema-instance" xmlns:pc="http://schemas.microsoft.com/office/infopath/2007/PartnerControls">
+  <documentManagement>
+    <APDescription xmlns="4873beb7-5857-4685-be1f-d57550cc96cc" xsi:nil="true"/>
+    <AssetExpire xmlns="4873beb7-5857-4685-be1f-d57550cc96cc">2029-01-01T08:00:00+00:00</AssetExpire>
+    <CampaignTagsTaxHTField0 xmlns="4873beb7-5857-4685-be1f-d57550cc96cc">
+      <Terms xmlns="http://schemas.microsoft.com/office/infopath/2007/PartnerControls"/>
+    </CampaignTagsTaxHTField0>
+    <IntlLangReviewDate xmlns="4873beb7-5857-4685-be1f-d57550cc96cc" xsi:nil="true"/>
+    <TPFriendlyName xmlns="4873beb7-5857-4685-be1f-d57550cc96cc" xsi:nil="true"/>
+    <IntlLangReview xmlns="4873beb7-5857-4685-be1f-d57550cc96cc">false</IntlLangReview>
+    <LocLastLocAttemptVersionLookup xmlns="4873beb7-5857-4685-be1f-d57550cc96cc">855024</LocLastLocAttemptVersionLookup>
+    <PolicheckWords xmlns="4873beb7-5857-4685-be1f-d57550cc96cc" xsi:nil="true"/>
+    <SubmitterId xmlns="4873beb7-5857-4685-be1f-d57550cc96cc" xsi:nil="true"/>
+    <AcquiredFrom xmlns="4873beb7-5857-4685-be1f-d57550cc96cc">Internal MS</AcquiredFrom>
+    <EditorialStatus xmlns="4873beb7-5857-4685-be1f-d57550cc96cc">Complete</EditorialStatus>
+    <Markets xmlns="4873beb7-5857-4685-be1f-d57550cc96cc"/>
+    <OriginAsset xmlns="4873beb7-5857-4685-be1f-d57550cc96cc" xsi:nil="true"/>
+    <AssetStart xmlns="4873beb7-5857-4685-be1f-d57550cc96cc">2012-08-31T08:50:00+00:00</AssetStart>
+    <FriendlyTitle xmlns="4873beb7-5857-4685-be1f-d57550cc96cc" xsi:nil="true"/>
+    <MarketSpecific xmlns="4873beb7-5857-4685-be1f-d57550cc96cc">false</MarketSpecific>
+    <TPNamespace xmlns="4873beb7-5857-4685-be1f-d57550cc96cc" xsi:nil="true"/>
+    <PublishStatusLookup xmlns="4873beb7-5857-4685-be1f-d57550cc96cc">
+      <Value>1616423</Value>
+    </PublishStatusLookup>
+    <APAuthor xmlns="4873beb7-5857-4685-be1f-d57550cc96cc">
+      <UserInfo>
+        <DisplayName>REDMOND\kristaa</DisplayName>
+        <AccountId>136</AccountId>
+        <AccountType/>
+      </UserInfo>
+    </APAuthor>
+    <TPCommandLine xmlns="4873beb7-5857-4685-be1f-d57550cc96cc" xsi:nil="true"/>
+    <IntlLangReviewer xmlns="4873beb7-5857-4685-be1f-d57550cc96cc" xsi:nil="true"/>
+    <OpenTemplate xmlns="4873beb7-5857-4685-be1f-d57550cc96cc">true</OpenTemplate>
+    <CSXSubmissionDate xmlns="4873beb7-5857-4685-be1f-d57550cc96cc" xsi:nil="true"/>
+    <TaxCatchAll xmlns="4873beb7-5857-4685-be1f-d57550cc96cc"/>
+    <Manager xmlns="4873beb7-5857-4685-be1f-d57550cc96cc" xsi:nil="true"/>
+    <NumericId xmlns="4873beb7-5857-4685-be1f-d57550cc96cc" xsi:nil="true"/>
+    <ParentAssetId xmlns="4873beb7-5857-4685-be1f-d57550cc96cc" xsi:nil="true"/>
+    <OriginalSourceMarket xmlns="4873beb7-5857-4685-be1f-d57550cc96cc" xsi:nil="true"/>
+    <ApprovalStatus xmlns="4873beb7-5857-4685-be1f-d57550cc96cc">InProgress</ApprovalStatus>
+    <TPComponent xmlns="4873beb7-5857-4685-be1f-d57550cc96cc" xsi:nil="true"/>
+    <EditorialTags xmlns="4873beb7-5857-4685-be1f-d57550cc96cc" xsi:nil="true"/>
+    <TPExecutable xmlns="4873beb7-5857-4685-be1f-d57550cc96cc" xsi:nil="true"/>
+    <TPLaunchHelpLink xmlns="4873beb7-5857-4685-be1f-d57550cc96cc" xsi:nil="true"/>
+    <LocComments xmlns="4873beb7-5857-4685-be1f-d57550cc96cc" xsi:nil="true"/>
+    <LocRecommendedHandoff xmlns="4873beb7-5857-4685-be1f-d57550cc96cc" xsi:nil="true"/>
+    <SourceTitle xmlns="4873beb7-5857-4685-be1f-d57550cc96cc" xsi:nil="true"/>
+    <CSXUpdate xmlns="4873beb7-5857-4685-be1f-d57550cc96cc">false</CSXUpdate>
+    <IntlLocPriority xmlns="4873beb7-5857-4685-be1f-d57550cc96cc" xsi:nil="true"/>
+    <UAProjectedTotalWords xmlns="4873beb7-5857-4685-be1f-d57550cc96cc" xsi:nil="true"/>
+    <AssetType xmlns="4873beb7-5857-4685-be1f-d57550cc96cc">TP</AssetType>
+    <MachineTranslated xmlns="4873beb7-5857-4685-be1f-d57550cc96cc">false</MachineTranslated>
+    <OutputCachingOn xmlns="4873beb7-5857-4685-be1f-d57550cc96cc">false</OutputCachingOn>
+    <TemplateStatus xmlns="4873beb7-5857-4685-be1f-d57550cc96cc">Complete</TemplateStatus>
+    <IsSearchable xmlns="4873beb7-5857-4685-be1f-d57550cc96cc">true</IsSearchable>
+    <ContentItem xmlns="4873beb7-5857-4685-be1f-d57550cc96cc" xsi:nil="true"/>
+    <HandoffToMSDN xmlns="4873beb7-5857-4685-be1f-d57550cc96cc" xsi:nil="true"/>
+    <ShowIn xmlns="4873beb7-5857-4685-be1f-d57550cc96cc">Show everywhere</ShowIn>
+    <ThumbnailAssetId xmlns="4873beb7-5857-4685-be1f-d57550cc96cc" xsi:nil="true"/>
+    <UALocComments xmlns="4873beb7-5857-4685-be1f-d57550cc96cc" xsi:nil="true"/>
+    <UALocRecommendation xmlns="4873beb7-5857-4685-be1f-d57550cc96cc">Localize</UALocRecommendation>
+    <LastModifiedDateTime xmlns="4873beb7-5857-4685-be1f-d57550cc96cc" xsi:nil="true"/>
+    <LegacyData xmlns="4873beb7-5857-4685-be1f-d57550cc96cc" xsi:nil="true"/>
+    <LocManualTestRequired xmlns="4873beb7-5857-4685-be1f-d57550cc96cc">false</LocManualTestRequired>
+    <LocMarketGroupTiers2 xmlns="4873beb7-5857-4685-be1f-d57550cc96cc" xsi:nil="true"/>
+    <ClipArtFilename xmlns="4873beb7-5857-4685-be1f-d57550cc96cc" xsi:nil="true"/>
+    <TPApplication xmlns="4873beb7-5857-4685-be1f-d57550cc96cc" xsi:nil="true"/>
+    <CSXHash xmlns="4873beb7-5857-4685-be1f-d57550cc96cc" xsi:nil="true"/>
+    <DirectSourceMarket xmlns="4873beb7-5857-4685-be1f-d57550cc96cc" xsi:nil="true"/>
+    <PrimaryImageGen xmlns="4873beb7-5857-4685-be1f-d57550cc96cc">true</PrimaryImageGen>
+    <PlannedPubDate xmlns="4873beb7-5857-4685-be1f-d57550cc96cc" xsi:nil="true"/>
+    <CSXSubmissionMarket xmlns="4873beb7-5857-4685-be1f-d57550cc96cc" xsi:nil="true"/>
+    <Downloads xmlns="4873beb7-5857-4685-be1f-d57550cc96cc">0</Downloads>
+    <ArtSampleDocs xmlns="4873beb7-5857-4685-be1f-d57550cc96cc" xsi:nil="true"/>
+    <TrustLevel xmlns="4873beb7-5857-4685-be1f-d57550cc96cc">1 Microsoft Managed Content</TrustLevel>
+    <BlockPublish xmlns="4873beb7-5857-4685-be1f-d57550cc96cc">false</BlockPublish>
+    <TPLaunchHelpLinkType xmlns="4873beb7-5857-4685-be1f-d57550cc96cc">Template</TPLaunchHelpLinkType>
+    <LocalizationTagsTaxHTField0 xmlns="4873beb7-5857-4685-be1f-d57550cc96cc">
+      <Terms xmlns="http://schemas.microsoft.com/office/infopath/2007/PartnerControls"/>
+    </LocalizationTagsTaxHTField0>
+    <BusinessGroup xmlns="4873beb7-5857-4685-be1f-d57550cc96cc" xsi:nil="true"/>
+    <Providers xmlns="4873beb7-5857-4685-be1f-d57550cc96cc" xsi:nil="true"/>
+    <TemplateTemplateType xmlns="4873beb7-5857-4685-be1f-d57550cc96cc">PowerPoint Presentation Template</TemplateTemplateType>
+    <TimesCloned xmlns="4873beb7-5857-4685-be1f-d57550cc96cc" xsi:nil="true"/>
+    <TPAppVersion xmlns="4873beb7-5857-4685-be1f-d57550cc96cc" xsi:nil="true"/>
+    <VoteCount xmlns="4873beb7-5857-4685-be1f-d57550cc96cc" xsi:nil="true"/>
+    <AverageRating xmlns="4873beb7-5857-4685-be1f-d57550cc96cc" xsi:nil="true"/>
+    <FeatureTagsTaxHTField0 xmlns="4873beb7-5857-4685-be1f-d57550cc96cc">
+      <Terms xmlns="http://schemas.microsoft.com/office/infopath/2007/PartnerControls"/>
+    </FeatureTagsTaxHTField0>
+    <Provider xmlns="4873beb7-5857-4685-be1f-d57550cc96cc" xsi:nil="true"/>
+    <UACurrentWords xmlns="4873beb7-5857-4685-be1f-d57550cc96cc" xsi:nil="true"/>
+    <AssetId xmlns="4873beb7-5857-4685-be1f-d57550cc96cc">TP103431361</AssetId>
+    <TPClientViewer xmlns="4873beb7-5857-4685-be1f-d57550cc96cc" xsi:nil="true"/>
+    <DSATActionTaken xmlns="4873beb7-5857-4685-be1f-d57550cc96cc" xsi:nil="true"/>
+    <APEditor xmlns="4873beb7-5857-4685-be1f-d57550cc96cc">
+      <UserInfo>
+        <DisplayName/>
+        <AccountId xsi:nil="true"/>
+        <AccountType/>
+      </UserInfo>
+    </APEditor>
+    <TPInstallLocation xmlns="4873beb7-5857-4685-be1f-d57550cc96cc" xsi:nil="true"/>
+    <OOCacheId xmlns="4873beb7-5857-4685-be1f-d57550cc96cc" xsi:nil="true"/>
+    <IsDeleted xmlns="4873beb7-5857-4685-be1f-d57550cc96cc">false</IsDeleted>
+    <PublishTargets xmlns="4873beb7-5857-4685-be1f-d57550cc96cc">OfficeOnlineVNext</PublishTargets>
+    <ApprovalLog xmlns="4873beb7-5857-4685-be1f-d57550cc96cc" xsi:nil="true"/>
+    <BugNumber xmlns="4873beb7-5857-4685-be1f-d57550cc96cc" xsi:nil="true"/>
+    <CrawlForDependencies xmlns="4873beb7-5857-4685-be1f-d57550cc96cc">false</CrawlForDependencies>
+    <InternalTagsTaxHTField0 xmlns="4873beb7-5857-4685-be1f-d57550cc96cc">
+      <Terms xmlns="http://schemas.microsoft.com/office/infopath/2007/PartnerControls"/>
+    </InternalTagsTaxHTField0>
+    <LastHandOff xmlns="4873beb7-5857-4685-be1f-d57550cc96cc" xsi:nil="true"/>
+    <Milestone xmlns="4873beb7-5857-4685-be1f-d57550cc96cc" xsi:nil="true"/>
+    <OriginalRelease xmlns="4873beb7-5857-4685-be1f-d57550cc96cc">15</OriginalRelease>
+    <RecommendationsModifier xmlns="4873beb7-5857-4685-be1f-d57550cc96cc" xsi:nil="true"/>
+    <ScenarioTagsTaxHTField0 xmlns="4873beb7-5857-4685-be1f-d57550cc96cc">
+      <Terms xmlns="http://schemas.microsoft.com/office/infopath/2007/PartnerControls"/>
+    </ScenarioTagsTaxHTField0>
+    <UANotes xmlns="4873beb7-5857-4685-be1f-d57550cc96cc" xsi:nil="true"/>
+  </documentManagement>
+</p:properties>
 </file>
 
 <file path=customXml/itemProps1.xml><?xml version="1.0" encoding="utf-8"?>
-<ds:datastoreItem xmlns:ds="http://schemas.openxmlformats.org/officeDocument/2006/customXml" ds:itemID="{8CDDBB83-77C1-4099-A0AA-289882E745E2}">
+<ds:datastoreItem xmlns:ds="http://schemas.openxmlformats.org/officeDocument/2006/customXml" ds:itemID="{561E720F-F05D-4536-9C34-0CFCED65D3B7}">
   <ds:schemaRefs>
-    <ds:schemaRef ds:uri="http://purl.org/dc/elements/1.1/"/>
-    <ds:schemaRef ds:uri="http://schemas.microsoft.com/office/2006/metadata/properties"/>
-    <ds:schemaRef ds:uri="4873beb7-5857-4685-be1f-d57550cc96cc"/>
-    <ds:schemaRef ds:uri="http://schemas.openxmlformats.org/package/2006/metadata/core-properties"/>
-    <ds:schemaRef ds:uri="http://purl.org/dc/terms/"/>
-    <ds:schemaRef ds:uri="http://schemas.microsoft.com/office/2006/documentManagement/types"/>
-    <ds:schemaRef ds:uri="http://schemas.microsoft.com/office/infopath/2007/PartnerControls"/>
-    <ds:schemaRef ds:uri="http://www.w3.org/XML/1998/namespace"/>
-    <ds:schemaRef ds:uri="http://purl.org/dc/dcmitype/"/>
+    <ds:schemaRef ds:uri="http://schemas.microsoft.com/sharepoint/v3/contenttype/forms"/>
   </ds:schemaRefs>
 </ds:datastoreItem>
 </file>
@@ -8599,9 +8676,17 @@
 </file>
 
 <file path=customXml/itemProps3.xml><?xml version="1.0" encoding="utf-8"?>
-<ds:datastoreItem xmlns:ds="http://schemas.openxmlformats.org/officeDocument/2006/customXml" ds:itemID="{561E720F-F05D-4536-9C34-0CFCED65D3B7}">
+<ds:datastoreItem xmlns:ds="http://schemas.openxmlformats.org/officeDocument/2006/customXml" ds:itemID="{8CDDBB83-77C1-4099-A0AA-289882E745E2}">
   <ds:schemaRefs>
-    <ds:schemaRef ds:uri="http://schemas.microsoft.com/sharepoint/v3/contenttype/forms"/>
+    <ds:schemaRef ds:uri="http://purl.org/dc/elements/1.1/"/>
+    <ds:schemaRef ds:uri="http://schemas.microsoft.com/office/2006/metadata/properties"/>
+    <ds:schemaRef ds:uri="4873beb7-5857-4685-be1f-d57550cc96cc"/>
+    <ds:schemaRef ds:uri="http://schemas.openxmlformats.org/package/2006/metadata/core-properties"/>
+    <ds:schemaRef ds:uri="http://purl.org/dc/terms/"/>
+    <ds:schemaRef ds:uri="http://schemas.microsoft.com/office/2006/documentManagement/types"/>
+    <ds:schemaRef ds:uri="http://schemas.microsoft.com/office/infopath/2007/PartnerControls"/>
+    <ds:schemaRef ds:uri="http://www.w3.org/XML/1998/namespace"/>
+    <ds:schemaRef ds:uri="http://purl.org/dc/dcmitype/"/>
   </ds:schemaRefs>
 </ds:datastoreItem>
 </file>
--- a/union_density_project.pptx
+++ b/union_density_project.pptx
@@ -5,25 +5,28 @@
     <p:sldMasterId id="2147483648" r:id="rId4"/>
   </p:sldMasterIdLst>
   <p:notesMasterIdLst>
-    <p:notesMasterId r:id="rId18"/>
+    <p:notesMasterId r:id="rId21"/>
   </p:notesMasterIdLst>
   <p:handoutMasterIdLst>
-    <p:handoutMasterId r:id="rId19"/>
+    <p:handoutMasterId r:id="rId22"/>
   </p:handoutMasterIdLst>
   <p:sldIdLst>
     <p:sldId id="256" r:id="rId5"/>
     <p:sldId id="257" r:id="rId6"/>
-    <p:sldId id="258" r:id="rId7"/>
-    <p:sldId id="260" r:id="rId8"/>
-    <p:sldId id="269" r:id="rId9"/>
-    <p:sldId id="270" r:id="rId10"/>
-    <p:sldId id="271" r:id="rId11"/>
-    <p:sldId id="268" r:id="rId12"/>
-    <p:sldId id="272" r:id="rId13"/>
-    <p:sldId id="273" r:id="rId14"/>
-    <p:sldId id="266" r:id="rId15"/>
-    <p:sldId id="274" r:id="rId16"/>
-    <p:sldId id="265" r:id="rId17"/>
+    <p:sldId id="275" r:id="rId7"/>
+    <p:sldId id="258" r:id="rId8"/>
+    <p:sldId id="260" r:id="rId9"/>
+    <p:sldId id="269" r:id="rId10"/>
+    <p:sldId id="270" r:id="rId11"/>
+    <p:sldId id="271" r:id="rId12"/>
+    <p:sldId id="276" r:id="rId13"/>
+    <p:sldId id="268" r:id="rId14"/>
+    <p:sldId id="272" r:id="rId15"/>
+    <p:sldId id="273" r:id="rId16"/>
+    <p:sldId id="266" r:id="rId17"/>
+    <p:sldId id="277" r:id="rId18"/>
+    <p:sldId id="274" r:id="rId19"/>
+    <p:sldId id="265" r:id="rId20"/>
   </p:sldIdLst>
   <p:sldSz cx="12192000" cy="6858000"/>
   <p:notesSz cx="6858000" cy="9144000"/>
@@ -144,6 +147,6735 @@
 </p:presentation>
 </file>
 
+<file path=ppt/diagrams/colors1.xml><?xml version="1.0" encoding="utf-8"?>
+<dgm:colorsDef xmlns:dgm="http://schemas.openxmlformats.org/drawingml/2006/diagram" xmlns:a="http://schemas.openxmlformats.org/drawingml/2006/main" uniqueId="urn:microsoft.com/office/officeart/2005/8/colors/accent1_2">
+  <dgm:title val=""/>
+  <dgm:desc val=""/>
+  <dgm:catLst>
+    <dgm:cat type="accent1" pri="11200"/>
+  </dgm:catLst>
+  <dgm:styleLbl name="node0">
+    <dgm:fillClrLst meth="repeat">
+      <a:schemeClr val="accent1"/>
+    </dgm:fillClrLst>
+    <dgm:linClrLst meth="repeat">
+      <a:schemeClr val="lt1"/>
+    </dgm:linClrLst>
+    <dgm:effectClrLst/>
+    <dgm:txLinClrLst/>
+    <dgm:txFillClrLst/>
+    <dgm:txEffectClrLst/>
+  </dgm:styleLbl>
+  <dgm:styleLbl name="alignNode1">
+    <dgm:fillClrLst meth="repeat">
+      <a:schemeClr val="accent1"/>
+    </dgm:fillClrLst>
+    <dgm:linClrLst meth="repeat">
+      <a:schemeClr val="accent1"/>
+    </dgm:linClrLst>
+    <dgm:effectClrLst/>
+    <dgm:txLinClrLst/>
+    <dgm:txFillClrLst/>
+    <dgm:txEffectClrLst/>
+  </dgm:styleLbl>
+  <dgm:styleLbl name="node1">
+    <dgm:fillClrLst meth="repeat">
+      <a:schemeClr val="accent1"/>
+    </dgm:fillClrLst>
+    <dgm:linClrLst meth="repeat">
+      <a:schemeClr val="lt1"/>
+    </dgm:linClrLst>
+    <dgm:effectClrLst/>
+    <dgm:txLinClrLst/>
+    <dgm:txFillClrLst/>
+    <dgm:txEffectClrLst/>
+  </dgm:styleLbl>
+  <dgm:styleLbl name="lnNode1">
+    <dgm:fillClrLst meth="repeat">
+      <a:schemeClr val="accent1"/>
+    </dgm:fillClrLst>
+    <dgm:linClrLst meth="repeat">
+      <a:schemeClr val="lt1"/>
+    </dgm:linClrLst>
+    <dgm:effectClrLst/>
+    <dgm:txLinClrLst/>
+    <dgm:txFillClrLst/>
+    <dgm:txEffectClrLst/>
+  </dgm:styleLbl>
+  <dgm:styleLbl name="vennNode1">
+    <dgm:fillClrLst meth="repeat">
+      <a:schemeClr val="accent1">
+        <a:alpha val="50000"/>
+      </a:schemeClr>
+    </dgm:fillClrLst>
+    <dgm:linClrLst meth="repeat">
+      <a:schemeClr val="lt1"/>
+    </dgm:linClrLst>
+    <dgm:effectClrLst/>
+    <dgm:txLinClrLst/>
+    <dgm:txFillClrLst/>
+    <dgm:txEffectClrLst/>
+  </dgm:styleLbl>
+  <dgm:styleLbl name="node2">
+    <dgm:fillClrLst meth="repeat">
+      <a:schemeClr val="accent1"/>
+    </dgm:fillClrLst>
+    <dgm:linClrLst meth="repeat">
+      <a:schemeClr val="lt1"/>
+    </dgm:linClrLst>
+    <dgm:effectClrLst/>
+    <dgm:txLinClrLst/>
+    <dgm:txFillClrLst/>
+    <dgm:txEffectClrLst/>
+  </dgm:styleLbl>
+  <dgm:styleLbl name="node3">
+    <dgm:fillClrLst meth="repeat">
+      <a:schemeClr val="accent1"/>
+    </dgm:fillClrLst>
+    <dgm:linClrLst meth="repeat">
+      <a:schemeClr val="lt1"/>
+    </dgm:linClrLst>
+    <dgm:effectClrLst/>
+    <dgm:txLinClrLst/>
+    <dgm:txFillClrLst/>
+    <dgm:txEffectClrLst/>
+  </dgm:styleLbl>
+  <dgm:styleLbl name="node4">
+    <dgm:fillClrLst meth="repeat">
+      <a:schemeClr val="accent1"/>
+    </dgm:fillClrLst>
+    <dgm:linClrLst meth="repeat">
+      <a:schemeClr val="lt1"/>
+    </dgm:linClrLst>
+    <dgm:effectClrLst/>
+    <dgm:txLinClrLst/>
+    <dgm:txFillClrLst/>
+    <dgm:txEffectClrLst/>
+  </dgm:styleLbl>
+  <dgm:styleLbl name="fgImgPlace1">
+    <dgm:fillClrLst meth="repeat">
+      <a:schemeClr val="accent1">
+        <a:tint val="50000"/>
+      </a:schemeClr>
+    </dgm:fillClrLst>
+    <dgm:linClrLst meth="repeat">
+      <a:schemeClr val="lt1"/>
+    </dgm:linClrLst>
+    <dgm:effectClrLst/>
+    <dgm:txLinClrLst/>
+    <dgm:txFillClrLst meth="repeat">
+      <a:schemeClr val="lt1"/>
+    </dgm:txFillClrLst>
+    <dgm:txEffectClrLst/>
+  </dgm:styleLbl>
+  <dgm:styleLbl name="alignImgPlace1">
+    <dgm:fillClrLst meth="repeat">
+      <a:schemeClr val="accent1">
+        <a:tint val="50000"/>
+      </a:schemeClr>
+    </dgm:fillClrLst>
+    <dgm:linClrLst meth="repeat">
+      <a:schemeClr val="lt1"/>
+    </dgm:linClrLst>
+    <dgm:effectClrLst/>
+    <dgm:txLinClrLst/>
+    <dgm:txFillClrLst meth="repeat">
+      <a:schemeClr val="lt1"/>
+    </dgm:txFillClrLst>
+    <dgm:txEffectClrLst/>
+  </dgm:styleLbl>
+  <dgm:styleLbl name="bgImgPlace1">
+    <dgm:fillClrLst meth="repeat">
+      <a:schemeClr val="accent1">
+        <a:tint val="50000"/>
+      </a:schemeClr>
+    </dgm:fillClrLst>
+    <dgm:linClrLst meth="repeat">
+      <a:schemeClr val="lt1"/>
+    </dgm:linClrLst>
+    <dgm:effectClrLst/>
+    <dgm:txLinClrLst/>
+    <dgm:txFillClrLst meth="repeat">
+      <a:schemeClr val="lt1"/>
+    </dgm:txFillClrLst>
+    <dgm:txEffectClrLst/>
+  </dgm:styleLbl>
+  <dgm:styleLbl name="sibTrans2D1">
+    <dgm:fillClrLst meth="repeat">
+      <a:schemeClr val="accent1">
+        <a:tint val="60000"/>
+      </a:schemeClr>
+    </dgm:fillClrLst>
+    <dgm:linClrLst meth="repeat">
+      <a:schemeClr val="accent1">
+        <a:tint val="60000"/>
+      </a:schemeClr>
+    </dgm:linClrLst>
+    <dgm:effectClrLst/>
+    <dgm:txLinClrLst/>
+    <dgm:txFillClrLst/>
+    <dgm:txEffectClrLst/>
+  </dgm:styleLbl>
+  <dgm:styleLbl name="fgSibTrans2D1">
+    <dgm:fillClrLst meth="repeat">
+      <a:schemeClr val="accent1">
+        <a:tint val="60000"/>
+      </a:schemeClr>
+    </dgm:fillClrLst>
+    <dgm:linClrLst meth="repeat">
+      <a:schemeClr val="accent1">
+        <a:tint val="60000"/>
+      </a:schemeClr>
+    </dgm:linClrLst>
+    <dgm:effectClrLst/>
+    <dgm:txLinClrLst/>
+    <dgm:txFillClrLst/>
+    <dgm:txEffectClrLst/>
+  </dgm:styleLbl>
+  <dgm:styleLbl name="bgSibTrans2D1">
+    <dgm:fillClrLst meth="repeat">
+      <a:schemeClr val="accent1">
+        <a:tint val="60000"/>
+      </a:schemeClr>
+    </dgm:fillClrLst>
+    <dgm:linClrLst meth="repeat">
+      <a:schemeClr val="accent1">
+        <a:tint val="60000"/>
+      </a:schemeClr>
+    </dgm:linClrLst>
+    <dgm:effectClrLst/>
+    <dgm:txLinClrLst/>
+    <dgm:txFillClrLst/>
+    <dgm:txEffectClrLst/>
+  </dgm:styleLbl>
+  <dgm:styleLbl name="sibTrans1D1">
+    <dgm:fillClrLst meth="repeat">
+      <a:schemeClr val="accent1"/>
+    </dgm:fillClrLst>
+    <dgm:linClrLst meth="repeat">
+      <a:schemeClr val="accent1"/>
+    </dgm:linClrLst>
+    <dgm:effectClrLst/>
+    <dgm:txLinClrLst/>
+    <dgm:txFillClrLst meth="repeat">
+      <a:schemeClr val="tx1"/>
+    </dgm:txFillClrLst>
+    <dgm:txEffectClrLst/>
+  </dgm:styleLbl>
+  <dgm:styleLbl name="callout">
+    <dgm:fillClrLst meth="repeat">
+      <a:schemeClr val="accent1"/>
+    </dgm:fillClrLst>
+    <dgm:linClrLst meth="repeat">
+      <a:schemeClr val="accent1">
+        <a:tint val="50000"/>
+      </a:schemeClr>
+    </dgm:linClrLst>
+    <dgm:effectClrLst/>
+    <dgm:txLinClrLst/>
+    <dgm:txFillClrLst meth="repeat">
+      <a:schemeClr val="tx1"/>
+    </dgm:txFillClrLst>
+    <dgm:txEffectClrLst/>
+  </dgm:styleLbl>
+  <dgm:styleLbl name="asst0">
+    <dgm:fillClrLst meth="repeat">
+      <a:schemeClr val="accent1"/>
+    </dgm:fillClrLst>
+    <dgm:linClrLst meth="repeat">
+      <a:schemeClr val="lt1"/>
+    </dgm:linClrLst>
+    <dgm:effectClrLst/>
+    <dgm:txLinClrLst/>
+    <dgm:txFillClrLst/>
+    <dgm:txEffectClrLst/>
+  </dgm:styleLbl>
+  <dgm:styleLbl name="asst1">
+    <dgm:fillClrLst meth="repeat">
+      <a:schemeClr val="accent1"/>
+    </dgm:fillClrLst>
+    <dgm:linClrLst meth="repeat">
+      <a:schemeClr val="lt1"/>
+    </dgm:linClrLst>
+    <dgm:effectClrLst/>
+    <dgm:txLinClrLst/>
+    <dgm:txFillClrLst/>
+    <dgm:txEffectClrLst/>
+  </dgm:styleLbl>
+  <dgm:styleLbl name="asst2">
+    <dgm:fillClrLst meth="repeat">
+      <a:schemeClr val="accent1"/>
+    </dgm:fillClrLst>
+    <dgm:linClrLst meth="repeat">
+      <a:schemeClr val="lt1"/>
+    </dgm:linClrLst>
+    <dgm:effectClrLst/>
+    <dgm:txLinClrLst/>
+    <dgm:txFillClrLst/>
+    <dgm:txEffectClrLst/>
+  </dgm:styleLbl>
+  <dgm:styleLbl name="asst3">
+    <dgm:fillClrLst meth="repeat">
+      <a:schemeClr val="accent1"/>
+    </dgm:fillClrLst>
+    <dgm:linClrLst meth="repeat">
+      <a:schemeClr val="lt1"/>
+    </dgm:linClrLst>
+    <dgm:effectClrLst/>
+    <dgm:txLinClrLst/>
+    <dgm:txFillClrLst/>
+    <dgm:txEffectClrLst/>
+  </dgm:styleLbl>
+  <dgm:styleLbl name="asst4">
+    <dgm:fillClrLst meth="repeat">
+      <a:schemeClr val="accent1"/>
+    </dgm:fillClrLst>
+    <dgm:linClrLst meth="repeat">
+      <a:schemeClr val="lt1"/>
+    </dgm:linClrLst>
+    <dgm:effectClrLst/>
+    <dgm:txLinClrLst/>
+    <dgm:txFillClrLst/>
+    <dgm:txEffectClrLst/>
+  </dgm:styleLbl>
+  <dgm:styleLbl name="parChTrans2D1">
+    <dgm:fillClrLst meth="repeat">
+      <a:schemeClr val="accent1">
+        <a:tint val="60000"/>
+      </a:schemeClr>
+    </dgm:fillClrLst>
+    <dgm:linClrLst meth="repeat">
+      <a:schemeClr val="accent1">
+        <a:tint val="60000"/>
+      </a:schemeClr>
+    </dgm:linClrLst>
+    <dgm:effectClrLst/>
+    <dgm:txLinClrLst/>
+    <dgm:txFillClrLst meth="repeat">
+      <a:schemeClr val="lt1"/>
+    </dgm:txFillClrLst>
+    <dgm:txEffectClrLst/>
+  </dgm:styleLbl>
+  <dgm:styleLbl name="parChTrans2D2">
+    <dgm:fillClrLst meth="repeat">
+      <a:schemeClr val="accent1"/>
+    </dgm:fillClrLst>
+    <dgm:linClrLst meth="repeat">
+      <a:schemeClr val="accent1"/>
+    </dgm:linClrLst>
+    <dgm:effectClrLst/>
+    <dgm:txLinClrLst/>
+    <dgm:txFillClrLst meth="repeat">
+      <a:schemeClr val="lt1"/>
+    </dgm:txFillClrLst>
+    <dgm:txEffectClrLst/>
+  </dgm:styleLbl>
+  <dgm:styleLbl name="parChTrans2D3">
+    <dgm:fillClrLst meth="repeat">
+      <a:schemeClr val="accent1"/>
+    </dgm:fillClrLst>
+    <dgm:linClrLst meth="repeat">
+      <a:schemeClr val="accent1"/>
+    </dgm:linClrLst>
+    <dgm:effectClrLst/>
+    <dgm:txLinClrLst/>
+    <dgm:txFillClrLst meth="repeat">
+      <a:schemeClr val="lt1"/>
+    </dgm:txFillClrLst>
+    <dgm:txEffectClrLst/>
+  </dgm:styleLbl>
+  <dgm:styleLbl name="parChTrans2D4">
+    <dgm:fillClrLst meth="repeat">
+      <a:schemeClr val="accent1"/>
+    </dgm:fillClrLst>
+    <dgm:linClrLst meth="repeat">
+      <a:schemeClr val="accent1"/>
+    </dgm:linClrLst>
+    <dgm:effectClrLst/>
+    <dgm:txLinClrLst/>
+    <dgm:txFillClrLst meth="repeat">
+      <a:schemeClr val="lt1"/>
+    </dgm:txFillClrLst>
+    <dgm:txEffectClrLst/>
+  </dgm:styleLbl>
+  <dgm:styleLbl name="parChTrans1D1">
+    <dgm:fillClrLst meth="repeat">
+      <a:schemeClr val="accent1"/>
+    </dgm:fillClrLst>
+    <dgm:linClrLst meth="repeat">
+      <a:schemeClr val="accent1">
+        <a:shade val="60000"/>
+      </a:schemeClr>
+    </dgm:linClrLst>
+    <dgm:effectClrLst/>
+    <dgm:txLinClrLst/>
+    <dgm:txFillClrLst meth="repeat">
+      <a:schemeClr val="tx1"/>
+    </dgm:txFillClrLst>
+    <dgm:txEffectClrLst/>
+  </dgm:styleLbl>
+  <dgm:styleLbl name="parChTrans1D2">
+    <dgm:fillClrLst meth="repeat">
+      <a:schemeClr val="accent1"/>
+    </dgm:fillClrLst>
+    <dgm:linClrLst meth="repeat">
+      <a:schemeClr val="accent1">
+        <a:shade val="60000"/>
+      </a:schemeClr>
+    </dgm:linClrLst>
+    <dgm:effectClrLst/>
+    <dgm:txLinClrLst/>
+    <dgm:txFillClrLst meth="repeat">
+      <a:schemeClr val="tx1"/>
+    </dgm:txFillClrLst>
+    <dgm:txEffectClrLst/>
+  </dgm:styleLbl>
+  <dgm:styleLbl name="parChTrans1D3">
+    <dgm:fillClrLst meth="repeat">
+      <a:schemeClr val="accent1"/>
+    </dgm:fillClrLst>
+    <dgm:linClrLst meth="repeat">
+      <a:schemeClr val="accent1">
+        <a:shade val="80000"/>
+      </a:schemeClr>
+    </dgm:linClrLst>
+    <dgm:effectClrLst/>
+    <dgm:txLinClrLst/>
+    <dgm:txFillClrLst meth="repeat">
+      <a:schemeClr val="tx1"/>
+    </dgm:txFillClrLst>
+    <dgm:txEffectClrLst/>
+  </dgm:styleLbl>
+  <dgm:styleLbl name="parChTrans1D4">
+    <dgm:fillClrLst meth="repeat">
+      <a:schemeClr val="accent1"/>
+    </dgm:fillClrLst>
+    <dgm:linClrLst meth="repeat">
+      <a:schemeClr val="accent1">
+        <a:shade val="80000"/>
+      </a:schemeClr>
+    </dgm:linClrLst>
+    <dgm:effectClrLst/>
+    <dgm:txLinClrLst/>
+    <dgm:txFillClrLst meth="repeat">
+      <a:schemeClr val="tx1"/>
+    </dgm:txFillClrLst>
+    <dgm:txEffectClrLst/>
+  </dgm:styleLbl>
+  <dgm:styleLbl name="fgAcc1">
+    <dgm:fillClrLst meth="repeat">
+      <a:schemeClr val="lt1">
+        <a:alpha val="90000"/>
+      </a:schemeClr>
+    </dgm:fillClrLst>
+    <dgm:linClrLst meth="repeat">
+      <a:schemeClr val="accent1"/>
+    </dgm:linClrLst>
+    <dgm:effectClrLst/>
+    <dgm:txLinClrLst/>
+    <dgm:txFillClrLst meth="repeat">
+      <a:schemeClr val="dk1"/>
+    </dgm:txFillClrLst>
+    <dgm:txEffectClrLst/>
+  </dgm:styleLbl>
+  <dgm:styleLbl name="conFgAcc1">
+    <dgm:fillClrLst meth="repeat">
+      <a:schemeClr val="lt1">
+        <a:alpha val="90000"/>
+      </a:schemeClr>
+    </dgm:fillClrLst>
+    <dgm:linClrLst meth="repeat">
+      <a:schemeClr val="accent1"/>
+    </dgm:linClrLst>
+    <dgm:effectClrLst/>
+    <dgm:txLinClrLst/>
+    <dgm:txFillClrLst meth="repeat">
+      <a:schemeClr val="dk1"/>
+    </dgm:txFillClrLst>
+    <dgm:txEffectClrLst/>
+  </dgm:styleLbl>
+  <dgm:styleLbl name="alignAcc1">
+    <dgm:fillClrLst meth="repeat">
+      <a:schemeClr val="lt1">
+        <a:alpha val="90000"/>
+      </a:schemeClr>
+    </dgm:fillClrLst>
+    <dgm:linClrLst meth="repeat">
+      <a:schemeClr val="accent1"/>
+    </dgm:linClrLst>
+    <dgm:effectClrLst/>
+    <dgm:txLinClrLst/>
+    <dgm:txFillClrLst meth="repeat">
+      <a:schemeClr val="dk1"/>
+    </dgm:txFillClrLst>
+    <dgm:txEffectClrLst/>
+  </dgm:styleLbl>
+  <dgm:styleLbl name="trAlignAcc1">
+    <dgm:fillClrLst meth="repeat">
+      <a:schemeClr val="lt1">
+        <a:alpha val="40000"/>
+      </a:schemeClr>
+    </dgm:fillClrLst>
+    <dgm:linClrLst meth="repeat">
+      <a:schemeClr val="accent1"/>
+    </dgm:linClrLst>
+    <dgm:effectClrLst/>
+    <dgm:txLinClrLst/>
+    <dgm:txFillClrLst meth="repeat">
+      <a:schemeClr val="dk1"/>
+    </dgm:txFillClrLst>
+    <dgm:txEffectClrLst/>
+  </dgm:styleLbl>
+  <dgm:styleLbl name="bgAcc1">
+    <dgm:fillClrLst meth="repeat">
+      <a:schemeClr val="lt1">
+        <a:alpha val="90000"/>
+      </a:schemeClr>
+    </dgm:fillClrLst>
+    <dgm:linClrLst meth="repeat">
+      <a:schemeClr val="accent1"/>
+    </dgm:linClrLst>
+    <dgm:effectClrLst/>
+    <dgm:txLinClrLst/>
+    <dgm:txFillClrLst meth="repeat">
+      <a:schemeClr val="dk1"/>
+    </dgm:txFillClrLst>
+    <dgm:txEffectClrLst/>
+  </dgm:styleLbl>
+  <dgm:styleLbl name="solidFgAcc1">
+    <dgm:fillClrLst meth="repeat">
+      <a:schemeClr val="lt1"/>
+    </dgm:fillClrLst>
+    <dgm:linClrLst meth="repeat">
+      <a:schemeClr val="accent1"/>
+    </dgm:linClrLst>
+    <dgm:effectClrLst/>
+    <dgm:txLinClrLst/>
+    <dgm:txFillClrLst meth="repeat">
+      <a:schemeClr val="dk1"/>
+    </dgm:txFillClrLst>
+    <dgm:txEffectClrLst/>
+  </dgm:styleLbl>
+  <dgm:styleLbl name="solidAlignAcc1">
+    <dgm:fillClrLst meth="repeat">
+      <a:schemeClr val="lt1"/>
+    </dgm:fillClrLst>
+    <dgm:linClrLst meth="repeat">
+      <a:schemeClr val="accent1"/>
+    </dgm:linClrLst>
+    <dgm:effectClrLst/>
+    <dgm:txLinClrLst/>
+    <dgm:txFillClrLst meth="repeat">
+      <a:schemeClr val="dk1"/>
+    </dgm:txFillClrLst>
+    <dgm:txEffectClrLst/>
+  </dgm:styleLbl>
+  <dgm:styleLbl name="solidBgAcc1">
+    <dgm:fillClrLst meth="repeat">
+      <a:schemeClr val="lt1"/>
+    </dgm:fillClrLst>
+    <dgm:linClrLst meth="repeat">
+      <a:schemeClr val="accent1"/>
+    </dgm:linClrLst>
+    <dgm:effectClrLst/>
+    <dgm:txLinClrLst/>
+    <dgm:txFillClrLst meth="repeat">
+      <a:schemeClr val="dk1"/>
+    </dgm:txFillClrLst>
+    <dgm:txEffectClrLst/>
+  </dgm:styleLbl>
+  <dgm:styleLbl name="fgAccFollowNode1">
+    <dgm:fillClrLst meth="repeat">
+      <a:schemeClr val="accent1">
+        <a:alpha val="90000"/>
+        <a:tint val="40000"/>
+      </a:schemeClr>
+    </dgm:fillClrLst>
+    <dgm:linClrLst meth="repeat">
+      <a:schemeClr val="accent1">
+        <a:alpha val="90000"/>
+        <a:tint val="40000"/>
+      </a:schemeClr>
+    </dgm:linClrLst>
+    <dgm:effectClrLst/>
+    <dgm:txLinClrLst/>
+    <dgm:txFillClrLst meth="repeat">
+      <a:schemeClr val="dk1"/>
+    </dgm:txFillClrLst>
+    <dgm:txEffectClrLst/>
+  </dgm:styleLbl>
+  <dgm:styleLbl name="alignAccFollowNode1">
+    <dgm:fillClrLst meth="repeat">
+      <a:schemeClr val="accent1">
+        <a:alpha val="90000"/>
+        <a:tint val="40000"/>
+      </a:schemeClr>
+    </dgm:fillClrLst>
+    <dgm:linClrLst meth="repeat">
+      <a:schemeClr val="accent1">
+        <a:alpha val="90000"/>
+        <a:tint val="40000"/>
+      </a:schemeClr>
+    </dgm:linClrLst>
+    <dgm:effectClrLst/>
+    <dgm:txLinClrLst/>
+    <dgm:txFillClrLst meth="repeat">
+      <a:schemeClr val="dk1"/>
+    </dgm:txFillClrLst>
+    <dgm:txEffectClrLst/>
+  </dgm:styleLbl>
+  <dgm:styleLbl name="bgAccFollowNode1">
+    <dgm:fillClrLst meth="repeat">
+      <a:schemeClr val="accent1">
+        <a:alpha val="90000"/>
+        <a:tint val="40000"/>
+      </a:schemeClr>
+    </dgm:fillClrLst>
+    <dgm:linClrLst meth="repeat">
+      <a:schemeClr val="accent1">
+        <a:alpha val="90000"/>
+        <a:tint val="40000"/>
+      </a:schemeClr>
+    </dgm:linClrLst>
+    <dgm:effectClrLst/>
+    <dgm:txLinClrLst/>
+    <dgm:txFillClrLst meth="repeat">
+      <a:schemeClr val="dk1"/>
+    </dgm:txFillClrLst>
+    <dgm:txEffectClrLst/>
+  </dgm:styleLbl>
+  <dgm:styleLbl name="fgAcc0">
+    <dgm:fillClrLst meth="repeat">
+      <a:schemeClr val="lt1">
+        <a:alpha val="90000"/>
+      </a:schemeClr>
+    </dgm:fillClrLst>
+    <dgm:linClrLst meth="repeat">
+      <a:schemeClr val="accent1"/>
+    </dgm:linClrLst>
+    <dgm:effectClrLst/>
+    <dgm:txLinClrLst/>
+    <dgm:txFillClrLst meth="repeat">
+      <a:schemeClr val="dk1"/>
+    </dgm:txFillClrLst>
+    <dgm:txEffectClrLst/>
+  </dgm:styleLbl>
+  <dgm:styleLbl name="fgAcc2">
+    <dgm:fillClrLst meth="repeat">
+      <a:schemeClr val="lt1">
+        <a:alpha val="90000"/>
+      </a:schemeClr>
+    </dgm:fillClrLst>
+    <dgm:linClrLst meth="repeat">
+      <a:schemeClr val="accent1"/>
+    </dgm:linClrLst>
+    <dgm:effectClrLst/>
+    <dgm:txLinClrLst/>
+    <dgm:txFillClrLst meth="repeat">
+      <a:schemeClr val="dk1"/>
+    </dgm:txFillClrLst>
+    <dgm:txEffectClrLst/>
+  </dgm:styleLbl>
+  <dgm:styleLbl name="fgAcc3">
+    <dgm:fillClrLst meth="repeat">
+      <a:schemeClr val="lt1">
+        <a:alpha val="90000"/>
+      </a:schemeClr>
+    </dgm:fillClrLst>
+    <dgm:linClrLst meth="repeat">
+      <a:schemeClr val="accent1"/>
+    </dgm:linClrLst>
+    <dgm:effectClrLst/>
+    <dgm:txLinClrLst/>
+    <dgm:txFillClrLst meth="repeat">
+      <a:schemeClr val="dk1"/>
+    </dgm:txFillClrLst>
+    <dgm:txEffectClrLst/>
+  </dgm:styleLbl>
+  <dgm:styleLbl name="fgAcc4">
+    <dgm:fillClrLst meth="repeat">
+      <a:schemeClr val="lt1">
+        <a:alpha val="90000"/>
+      </a:schemeClr>
+    </dgm:fillClrLst>
+    <dgm:linClrLst meth="repeat">
+      <a:schemeClr val="accent1"/>
+    </dgm:linClrLst>
+    <dgm:effectClrLst/>
+    <dgm:txLinClrLst/>
+    <dgm:txFillClrLst meth="repeat">
+      <a:schemeClr val="dk1"/>
+    </dgm:txFillClrLst>
+    <dgm:txEffectClrLst/>
+  </dgm:styleLbl>
+  <dgm:styleLbl name="bgShp">
+    <dgm:fillClrLst meth="repeat">
+      <a:schemeClr val="accent1">
+        <a:tint val="40000"/>
+      </a:schemeClr>
+    </dgm:fillClrLst>
+    <dgm:linClrLst meth="repeat">
+      <a:schemeClr val="accent1"/>
+    </dgm:linClrLst>
+    <dgm:effectClrLst/>
+    <dgm:txLinClrLst/>
+    <dgm:txFillClrLst meth="repeat">
+      <a:schemeClr val="dk1"/>
+    </dgm:txFillClrLst>
+    <dgm:txEffectClrLst/>
+  </dgm:styleLbl>
+  <dgm:styleLbl name="dkBgShp">
+    <dgm:fillClrLst meth="repeat">
+      <a:schemeClr val="accent1">
+        <a:shade val="80000"/>
+      </a:schemeClr>
+    </dgm:fillClrLst>
+    <dgm:linClrLst meth="repeat">
+      <a:schemeClr val="accent1"/>
+    </dgm:linClrLst>
+    <dgm:effectClrLst/>
+    <dgm:txLinClrLst/>
+    <dgm:txFillClrLst meth="repeat">
+      <a:schemeClr val="lt1"/>
+    </dgm:txFillClrLst>
+    <dgm:txEffectClrLst/>
+  </dgm:styleLbl>
+  <dgm:styleLbl name="trBgShp">
+    <dgm:fillClrLst meth="repeat">
+      <a:schemeClr val="accent1">
+        <a:tint val="50000"/>
+        <a:alpha val="40000"/>
+      </a:schemeClr>
+    </dgm:fillClrLst>
+    <dgm:linClrLst meth="repeat">
+      <a:schemeClr val="accent1"/>
+    </dgm:linClrLst>
+    <dgm:effectClrLst/>
+    <dgm:txLinClrLst/>
+    <dgm:txFillClrLst meth="repeat">
+      <a:schemeClr val="lt1"/>
+    </dgm:txFillClrLst>
+    <dgm:txEffectClrLst/>
+  </dgm:styleLbl>
+  <dgm:styleLbl name="fgShp">
+    <dgm:fillClrLst meth="repeat">
+      <a:schemeClr val="accent1">
+        <a:tint val="60000"/>
+      </a:schemeClr>
+    </dgm:fillClrLst>
+    <dgm:linClrLst meth="repeat">
+      <a:schemeClr val="lt1"/>
+    </dgm:linClrLst>
+    <dgm:effectClrLst/>
+    <dgm:txLinClrLst/>
+    <dgm:txFillClrLst meth="repeat">
+      <a:schemeClr val="dk1"/>
+    </dgm:txFillClrLst>
+    <dgm:txEffectClrLst/>
+  </dgm:styleLbl>
+  <dgm:styleLbl name="revTx">
+    <dgm:fillClrLst meth="repeat">
+      <a:schemeClr val="lt1">
+        <a:alpha val="0"/>
+      </a:schemeClr>
+    </dgm:fillClrLst>
+    <dgm:linClrLst meth="repeat">
+      <a:schemeClr val="dk1">
+        <a:alpha val="0"/>
+      </a:schemeClr>
+    </dgm:linClrLst>
+    <dgm:effectClrLst/>
+    <dgm:txLinClrLst/>
+    <dgm:txFillClrLst meth="repeat">
+      <a:schemeClr val="tx1"/>
+    </dgm:txFillClrLst>
+    <dgm:txEffectClrLst/>
+  </dgm:styleLbl>
+</dgm:colorsDef>
+</file>
+
+<file path=ppt/diagrams/colors2.xml><?xml version="1.0" encoding="utf-8"?>
+<dgm:colorsDef xmlns:dgm="http://schemas.openxmlformats.org/drawingml/2006/diagram" xmlns:a="http://schemas.openxmlformats.org/drawingml/2006/main" uniqueId="urn:microsoft.com/office/officeart/2005/8/colors/accent3_2">
+  <dgm:title val=""/>
+  <dgm:desc val=""/>
+  <dgm:catLst>
+    <dgm:cat type="accent3" pri="11200"/>
+  </dgm:catLst>
+  <dgm:styleLbl name="node0">
+    <dgm:fillClrLst meth="repeat">
+      <a:schemeClr val="accent3"/>
+    </dgm:fillClrLst>
+    <dgm:linClrLst meth="repeat">
+      <a:schemeClr val="lt1"/>
+    </dgm:linClrLst>
+    <dgm:effectClrLst/>
+    <dgm:txLinClrLst/>
+    <dgm:txFillClrLst/>
+    <dgm:txEffectClrLst/>
+  </dgm:styleLbl>
+  <dgm:styleLbl name="node1">
+    <dgm:fillClrLst meth="repeat">
+      <a:schemeClr val="accent3"/>
+    </dgm:fillClrLst>
+    <dgm:linClrLst meth="repeat">
+      <a:schemeClr val="lt1"/>
+    </dgm:linClrLst>
+    <dgm:effectClrLst/>
+    <dgm:txLinClrLst/>
+    <dgm:txFillClrLst/>
+    <dgm:txEffectClrLst/>
+  </dgm:styleLbl>
+  <dgm:styleLbl name="alignNode1">
+    <dgm:fillClrLst meth="repeat">
+      <a:schemeClr val="accent3"/>
+    </dgm:fillClrLst>
+    <dgm:linClrLst meth="repeat">
+      <a:schemeClr val="accent3"/>
+    </dgm:linClrLst>
+    <dgm:effectClrLst/>
+    <dgm:txLinClrLst/>
+    <dgm:txFillClrLst/>
+    <dgm:txEffectClrLst/>
+  </dgm:styleLbl>
+  <dgm:styleLbl name="lnNode1">
+    <dgm:fillClrLst meth="repeat">
+      <a:schemeClr val="accent3"/>
+    </dgm:fillClrLst>
+    <dgm:linClrLst meth="repeat">
+      <a:schemeClr val="lt1"/>
+    </dgm:linClrLst>
+    <dgm:effectClrLst/>
+    <dgm:txLinClrLst/>
+    <dgm:txFillClrLst/>
+    <dgm:txEffectClrLst/>
+  </dgm:styleLbl>
+  <dgm:styleLbl name="vennNode1">
+    <dgm:fillClrLst meth="repeat">
+      <a:schemeClr val="accent3">
+        <a:alpha val="50000"/>
+      </a:schemeClr>
+    </dgm:fillClrLst>
+    <dgm:linClrLst meth="repeat">
+      <a:schemeClr val="lt1"/>
+    </dgm:linClrLst>
+    <dgm:effectClrLst/>
+    <dgm:txLinClrLst/>
+    <dgm:txFillClrLst/>
+    <dgm:txEffectClrLst/>
+  </dgm:styleLbl>
+  <dgm:styleLbl name="node2">
+    <dgm:fillClrLst meth="repeat">
+      <a:schemeClr val="accent3"/>
+    </dgm:fillClrLst>
+    <dgm:linClrLst meth="repeat">
+      <a:schemeClr val="lt1"/>
+    </dgm:linClrLst>
+    <dgm:effectClrLst/>
+    <dgm:txLinClrLst/>
+    <dgm:txFillClrLst/>
+    <dgm:txEffectClrLst/>
+  </dgm:styleLbl>
+  <dgm:styleLbl name="node3">
+    <dgm:fillClrLst meth="repeat">
+      <a:schemeClr val="accent3"/>
+    </dgm:fillClrLst>
+    <dgm:linClrLst meth="repeat">
+      <a:schemeClr val="lt1"/>
+    </dgm:linClrLst>
+    <dgm:effectClrLst/>
+    <dgm:txLinClrLst/>
+    <dgm:txFillClrLst/>
+    <dgm:txEffectClrLst/>
+  </dgm:styleLbl>
+  <dgm:styleLbl name="node4">
+    <dgm:fillClrLst meth="repeat">
+      <a:schemeClr val="accent3"/>
+    </dgm:fillClrLst>
+    <dgm:linClrLst meth="repeat">
+      <a:schemeClr val="lt1"/>
+    </dgm:linClrLst>
+    <dgm:effectClrLst/>
+    <dgm:txLinClrLst/>
+    <dgm:txFillClrLst/>
+    <dgm:txEffectClrLst/>
+  </dgm:styleLbl>
+  <dgm:styleLbl name="fgImgPlace1">
+    <dgm:fillClrLst meth="repeat">
+      <a:schemeClr val="accent3">
+        <a:tint val="50000"/>
+      </a:schemeClr>
+    </dgm:fillClrLst>
+    <dgm:linClrLst meth="repeat">
+      <a:schemeClr val="lt1"/>
+    </dgm:linClrLst>
+    <dgm:effectClrLst/>
+    <dgm:txLinClrLst/>
+    <dgm:txFillClrLst meth="repeat">
+      <a:schemeClr val="lt1"/>
+    </dgm:txFillClrLst>
+    <dgm:txEffectClrLst/>
+  </dgm:styleLbl>
+  <dgm:styleLbl name="alignImgPlace1">
+    <dgm:fillClrLst meth="repeat">
+      <a:schemeClr val="accent3">
+        <a:tint val="50000"/>
+      </a:schemeClr>
+    </dgm:fillClrLst>
+    <dgm:linClrLst meth="repeat">
+      <a:schemeClr val="lt1"/>
+    </dgm:linClrLst>
+    <dgm:effectClrLst/>
+    <dgm:txLinClrLst/>
+    <dgm:txFillClrLst meth="repeat">
+      <a:schemeClr val="lt1"/>
+    </dgm:txFillClrLst>
+    <dgm:txEffectClrLst/>
+  </dgm:styleLbl>
+  <dgm:styleLbl name="bgImgPlace1">
+    <dgm:fillClrLst meth="repeat">
+      <a:schemeClr val="accent3">
+        <a:tint val="50000"/>
+      </a:schemeClr>
+    </dgm:fillClrLst>
+    <dgm:linClrLst meth="repeat">
+      <a:schemeClr val="lt1"/>
+    </dgm:linClrLst>
+    <dgm:effectClrLst/>
+    <dgm:txLinClrLst/>
+    <dgm:txFillClrLst meth="repeat">
+      <a:schemeClr val="lt1"/>
+    </dgm:txFillClrLst>
+    <dgm:txEffectClrLst/>
+  </dgm:styleLbl>
+  <dgm:styleLbl name="sibTrans2D1">
+    <dgm:fillClrLst meth="repeat">
+      <a:schemeClr val="accent3">
+        <a:tint val="60000"/>
+      </a:schemeClr>
+    </dgm:fillClrLst>
+    <dgm:linClrLst meth="repeat">
+      <a:schemeClr val="accent3">
+        <a:tint val="60000"/>
+      </a:schemeClr>
+    </dgm:linClrLst>
+    <dgm:effectClrLst/>
+    <dgm:txLinClrLst/>
+    <dgm:txFillClrLst/>
+    <dgm:txEffectClrLst/>
+  </dgm:styleLbl>
+  <dgm:styleLbl name="fgSibTrans2D1">
+    <dgm:fillClrLst meth="repeat">
+      <a:schemeClr val="accent3">
+        <a:tint val="60000"/>
+      </a:schemeClr>
+    </dgm:fillClrLst>
+    <dgm:linClrLst meth="repeat">
+      <a:schemeClr val="accent3">
+        <a:tint val="60000"/>
+      </a:schemeClr>
+    </dgm:linClrLst>
+    <dgm:effectClrLst/>
+    <dgm:txLinClrLst/>
+    <dgm:txFillClrLst/>
+    <dgm:txEffectClrLst/>
+  </dgm:styleLbl>
+  <dgm:styleLbl name="bgSibTrans2D1">
+    <dgm:fillClrLst meth="repeat">
+      <a:schemeClr val="accent3">
+        <a:tint val="60000"/>
+      </a:schemeClr>
+    </dgm:fillClrLst>
+    <dgm:linClrLst meth="repeat">
+      <a:schemeClr val="accent3">
+        <a:tint val="60000"/>
+      </a:schemeClr>
+    </dgm:linClrLst>
+    <dgm:effectClrLst/>
+    <dgm:txLinClrLst/>
+    <dgm:txFillClrLst/>
+    <dgm:txEffectClrLst/>
+  </dgm:styleLbl>
+  <dgm:styleLbl name="sibTrans1D1">
+    <dgm:fillClrLst meth="repeat">
+      <a:schemeClr val="accent3"/>
+    </dgm:fillClrLst>
+    <dgm:linClrLst meth="repeat">
+      <a:schemeClr val="accent3"/>
+    </dgm:linClrLst>
+    <dgm:effectClrLst/>
+    <dgm:txLinClrLst/>
+    <dgm:txFillClrLst meth="repeat">
+      <a:schemeClr val="tx1"/>
+    </dgm:txFillClrLst>
+    <dgm:txEffectClrLst/>
+  </dgm:styleLbl>
+  <dgm:styleLbl name="callout">
+    <dgm:fillClrLst meth="repeat">
+      <a:schemeClr val="accent3"/>
+    </dgm:fillClrLst>
+    <dgm:linClrLst meth="repeat">
+      <a:schemeClr val="accent3">
+        <a:tint val="50000"/>
+      </a:schemeClr>
+    </dgm:linClrLst>
+    <dgm:effectClrLst/>
+    <dgm:txLinClrLst/>
+    <dgm:txFillClrLst meth="repeat">
+      <a:schemeClr val="tx1"/>
+    </dgm:txFillClrLst>
+    <dgm:txEffectClrLst/>
+  </dgm:styleLbl>
+  <dgm:styleLbl name="asst0">
+    <dgm:fillClrLst meth="repeat">
+      <a:schemeClr val="accent3"/>
+    </dgm:fillClrLst>
+    <dgm:linClrLst meth="repeat">
+      <a:schemeClr val="lt1"/>
+    </dgm:linClrLst>
+    <dgm:effectClrLst/>
+    <dgm:txLinClrLst/>
+    <dgm:txFillClrLst/>
+    <dgm:txEffectClrLst/>
+  </dgm:styleLbl>
+  <dgm:styleLbl name="asst1">
+    <dgm:fillClrLst meth="repeat">
+      <a:schemeClr val="accent3"/>
+    </dgm:fillClrLst>
+    <dgm:linClrLst meth="repeat">
+      <a:schemeClr val="lt1"/>
+    </dgm:linClrLst>
+    <dgm:effectClrLst/>
+    <dgm:txLinClrLst/>
+    <dgm:txFillClrLst/>
+    <dgm:txEffectClrLst/>
+  </dgm:styleLbl>
+  <dgm:styleLbl name="asst2">
+    <dgm:fillClrLst meth="repeat">
+      <a:schemeClr val="accent3"/>
+    </dgm:fillClrLst>
+    <dgm:linClrLst meth="repeat">
+      <a:schemeClr val="lt1"/>
+    </dgm:linClrLst>
+    <dgm:effectClrLst/>
+    <dgm:txLinClrLst/>
+    <dgm:txFillClrLst/>
+    <dgm:txEffectClrLst/>
+  </dgm:styleLbl>
+  <dgm:styleLbl name="asst3">
+    <dgm:fillClrLst meth="repeat">
+      <a:schemeClr val="accent3"/>
+    </dgm:fillClrLst>
+    <dgm:linClrLst meth="repeat">
+      <a:schemeClr val="lt1"/>
+    </dgm:linClrLst>
+    <dgm:effectClrLst/>
+    <dgm:txLinClrLst/>
+    <dgm:txFillClrLst/>
+    <dgm:txEffectClrLst/>
+  </dgm:styleLbl>
+  <dgm:styleLbl name="asst4">
+    <dgm:fillClrLst meth="repeat">
+      <a:schemeClr val="accent3"/>
+    </dgm:fillClrLst>
+    <dgm:linClrLst meth="repeat">
+      <a:schemeClr val="lt1"/>
+    </dgm:linClrLst>
+    <dgm:effectClrLst/>
+    <dgm:txLinClrLst/>
+    <dgm:txFillClrLst/>
+    <dgm:txEffectClrLst/>
+  </dgm:styleLbl>
+  <dgm:styleLbl name="parChTrans2D1">
+    <dgm:fillClrLst meth="repeat">
+      <a:schemeClr val="accent3">
+        <a:tint val="60000"/>
+      </a:schemeClr>
+    </dgm:fillClrLst>
+    <dgm:linClrLst meth="repeat">
+      <a:schemeClr val="accent3">
+        <a:tint val="60000"/>
+      </a:schemeClr>
+    </dgm:linClrLst>
+    <dgm:effectClrLst/>
+    <dgm:txLinClrLst/>
+    <dgm:txFillClrLst meth="repeat">
+      <a:schemeClr val="lt1"/>
+    </dgm:txFillClrLst>
+    <dgm:txEffectClrLst/>
+  </dgm:styleLbl>
+  <dgm:styleLbl name="parChTrans2D2">
+    <dgm:fillClrLst meth="repeat">
+      <a:schemeClr val="accent3"/>
+    </dgm:fillClrLst>
+    <dgm:linClrLst meth="repeat">
+      <a:schemeClr val="accent3"/>
+    </dgm:linClrLst>
+    <dgm:effectClrLst/>
+    <dgm:txLinClrLst/>
+    <dgm:txFillClrLst meth="repeat">
+      <a:schemeClr val="lt1"/>
+    </dgm:txFillClrLst>
+    <dgm:txEffectClrLst/>
+  </dgm:styleLbl>
+  <dgm:styleLbl name="parChTrans2D3">
+    <dgm:fillClrLst meth="repeat">
+      <a:schemeClr val="accent3"/>
+    </dgm:fillClrLst>
+    <dgm:linClrLst meth="repeat">
+      <a:schemeClr val="accent3"/>
+    </dgm:linClrLst>
+    <dgm:effectClrLst/>
+    <dgm:txLinClrLst/>
+    <dgm:txFillClrLst meth="repeat">
+      <a:schemeClr val="lt1"/>
+    </dgm:txFillClrLst>
+    <dgm:txEffectClrLst/>
+  </dgm:styleLbl>
+  <dgm:styleLbl name="parChTrans2D4">
+    <dgm:fillClrLst meth="repeat">
+      <a:schemeClr val="accent3"/>
+    </dgm:fillClrLst>
+    <dgm:linClrLst meth="repeat">
+      <a:schemeClr val="accent3"/>
+    </dgm:linClrLst>
+    <dgm:effectClrLst/>
+    <dgm:txLinClrLst/>
+    <dgm:txFillClrLst meth="repeat">
+      <a:schemeClr val="lt1"/>
+    </dgm:txFillClrLst>
+    <dgm:txEffectClrLst/>
+  </dgm:styleLbl>
+  <dgm:styleLbl name="parChTrans1D1">
+    <dgm:fillClrLst meth="repeat">
+      <a:schemeClr val="accent3"/>
+    </dgm:fillClrLst>
+    <dgm:linClrLst meth="repeat">
+      <a:schemeClr val="accent3">
+        <a:shade val="60000"/>
+      </a:schemeClr>
+    </dgm:linClrLst>
+    <dgm:effectClrLst/>
+    <dgm:txLinClrLst/>
+    <dgm:txFillClrLst meth="repeat">
+      <a:schemeClr val="tx1"/>
+    </dgm:txFillClrLst>
+    <dgm:txEffectClrLst/>
+  </dgm:styleLbl>
+  <dgm:styleLbl name="parChTrans1D2">
+    <dgm:fillClrLst meth="repeat">
+      <a:schemeClr val="accent3"/>
+    </dgm:fillClrLst>
+    <dgm:linClrLst meth="repeat">
+      <a:schemeClr val="accent3">
+        <a:shade val="60000"/>
+      </a:schemeClr>
+    </dgm:linClrLst>
+    <dgm:effectClrLst/>
+    <dgm:txLinClrLst/>
+    <dgm:txFillClrLst meth="repeat">
+      <a:schemeClr val="tx1"/>
+    </dgm:txFillClrLst>
+    <dgm:txEffectClrLst/>
+  </dgm:styleLbl>
+  <dgm:styleLbl name="parChTrans1D3">
+    <dgm:fillClrLst meth="repeat">
+      <a:schemeClr val="accent3"/>
+    </dgm:fillClrLst>
+    <dgm:linClrLst meth="repeat">
+      <a:schemeClr val="accent3">
+        <a:shade val="80000"/>
+      </a:schemeClr>
+    </dgm:linClrLst>
+    <dgm:effectClrLst/>
+    <dgm:txLinClrLst/>
+    <dgm:txFillClrLst meth="repeat">
+      <a:schemeClr val="tx1"/>
+    </dgm:txFillClrLst>
+    <dgm:txEffectClrLst/>
+  </dgm:styleLbl>
+  <dgm:styleLbl name="parChTrans1D4">
+    <dgm:fillClrLst meth="repeat">
+      <a:schemeClr val="accent3"/>
+    </dgm:fillClrLst>
+    <dgm:linClrLst meth="repeat">
+      <a:schemeClr val="accent3">
+        <a:shade val="80000"/>
+      </a:schemeClr>
+    </dgm:linClrLst>
+    <dgm:effectClrLst/>
+    <dgm:txLinClrLst/>
+    <dgm:txFillClrLst meth="repeat">
+      <a:schemeClr val="tx1"/>
+    </dgm:txFillClrLst>
+    <dgm:txEffectClrLst/>
+  </dgm:styleLbl>
+  <dgm:styleLbl name="fgAcc1">
+    <dgm:fillClrLst meth="repeat">
+      <a:schemeClr val="lt1">
+        <a:alpha val="90000"/>
+      </a:schemeClr>
+    </dgm:fillClrLst>
+    <dgm:linClrLst meth="repeat">
+      <a:schemeClr val="accent3"/>
+    </dgm:linClrLst>
+    <dgm:effectClrLst/>
+    <dgm:txLinClrLst/>
+    <dgm:txFillClrLst meth="repeat">
+      <a:schemeClr val="dk1"/>
+    </dgm:txFillClrLst>
+    <dgm:txEffectClrLst/>
+  </dgm:styleLbl>
+  <dgm:styleLbl name="conFgAcc1">
+    <dgm:fillClrLst meth="repeat">
+      <a:schemeClr val="lt1">
+        <a:alpha val="90000"/>
+      </a:schemeClr>
+    </dgm:fillClrLst>
+    <dgm:linClrLst meth="repeat">
+      <a:schemeClr val="accent3"/>
+    </dgm:linClrLst>
+    <dgm:effectClrLst/>
+    <dgm:txLinClrLst/>
+    <dgm:txFillClrLst meth="repeat">
+      <a:schemeClr val="dk1"/>
+    </dgm:txFillClrLst>
+    <dgm:txEffectClrLst/>
+  </dgm:styleLbl>
+  <dgm:styleLbl name="alignAcc1">
+    <dgm:fillClrLst meth="repeat">
+      <a:schemeClr val="lt1">
+        <a:alpha val="90000"/>
+      </a:schemeClr>
+    </dgm:fillClrLst>
+    <dgm:linClrLst meth="repeat">
+      <a:schemeClr val="accent3"/>
+    </dgm:linClrLst>
+    <dgm:effectClrLst/>
+    <dgm:txLinClrLst/>
+    <dgm:txFillClrLst meth="repeat">
+      <a:schemeClr val="dk1"/>
+    </dgm:txFillClrLst>
+    <dgm:txEffectClrLst/>
+  </dgm:styleLbl>
+  <dgm:styleLbl name="trAlignAcc1">
+    <dgm:fillClrLst meth="repeat">
+      <a:schemeClr val="lt1">
+        <a:alpha val="40000"/>
+      </a:schemeClr>
+    </dgm:fillClrLst>
+    <dgm:linClrLst meth="repeat">
+      <a:schemeClr val="accent3"/>
+    </dgm:linClrLst>
+    <dgm:effectClrLst/>
+    <dgm:txLinClrLst/>
+    <dgm:txFillClrLst meth="repeat">
+      <a:schemeClr val="dk1"/>
+    </dgm:txFillClrLst>
+    <dgm:txEffectClrLst/>
+  </dgm:styleLbl>
+  <dgm:styleLbl name="bgAcc1">
+    <dgm:fillClrLst meth="repeat">
+      <a:schemeClr val="lt1">
+        <a:alpha val="90000"/>
+      </a:schemeClr>
+    </dgm:fillClrLst>
+    <dgm:linClrLst meth="repeat">
+      <a:schemeClr val="accent3"/>
+    </dgm:linClrLst>
+    <dgm:effectClrLst/>
+    <dgm:txLinClrLst/>
+    <dgm:txFillClrLst meth="repeat">
+      <a:schemeClr val="dk1"/>
+    </dgm:txFillClrLst>
+    <dgm:txEffectClrLst/>
+  </dgm:styleLbl>
+  <dgm:styleLbl name="solidFgAcc1">
+    <dgm:fillClrLst meth="repeat">
+      <a:schemeClr val="lt1"/>
+    </dgm:fillClrLst>
+    <dgm:linClrLst meth="repeat">
+      <a:schemeClr val="accent3"/>
+    </dgm:linClrLst>
+    <dgm:effectClrLst/>
+    <dgm:txLinClrLst/>
+    <dgm:txFillClrLst meth="repeat">
+      <a:schemeClr val="dk1"/>
+    </dgm:txFillClrLst>
+    <dgm:txEffectClrLst/>
+  </dgm:styleLbl>
+  <dgm:styleLbl name="solidAlignAcc1">
+    <dgm:fillClrLst meth="repeat">
+      <a:schemeClr val="lt1"/>
+    </dgm:fillClrLst>
+    <dgm:linClrLst meth="repeat">
+      <a:schemeClr val="accent3"/>
+    </dgm:linClrLst>
+    <dgm:effectClrLst/>
+    <dgm:txLinClrLst/>
+    <dgm:txFillClrLst meth="repeat">
+      <a:schemeClr val="dk1"/>
+    </dgm:txFillClrLst>
+    <dgm:txEffectClrLst/>
+  </dgm:styleLbl>
+  <dgm:styleLbl name="solidBgAcc1">
+    <dgm:fillClrLst meth="repeat">
+      <a:schemeClr val="lt1"/>
+    </dgm:fillClrLst>
+    <dgm:linClrLst meth="repeat">
+      <a:schemeClr val="accent3"/>
+    </dgm:linClrLst>
+    <dgm:effectClrLst/>
+    <dgm:txLinClrLst/>
+    <dgm:txFillClrLst meth="repeat">
+      <a:schemeClr val="dk1"/>
+    </dgm:txFillClrLst>
+    <dgm:txEffectClrLst/>
+  </dgm:styleLbl>
+  <dgm:styleLbl name="fgAccFollowNode1">
+    <dgm:fillClrLst meth="repeat">
+      <a:schemeClr val="accent3">
+        <a:alpha val="90000"/>
+        <a:tint val="40000"/>
+      </a:schemeClr>
+    </dgm:fillClrLst>
+    <dgm:linClrLst meth="repeat">
+      <a:schemeClr val="accent3">
+        <a:alpha val="90000"/>
+        <a:tint val="40000"/>
+      </a:schemeClr>
+    </dgm:linClrLst>
+    <dgm:effectClrLst/>
+    <dgm:txLinClrLst/>
+    <dgm:txFillClrLst meth="repeat">
+      <a:schemeClr val="dk1"/>
+    </dgm:txFillClrLst>
+    <dgm:txEffectClrLst/>
+  </dgm:styleLbl>
+  <dgm:styleLbl name="alignAccFollowNode1">
+    <dgm:fillClrLst meth="repeat">
+      <a:schemeClr val="accent3">
+        <a:alpha val="90000"/>
+        <a:tint val="40000"/>
+      </a:schemeClr>
+    </dgm:fillClrLst>
+    <dgm:linClrLst meth="repeat">
+      <a:schemeClr val="accent3">
+        <a:alpha val="90000"/>
+        <a:tint val="40000"/>
+      </a:schemeClr>
+    </dgm:linClrLst>
+    <dgm:effectClrLst/>
+    <dgm:txLinClrLst/>
+    <dgm:txFillClrLst meth="repeat">
+      <a:schemeClr val="dk1"/>
+    </dgm:txFillClrLst>
+    <dgm:txEffectClrLst/>
+  </dgm:styleLbl>
+  <dgm:styleLbl name="bgAccFollowNode1">
+    <dgm:fillClrLst meth="repeat">
+      <a:schemeClr val="accent3">
+        <a:alpha val="90000"/>
+        <a:tint val="40000"/>
+      </a:schemeClr>
+    </dgm:fillClrLst>
+    <dgm:linClrLst meth="repeat">
+      <a:schemeClr val="accent3">
+        <a:alpha val="90000"/>
+        <a:tint val="40000"/>
+      </a:schemeClr>
+    </dgm:linClrLst>
+    <dgm:effectClrLst/>
+    <dgm:txLinClrLst/>
+    <dgm:txFillClrLst meth="repeat">
+      <a:schemeClr val="dk1"/>
+    </dgm:txFillClrLst>
+    <dgm:txEffectClrLst/>
+  </dgm:styleLbl>
+  <dgm:styleLbl name="fgAcc0">
+    <dgm:fillClrLst meth="repeat">
+      <a:schemeClr val="lt1">
+        <a:alpha val="90000"/>
+      </a:schemeClr>
+    </dgm:fillClrLst>
+    <dgm:linClrLst meth="repeat">
+      <a:schemeClr val="accent3"/>
+    </dgm:linClrLst>
+    <dgm:effectClrLst/>
+    <dgm:txLinClrLst/>
+    <dgm:txFillClrLst meth="repeat">
+      <a:schemeClr val="dk1"/>
+    </dgm:txFillClrLst>
+    <dgm:txEffectClrLst/>
+  </dgm:styleLbl>
+  <dgm:styleLbl name="fgAcc2">
+    <dgm:fillClrLst meth="repeat">
+      <a:schemeClr val="lt1">
+        <a:alpha val="90000"/>
+      </a:schemeClr>
+    </dgm:fillClrLst>
+    <dgm:linClrLst meth="repeat">
+      <a:schemeClr val="accent3"/>
+    </dgm:linClrLst>
+    <dgm:effectClrLst/>
+    <dgm:txLinClrLst/>
+    <dgm:txFillClrLst meth="repeat">
+      <a:schemeClr val="dk1"/>
+    </dgm:txFillClrLst>
+    <dgm:txEffectClrLst/>
+  </dgm:styleLbl>
+  <dgm:styleLbl name="fgAcc3">
+    <dgm:fillClrLst meth="repeat">
+      <a:schemeClr val="lt1">
+        <a:alpha val="90000"/>
+      </a:schemeClr>
+    </dgm:fillClrLst>
+    <dgm:linClrLst meth="repeat">
+      <a:schemeClr val="accent3"/>
+    </dgm:linClrLst>
+    <dgm:effectClrLst/>
+    <dgm:txLinClrLst/>
+    <dgm:txFillClrLst meth="repeat">
+      <a:schemeClr val="dk1"/>
+    </dgm:txFillClrLst>
+    <dgm:txEffectClrLst/>
+  </dgm:styleLbl>
+  <dgm:styleLbl name="fgAcc4">
+    <dgm:fillClrLst meth="repeat">
+      <a:schemeClr val="lt1">
+        <a:alpha val="90000"/>
+      </a:schemeClr>
+    </dgm:fillClrLst>
+    <dgm:linClrLst meth="repeat">
+      <a:schemeClr val="accent3"/>
+    </dgm:linClrLst>
+    <dgm:effectClrLst/>
+    <dgm:txLinClrLst/>
+    <dgm:txFillClrLst meth="repeat">
+      <a:schemeClr val="dk1"/>
+    </dgm:txFillClrLst>
+    <dgm:txEffectClrLst/>
+  </dgm:styleLbl>
+  <dgm:styleLbl name="bgShp">
+    <dgm:fillClrLst meth="repeat">
+      <a:schemeClr val="accent3">
+        <a:tint val="40000"/>
+      </a:schemeClr>
+    </dgm:fillClrLst>
+    <dgm:linClrLst meth="repeat">
+      <a:schemeClr val="accent3"/>
+    </dgm:linClrLst>
+    <dgm:effectClrLst/>
+    <dgm:txLinClrLst/>
+    <dgm:txFillClrLst meth="repeat">
+      <a:schemeClr val="dk1"/>
+    </dgm:txFillClrLst>
+    <dgm:txEffectClrLst/>
+  </dgm:styleLbl>
+  <dgm:styleLbl name="dkBgShp">
+    <dgm:fillClrLst meth="repeat">
+      <a:schemeClr val="accent3">
+        <a:shade val="80000"/>
+      </a:schemeClr>
+    </dgm:fillClrLst>
+    <dgm:linClrLst meth="repeat">
+      <a:schemeClr val="accent3"/>
+    </dgm:linClrLst>
+    <dgm:effectClrLst/>
+    <dgm:txLinClrLst/>
+    <dgm:txFillClrLst meth="repeat">
+      <a:schemeClr val="lt1"/>
+    </dgm:txFillClrLst>
+    <dgm:txEffectClrLst/>
+  </dgm:styleLbl>
+  <dgm:styleLbl name="trBgShp">
+    <dgm:fillClrLst meth="repeat">
+      <a:schemeClr val="accent3">
+        <a:tint val="50000"/>
+        <a:alpha val="40000"/>
+      </a:schemeClr>
+    </dgm:fillClrLst>
+    <dgm:linClrLst meth="repeat">
+      <a:schemeClr val="accent3"/>
+    </dgm:linClrLst>
+    <dgm:effectClrLst/>
+    <dgm:txLinClrLst/>
+    <dgm:txFillClrLst meth="repeat">
+      <a:schemeClr val="lt1"/>
+    </dgm:txFillClrLst>
+    <dgm:txEffectClrLst/>
+  </dgm:styleLbl>
+  <dgm:styleLbl name="fgShp">
+    <dgm:fillClrLst meth="repeat">
+      <a:schemeClr val="accent3">
+        <a:tint val="60000"/>
+      </a:schemeClr>
+    </dgm:fillClrLst>
+    <dgm:linClrLst meth="repeat">
+      <a:schemeClr val="lt1"/>
+    </dgm:linClrLst>
+    <dgm:effectClrLst/>
+    <dgm:txLinClrLst/>
+    <dgm:txFillClrLst meth="repeat">
+      <a:schemeClr val="dk1"/>
+    </dgm:txFillClrLst>
+    <dgm:txEffectClrLst/>
+  </dgm:styleLbl>
+  <dgm:styleLbl name="revTx">
+    <dgm:fillClrLst meth="repeat">
+      <a:schemeClr val="lt1">
+        <a:alpha val="0"/>
+      </a:schemeClr>
+    </dgm:fillClrLst>
+    <dgm:linClrLst meth="repeat">
+      <a:schemeClr val="dk1">
+        <a:alpha val="0"/>
+      </a:schemeClr>
+    </dgm:linClrLst>
+    <dgm:effectClrLst/>
+    <dgm:txLinClrLst/>
+    <dgm:txFillClrLst meth="repeat">
+      <a:schemeClr val="tx1"/>
+    </dgm:txFillClrLst>
+    <dgm:txEffectClrLst/>
+  </dgm:styleLbl>
+</dgm:colorsDef>
+</file>
+
+<file path=ppt/diagrams/data1.xml><?xml version="1.0" encoding="utf-8"?>
+<dgm:dataModel xmlns:dgm="http://schemas.openxmlformats.org/drawingml/2006/diagram" xmlns:a="http://schemas.openxmlformats.org/drawingml/2006/main">
+  <dgm:ptLst>
+    <dgm:pt modelId="{C2043754-C629-4956-8CED-C98D1602705F}" type="doc">
+      <dgm:prSet loTypeId="urn:microsoft.com/office/officeart/2005/8/layout/hList1" loCatId="list" qsTypeId="urn:microsoft.com/office/officeart/2005/8/quickstyle/simple5" qsCatId="simple" csTypeId="urn:microsoft.com/office/officeart/2005/8/colors/accent1_2" csCatId="accent1" phldr="1"/>
+      <dgm:spPr/>
+      <dgm:t>
+        <a:bodyPr/>
+        <a:lstStyle/>
+        <a:p>
+          <a:endParaRPr lang="en-US"/>
+        </a:p>
+      </dgm:t>
+    </dgm:pt>
+    <dgm:pt modelId="{94FB85B4-D61F-4294-A01C-F8866DC995ED}">
+      <dgm:prSet/>
+      <dgm:spPr/>
+      <dgm:t>
+        <a:bodyPr/>
+        <a:lstStyle/>
+        <a:p>
+          <a:r>
+            <a:rPr lang="en-US"/>
+            <a:t>Data Needed: </a:t>
+          </a:r>
+        </a:p>
+      </dgm:t>
+    </dgm:pt>
+    <dgm:pt modelId="{9BE78D9C-C756-4E94-B4D4-3ED69EF85878}" type="parTrans" cxnId="{5F0770FB-9A6D-46F8-858B-8345E3F5F24C}">
+      <dgm:prSet/>
+      <dgm:spPr/>
+      <dgm:t>
+        <a:bodyPr/>
+        <a:lstStyle/>
+        <a:p>
+          <a:endParaRPr lang="en-US"/>
+        </a:p>
+      </dgm:t>
+    </dgm:pt>
+    <dgm:pt modelId="{F081CCC6-6478-4787-9AF5-9DDC40F3BDA9}" type="sibTrans" cxnId="{5F0770FB-9A6D-46F8-858B-8345E3F5F24C}">
+      <dgm:prSet/>
+      <dgm:spPr/>
+      <dgm:t>
+        <a:bodyPr/>
+        <a:lstStyle/>
+        <a:p>
+          <a:endParaRPr lang="en-US"/>
+        </a:p>
+      </dgm:t>
+    </dgm:pt>
+    <dgm:pt modelId="{B00087C8-45A8-4A12-A4A6-1191C6DCF40E}">
+      <dgm:prSet/>
+      <dgm:spPr/>
+      <dgm:t>
+        <a:bodyPr/>
+        <a:lstStyle/>
+        <a:p>
+          <a:r>
+            <a:rPr lang="en-US"/>
+            <a:t>Information regarding “union density” in OECD countries </a:t>
+          </a:r>
+        </a:p>
+      </dgm:t>
+    </dgm:pt>
+    <dgm:pt modelId="{CD1D05B9-3E20-49C2-BF6A-39AC8C653865}" type="parTrans" cxnId="{F7B3EF8F-1DF1-410B-9485-1076AF233CEE}">
+      <dgm:prSet/>
+      <dgm:spPr/>
+      <dgm:t>
+        <a:bodyPr/>
+        <a:lstStyle/>
+        <a:p>
+          <a:endParaRPr lang="en-US"/>
+        </a:p>
+      </dgm:t>
+    </dgm:pt>
+    <dgm:pt modelId="{C09B66F3-596E-42BC-ACEF-4B3B6B18311D}" type="sibTrans" cxnId="{F7B3EF8F-1DF1-410B-9485-1076AF233CEE}">
+      <dgm:prSet/>
+      <dgm:spPr/>
+      <dgm:t>
+        <a:bodyPr/>
+        <a:lstStyle/>
+        <a:p>
+          <a:endParaRPr lang="en-US"/>
+        </a:p>
+      </dgm:t>
+    </dgm:pt>
+    <dgm:pt modelId="{8FB3BFA9-C74E-448F-B6DC-6F64C30476BF}">
+      <dgm:prSet/>
+      <dgm:spPr/>
+      <dgm:t>
+        <a:bodyPr/>
+        <a:lstStyle/>
+        <a:p>
+          <a:r>
+            <a:rPr lang="en-US"/>
+            <a:t>“Trade Union Density” expresses union membership as a proportion of the eligible workforce</a:t>
+          </a:r>
+        </a:p>
+      </dgm:t>
+    </dgm:pt>
+    <dgm:pt modelId="{69D94B43-C9C3-446B-8A0B-E0309B1BE90E}" type="parTrans" cxnId="{B6338120-E2A9-4333-96E6-18A2BB405B3C}">
+      <dgm:prSet/>
+      <dgm:spPr/>
+      <dgm:t>
+        <a:bodyPr/>
+        <a:lstStyle/>
+        <a:p>
+          <a:endParaRPr lang="en-US"/>
+        </a:p>
+      </dgm:t>
+    </dgm:pt>
+    <dgm:pt modelId="{3226EFB5-3E70-45FE-BEC8-A5196C9AC2DC}" type="sibTrans" cxnId="{B6338120-E2A9-4333-96E6-18A2BB405B3C}">
+      <dgm:prSet/>
+      <dgm:spPr/>
+      <dgm:t>
+        <a:bodyPr/>
+        <a:lstStyle/>
+        <a:p>
+          <a:endParaRPr lang="en-US"/>
+        </a:p>
+      </dgm:t>
+    </dgm:pt>
+    <dgm:pt modelId="{9EA70DB2-C137-488B-B0A7-2666CCBB122C}">
+      <dgm:prSet/>
+      <dgm:spPr/>
+      <dgm:t>
+        <a:bodyPr/>
+        <a:lstStyle/>
+        <a:p>
+          <a:r>
+            <a:rPr lang="en-US" dirty="0"/>
+            <a:t>Information regarding income inequality and GDP in OECD countries</a:t>
+          </a:r>
+        </a:p>
+      </dgm:t>
+    </dgm:pt>
+    <dgm:pt modelId="{614BE39E-25CC-4649-A749-1B8C41BBCD0D}" type="parTrans" cxnId="{5B6C3158-F144-414F-9003-79907289EFBA}">
+      <dgm:prSet/>
+      <dgm:spPr/>
+      <dgm:t>
+        <a:bodyPr/>
+        <a:lstStyle/>
+        <a:p>
+          <a:endParaRPr lang="en-US"/>
+        </a:p>
+      </dgm:t>
+    </dgm:pt>
+    <dgm:pt modelId="{984A2516-9107-4F6D-A1B7-54936FA61E85}" type="sibTrans" cxnId="{5B6C3158-F144-414F-9003-79907289EFBA}">
+      <dgm:prSet/>
+      <dgm:spPr/>
+      <dgm:t>
+        <a:bodyPr/>
+        <a:lstStyle/>
+        <a:p>
+          <a:endParaRPr lang="en-US"/>
+        </a:p>
+      </dgm:t>
+    </dgm:pt>
+    <dgm:pt modelId="{8900F02F-B49F-4A3B-8D6B-FE7666EC2DE5}">
+      <dgm:prSet/>
+      <dgm:spPr/>
+      <dgm:t>
+        <a:bodyPr/>
+        <a:lstStyle/>
+        <a:p>
+          <a:r>
+            <a:rPr lang="en-US"/>
+            <a:t>The Gini Coefficient measures the extent to which the distribution of income among individuals or households within an economy deviates from a perfectly equal distribution </a:t>
+          </a:r>
+        </a:p>
+      </dgm:t>
+    </dgm:pt>
+    <dgm:pt modelId="{0239BE52-ADFC-49EF-964B-D9A50AC2634A}" type="parTrans" cxnId="{7A0CC43C-003E-45A5-B0EB-6B334420FF21}">
+      <dgm:prSet/>
+      <dgm:spPr/>
+      <dgm:t>
+        <a:bodyPr/>
+        <a:lstStyle/>
+        <a:p>
+          <a:endParaRPr lang="en-US"/>
+        </a:p>
+      </dgm:t>
+    </dgm:pt>
+    <dgm:pt modelId="{C4DDAC6D-23D9-426B-BF2F-5BDABF9BDC75}" type="sibTrans" cxnId="{7A0CC43C-003E-45A5-B0EB-6B334420FF21}">
+      <dgm:prSet/>
+      <dgm:spPr/>
+      <dgm:t>
+        <a:bodyPr/>
+        <a:lstStyle/>
+        <a:p>
+          <a:endParaRPr lang="en-US"/>
+        </a:p>
+      </dgm:t>
+    </dgm:pt>
+    <dgm:pt modelId="{AC838EB1-9D13-4FAE-8BBD-28F82AB2C0FB}">
+      <dgm:prSet/>
+      <dgm:spPr/>
+      <dgm:t>
+        <a:bodyPr/>
+        <a:lstStyle/>
+        <a:p>
+          <a:r>
+            <a:rPr lang="en-US"/>
+            <a:t>Sources:</a:t>
+          </a:r>
+        </a:p>
+      </dgm:t>
+    </dgm:pt>
+    <dgm:pt modelId="{BEF7374D-3E17-4E47-8941-8E9D4E7700C7}" type="parTrans" cxnId="{D46C12E3-D798-495D-B5B3-49A5B58F6B0A}">
+      <dgm:prSet/>
+      <dgm:spPr/>
+      <dgm:t>
+        <a:bodyPr/>
+        <a:lstStyle/>
+        <a:p>
+          <a:endParaRPr lang="en-US"/>
+        </a:p>
+      </dgm:t>
+    </dgm:pt>
+    <dgm:pt modelId="{D0CB6B24-7A21-4C71-A6AC-12F6D113AD79}" type="sibTrans" cxnId="{D46C12E3-D798-495D-B5B3-49A5B58F6B0A}">
+      <dgm:prSet/>
+      <dgm:spPr/>
+      <dgm:t>
+        <a:bodyPr/>
+        <a:lstStyle/>
+        <a:p>
+          <a:endParaRPr lang="en-US"/>
+        </a:p>
+      </dgm:t>
+    </dgm:pt>
+    <dgm:pt modelId="{8990C565-3D04-4B13-81C7-9A04A095671D}">
+      <dgm:prSet/>
+      <dgm:spPr/>
+      <dgm:t>
+        <a:bodyPr/>
+        <a:lstStyle/>
+        <a:p>
+          <a:r>
+            <a:rPr lang="en-US"/>
+            <a:t>Union Density Data Source: OECD (2021), Trade Union (database), stats.oecd.org </a:t>
+          </a:r>
+        </a:p>
+      </dgm:t>
+    </dgm:pt>
+    <dgm:pt modelId="{6422F0F9-1FF5-492E-9A18-4D9DFA8F9714}" type="parTrans" cxnId="{1287AA3D-992A-46FB-9F44-6ACBD191660B}">
+      <dgm:prSet/>
+      <dgm:spPr/>
+      <dgm:t>
+        <a:bodyPr/>
+        <a:lstStyle/>
+        <a:p>
+          <a:endParaRPr lang="en-US"/>
+        </a:p>
+      </dgm:t>
+    </dgm:pt>
+    <dgm:pt modelId="{742E8092-F2CB-473F-BC6D-B607B18E715E}" type="sibTrans" cxnId="{1287AA3D-992A-46FB-9F44-6ACBD191660B}">
+      <dgm:prSet/>
+      <dgm:spPr/>
+      <dgm:t>
+        <a:bodyPr/>
+        <a:lstStyle/>
+        <a:p>
+          <a:endParaRPr lang="en-US"/>
+        </a:p>
+      </dgm:t>
+    </dgm:pt>
+    <dgm:pt modelId="{62A22B35-A2F9-40B6-AA6C-2248C6378828}">
+      <dgm:prSet/>
+      <dgm:spPr/>
+      <dgm:t>
+        <a:bodyPr/>
+        <a:lstStyle/>
+        <a:p>
+          <a:r>
+            <a:rPr lang="en-US"/>
+            <a:t>Gini Coefficient Data Source: OECD (2021), Income Distribution (database), stats.oecd.org </a:t>
+          </a:r>
+        </a:p>
+      </dgm:t>
+    </dgm:pt>
+    <dgm:pt modelId="{782A38AE-408E-4201-B726-197119E924DF}" type="parTrans" cxnId="{F428DE66-6FA1-4BD6-AB8C-3B2D2946C5BC}">
+      <dgm:prSet/>
+      <dgm:spPr/>
+      <dgm:t>
+        <a:bodyPr/>
+        <a:lstStyle/>
+        <a:p>
+          <a:endParaRPr lang="en-US"/>
+        </a:p>
+      </dgm:t>
+    </dgm:pt>
+    <dgm:pt modelId="{077DDFEF-C284-408E-9ECB-0EA4E5A1D8EF}" type="sibTrans" cxnId="{F428DE66-6FA1-4BD6-AB8C-3B2D2946C5BC}">
+      <dgm:prSet/>
+      <dgm:spPr/>
+      <dgm:t>
+        <a:bodyPr/>
+        <a:lstStyle/>
+        <a:p>
+          <a:endParaRPr lang="en-US"/>
+        </a:p>
+      </dgm:t>
+    </dgm:pt>
+    <dgm:pt modelId="{26094461-2D5A-49E0-8A94-9B8B6A49F1B3}" type="pres">
+      <dgm:prSet presAssocID="{C2043754-C629-4956-8CED-C98D1602705F}" presName="Name0" presStyleCnt="0">
+        <dgm:presLayoutVars>
+          <dgm:dir/>
+          <dgm:animLvl val="lvl"/>
+          <dgm:resizeHandles val="exact"/>
+        </dgm:presLayoutVars>
+      </dgm:prSet>
+      <dgm:spPr/>
+    </dgm:pt>
+    <dgm:pt modelId="{5892A9BB-182F-4E93-AD10-8A3AE70BE947}" type="pres">
+      <dgm:prSet presAssocID="{94FB85B4-D61F-4294-A01C-F8866DC995ED}" presName="composite" presStyleCnt="0"/>
+      <dgm:spPr/>
+    </dgm:pt>
+    <dgm:pt modelId="{30604BC3-E3F5-4F8B-A10F-C893D3C4B82A}" type="pres">
+      <dgm:prSet presAssocID="{94FB85B4-D61F-4294-A01C-F8866DC995ED}" presName="parTx" presStyleLbl="alignNode1" presStyleIdx="0" presStyleCnt="2">
+        <dgm:presLayoutVars>
+          <dgm:chMax val="0"/>
+          <dgm:chPref val="0"/>
+          <dgm:bulletEnabled val="1"/>
+        </dgm:presLayoutVars>
+      </dgm:prSet>
+      <dgm:spPr/>
+    </dgm:pt>
+    <dgm:pt modelId="{755FBF99-599F-4EDB-840C-07CCEB92D579}" type="pres">
+      <dgm:prSet presAssocID="{94FB85B4-D61F-4294-A01C-F8866DC995ED}" presName="desTx" presStyleLbl="alignAccFollowNode1" presStyleIdx="0" presStyleCnt="2">
+        <dgm:presLayoutVars>
+          <dgm:bulletEnabled val="1"/>
+        </dgm:presLayoutVars>
+      </dgm:prSet>
+      <dgm:spPr/>
+    </dgm:pt>
+    <dgm:pt modelId="{3274DDE6-1115-42D5-9DA2-5D44651E1984}" type="pres">
+      <dgm:prSet presAssocID="{F081CCC6-6478-4787-9AF5-9DDC40F3BDA9}" presName="space" presStyleCnt="0"/>
+      <dgm:spPr/>
+    </dgm:pt>
+    <dgm:pt modelId="{F1CEC47F-B689-4D36-953B-AE893078BD1F}" type="pres">
+      <dgm:prSet presAssocID="{AC838EB1-9D13-4FAE-8BBD-28F82AB2C0FB}" presName="composite" presStyleCnt="0"/>
+      <dgm:spPr/>
+    </dgm:pt>
+    <dgm:pt modelId="{41BDBBDE-961E-4C16-9FE1-41B04E676920}" type="pres">
+      <dgm:prSet presAssocID="{AC838EB1-9D13-4FAE-8BBD-28F82AB2C0FB}" presName="parTx" presStyleLbl="alignNode1" presStyleIdx="1" presStyleCnt="2">
+        <dgm:presLayoutVars>
+          <dgm:chMax val="0"/>
+          <dgm:chPref val="0"/>
+          <dgm:bulletEnabled val="1"/>
+        </dgm:presLayoutVars>
+      </dgm:prSet>
+      <dgm:spPr/>
+    </dgm:pt>
+    <dgm:pt modelId="{B0C69600-88EE-4CAD-8D51-771BFE250C34}" type="pres">
+      <dgm:prSet presAssocID="{AC838EB1-9D13-4FAE-8BBD-28F82AB2C0FB}" presName="desTx" presStyleLbl="alignAccFollowNode1" presStyleIdx="1" presStyleCnt="2">
+        <dgm:presLayoutVars>
+          <dgm:bulletEnabled val="1"/>
+        </dgm:presLayoutVars>
+      </dgm:prSet>
+      <dgm:spPr/>
+    </dgm:pt>
+  </dgm:ptLst>
+  <dgm:cxnLst>
+    <dgm:cxn modelId="{F346AC0C-BCE1-44F4-BF1B-D9F7D1CE8470}" type="presOf" srcId="{8900F02F-B49F-4A3B-8D6B-FE7666EC2DE5}" destId="{755FBF99-599F-4EDB-840C-07CCEB92D579}" srcOrd="0" destOrd="3" presId="urn:microsoft.com/office/officeart/2005/8/layout/hList1"/>
+    <dgm:cxn modelId="{B9CC3D1D-C055-48CA-A5DB-92FC3750E597}" type="presOf" srcId="{B00087C8-45A8-4A12-A4A6-1191C6DCF40E}" destId="{755FBF99-599F-4EDB-840C-07CCEB92D579}" srcOrd="0" destOrd="0" presId="urn:microsoft.com/office/officeart/2005/8/layout/hList1"/>
+    <dgm:cxn modelId="{C8E7611F-BDD0-4159-BF60-33B2D43B9273}" type="presOf" srcId="{C2043754-C629-4956-8CED-C98D1602705F}" destId="{26094461-2D5A-49E0-8A94-9B8B6A49F1B3}" srcOrd="0" destOrd="0" presId="urn:microsoft.com/office/officeart/2005/8/layout/hList1"/>
+    <dgm:cxn modelId="{B6338120-E2A9-4333-96E6-18A2BB405B3C}" srcId="{B00087C8-45A8-4A12-A4A6-1191C6DCF40E}" destId="{8FB3BFA9-C74E-448F-B6DC-6F64C30476BF}" srcOrd="0" destOrd="0" parTransId="{69D94B43-C9C3-446B-8A0B-E0309B1BE90E}" sibTransId="{3226EFB5-3E70-45FE-BEC8-A5196C9AC2DC}"/>
+    <dgm:cxn modelId="{4D132A30-3A47-4E1B-987B-22E73DADE096}" type="presOf" srcId="{94FB85B4-D61F-4294-A01C-F8866DC995ED}" destId="{30604BC3-E3F5-4F8B-A10F-C893D3C4B82A}" srcOrd="0" destOrd="0" presId="urn:microsoft.com/office/officeart/2005/8/layout/hList1"/>
+    <dgm:cxn modelId="{7A0CC43C-003E-45A5-B0EB-6B334420FF21}" srcId="{9EA70DB2-C137-488B-B0A7-2666CCBB122C}" destId="{8900F02F-B49F-4A3B-8D6B-FE7666EC2DE5}" srcOrd="0" destOrd="0" parTransId="{0239BE52-ADFC-49EF-964B-D9A50AC2634A}" sibTransId="{C4DDAC6D-23D9-426B-BF2F-5BDABF9BDC75}"/>
+    <dgm:cxn modelId="{1287AA3D-992A-46FB-9F44-6ACBD191660B}" srcId="{AC838EB1-9D13-4FAE-8BBD-28F82AB2C0FB}" destId="{8990C565-3D04-4B13-81C7-9A04A095671D}" srcOrd="0" destOrd="0" parTransId="{6422F0F9-1FF5-492E-9A18-4D9DFA8F9714}" sibTransId="{742E8092-F2CB-473F-BC6D-B607B18E715E}"/>
+    <dgm:cxn modelId="{F428DE66-6FA1-4BD6-AB8C-3B2D2946C5BC}" srcId="{AC838EB1-9D13-4FAE-8BBD-28F82AB2C0FB}" destId="{62A22B35-A2F9-40B6-AA6C-2248C6378828}" srcOrd="1" destOrd="0" parTransId="{782A38AE-408E-4201-B726-197119E924DF}" sibTransId="{077DDFEF-C284-408E-9ECB-0EA4E5A1D8EF}"/>
+    <dgm:cxn modelId="{5B6C3158-F144-414F-9003-79907289EFBA}" srcId="{94FB85B4-D61F-4294-A01C-F8866DC995ED}" destId="{9EA70DB2-C137-488B-B0A7-2666CCBB122C}" srcOrd="1" destOrd="0" parTransId="{614BE39E-25CC-4649-A749-1B8C41BBCD0D}" sibTransId="{984A2516-9107-4F6D-A1B7-54936FA61E85}"/>
+    <dgm:cxn modelId="{062A9D8C-3E8A-4B85-A589-74D164050C3F}" type="presOf" srcId="{9EA70DB2-C137-488B-B0A7-2666CCBB122C}" destId="{755FBF99-599F-4EDB-840C-07CCEB92D579}" srcOrd="0" destOrd="2" presId="urn:microsoft.com/office/officeart/2005/8/layout/hList1"/>
+    <dgm:cxn modelId="{F7B3EF8F-1DF1-410B-9485-1076AF233CEE}" srcId="{94FB85B4-D61F-4294-A01C-F8866DC995ED}" destId="{B00087C8-45A8-4A12-A4A6-1191C6DCF40E}" srcOrd="0" destOrd="0" parTransId="{CD1D05B9-3E20-49C2-BF6A-39AC8C653865}" sibTransId="{C09B66F3-596E-42BC-ACEF-4B3B6B18311D}"/>
+    <dgm:cxn modelId="{87B54894-656A-4F7C-B8D2-1B67EA02D0E9}" type="presOf" srcId="{AC838EB1-9D13-4FAE-8BBD-28F82AB2C0FB}" destId="{41BDBBDE-961E-4C16-9FE1-41B04E676920}" srcOrd="0" destOrd="0" presId="urn:microsoft.com/office/officeart/2005/8/layout/hList1"/>
+    <dgm:cxn modelId="{718C4C96-2A1B-49A8-87C9-875599217BA6}" type="presOf" srcId="{62A22B35-A2F9-40B6-AA6C-2248C6378828}" destId="{B0C69600-88EE-4CAD-8D51-771BFE250C34}" srcOrd="0" destOrd="1" presId="urn:microsoft.com/office/officeart/2005/8/layout/hList1"/>
+    <dgm:cxn modelId="{FCEC93C8-DB2B-4B2B-A150-2B18307A8D1E}" type="presOf" srcId="{8FB3BFA9-C74E-448F-B6DC-6F64C30476BF}" destId="{755FBF99-599F-4EDB-840C-07CCEB92D579}" srcOrd="0" destOrd="1" presId="urn:microsoft.com/office/officeart/2005/8/layout/hList1"/>
+    <dgm:cxn modelId="{D46C12E3-D798-495D-B5B3-49A5B58F6B0A}" srcId="{C2043754-C629-4956-8CED-C98D1602705F}" destId="{AC838EB1-9D13-4FAE-8BBD-28F82AB2C0FB}" srcOrd="1" destOrd="0" parTransId="{BEF7374D-3E17-4E47-8941-8E9D4E7700C7}" sibTransId="{D0CB6B24-7A21-4C71-A6AC-12F6D113AD79}"/>
+    <dgm:cxn modelId="{5AA168F0-8E22-4600-BE3E-D5687C236106}" type="presOf" srcId="{8990C565-3D04-4B13-81C7-9A04A095671D}" destId="{B0C69600-88EE-4CAD-8D51-771BFE250C34}" srcOrd="0" destOrd="0" presId="urn:microsoft.com/office/officeart/2005/8/layout/hList1"/>
+    <dgm:cxn modelId="{5F0770FB-9A6D-46F8-858B-8345E3F5F24C}" srcId="{C2043754-C629-4956-8CED-C98D1602705F}" destId="{94FB85B4-D61F-4294-A01C-F8866DC995ED}" srcOrd="0" destOrd="0" parTransId="{9BE78D9C-C756-4E94-B4D4-3ED69EF85878}" sibTransId="{F081CCC6-6478-4787-9AF5-9DDC40F3BDA9}"/>
+    <dgm:cxn modelId="{BBEADA42-BF96-404A-A06C-EF3A8A142349}" type="presParOf" srcId="{26094461-2D5A-49E0-8A94-9B8B6A49F1B3}" destId="{5892A9BB-182F-4E93-AD10-8A3AE70BE947}" srcOrd="0" destOrd="0" presId="urn:microsoft.com/office/officeart/2005/8/layout/hList1"/>
+    <dgm:cxn modelId="{1A26E7E8-C6F5-4C21-A31F-C3E3123C752F}" type="presParOf" srcId="{5892A9BB-182F-4E93-AD10-8A3AE70BE947}" destId="{30604BC3-E3F5-4F8B-A10F-C893D3C4B82A}" srcOrd="0" destOrd="0" presId="urn:microsoft.com/office/officeart/2005/8/layout/hList1"/>
+    <dgm:cxn modelId="{0E6B09A5-8611-4E9E-896E-5F35D099374F}" type="presParOf" srcId="{5892A9BB-182F-4E93-AD10-8A3AE70BE947}" destId="{755FBF99-599F-4EDB-840C-07CCEB92D579}" srcOrd="1" destOrd="0" presId="urn:microsoft.com/office/officeart/2005/8/layout/hList1"/>
+    <dgm:cxn modelId="{2978F094-68F5-4A98-93F6-3F28B447CAD7}" type="presParOf" srcId="{26094461-2D5A-49E0-8A94-9B8B6A49F1B3}" destId="{3274DDE6-1115-42D5-9DA2-5D44651E1984}" srcOrd="1" destOrd="0" presId="urn:microsoft.com/office/officeart/2005/8/layout/hList1"/>
+    <dgm:cxn modelId="{58A98AC6-5D8B-40B4-A0D9-F7C6D108305B}" type="presParOf" srcId="{26094461-2D5A-49E0-8A94-9B8B6A49F1B3}" destId="{F1CEC47F-B689-4D36-953B-AE893078BD1F}" srcOrd="2" destOrd="0" presId="urn:microsoft.com/office/officeart/2005/8/layout/hList1"/>
+    <dgm:cxn modelId="{2B063EBF-7296-465D-9CDC-BD6F313D2F14}" type="presParOf" srcId="{F1CEC47F-B689-4D36-953B-AE893078BD1F}" destId="{41BDBBDE-961E-4C16-9FE1-41B04E676920}" srcOrd="0" destOrd="0" presId="urn:microsoft.com/office/officeart/2005/8/layout/hList1"/>
+    <dgm:cxn modelId="{2AE9BD41-8F90-48B8-B978-66C3E04098BA}" type="presParOf" srcId="{F1CEC47F-B689-4D36-953B-AE893078BD1F}" destId="{B0C69600-88EE-4CAD-8D51-771BFE250C34}" srcOrd="1" destOrd="0" presId="urn:microsoft.com/office/officeart/2005/8/layout/hList1"/>
+  </dgm:cxnLst>
+  <dgm:bg/>
+  <dgm:whole/>
+  <dgm:extLst>
+    <a:ext uri="http://schemas.microsoft.com/office/drawing/2008/diagram">
+      <dsp:dataModelExt xmlns:dsp="http://schemas.microsoft.com/office/drawing/2008/diagram" relId="rId6" minVer="http://schemas.openxmlformats.org/drawingml/2006/diagram"/>
+    </a:ext>
+  </dgm:extLst>
+</dgm:dataModel>
+</file>
+
+<file path=ppt/diagrams/data2.xml><?xml version="1.0" encoding="utf-8"?>
+<dgm:dataModel xmlns:dgm="http://schemas.openxmlformats.org/drawingml/2006/diagram" xmlns:a="http://schemas.openxmlformats.org/drawingml/2006/main">
+  <dgm:ptLst>
+    <dgm:pt modelId="{3A1DBA80-6EE0-4E68-B154-A3E9B7EF4791}" type="doc">
+      <dgm:prSet loTypeId="urn:microsoft.com/office/officeart/2005/8/layout/hierarchy1" loCatId="hierarchy" qsTypeId="urn:microsoft.com/office/officeart/2005/8/quickstyle/simple1" qsCatId="simple" csTypeId="urn:microsoft.com/office/officeart/2005/8/colors/accent3_2" csCatId="accent3" phldr="1"/>
+      <dgm:spPr/>
+      <dgm:t>
+        <a:bodyPr/>
+        <a:lstStyle/>
+        <a:p>
+          <a:endParaRPr lang="en-US"/>
+        </a:p>
+      </dgm:t>
+    </dgm:pt>
+    <dgm:pt modelId="{36A967A6-733B-4D76-B412-CEA21112BA60}">
+      <dgm:prSet custT="1"/>
+      <dgm:spPr/>
+      <dgm:t>
+        <a:bodyPr/>
+        <a:lstStyle/>
+        <a:p>
+          <a:r>
+            <a:rPr lang="en-US" sz="1600" dirty="0"/>
+            <a:t>Data Needed:</a:t>
+          </a:r>
+        </a:p>
+      </dgm:t>
+    </dgm:pt>
+    <dgm:pt modelId="{AC9E1B3D-37D7-41C0-A912-F7C2AA019E58}" type="parTrans" cxnId="{023E5782-ADC2-4779-8D0D-8BDD1AA09715}">
+      <dgm:prSet/>
+      <dgm:spPr/>
+      <dgm:t>
+        <a:bodyPr/>
+        <a:lstStyle/>
+        <a:p>
+          <a:endParaRPr lang="en-US"/>
+        </a:p>
+      </dgm:t>
+    </dgm:pt>
+    <dgm:pt modelId="{51724B62-9241-4878-8901-EBD71BC6B697}" type="sibTrans" cxnId="{023E5782-ADC2-4779-8D0D-8BDD1AA09715}">
+      <dgm:prSet/>
+      <dgm:spPr/>
+      <dgm:t>
+        <a:bodyPr/>
+        <a:lstStyle/>
+        <a:p>
+          <a:endParaRPr lang="en-US"/>
+        </a:p>
+      </dgm:t>
+    </dgm:pt>
+    <dgm:pt modelId="{DE297515-0873-49F7-8F96-75C82D6A5005}">
+      <dgm:prSet custT="1"/>
+      <dgm:spPr/>
+      <dgm:t>
+        <a:bodyPr/>
+        <a:lstStyle/>
+        <a:p>
+          <a:r>
+            <a:rPr lang="en-US" sz="1200" dirty="0"/>
+            <a:t>A way to delineate how the concept can be measured</a:t>
+          </a:r>
+        </a:p>
+      </dgm:t>
+    </dgm:pt>
+    <dgm:pt modelId="{EF587354-3183-428F-ABCC-06383EAE0006}" type="parTrans" cxnId="{B55B1D52-F22F-4019-AF5C-114FE2561129}">
+      <dgm:prSet/>
+      <dgm:spPr/>
+      <dgm:t>
+        <a:bodyPr/>
+        <a:lstStyle/>
+        <a:p>
+          <a:endParaRPr lang="en-US"/>
+        </a:p>
+      </dgm:t>
+    </dgm:pt>
+    <dgm:pt modelId="{9664DF62-384E-4C3E-8F56-7A8D4B260A56}" type="sibTrans" cxnId="{B55B1D52-F22F-4019-AF5C-114FE2561129}">
+      <dgm:prSet/>
+      <dgm:spPr/>
+      <dgm:t>
+        <a:bodyPr/>
+        <a:lstStyle/>
+        <a:p>
+          <a:endParaRPr lang="en-US"/>
+        </a:p>
+      </dgm:t>
+    </dgm:pt>
+    <dgm:pt modelId="{E60137FB-4D4C-4784-9695-0D7CBBAC911F}">
+      <dgm:prSet/>
+      <dgm:spPr/>
+      <dgm:t>
+        <a:bodyPr/>
+        <a:lstStyle/>
+        <a:p>
+          <a:r>
+            <a:rPr lang="en-US" dirty="0"/>
+            <a:t>The ITUC Global Rights Index is based on information recorded in the ITUC Survey, the world’s most comprehensive database on workers’ rights violations. It covers violations in law and in practice </a:t>
+          </a:r>
+        </a:p>
+      </dgm:t>
+    </dgm:pt>
+    <dgm:pt modelId="{E6947DD9-4CE0-4353-86D6-DD2D2761CE9D}" type="parTrans" cxnId="{1CE244EF-01FF-4A9D-8CC5-E48DEE2347D7}">
+      <dgm:prSet/>
+      <dgm:spPr/>
+      <dgm:t>
+        <a:bodyPr/>
+        <a:lstStyle/>
+        <a:p>
+          <a:endParaRPr lang="en-US"/>
+        </a:p>
+      </dgm:t>
+    </dgm:pt>
+    <dgm:pt modelId="{AAA182C5-1DA9-4B17-97B4-E3184062FFBA}" type="sibTrans" cxnId="{1CE244EF-01FF-4A9D-8CC5-E48DEE2347D7}">
+      <dgm:prSet/>
+      <dgm:spPr/>
+      <dgm:t>
+        <a:bodyPr/>
+        <a:lstStyle/>
+        <a:p>
+          <a:endParaRPr lang="en-US"/>
+        </a:p>
+      </dgm:t>
+    </dgm:pt>
+    <dgm:pt modelId="{04FCEA23-5D9C-49C0-85C6-983D72F07C55}">
+      <dgm:prSet/>
+      <dgm:spPr/>
+      <dgm:t>
+        <a:bodyPr/>
+        <a:lstStyle/>
+        <a:p>
+          <a:r>
+            <a:rPr lang="en-US" dirty="0"/>
+            <a:t>Countries are rated on a scale from 1 to 5. A high score effectively means that many violations were committed which in turn results in a poor rating</a:t>
+          </a:r>
+        </a:p>
+      </dgm:t>
+    </dgm:pt>
+    <dgm:pt modelId="{0FF17D16-4B9F-478C-BDA5-317FC4AE8F6C}" type="parTrans" cxnId="{3AD9B8E0-4A06-496C-BE34-3F532D3E2996}">
+      <dgm:prSet/>
+      <dgm:spPr/>
+      <dgm:t>
+        <a:bodyPr/>
+        <a:lstStyle/>
+        <a:p>
+          <a:endParaRPr lang="en-US"/>
+        </a:p>
+      </dgm:t>
+    </dgm:pt>
+    <dgm:pt modelId="{A56C1564-03A1-4719-9933-AC7D0FD4AF71}" type="sibTrans" cxnId="{3AD9B8E0-4A06-496C-BE34-3F532D3E2996}">
+      <dgm:prSet/>
+      <dgm:spPr/>
+      <dgm:t>
+        <a:bodyPr/>
+        <a:lstStyle/>
+        <a:p>
+          <a:endParaRPr lang="en-US"/>
+        </a:p>
+      </dgm:t>
+    </dgm:pt>
+    <dgm:pt modelId="{02447814-97CB-4ECB-B299-98B8FFB7D778}">
+      <dgm:prSet custT="1"/>
+      <dgm:spPr/>
+      <dgm:t>
+        <a:bodyPr/>
+        <a:lstStyle/>
+        <a:p>
+          <a:r>
+            <a:rPr lang="en-US" sz="1600" dirty="0"/>
+            <a:t>Data Source: </a:t>
+          </a:r>
+        </a:p>
+      </dgm:t>
+    </dgm:pt>
+    <dgm:pt modelId="{324429ED-E8BA-4D86-B654-9368517618E6}" type="parTrans" cxnId="{6A68DEA9-5F2F-4D63-A71C-9F3D501B0771}">
+      <dgm:prSet/>
+      <dgm:spPr/>
+      <dgm:t>
+        <a:bodyPr/>
+        <a:lstStyle/>
+        <a:p>
+          <a:endParaRPr lang="en-US"/>
+        </a:p>
+      </dgm:t>
+    </dgm:pt>
+    <dgm:pt modelId="{E8D0B139-A28C-4A27-982F-E3BFC3CCF956}" type="sibTrans" cxnId="{6A68DEA9-5F2F-4D63-A71C-9F3D501B0771}">
+      <dgm:prSet/>
+      <dgm:spPr/>
+      <dgm:t>
+        <a:bodyPr/>
+        <a:lstStyle/>
+        <a:p>
+          <a:endParaRPr lang="en-US"/>
+        </a:p>
+      </dgm:t>
+    </dgm:pt>
+    <dgm:pt modelId="{1CAFA372-E6BD-49B0-AA58-DF818EFAB9A5}">
+      <dgm:prSet custT="1"/>
+      <dgm:spPr/>
+      <dgm:t>
+        <a:bodyPr/>
+        <a:lstStyle/>
+        <a:p>
+          <a:r>
+            <a:rPr lang="en-US" sz="1600" dirty="0"/>
+            <a:t>International Trade Union Confederation</a:t>
+          </a:r>
+        </a:p>
+      </dgm:t>
+    </dgm:pt>
+    <dgm:pt modelId="{217CA713-D456-4ED1-9321-A485BB8C1920}" type="parTrans" cxnId="{49773A8D-43DC-4B02-88D8-30B9BCBFC5EB}">
+      <dgm:prSet/>
+      <dgm:spPr/>
+      <dgm:t>
+        <a:bodyPr/>
+        <a:lstStyle/>
+        <a:p>
+          <a:endParaRPr lang="en-US"/>
+        </a:p>
+      </dgm:t>
+    </dgm:pt>
+    <dgm:pt modelId="{9B02EDDC-6EFB-4C0A-A02A-C7F92D02D5FF}" type="sibTrans" cxnId="{49773A8D-43DC-4B02-88D8-30B9BCBFC5EB}">
+      <dgm:prSet/>
+      <dgm:spPr/>
+      <dgm:t>
+        <a:bodyPr/>
+        <a:lstStyle/>
+        <a:p>
+          <a:endParaRPr lang="en-US"/>
+        </a:p>
+      </dgm:t>
+    </dgm:pt>
+    <dgm:pt modelId="{C9425118-4E8D-4E56-8C4B-4B151910FE2D}" type="pres">
+      <dgm:prSet presAssocID="{3A1DBA80-6EE0-4E68-B154-A3E9B7EF4791}" presName="hierChild1" presStyleCnt="0">
+        <dgm:presLayoutVars>
+          <dgm:chPref val="1"/>
+          <dgm:dir/>
+          <dgm:animOne val="branch"/>
+          <dgm:animLvl val="lvl"/>
+          <dgm:resizeHandles/>
+        </dgm:presLayoutVars>
+      </dgm:prSet>
+      <dgm:spPr/>
+    </dgm:pt>
+    <dgm:pt modelId="{BCE26459-35C2-4A9F-8E75-C72B0596305E}" type="pres">
+      <dgm:prSet presAssocID="{36A967A6-733B-4D76-B412-CEA21112BA60}" presName="hierRoot1" presStyleCnt="0"/>
+      <dgm:spPr/>
+    </dgm:pt>
+    <dgm:pt modelId="{3D82791F-84E3-4C90-9CC5-6745B6368DE8}" type="pres">
+      <dgm:prSet presAssocID="{36A967A6-733B-4D76-B412-CEA21112BA60}" presName="composite" presStyleCnt="0"/>
+      <dgm:spPr/>
+    </dgm:pt>
+    <dgm:pt modelId="{9B555EF3-57DA-4D6B-B3D4-4B1E9A7EE0B3}" type="pres">
+      <dgm:prSet presAssocID="{36A967A6-733B-4D76-B412-CEA21112BA60}" presName="background" presStyleLbl="node0" presStyleIdx="0" presStyleCnt="2"/>
+      <dgm:spPr/>
+    </dgm:pt>
+    <dgm:pt modelId="{4ED071E8-9872-4F06-AB77-7B3B0658F7BE}" type="pres">
+      <dgm:prSet presAssocID="{36A967A6-733B-4D76-B412-CEA21112BA60}" presName="text" presStyleLbl="fgAcc0" presStyleIdx="0" presStyleCnt="2">
+        <dgm:presLayoutVars>
+          <dgm:chPref val="3"/>
+        </dgm:presLayoutVars>
+      </dgm:prSet>
+      <dgm:spPr/>
+    </dgm:pt>
+    <dgm:pt modelId="{01A26859-71B1-4929-ADF8-22CBFA6AA24E}" type="pres">
+      <dgm:prSet presAssocID="{36A967A6-733B-4D76-B412-CEA21112BA60}" presName="hierChild2" presStyleCnt="0"/>
+      <dgm:spPr/>
+    </dgm:pt>
+    <dgm:pt modelId="{D091A555-50AC-4437-8CB6-BDA3972D0FFE}" type="pres">
+      <dgm:prSet presAssocID="{EF587354-3183-428F-ABCC-06383EAE0006}" presName="Name10" presStyleLbl="parChTrans1D2" presStyleIdx="0" presStyleCnt="2"/>
+      <dgm:spPr/>
+    </dgm:pt>
+    <dgm:pt modelId="{378FB541-AE05-42BE-819B-9F7B20C710CB}" type="pres">
+      <dgm:prSet presAssocID="{DE297515-0873-49F7-8F96-75C82D6A5005}" presName="hierRoot2" presStyleCnt="0"/>
+      <dgm:spPr/>
+    </dgm:pt>
+    <dgm:pt modelId="{DFE9FED0-5660-4CEF-8B82-521DAB21124A}" type="pres">
+      <dgm:prSet presAssocID="{DE297515-0873-49F7-8F96-75C82D6A5005}" presName="composite2" presStyleCnt="0"/>
+      <dgm:spPr/>
+    </dgm:pt>
+    <dgm:pt modelId="{1FAF83D9-78AF-4965-B6E9-C8B2220E0845}" type="pres">
+      <dgm:prSet presAssocID="{DE297515-0873-49F7-8F96-75C82D6A5005}" presName="background2" presStyleLbl="node2" presStyleIdx="0" presStyleCnt="2"/>
+      <dgm:spPr/>
+    </dgm:pt>
+    <dgm:pt modelId="{70F315BE-7587-4C3C-82C7-ECEA52CA016A}" type="pres">
+      <dgm:prSet presAssocID="{DE297515-0873-49F7-8F96-75C82D6A5005}" presName="text2" presStyleLbl="fgAcc2" presStyleIdx="0" presStyleCnt="2">
+        <dgm:presLayoutVars>
+          <dgm:chPref val="3"/>
+        </dgm:presLayoutVars>
+      </dgm:prSet>
+      <dgm:spPr/>
+    </dgm:pt>
+    <dgm:pt modelId="{31B3A700-7FA4-4535-92FA-D303C700A005}" type="pres">
+      <dgm:prSet presAssocID="{DE297515-0873-49F7-8F96-75C82D6A5005}" presName="hierChild3" presStyleCnt="0"/>
+      <dgm:spPr/>
+    </dgm:pt>
+    <dgm:pt modelId="{C104E950-2FF3-4597-855E-00C16B15F7A7}" type="pres">
+      <dgm:prSet presAssocID="{E6947DD9-4CE0-4353-86D6-DD2D2761CE9D}" presName="Name17" presStyleLbl="parChTrans1D3" presStyleIdx="0" presStyleCnt="2"/>
+      <dgm:spPr/>
+    </dgm:pt>
+    <dgm:pt modelId="{33B7B53A-4AE6-447E-B702-1C78B318A841}" type="pres">
+      <dgm:prSet presAssocID="{E60137FB-4D4C-4784-9695-0D7CBBAC911F}" presName="hierRoot3" presStyleCnt="0"/>
+      <dgm:spPr/>
+    </dgm:pt>
+    <dgm:pt modelId="{90481C3E-EAEB-44D7-8833-1AAB17EAB223}" type="pres">
+      <dgm:prSet presAssocID="{E60137FB-4D4C-4784-9695-0D7CBBAC911F}" presName="composite3" presStyleCnt="0"/>
+      <dgm:spPr/>
+    </dgm:pt>
+    <dgm:pt modelId="{B7481C72-ECAE-465C-9BA2-B6565892287A}" type="pres">
+      <dgm:prSet presAssocID="{E60137FB-4D4C-4784-9695-0D7CBBAC911F}" presName="background3" presStyleLbl="node3" presStyleIdx="0" presStyleCnt="2"/>
+      <dgm:spPr/>
+    </dgm:pt>
+    <dgm:pt modelId="{B5851C82-E0C1-41FE-9C21-4134ABEC2BB3}" type="pres">
+      <dgm:prSet presAssocID="{E60137FB-4D4C-4784-9695-0D7CBBAC911F}" presName="text3" presStyleLbl="fgAcc3" presStyleIdx="0" presStyleCnt="2">
+        <dgm:presLayoutVars>
+          <dgm:chPref val="3"/>
+        </dgm:presLayoutVars>
+      </dgm:prSet>
+      <dgm:spPr/>
+    </dgm:pt>
+    <dgm:pt modelId="{F9636065-A723-4905-ABEE-13CDA762B1D4}" type="pres">
+      <dgm:prSet presAssocID="{E60137FB-4D4C-4784-9695-0D7CBBAC911F}" presName="hierChild4" presStyleCnt="0"/>
+      <dgm:spPr/>
+    </dgm:pt>
+    <dgm:pt modelId="{8F23D32B-B5BA-44DB-8E16-1C332CBCA6CD}" type="pres">
+      <dgm:prSet presAssocID="{0FF17D16-4B9F-478C-BDA5-317FC4AE8F6C}" presName="Name17" presStyleLbl="parChTrans1D3" presStyleIdx="1" presStyleCnt="2"/>
+      <dgm:spPr/>
+    </dgm:pt>
+    <dgm:pt modelId="{9C35625C-740A-4673-BD75-06F4C7A3022E}" type="pres">
+      <dgm:prSet presAssocID="{04FCEA23-5D9C-49C0-85C6-983D72F07C55}" presName="hierRoot3" presStyleCnt="0"/>
+      <dgm:spPr/>
+    </dgm:pt>
+    <dgm:pt modelId="{21B9EFEC-BCA3-4208-8AC4-0208B9C6B55C}" type="pres">
+      <dgm:prSet presAssocID="{04FCEA23-5D9C-49C0-85C6-983D72F07C55}" presName="composite3" presStyleCnt="0"/>
+      <dgm:spPr/>
+    </dgm:pt>
+    <dgm:pt modelId="{831B79A0-CBFE-46CC-BD25-A0C510A67150}" type="pres">
+      <dgm:prSet presAssocID="{04FCEA23-5D9C-49C0-85C6-983D72F07C55}" presName="background3" presStyleLbl="node3" presStyleIdx="1" presStyleCnt="2"/>
+      <dgm:spPr/>
+    </dgm:pt>
+    <dgm:pt modelId="{41417329-F6FD-4AAD-87D5-DBB99CFB5628}" type="pres">
+      <dgm:prSet presAssocID="{04FCEA23-5D9C-49C0-85C6-983D72F07C55}" presName="text3" presStyleLbl="fgAcc3" presStyleIdx="1" presStyleCnt="2">
+        <dgm:presLayoutVars>
+          <dgm:chPref val="3"/>
+        </dgm:presLayoutVars>
+      </dgm:prSet>
+      <dgm:spPr/>
+    </dgm:pt>
+    <dgm:pt modelId="{EC019969-5271-4C8B-96EF-5DCD126BA9A1}" type="pres">
+      <dgm:prSet presAssocID="{04FCEA23-5D9C-49C0-85C6-983D72F07C55}" presName="hierChild4" presStyleCnt="0"/>
+      <dgm:spPr/>
+    </dgm:pt>
+    <dgm:pt modelId="{89815EFA-D637-44BB-AF8F-3006622C20A2}" type="pres">
+      <dgm:prSet presAssocID="{02447814-97CB-4ECB-B299-98B8FFB7D778}" presName="hierRoot1" presStyleCnt="0"/>
+      <dgm:spPr/>
+    </dgm:pt>
+    <dgm:pt modelId="{38689B95-6787-4D87-9546-A8196BCBE858}" type="pres">
+      <dgm:prSet presAssocID="{02447814-97CB-4ECB-B299-98B8FFB7D778}" presName="composite" presStyleCnt="0"/>
+      <dgm:spPr/>
+    </dgm:pt>
+    <dgm:pt modelId="{AC2BE8FD-53BD-404D-A3EA-4CE3ADDBEF51}" type="pres">
+      <dgm:prSet presAssocID="{02447814-97CB-4ECB-B299-98B8FFB7D778}" presName="background" presStyleLbl="node0" presStyleIdx="1" presStyleCnt="2"/>
+      <dgm:spPr/>
+    </dgm:pt>
+    <dgm:pt modelId="{0909153E-FBEC-4358-82D9-031869D1A77B}" type="pres">
+      <dgm:prSet presAssocID="{02447814-97CB-4ECB-B299-98B8FFB7D778}" presName="text" presStyleLbl="fgAcc0" presStyleIdx="1" presStyleCnt="2" custLinFactNeighborX="1427">
+        <dgm:presLayoutVars>
+          <dgm:chPref val="3"/>
+        </dgm:presLayoutVars>
+      </dgm:prSet>
+      <dgm:spPr/>
+    </dgm:pt>
+    <dgm:pt modelId="{C5853E26-CA76-4805-A0AF-FEA6C3BF12FE}" type="pres">
+      <dgm:prSet presAssocID="{02447814-97CB-4ECB-B299-98B8FFB7D778}" presName="hierChild2" presStyleCnt="0"/>
+      <dgm:spPr/>
+    </dgm:pt>
+    <dgm:pt modelId="{8627E15C-63DB-4EE2-9E5E-C7ECB99F468D}" type="pres">
+      <dgm:prSet presAssocID="{217CA713-D456-4ED1-9321-A485BB8C1920}" presName="Name10" presStyleLbl="parChTrans1D2" presStyleIdx="1" presStyleCnt="2"/>
+      <dgm:spPr/>
+    </dgm:pt>
+    <dgm:pt modelId="{FA8567A5-C692-463E-B2D1-28BE25455EE5}" type="pres">
+      <dgm:prSet presAssocID="{1CAFA372-E6BD-49B0-AA58-DF818EFAB9A5}" presName="hierRoot2" presStyleCnt="0"/>
+      <dgm:spPr/>
+    </dgm:pt>
+    <dgm:pt modelId="{C96FA736-3928-4B91-A684-547BF331D563}" type="pres">
+      <dgm:prSet presAssocID="{1CAFA372-E6BD-49B0-AA58-DF818EFAB9A5}" presName="composite2" presStyleCnt="0"/>
+      <dgm:spPr/>
+    </dgm:pt>
+    <dgm:pt modelId="{647A168F-DA25-43EF-A8DE-CE4B94F983D9}" type="pres">
+      <dgm:prSet presAssocID="{1CAFA372-E6BD-49B0-AA58-DF818EFAB9A5}" presName="background2" presStyleLbl="node2" presStyleIdx="1" presStyleCnt="2"/>
+      <dgm:spPr/>
+    </dgm:pt>
+    <dgm:pt modelId="{FE749480-0E75-40F6-B9D0-3A27FB56D754}" type="pres">
+      <dgm:prSet presAssocID="{1CAFA372-E6BD-49B0-AA58-DF818EFAB9A5}" presName="text2" presStyleLbl="fgAcc2" presStyleIdx="1" presStyleCnt="2">
+        <dgm:presLayoutVars>
+          <dgm:chPref val="3"/>
+        </dgm:presLayoutVars>
+      </dgm:prSet>
+      <dgm:spPr/>
+    </dgm:pt>
+    <dgm:pt modelId="{9110E3B7-3241-4107-BB07-F257F162B816}" type="pres">
+      <dgm:prSet presAssocID="{1CAFA372-E6BD-49B0-AA58-DF818EFAB9A5}" presName="hierChild3" presStyleCnt="0"/>
+      <dgm:spPr/>
+    </dgm:pt>
+  </dgm:ptLst>
+  <dgm:cxnLst>
+    <dgm:cxn modelId="{5321FF01-6881-4DD8-9BCE-764FE4D158DA}" type="presOf" srcId="{E6947DD9-4CE0-4353-86D6-DD2D2761CE9D}" destId="{C104E950-2FF3-4597-855E-00C16B15F7A7}" srcOrd="0" destOrd="0" presId="urn:microsoft.com/office/officeart/2005/8/layout/hierarchy1"/>
+    <dgm:cxn modelId="{AB86C908-5C45-4CAE-AD4B-BCDC4F38104F}" type="presOf" srcId="{3A1DBA80-6EE0-4E68-B154-A3E9B7EF4791}" destId="{C9425118-4E8D-4E56-8C4B-4B151910FE2D}" srcOrd="0" destOrd="0" presId="urn:microsoft.com/office/officeart/2005/8/layout/hierarchy1"/>
+    <dgm:cxn modelId="{8899970C-884F-48A9-A550-C1D2447550C2}" type="presOf" srcId="{EF587354-3183-428F-ABCC-06383EAE0006}" destId="{D091A555-50AC-4437-8CB6-BDA3972D0FFE}" srcOrd="0" destOrd="0" presId="urn:microsoft.com/office/officeart/2005/8/layout/hierarchy1"/>
+    <dgm:cxn modelId="{9EE6011E-242E-48D5-9270-3218BED02494}" type="presOf" srcId="{DE297515-0873-49F7-8F96-75C82D6A5005}" destId="{70F315BE-7587-4C3C-82C7-ECEA52CA016A}" srcOrd="0" destOrd="0" presId="urn:microsoft.com/office/officeart/2005/8/layout/hierarchy1"/>
+    <dgm:cxn modelId="{1BC6F32A-AC41-455F-83F1-09E51EAEA4B3}" type="presOf" srcId="{1CAFA372-E6BD-49B0-AA58-DF818EFAB9A5}" destId="{FE749480-0E75-40F6-B9D0-3A27FB56D754}" srcOrd="0" destOrd="0" presId="urn:microsoft.com/office/officeart/2005/8/layout/hierarchy1"/>
+    <dgm:cxn modelId="{8D9B7F2F-ABE5-43F4-B26D-1DF18107F279}" type="presOf" srcId="{E60137FB-4D4C-4784-9695-0D7CBBAC911F}" destId="{B5851C82-E0C1-41FE-9C21-4134ABEC2BB3}" srcOrd="0" destOrd="0" presId="urn:microsoft.com/office/officeart/2005/8/layout/hierarchy1"/>
+    <dgm:cxn modelId="{F1DFE93D-898F-4F8C-B6E8-9652E6639E15}" type="presOf" srcId="{02447814-97CB-4ECB-B299-98B8FFB7D778}" destId="{0909153E-FBEC-4358-82D9-031869D1A77B}" srcOrd="0" destOrd="0" presId="urn:microsoft.com/office/officeart/2005/8/layout/hierarchy1"/>
+    <dgm:cxn modelId="{B55B1D52-F22F-4019-AF5C-114FE2561129}" srcId="{36A967A6-733B-4D76-B412-CEA21112BA60}" destId="{DE297515-0873-49F7-8F96-75C82D6A5005}" srcOrd="0" destOrd="0" parTransId="{EF587354-3183-428F-ABCC-06383EAE0006}" sibTransId="{9664DF62-384E-4C3E-8F56-7A8D4B260A56}"/>
+    <dgm:cxn modelId="{023E5782-ADC2-4779-8D0D-8BDD1AA09715}" srcId="{3A1DBA80-6EE0-4E68-B154-A3E9B7EF4791}" destId="{36A967A6-733B-4D76-B412-CEA21112BA60}" srcOrd="0" destOrd="0" parTransId="{AC9E1B3D-37D7-41C0-A912-F7C2AA019E58}" sibTransId="{51724B62-9241-4878-8901-EBD71BC6B697}"/>
+    <dgm:cxn modelId="{49773A8D-43DC-4B02-88D8-30B9BCBFC5EB}" srcId="{02447814-97CB-4ECB-B299-98B8FFB7D778}" destId="{1CAFA372-E6BD-49B0-AA58-DF818EFAB9A5}" srcOrd="0" destOrd="0" parTransId="{217CA713-D456-4ED1-9321-A485BB8C1920}" sibTransId="{9B02EDDC-6EFB-4C0A-A02A-C7F92D02D5FF}"/>
+    <dgm:cxn modelId="{C2372FA4-A019-4589-B548-0FA8493B8C12}" type="presOf" srcId="{217CA713-D456-4ED1-9321-A485BB8C1920}" destId="{8627E15C-63DB-4EE2-9E5E-C7ECB99F468D}" srcOrd="0" destOrd="0" presId="urn:microsoft.com/office/officeart/2005/8/layout/hierarchy1"/>
+    <dgm:cxn modelId="{6A68DEA9-5F2F-4D63-A71C-9F3D501B0771}" srcId="{3A1DBA80-6EE0-4E68-B154-A3E9B7EF4791}" destId="{02447814-97CB-4ECB-B299-98B8FFB7D778}" srcOrd="1" destOrd="0" parTransId="{324429ED-E8BA-4D86-B654-9368517618E6}" sibTransId="{E8D0B139-A28C-4A27-982F-E3BFC3CCF956}"/>
+    <dgm:cxn modelId="{968C83B8-68AF-4AD3-8B59-6B1AD426683C}" type="presOf" srcId="{04FCEA23-5D9C-49C0-85C6-983D72F07C55}" destId="{41417329-F6FD-4AAD-87D5-DBB99CFB5628}" srcOrd="0" destOrd="0" presId="urn:microsoft.com/office/officeart/2005/8/layout/hierarchy1"/>
+    <dgm:cxn modelId="{9A29E8CA-4518-4DD6-AA9C-0A28541B80DD}" type="presOf" srcId="{0FF17D16-4B9F-478C-BDA5-317FC4AE8F6C}" destId="{8F23D32B-B5BA-44DB-8E16-1C332CBCA6CD}" srcOrd="0" destOrd="0" presId="urn:microsoft.com/office/officeart/2005/8/layout/hierarchy1"/>
+    <dgm:cxn modelId="{3AD9B8E0-4A06-496C-BE34-3F532D3E2996}" srcId="{DE297515-0873-49F7-8F96-75C82D6A5005}" destId="{04FCEA23-5D9C-49C0-85C6-983D72F07C55}" srcOrd="1" destOrd="0" parTransId="{0FF17D16-4B9F-478C-BDA5-317FC4AE8F6C}" sibTransId="{A56C1564-03A1-4719-9933-AC7D0FD4AF71}"/>
+    <dgm:cxn modelId="{1CE244EF-01FF-4A9D-8CC5-E48DEE2347D7}" srcId="{DE297515-0873-49F7-8F96-75C82D6A5005}" destId="{E60137FB-4D4C-4784-9695-0D7CBBAC911F}" srcOrd="0" destOrd="0" parTransId="{E6947DD9-4CE0-4353-86D6-DD2D2761CE9D}" sibTransId="{AAA182C5-1DA9-4B17-97B4-E3184062FFBA}"/>
+    <dgm:cxn modelId="{EA83BCF2-A293-4EAC-81BB-BF1C01B9BB10}" type="presOf" srcId="{36A967A6-733B-4D76-B412-CEA21112BA60}" destId="{4ED071E8-9872-4F06-AB77-7B3B0658F7BE}" srcOrd="0" destOrd="0" presId="urn:microsoft.com/office/officeart/2005/8/layout/hierarchy1"/>
+    <dgm:cxn modelId="{512D5A7B-9D74-4067-B4C9-B55D51753656}" type="presParOf" srcId="{C9425118-4E8D-4E56-8C4B-4B151910FE2D}" destId="{BCE26459-35C2-4A9F-8E75-C72B0596305E}" srcOrd="0" destOrd="0" presId="urn:microsoft.com/office/officeart/2005/8/layout/hierarchy1"/>
+    <dgm:cxn modelId="{718916B7-A18E-4807-836F-528018E8829A}" type="presParOf" srcId="{BCE26459-35C2-4A9F-8E75-C72B0596305E}" destId="{3D82791F-84E3-4C90-9CC5-6745B6368DE8}" srcOrd="0" destOrd="0" presId="urn:microsoft.com/office/officeart/2005/8/layout/hierarchy1"/>
+    <dgm:cxn modelId="{CD148AB5-AF65-49E2-ABC9-1605D022502A}" type="presParOf" srcId="{3D82791F-84E3-4C90-9CC5-6745B6368DE8}" destId="{9B555EF3-57DA-4D6B-B3D4-4B1E9A7EE0B3}" srcOrd="0" destOrd="0" presId="urn:microsoft.com/office/officeart/2005/8/layout/hierarchy1"/>
+    <dgm:cxn modelId="{19C70083-8BB8-4E72-B8D8-2A86B97CFBBA}" type="presParOf" srcId="{3D82791F-84E3-4C90-9CC5-6745B6368DE8}" destId="{4ED071E8-9872-4F06-AB77-7B3B0658F7BE}" srcOrd="1" destOrd="0" presId="urn:microsoft.com/office/officeart/2005/8/layout/hierarchy1"/>
+    <dgm:cxn modelId="{4C01E64B-1736-4CE9-8B2B-756154D124DC}" type="presParOf" srcId="{BCE26459-35C2-4A9F-8E75-C72B0596305E}" destId="{01A26859-71B1-4929-ADF8-22CBFA6AA24E}" srcOrd="1" destOrd="0" presId="urn:microsoft.com/office/officeart/2005/8/layout/hierarchy1"/>
+    <dgm:cxn modelId="{2C97B00B-3DC4-4BF5-B6E5-972A0E300107}" type="presParOf" srcId="{01A26859-71B1-4929-ADF8-22CBFA6AA24E}" destId="{D091A555-50AC-4437-8CB6-BDA3972D0FFE}" srcOrd="0" destOrd="0" presId="urn:microsoft.com/office/officeart/2005/8/layout/hierarchy1"/>
+    <dgm:cxn modelId="{3D07367F-5EF5-4609-BA35-9B222978FFA5}" type="presParOf" srcId="{01A26859-71B1-4929-ADF8-22CBFA6AA24E}" destId="{378FB541-AE05-42BE-819B-9F7B20C710CB}" srcOrd="1" destOrd="0" presId="urn:microsoft.com/office/officeart/2005/8/layout/hierarchy1"/>
+    <dgm:cxn modelId="{68C68589-123E-4B8C-9957-0B7B712EC342}" type="presParOf" srcId="{378FB541-AE05-42BE-819B-9F7B20C710CB}" destId="{DFE9FED0-5660-4CEF-8B82-521DAB21124A}" srcOrd="0" destOrd="0" presId="urn:microsoft.com/office/officeart/2005/8/layout/hierarchy1"/>
+    <dgm:cxn modelId="{E6F9C721-64F8-4108-A935-9C94844966AE}" type="presParOf" srcId="{DFE9FED0-5660-4CEF-8B82-521DAB21124A}" destId="{1FAF83D9-78AF-4965-B6E9-C8B2220E0845}" srcOrd="0" destOrd="0" presId="urn:microsoft.com/office/officeart/2005/8/layout/hierarchy1"/>
+    <dgm:cxn modelId="{A5D639EC-566C-4F0C-9EB6-16306A457C92}" type="presParOf" srcId="{DFE9FED0-5660-4CEF-8B82-521DAB21124A}" destId="{70F315BE-7587-4C3C-82C7-ECEA52CA016A}" srcOrd="1" destOrd="0" presId="urn:microsoft.com/office/officeart/2005/8/layout/hierarchy1"/>
+    <dgm:cxn modelId="{18B78A75-CF34-48D6-93F0-8F464FFC97A9}" type="presParOf" srcId="{378FB541-AE05-42BE-819B-9F7B20C710CB}" destId="{31B3A700-7FA4-4535-92FA-D303C700A005}" srcOrd="1" destOrd="0" presId="urn:microsoft.com/office/officeart/2005/8/layout/hierarchy1"/>
+    <dgm:cxn modelId="{9F509070-1E9C-44BC-8645-47C5501D88A5}" type="presParOf" srcId="{31B3A700-7FA4-4535-92FA-D303C700A005}" destId="{C104E950-2FF3-4597-855E-00C16B15F7A7}" srcOrd="0" destOrd="0" presId="urn:microsoft.com/office/officeart/2005/8/layout/hierarchy1"/>
+    <dgm:cxn modelId="{3B0D1F76-1F92-4D9F-9D64-0C7B3A7DC01B}" type="presParOf" srcId="{31B3A700-7FA4-4535-92FA-D303C700A005}" destId="{33B7B53A-4AE6-447E-B702-1C78B318A841}" srcOrd="1" destOrd="0" presId="urn:microsoft.com/office/officeart/2005/8/layout/hierarchy1"/>
+    <dgm:cxn modelId="{9A6A8AEB-6436-47C5-A2ED-A00AB20D2395}" type="presParOf" srcId="{33B7B53A-4AE6-447E-B702-1C78B318A841}" destId="{90481C3E-EAEB-44D7-8833-1AAB17EAB223}" srcOrd="0" destOrd="0" presId="urn:microsoft.com/office/officeart/2005/8/layout/hierarchy1"/>
+    <dgm:cxn modelId="{BA37BA1A-CE8C-4CA9-8CDD-20BDA5CFD444}" type="presParOf" srcId="{90481C3E-EAEB-44D7-8833-1AAB17EAB223}" destId="{B7481C72-ECAE-465C-9BA2-B6565892287A}" srcOrd="0" destOrd="0" presId="urn:microsoft.com/office/officeart/2005/8/layout/hierarchy1"/>
+    <dgm:cxn modelId="{790F824C-C423-418B-B50C-66E34B8F3E4C}" type="presParOf" srcId="{90481C3E-EAEB-44D7-8833-1AAB17EAB223}" destId="{B5851C82-E0C1-41FE-9C21-4134ABEC2BB3}" srcOrd="1" destOrd="0" presId="urn:microsoft.com/office/officeart/2005/8/layout/hierarchy1"/>
+    <dgm:cxn modelId="{454C6F86-5722-419E-99F9-9A406329B910}" type="presParOf" srcId="{33B7B53A-4AE6-447E-B702-1C78B318A841}" destId="{F9636065-A723-4905-ABEE-13CDA762B1D4}" srcOrd="1" destOrd="0" presId="urn:microsoft.com/office/officeart/2005/8/layout/hierarchy1"/>
+    <dgm:cxn modelId="{A1FA703B-EE6A-49ED-BE41-C5EEA713D637}" type="presParOf" srcId="{31B3A700-7FA4-4535-92FA-D303C700A005}" destId="{8F23D32B-B5BA-44DB-8E16-1C332CBCA6CD}" srcOrd="2" destOrd="0" presId="urn:microsoft.com/office/officeart/2005/8/layout/hierarchy1"/>
+    <dgm:cxn modelId="{8335E3C1-DD3B-45B2-8EC3-B00B821BC2DD}" type="presParOf" srcId="{31B3A700-7FA4-4535-92FA-D303C700A005}" destId="{9C35625C-740A-4673-BD75-06F4C7A3022E}" srcOrd="3" destOrd="0" presId="urn:microsoft.com/office/officeart/2005/8/layout/hierarchy1"/>
+    <dgm:cxn modelId="{619B5BD7-3A64-4EA5-98D7-363B39C1E16F}" type="presParOf" srcId="{9C35625C-740A-4673-BD75-06F4C7A3022E}" destId="{21B9EFEC-BCA3-4208-8AC4-0208B9C6B55C}" srcOrd="0" destOrd="0" presId="urn:microsoft.com/office/officeart/2005/8/layout/hierarchy1"/>
+    <dgm:cxn modelId="{7070FDE9-E293-4DE0-8893-43D64CC269B9}" type="presParOf" srcId="{21B9EFEC-BCA3-4208-8AC4-0208B9C6B55C}" destId="{831B79A0-CBFE-46CC-BD25-A0C510A67150}" srcOrd="0" destOrd="0" presId="urn:microsoft.com/office/officeart/2005/8/layout/hierarchy1"/>
+    <dgm:cxn modelId="{E4044E7B-D797-492C-B6B1-53A0D96B7A74}" type="presParOf" srcId="{21B9EFEC-BCA3-4208-8AC4-0208B9C6B55C}" destId="{41417329-F6FD-4AAD-87D5-DBB99CFB5628}" srcOrd="1" destOrd="0" presId="urn:microsoft.com/office/officeart/2005/8/layout/hierarchy1"/>
+    <dgm:cxn modelId="{BA36D8CE-9E51-4F07-8C5D-88AE26CD0486}" type="presParOf" srcId="{9C35625C-740A-4673-BD75-06F4C7A3022E}" destId="{EC019969-5271-4C8B-96EF-5DCD126BA9A1}" srcOrd="1" destOrd="0" presId="urn:microsoft.com/office/officeart/2005/8/layout/hierarchy1"/>
+    <dgm:cxn modelId="{4F947AC9-2509-492A-9C96-B16A4E2B952B}" type="presParOf" srcId="{C9425118-4E8D-4E56-8C4B-4B151910FE2D}" destId="{89815EFA-D637-44BB-AF8F-3006622C20A2}" srcOrd="1" destOrd="0" presId="urn:microsoft.com/office/officeart/2005/8/layout/hierarchy1"/>
+    <dgm:cxn modelId="{5DA24F35-0609-4FD7-92EB-5E7C2039841F}" type="presParOf" srcId="{89815EFA-D637-44BB-AF8F-3006622C20A2}" destId="{38689B95-6787-4D87-9546-A8196BCBE858}" srcOrd="0" destOrd="0" presId="urn:microsoft.com/office/officeart/2005/8/layout/hierarchy1"/>
+    <dgm:cxn modelId="{89D7D574-EF51-4F50-8136-5BF87A0BFB80}" type="presParOf" srcId="{38689B95-6787-4D87-9546-A8196BCBE858}" destId="{AC2BE8FD-53BD-404D-A3EA-4CE3ADDBEF51}" srcOrd="0" destOrd="0" presId="urn:microsoft.com/office/officeart/2005/8/layout/hierarchy1"/>
+    <dgm:cxn modelId="{F75A8A39-E648-4653-8B0B-72DD55FFE8B0}" type="presParOf" srcId="{38689B95-6787-4D87-9546-A8196BCBE858}" destId="{0909153E-FBEC-4358-82D9-031869D1A77B}" srcOrd="1" destOrd="0" presId="urn:microsoft.com/office/officeart/2005/8/layout/hierarchy1"/>
+    <dgm:cxn modelId="{AB71B7A2-DCA8-4E68-BA4B-E60B5DFE17C2}" type="presParOf" srcId="{89815EFA-D637-44BB-AF8F-3006622C20A2}" destId="{C5853E26-CA76-4805-A0AF-FEA6C3BF12FE}" srcOrd="1" destOrd="0" presId="urn:microsoft.com/office/officeart/2005/8/layout/hierarchy1"/>
+    <dgm:cxn modelId="{68CCFD9F-EDE7-40BE-A768-A4B528BA095C}" type="presParOf" srcId="{C5853E26-CA76-4805-A0AF-FEA6C3BF12FE}" destId="{8627E15C-63DB-4EE2-9E5E-C7ECB99F468D}" srcOrd="0" destOrd="0" presId="urn:microsoft.com/office/officeart/2005/8/layout/hierarchy1"/>
+    <dgm:cxn modelId="{42133099-8505-4D18-8DE0-08EF1936A380}" type="presParOf" srcId="{C5853E26-CA76-4805-A0AF-FEA6C3BF12FE}" destId="{FA8567A5-C692-463E-B2D1-28BE25455EE5}" srcOrd="1" destOrd="0" presId="urn:microsoft.com/office/officeart/2005/8/layout/hierarchy1"/>
+    <dgm:cxn modelId="{038D0AAF-D23E-4B7A-9741-68998AF72A04}" type="presParOf" srcId="{FA8567A5-C692-463E-B2D1-28BE25455EE5}" destId="{C96FA736-3928-4B91-A684-547BF331D563}" srcOrd="0" destOrd="0" presId="urn:microsoft.com/office/officeart/2005/8/layout/hierarchy1"/>
+    <dgm:cxn modelId="{6EB5B417-B639-4311-AE59-40590C18B81B}" type="presParOf" srcId="{C96FA736-3928-4B91-A684-547BF331D563}" destId="{647A168F-DA25-43EF-A8DE-CE4B94F983D9}" srcOrd="0" destOrd="0" presId="urn:microsoft.com/office/officeart/2005/8/layout/hierarchy1"/>
+    <dgm:cxn modelId="{8E6DC6CB-744A-412E-AD7C-2BE0435864EF}" type="presParOf" srcId="{C96FA736-3928-4B91-A684-547BF331D563}" destId="{FE749480-0E75-40F6-B9D0-3A27FB56D754}" srcOrd="1" destOrd="0" presId="urn:microsoft.com/office/officeart/2005/8/layout/hierarchy1"/>
+    <dgm:cxn modelId="{DA1AF459-EAE3-4386-8160-B6FCF2A9EC66}" type="presParOf" srcId="{FA8567A5-C692-463E-B2D1-28BE25455EE5}" destId="{9110E3B7-3241-4107-BB07-F257F162B816}" srcOrd="1" destOrd="0" presId="urn:microsoft.com/office/officeart/2005/8/layout/hierarchy1"/>
+  </dgm:cxnLst>
+  <dgm:bg/>
+  <dgm:whole/>
+  <dgm:extLst>
+    <a:ext uri="http://schemas.microsoft.com/office/drawing/2008/diagram">
+      <dsp:dataModelExt xmlns:dsp="http://schemas.microsoft.com/office/drawing/2008/diagram" relId="rId6" minVer="http://schemas.openxmlformats.org/drawingml/2006/diagram"/>
+    </a:ext>
+  </dgm:extLst>
+</dgm:dataModel>
+</file>
+
+<file path=ppt/diagrams/drawing1.xml><?xml version="1.0" encoding="utf-8"?>
+<dsp:drawing xmlns:dgm="http://schemas.openxmlformats.org/drawingml/2006/diagram" xmlns:dsp="http://schemas.microsoft.com/office/drawing/2008/diagram" xmlns:a="http://schemas.openxmlformats.org/drawingml/2006/main">
+  <dsp:spTree>
+    <dsp:nvGrpSpPr>
+      <dsp:cNvPr id="0" name=""/>
+      <dsp:cNvGrpSpPr/>
+    </dsp:nvGrpSpPr>
+    <dsp:grpSpPr/>
+    <dsp:sp modelId="{30604BC3-E3F5-4F8B-A10F-C893D3C4B82A}">
+      <dsp:nvSpPr>
+        <dsp:cNvPr id="0" name=""/>
+        <dsp:cNvSpPr/>
+      </dsp:nvSpPr>
+      <dsp:spPr>
+        <a:xfrm>
+          <a:off x="48" y="50400"/>
+          <a:ext cx="4664533" cy="518400"/>
+        </a:xfrm>
+        <a:prstGeom prst="rect">
+          <a:avLst/>
+        </a:prstGeom>
+        <a:gradFill rotWithShape="0">
+          <a:gsLst>
+            <a:gs pos="0">
+              <a:schemeClr val="accent1">
+                <a:hueOff val="0"/>
+                <a:satOff val="0"/>
+                <a:lumOff val="0"/>
+                <a:alphaOff val="0"/>
+                <a:shade val="100000"/>
+                <a:satMod val="137000"/>
+              </a:schemeClr>
+            </a:gs>
+            <a:gs pos="71000">
+              <a:schemeClr val="accent1">
+                <a:hueOff val="0"/>
+                <a:satOff val="0"/>
+                <a:lumOff val="0"/>
+                <a:alphaOff val="0"/>
+                <a:shade val="98000"/>
+                <a:satMod val="137000"/>
+              </a:schemeClr>
+            </a:gs>
+            <a:gs pos="100000">
+              <a:schemeClr val="accent1">
+                <a:hueOff val="0"/>
+                <a:satOff val="0"/>
+                <a:lumOff val="0"/>
+                <a:alphaOff val="0"/>
+                <a:shade val="75000"/>
+                <a:satMod val="137000"/>
+              </a:schemeClr>
+            </a:gs>
+          </a:gsLst>
+          <a:path path="rect">
+            <a:fillToRect l="50000" t="50000" r="50000" b="50000"/>
+          </a:path>
+        </a:gradFill>
+        <a:ln w="6350" cap="rnd" cmpd="sng" algn="ctr">
+          <a:solidFill>
+            <a:schemeClr val="accent1">
+              <a:hueOff val="0"/>
+              <a:satOff val="0"/>
+              <a:lumOff val="0"/>
+              <a:alphaOff val="0"/>
+            </a:schemeClr>
+          </a:solidFill>
+          <a:prstDash val="solid"/>
+        </a:ln>
+        <a:effectLst>
+          <a:outerShdw blurRad="39000" dist="25400" dir="5400000" rotWithShape="0">
+            <a:srgbClr val="000000">
+              <a:alpha val="38000"/>
+            </a:srgbClr>
+          </a:outerShdw>
+        </a:effectLst>
+        <a:scene3d>
+          <a:camera prst="orthographicFront">
+            <a:rot lat="0" lon="0" rev="0"/>
+          </a:camera>
+          <a:lightRig rig="threePt" dir="t">
+            <a:rot lat="0" lon="0" rev="1800000"/>
+          </a:lightRig>
+        </a:scene3d>
+        <a:sp3d prstMaterial="matte">
+          <a:bevelT h="20000"/>
+        </a:sp3d>
+      </dsp:spPr>
+      <dsp:style>
+        <a:lnRef idx="1">
+          <a:scrgbClr r="0" g="0" b="0"/>
+        </a:lnRef>
+        <a:fillRef idx="3">
+          <a:scrgbClr r="0" g="0" b="0"/>
+        </a:fillRef>
+        <a:effectRef idx="3">
+          <a:scrgbClr r="0" g="0" b="0"/>
+        </a:effectRef>
+        <a:fontRef idx="minor">
+          <a:schemeClr val="lt1"/>
+        </a:fontRef>
+      </dsp:style>
+      <dsp:txBody>
+        <a:bodyPr spcFirstLastPara="0" vert="horz" wrap="square" lIns="128016" tIns="73152" rIns="128016" bIns="73152" numCol="1" spcCol="1270" anchor="ctr" anchorCtr="0">
+          <a:noAutofit/>
+        </a:bodyPr>
+        <a:lstStyle/>
+        <a:p>
+          <a:pPr marL="0" lvl="0" indent="0" algn="ctr" defTabSz="800100">
+            <a:lnSpc>
+              <a:spcPct val="90000"/>
+            </a:lnSpc>
+            <a:spcBef>
+              <a:spcPct val="0"/>
+            </a:spcBef>
+            <a:spcAft>
+              <a:spcPct val="35000"/>
+            </a:spcAft>
+            <a:buNone/>
+          </a:pPr>
+          <a:r>
+            <a:rPr lang="en-US" sz="1800" kern="1200"/>
+            <a:t>Data Needed: </a:t>
+          </a:r>
+        </a:p>
+      </dsp:txBody>
+      <dsp:txXfrm>
+        <a:off x="48" y="50400"/>
+        <a:ext cx="4664533" cy="518400"/>
+      </dsp:txXfrm>
+    </dsp:sp>
+    <dsp:sp modelId="{755FBF99-599F-4EDB-840C-07CCEB92D579}">
+      <dsp:nvSpPr>
+        <dsp:cNvPr id="0" name=""/>
+        <dsp:cNvSpPr/>
+      </dsp:nvSpPr>
+      <dsp:spPr>
+        <a:xfrm>
+          <a:off x="48" y="568800"/>
+          <a:ext cx="4664533" cy="3952799"/>
+        </a:xfrm>
+        <a:prstGeom prst="rect">
+          <a:avLst/>
+        </a:prstGeom>
+        <a:solidFill>
+          <a:schemeClr val="accent1">
+            <a:alpha val="90000"/>
+            <a:tint val="40000"/>
+            <a:hueOff val="0"/>
+            <a:satOff val="0"/>
+            <a:lumOff val="0"/>
+            <a:alphaOff val="0"/>
+          </a:schemeClr>
+        </a:solidFill>
+        <a:ln w="6350" cap="rnd" cmpd="sng" algn="ctr">
+          <a:solidFill>
+            <a:schemeClr val="accent1">
+              <a:alpha val="90000"/>
+              <a:tint val="40000"/>
+              <a:hueOff val="0"/>
+              <a:satOff val="0"/>
+              <a:lumOff val="0"/>
+              <a:alphaOff val="0"/>
+            </a:schemeClr>
+          </a:solidFill>
+          <a:prstDash val="solid"/>
+        </a:ln>
+        <a:effectLst>
+          <a:outerShdw blurRad="39000" dist="25400" dir="5400000" rotWithShape="0">
+            <a:srgbClr val="000000">
+              <a:alpha val="38000"/>
+            </a:srgbClr>
+          </a:outerShdw>
+        </a:effectLst>
+      </dsp:spPr>
+      <dsp:style>
+        <a:lnRef idx="1">
+          <a:scrgbClr r="0" g="0" b="0"/>
+        </a:lnRef>
+        <a:fillRef idx="1">
+          <a:scrgbClr r="0" g="0" b="0"/>
+        </a:fillRef>
+        <a:effectRef idx="2">
+          <a:scrgbClr r="0" g="0" b="0"/>
+        </a:effectRef>
+        <a:fontRef idx="minor"/>
+      </dsp:style>
+      <dsp:txBody>
+        <a:bodyPr spcFirstLastPara="0" vert="horz" wrap="square" lIns="96012" tIns="96012" rIns="128016" bIns="144018" numCol="1" spcCol="1270" anchor="t" anchorCtr="0">
+          <a:noAutofit/>
+        </a:bodyPr>
+        <a:lstStyle/>
+        <a:p>
+          <a:pPr marL="171450" lvl="1" indent="-171450" algn="l" defTabSz="800100">
+            <a:lnSpc>
+              <a:spcPct val="90000"/>
+            </a:lnSpc>
+            <a:spcBef>
+              <a:spcPct val="0"/>
+            </a:spcBef>
+            <a:spcAft>
+              <a:spcPct val="15000"/>
+            </a:spcAft>
+            <a:buChar char="•"/>
+          </a:pPr>
+          <a:r>
+            <a:rPr lang="en-US" sz="1800" kern="1200"/>
+            <a:t>Information regarding “union density” in OECD countries </a:t>
+          </a:r>
+        </a:p>
+        <a:p>
+          <a:pPr marL="342900" lvl="2" indent="-171450" algn="l" defTabSz="800100">
+            <a:lnSpc>
+              <a:spcPct val="90000"/>
+            </a:lnSpc>
+            <a:spcBef>
+              <a:spcPct val="0"/>
+            </a:spcBef>
+            <a:spcAft>
+              <a:spcPct val="15000"/>
+            </a:spcAft>
+            <a:buChar char="•"/>
+          </a:pPr>
+          <a:r>
+            <a:rPr lang="en-US" sz="1800" kern="1200"/>
+            <a:t>“Trade Union Density” expresses union membership as a proportion of the eligible workforce</a:t>
+          </a:r>
+        </a:p>
+        <a:p>
+          <a:pPr marL="171450" lvl="1" indent="-171450" algn="l" defTabSz="800100">
+            <a:lnSpc>
+              <a:spcPct val="90000"/>
+            </a:lnSpc>
+            <a:spcBef>
+              <a:spcPct val="0"/>
+            </a:spcBef>
+            <a:spcAft>
+              <a:spcPct val="15000"/>
+            </a:spcAft>
+            <a:buChar char="•"/>
+          </a:pPr>
+          <a:r>
+            <a:rPr lang="en-US" sz="1800" kern="1200" dirty="0"/>
+            <a:t>Information regarding income inequality and GDP in OECD countries</a:t>
+          </a:r>
+        </a:p>
+        <a:p>
+          <a:pPr marL="342900" lvl="2" indent="-171450" algn="l" defTabSz="800100">
+            <a:lnSpc>
+              <a:spcPct val="90000"/>
+            </a:lnSpc>
+            <a:spcBef>
+              <a:spcPct val="0"/>
+            </a:spcBef>
+            <a:spcAft>
+              <a:spcPct val="15000"/>
+            </a:spcAft>
+            <a:buChar char="•"/>
+          </a:pPr>
+          <a:r>
+            <a:rPr lang="en-US" sz="1800" kern="1200"/>
+            <a:t>The Gini Coefficient measures the extent to which the distribution of income among individuals or households within an economy deviates from a perfectly equal distribution </a:t>
+          </a:r>
+        </a:p>
+      </dsp:txBody>
+      <dsp:txXfrm>
+        <a:off x="48" y="568800"/>
+        <a:ext cx="4664533" cy="3952799"/>
+      </dsp:txXfrm>
+    </dsp:sp>
+    <dsp:sp modelId="{41BDBBDE-961E-4C16-9FE1-41B04E676920}">
+      <dsp:nvSpPr>
+        <dsp:cNvPr id="0" name=""/>
+        <dsp:cNvSpPr/>
+      </dsp:nvSpPr>
+      <dsp:spPr>
+        <a:xfrm>
+          <a:off x="5317617" y="50400"/>
+          <a:ext cx="4664533" cy="518400"/>
+        </a:xfrm>
+        <a:prstGeom prst="rect">
+          <a:avLst/>
+        </a:prstGeom>
+        <a:gradFill rotWithShape="0">
+          <a:gsLst>
+            <a:gs pos="0">
+              <a:schemeClr val="accent1">
+                <a:hueOff val="0"/>
+                <a:satOff val="0"/>
+                <a:lumOff val="0"/>
+                <a:alphaOff val="0"/>
+                <a:shade val="100000"/>
+                <a:satMod val="137000"/>
+              </a:schemeClr>
+            </a:gs>
+            <a:gs pos="71000">
+              <a:schemeClr val="accent1">
+                <a:hueOff val="0"/>
+                <a:satOff val="0"/>
+                <a:lumOff val="0"/>
+                <a:alphaOff val="0"/>
+                <a:shade val="98000"/>
+                <a:satMod val="137000"/>
+              </a:schemeClr>
+            </a:gs>
+            <a:gs pos="100000">
+              <a:schemeClr val="accent1">
+                <a:hueOff val="0"/>
+                <a:satOff val="0"/>
+                <a:lumOff val="0"/>
+                <a:alphaOff val="0"/>
+                <a:shade val="75000"/>
+                <a:satMod val="137000"/>
+              </a:schemeClr>
+            </a:gs>
+          </a:gsLst>
+          <a:path path="rect">
+            <a:fillToRect l="50000" t="50000" r="50000" b="50000"/>
+          </a:path>
+        </a:gradFill>
+        <a:ln w="6350" cap="rnd" cmpd="sng" algn="ctr">
+          <a:solidFill>
+            <a:schemeClr val="accent1">
+              <a:hueOff val="0"/>
+              <a:satOff val="0"/>
+              <a:lumOff val="0"/>
+              <a:alphaOff val="0"/>
+            </a:schemeClr>
+          </a:solidFill>
+          <a:prstDash val="solid"/>
+        </a:ln>
+        <a:effectLst>
+          <a:outerShdw blurRad="39000" dist="25400" dir="5400000" rotWithShape="0">
+            <a:srgbClr val="000000">
+              <a:alpha val="38000"/>
+            </a:srgbClr>
+          </a:outerShdw>
+        </a:effectLst>
+        <a:scene3d>
+          <a:camera prst="orthographicFront">
+            <a:rot lat="0" lon="0" rev="0"/>
+          </a:camera>
+          <a:lightRig rig="threePt" dir="t">
+            <a:rot lat="0" lon="0" rev="1800000"/>
+          </a:lightRig>
+        </a:scene3d>
+        <a:sp3d prstMaterial="matte">
+          <a:bevelT h="20000"/>
+        </a:sp3d>
+      </dsp:spPr>
+      <dsp:style>
+        <a:lnRef idx="1">
+          <a:scrgbClr r="0" g="0" b="0"/>
+        </a:lnRef>
+        <a:fillRef idx="3">
+          <a:scrgbClr r="0" g="0" b="0"/>
+        </a:fillRef>
+        <a:effectRef idx="3">
+          <a:scrgbClr r="0" g="0" b="0"/>
+        </a:effectRef>
+        <a:fontRef idx="minor">
+          <a:schemeClr val="lt1"/>
+        </a:fontRef>
+      </dsp:style>
+      <dsp:txBody>
+        <a:bodyPr spcFirstLastPara="0" vert="horz" wrap="square" lIns="128016" tIns="73152" rIns="128016" bIns="73152" numCol="1" spcCol="1270" anchor="ctr" anchorCtr="0">
+          <a:noAutofit/>
+        </a:bodyPr>
+        <a:lstStyle/>
+        <a:p>
+          <a:pPr marL="0" lvl="0" indent="0" algn="ctr" defTabSz="800100">
+            <a:lnSpc>
+              <a:spcPct val="90000"/>
+            </a:lnSpc>
+            <a:spcBef>
+              <a:spcPct val="0"/>
+            </a:spcBef>
+            <a:spcAft>
+              <a:spcPct val="35000"/>
+            </a:spcAft>
+            <a:buNone/>
+          </a:pPr>
+          <a:r>
+            <a:rPr lang="en-US" sz="1800" kern="1200"/>
+            <a:t>Sources:</a:t>
+          </a:r>
+        </a:p>
+      </dsp:txBody>
+      <dsp:txXfrm>
+        <a:off x="5317617" y="50400"/>
+        <a:ext cx="4664533" cy="518400"/>
+      </dsp:txXfrm>
+    </dsp:sp>
+    <dsp:sp modelId="{B0C69600-88EE-4CAD-8D51-771BFE250C34}">
+      <dsp:nvSpPr>
+        <dsp:cNvPr id="0" name=""/>
+        <dsp:cNvSpPr/>
+      </dsp:nvSpPr>
+      <dsp:spPr>
+        <a:xfrm>
+          <a:off x="5317617" y="568800"/>
+          <a:ext cx="4664533" cy="3952799"/>
+        </a:xfrm>
+        <a:prstGeom prst="rect">
+          <a:avLst/>
+        </a:prstGeom>
+        <a:solidFill>
+          <a:schemeClr val="accent1">
+            <a:alpha val="90000"/>
+            <a:tint val="40000"/>
+            <a:hueOff val="0"/>
+            <a:satOff val="0"/>
+            <a:lumOff val="0"/>
+            <a:alphaOff val="0"/>
+          </a:schemeClr>
+        </a:solidFill>
+        <a:ln w="6350" cap="rnd" cmpd="sng" algn="ctr">
+          <a:solidFill>
+            <a:schemeClr val="accent1">
+              <a:alpha val="90000"/>
+              <a:tint val="40000"/>
+              <a:hueOff val="0"/>
+              <a:satOff val="0"/>
+              <a:lumOff val="0"/>
+              <a:alphaOff val="0"/>
+            </a:schemeClr>
+          </a:solidFill>
+          <a:prstDash val="solid"/>
+        </a:ln>
+        <a:effectLst>
+          <a:outerShdw blurRad="39000" dist="25400" dir="5400000" rotWithShape="0">
+            <a:srgbClr val="000000">
+              <a:alpha val="38000"/>
+            </a:srgbClr>
+          </a:outerShdw>
+        </a:effectLst>
+      </dsp:spPr>
+      <dsp:style>
+        <a:lnRef idx="1">
+          <a:scrgbClr r="0" g="0" b="0"/>
+        </a:lnRef>
+        <a:fillRef idx="1">
+          <a:scrgbClr r="0" g="0" b="0"/>
+        </a:fillRef>
+        <a:effectRef idx="2">
+          <a:scrgbClr r="0" g="0" b="0"/>
+        </a:effectRef>
+        <a:fontRef idx="minor"/>
+      </dsp:style>
+      <dsp:txBody>
+        <a:bodyPr spcFirstLastPara="0" vert="horz" wrap="square" lIns="96012" tIns="96012" rIns="128016" bIns="144018" numCol="1" spcCol="1270" anchor="t" anchorCtr="0">
+          <a:noAutofit/>
+        </a:bodyPr>
+        <a:lstStyle/>
+        <a:p>
+          <a:pPr marL="171450" lvl="1" indent="-171450" algn="l" defTabSz="800100">
+            <a:lnSpc>
+              <a:spcPct val="90000"/>
+            </a:lnSpc>
+            <a:spcBef>
+              <a:spcPct val="0"/>
+            </a:spcBef>
+            <a:spcAft>
+              <a:spcPct val="15000"/>
+            </a:spcAft>
+            <a:buChar char="•"/>
+          </a:pPr>
+          <a:r>
+            <a:rPr lang="en-US" sz="1800" kern="1200"/>
+            <a:t>Union Density Data Source: OECD (2021), Trade Union (database), stats.oecd.org </a:t>
+          </a:r>
+        </a:p>
+        <a:p>
+          <a:pPr marL="171450" lvl="1" indent="-171450" algn="l" defTabSz="800100">
+            <a:lnSpc>
+              <a:spcPct val="90000"/>
+            </a:lnSpc>
+            <a:spcBef>
+              <a:spcPct val="0"/>
+            </a:spcBef>
+            <a:spcAft>
+              <a:spcPct val="15000"/>
+            </a:spcAft>
+            <a:buChar char="•"/>
+          </a:pPr>
+          <a:r>
+            <a:rPr lang="en-US" sz="1800" kern="1200"/>
+            <a:t>Gini Coefficient Data Source: OECD (2021), Income Distribution (database), stats.oecd.org </a:t>
+          </a:r>
+        </a:p>
+      </dsp:txBody>
+      <dsp:txXfrm>
+        <a:off x="5317617" y="568800"/>
+        <a:ext cx="4664533" cy="3952799"/>
+      </dsp:txXfrm>
+    </dsp:sp>
+  </dsp:spTree>
+</dsp:drawing>
+</file>
+
+<file path=ppt/diagrams/drawing2.xml><?xml version="1.0" encoding="utf-8"?>
+<dsp:drawing xmlns:dgm="http://schemas.openxmlformats.org/drawingml/2006/diagram" xmlns:dsp="http://schemas.microsoft.com/office/drawing/2008/diagram" xmlns:a="http://schemas.openxmlformats.org/drawingml/2006/main">
+  <dsp:spTree>
+    <dsp:nvGrpSpPr>
+      <dsp:cNvPr id="0" name=""/>
+      <dsp:cNvGrpSpPr/>
+    </dsp:nvGrpSpPr>
+    <dsp:grpSpPr/>
+    <dsp:sp modelId="{8627E15C-63DB-4EE2-9E5E-C7ECB99F468D}">
+      <dsp:nvSpPr>
+        <dsp:cNvPr id="0" name=""/>
+        <dsp:cNvSpPr/>
+      </dsp:nvSpPr>
+      <dsp:spPr>
+        <a:xfrm>
+          <a:off x="6463912" y="1120158"/>
+          <a:ext cx="91440" cy="512872"/>
+        </a:xfrm>
+        <a:custGeom>
+          <a:avLst/>
+          <a:gdLst/>
+          <a:ahLst/>
+          <a:cxnLst/>
+          <a:rect l="0" t="0" r="0" b="0"/>
+          <a:pathLst>
+            <a:path>
+              <a:moveTo>
+                <a:pt x="70884" y="0"/>
+              </a:moveTo>
+              <a:lnTo>
+                <a:pt x="70884" y="349507"/>
+              </a:lnTo>
+              <a:lnTo>
+                <a:pt x="45720" y="349507"/>
+              </a:lnTo>
+              <a:lnTo>
+                <a:pt x="45720" y="512872"/>
+              </a:lnTo>
+            </a:path>
+          </a:pathLst>
+        </a:custGeom>
+        <a:noFill/>
+        <a:ln w="48000" cap="flat" cmpd="thickThin" algn="ctr">
+          <a:solidFill>
+            <a:schemeClr val="accent3">
+              <a:shade val="60000"/>
+              <a:hueOff val="0"/>
+              <a:satOff val="0"/>
+              <a:lumOff val="0"/>
+              <a:alphaOff val="0"/>
+            </a:schemeClr>
+          </a:solidFill>
+          <a:prstDash val="solid"/>
+        </a:ln>
+        <a:effectLst/>
+      </dsp:spPr>
+      <dsp:style>
+        <a:lnRef idx="2">
+          <a:scrgbClr r="0" g="0" b="0"/>
+        </a:lnRef>
+        <a:fillRef idx="0">
+          <a:scrgbClr r="0" g="0" b="0"/>
+        </a:fillRef>
+        <a:effectRef idx="0">
+          <a:scrgbClr r="0" g="0" b="0"/>
+        </a:effectRef>
+        <a:fontRef idx="minor"/>
+      </dsp:style>
+    </dsp:sp>
+    <dsp:sp modelId="{8F23D32B-B5BA-44DB-8E16-1C332CBCA6CD}">
+      <dsp:nvSpPr>
+        <dsp:cNvPr id="0" name=""/>
+        <dsp:cNvSpPr/>
+      </dsp:nvSpPr>
+      <dsp:spPr>
+        <a:xfrm>
+          <a:off x="4354296" y="2752826"/>
+          <a:ext cx="1077668" cy="512872"/>
+        </a:xfrm>
+        <a:custGeom>
+          <a:avLst/>
+          <a:gdLst/>
+          <a:ahLst/>
+          <a:cxnLst/>
+          <a:rect l="0" t="0" r="0" b="0"/>
+          <a:pathLst>
+            <a:path>
+              <a:moveTo>
+                <a:pt x="0" y="0"/>
+              </a:moveTo>
+              <a:lnTo>
+                <a:pt x="0" y="349507"/>
+              </a:lnTo>
+              <a:lnTo>
+                <a:pt x="1077668" y="349507"/>
+              </a:lnTo>
+              <a:lnTo>
+                <a:pt x="1077668" y="512872"/>
+              </a:lnTo>
+            </a:path>
+          </a:pathLst>
+        </a:custGeom>
+        <a:noFill/>
+        <a:ln w="48000" cap="flat" cmpd="thickThin" algn="ctr">
+          <a:solidFill>
+            <a:schemeClr val="accent3">
+              <a:shade val="80000"/>
+              <a:hueOff val="0"/>
+              <a:satOff val="0"/>
+              <a:lumOff val="0"/>
+              <a:alphaOff val="0"/>
+            </a:schemeClr>
+          </a:solidFill>
+          <a:prstDash val="solid"/>
+        </a:ln>
+        <a:effectLst/>
+      </dsp:spPr>
+      <dsp:style>
+        <a:lnRef idx="2">
+          <a:scrgbClr r="0" g="0" b="0"/>
+        </a:lnRef>
+        <a:fillRef idx="0">
+          <a:scrgbClr r="0" g="0" b="0"/>
+        </a:fillRef>
+        <a:effectRef idx="0">
+          <a:scrgbClr r="0" g="0" b="0"/>
+        </a:effectRef>
+        <a:fontRef idx="minor"/>
+      </dsp:style>
+    </dsp:sp>
+    <dsp:sp modelId="{C104E950-2FF3-4597-855E-00C16B15F7A7}">
+      <dsp:nvSpPr>
+        <dsp:cNvPr id="0" name=""/>
+        <dsp:cNvSpPr/>
+      </dsp:nvSpPr>
+      <dsp:spPr>
+        <a:xfrm>
+          <a:off x="3276627" y="2752826"/>
+          <a:ext cx="1077668" cy="512872"/>
+        </a:xfrm>
+        <a:custGeom>
+          <a:avLst/>
+          <a:gdLst/>
+          <a:ahLst/>
+          <a:cxnLst/>
+          <a:rect l="0" t="0" r="0" b="0"/>
+          <a:pathLst>
+            <a:path>
+              <a:moveTo>
+                <a:pt x="1077668" y="0"/>
+              </a:moveTo>
+              <a:lnTo>
+                <a:pt x="1077668" y="349507"/>
+              </a:lnTo>
+              <a:lnTo>
+                <a:pt x="0" y="349507"/>
+              </a:lnTo>
+              <a:lnTo>
+                <a:pt x="0" y="512872"/>
+              </a:lnTo>
+            </a:path>
+          </a:pathLst>
+        </a:custGeom>
+        <a:noFill/>
+        <a:ln w="48000" cap="flat" cmpd="thickThin" algn="ctr">
+          <a:solidFill>
+            <a:schemeClr val="accent3">
+              <a:shade val="80000"/>
+              <a:hueOff val="0"/>
+              <a:satOff val="0"/>
+              <a:lumOff val="0"/>
+              <a:alphaOff val="0"/>
+            </a:schemeClr>
+          </a:solidFill>
+          <a:prstDash val="solid"/>
+        </a:ln>
+        <a:effectLst/>
+      </dsp:spPr>
+      <dsp:style>
+        <a:lnRef idx="2">
+          <a:scrgbClr r="0" g="0" b="0"/>
+        </a:lnRef>
+        <a:fillRef idx="0">
+          <a:scrgbClr r="0" g="0" b="0"/>
+        </a:fillRef>
+        <a:effectRef idx="0">
+          <a:scrgbClr r="0" g="0" b="0"/>
+        </a:effectRef>
+        <a:fontRef idx="minor"/>
+      </dsp:style>
+    </dsp:sp>
+    <dsp:sp modelId="{D091A555-50AC-4437-8CB6-BDA3972D0FFE}">
+      <dsp:nvSpPr>
+        <dsp:cNvPr id="0" name=""/>
+        <dsp:cNvSpPr/>
+      </dsp:nvSpPr>
+      <dsp:spPr>
+        <a:xfrm>
+          <a:off x="4308576" y="1120158"/>
+          <a:ext cx="91440" cy="512872"/>
+        </a:xfrm>
+        <a:custGeom>
+          <a:avLst/>
+          <a:gdLst/>
+          <a:ahLst/>
+          <a:cxnLst/>
+          <a:rect l="0" t="0" r="0" b="0"/>
+          <a:pathLst>
+            <a:path>
+              <a:moveTo>
+                <a:pt x="45720" y="0"/>
+              </a:moveTo>
+              <a:lnTo>
+                <a:pt x="45720" y="512872"/>
+              </a:lnTo>
+            </a:path>
+          </a:pathLst>
+        </a:custGeom>
+        <a:noFill/>
+        <a:ln w="48000" cap="flat" cmpd="thickThin" algn="ctr">
+          <a:solidFill>
+            <a:schemeClr val="accent3">
+              <a:shade val="60000"/>
+              <a:hueOff val="0"/>
+              <a:satOff val="0"/>
+              <a:lumOff val="0"/>
+              <a:alphaOff val="0"/>
+            </a:schemeClr>
+          </a:solidFill>
+          <a:prstDash val="solid"/>
+        </a:ln>
+        <a:effectLst/>
+      </dsp:spPr>
+      <dsp:style>
+        <a:lnRef idx="2">
+          <a:scrgbClr r="0" g="0" b="0"/>
+        </a:lnRef>
+        <a:fillRef idx="0">
+          <a:scrgbClr r="0" g="0" b="0"/>
+        </a:fillRef>
+        <a:effectRef idx="0">
+          <a:scrgbClr r="0" g="0" b="0"/>
+        </a:effectRef>
+        <a:fontRef idx="minor"/>
+      </dsp:style>
+    </dsp:sp>
+    <dsp:sp modelId="{9B555EF3-57DA-4D6B-B3D4-4B1E9A7EE0B3}">
+      <dsp:nvSpPr>
+        <dsp:cNvPr id="0" name=""/>
+        <dsp:cNvSpPr/>
+      </dsp:nvSpPr>
+      <dsp:spPr>
+        <a:xfrm>
+          <a:off x="3472567" y="363"/>
+          <a:ext cx="1763457" cy="1119795"/>
+        </a:xfrm>
+        <a:prstGeom prst="roundRect">
+          <a:avLst>
+            <a:gd name="adj" fmla="val 10000"/>
+          </a:avLst>
+        </a:prstGeom>
+        <a:solidFill>
+          <a:schemeClr val="accent3">
+            <a:hueOff val="0"/>
+            <a:satOff val="0"/>
+            <a:lumOff val="0"/>
+            <a:alphaOff val="0"/>
+          </a:schemeClr>
+        </a:solidFill>
+        <a:ln w="48000" cap="flat" cmpd="thickThin" algn="ctr">
+          <a:solidFill>
+            <a:schemeClr val="lt1">
+              <a:hueOff val="0"/>
+              <a:satOff val="0"/>
+              <a:lumOff val="0"/>
+              <a:alphaOff val="0"/>
+            </a:schemeClr>
+          </a:solidFill>
+          <a:prstDash val="solid"/>
+        </a:ln>
+        <a:effectLst/>
+      </dsp:spPr>
+      <dsp:style>
+        <a:lnRef idx="2">
+          <a:scrgbClr r="0" g="0" b="0"/>
+        </a:lnRef>
+        <a:fillRef idx="1">
+          <a:scrgbClr r="0" g="0" b="0"/>
+        </a:fillRef>
+        <a:effectRef idx="0">
+          <a:scrgbClr r="0" g="0" b="0"/>
+        </a:effectRef>
+        <a:fontRef idx="minor">
+          <a:schemeClr val="lt1"/>
+        </a:fontRef>
+      </dsp:style>
+    </dsp:sp>
+    <dsp:sp modelId="{4ED071E8-9872-4F06-AB77-7B3B0658F7BE}">
+      <dsp:nvSpPr>
+        <dsp:cNvPr id="0" name=""/>
+        <dsp:cNvSpPr/>
+      </dsp:nvSpPr>
+      <dsp:spPr>
+        <a:xfrm>
+          <a:off x="3668507" y="186506"/>
+          <a:ext cx="1763457" cy="1119795"/>
+        </a:xfrm>
+        <a:prstGeom prst="roundRect">
+          <a:avLst>
+            <a:gd name="adj" fmla="val 10000"/>
+          </a:avLst>
+        </a:prstGeom>
+        <a:solidFill>
+          <a:schemeClr val="lt1">
+            <a:alpha val="90000"/>
+            <a:hueOff val="0"/>
+            <a:satOff val="0"/>
+            <a:lumOff val="0"/>
+            <a:alphaOff val="0"/>
+          </a:schemeClr>
+        </a:solidFill>
+        <a:ln w="48000" cap="flat" cmpd="thickThin" algn="ctr">
+          <a:solidFill>
+            <a:schemeClr val="accent3">
+              <a:hueOff val="0"/>
+              <a:satOff val="0"/>
+              <a:lumOff val="0"/>
+              <a:alphaOff val="0"/>
+            </a:schemeClr>
+          </a:solidFill>
+          <a:prstDash val="solid"/>
+        </a:ln>
+        <a:effectLst/>
+      </dsp:spPr>
+      <dsp:style>
+        <a:lnRef idx="2">
+          <a:scrgbClr r="0" g="0" b="0"/>
+        </a:lnRef>
+        <a:fillRef idx="1">
+          <a:scrgbClr r="0" g="0" b="0"/>
+        </a:fillRef>
+        <a:effectRef idx="0">
+          <a:scrgbClr r="0" g="0" b="0"/>
+        </a:effectRef>
+        <a:fontRef idx="minor"/>
+      </dsp:style>
+      <dsp:txBody>
+        <a:bodyPr spcFirstLastPara="0" vert="horz" wrap="square" lIns="60960" tIns="60960" rIns="60960" bIns="60960" numCol="1" spcCol="1270" anchor="ctr" anchorCtr="0">
+          <a:noAutofit/>
+        </a:bodyPr>
+        <a:lstStyle/>
+        <a:p>
+          <a:pPr marL="0" lvl="0" indent="0" algn="ctr" defTabSz="711200">
+            <a:lnSpc>
+              <a:spcPct val="90000"/>
+            </a:lnSpc>
+            <a:spcBef>
+              <a:spcPct val="0"/>
+            </a:spcBef>
+            <a:spcAft>
+              <a:spcPct val="35000"/>
+            </a:spcAft>
+            <a:buNone/>
+          </a:pPr>
+          <a:r>
+            <a:rPr lang="en-US" sz="1600" kern="1200" dirty="0"/>
+            <a:t>Data Needed:</a:t>
+          </a:r>
+        </a:p>
+      </dsp:txBody>
+      <dsp:txXfrm>
+        <a:off x="3701305" y="219304"/>
+        <a:ext cx="1697861" cy="1054199"/>
+      </dsp:txXfrm>
+    </dsp:sp>
+    <dsp:sp modelId="{1FAF83D9-78AF-4965-B6E9-C8B2220E0845}">
+      <dsp:nvSpPr>
+        <dsp:cNvPr id="0" name=""/>
+        <dsp:cNvSpPr/>
+      </dsp:nvSpPr>
+      <dsp:spPr>
+        <a:xfrm>
+          <a:off x="3472567" y="1633031"/>
+          <a:ext cx="1763457" cy="1119795"/>
+        </a:xfrm>
+        <a:prstGeom prst="roundRect">
+          <a:avLst>
+            <a:gd name="adj" fmla="val 10000"/>
+          </a:avLst>
+        </a:prstGeom>
+        <a:solidFill>
+          <a:schemeClr val="accent3">
+            <a:hueOff val="0"/>
+            <a:satOff val="0"/>
+            <a:lumOff val="0"/>
+            <a:alphaOff val="0"/>
+          </a:schemeClr>
+        </a:solidFill>
+        <a:ln w="48000" cap="flat" cmpd="thickThin" algn="ctr">
+          <a:solidFill>
+            <a:schemeClr val="lt1">
+              <a:hueOff val="0"/>
+              <a:satOff val="0"/>
+              <a:lumOff val="0"/>
+              <a:alphaOff val="0"/>
+            </a:schemeClr>
+          </a:solidFill>
+          <a:prstDash val="solid"/>
+        </a:ln>
+        <a:effectLst/>
+      </dsp:spPr>
+      <dsp:style>
+        <a:lnRef idx="2">
+          <a:scrgbClr r="0" g="0" b="0"/>
+        </a:lnRef>
+        <a:fillRef idx="1">
+          <a:scrgbClr r="0" g="0" b="0"/>
+        </a:fillRef>
+        <a:effectRef idx="0">
+          <a:scrgbClr r="0" g="0" b="0"/>
+        </a:effectRef>
+        <a:fontRef idx="minor">
+          <a:schemeClr val="lt1"/>
+        </a:fontRef>
+      </dsp:style>
+    </dsp:sp>
+    <dsp:sp modelId="{70F315BE-7587-4C3C-82C7-ECEA52CA016A}">
+      <dsp:nvSpPr>
+        <dsp:cNvPr id="0" name=""/>
+        <dsp:cNvSpPr/>
+      </dsp:nvSpPr>
+      <dsp:spPr>
+        <a:xfrm>
+          <a:off x="3668507" y="1819173"/>
+          <a:ext cx="1763457" cy="1119795"/>
+        </a:xfrm>
+        <a:prstGeom prst="roundRect">
+          <a:avLst>
+            <a:gd name="adj" fmla="val 10000"/>
+          </a:avLst>
+        </a:prstGeom>
+        <a:solidFill>
+          <a:schemeClr val="lt1">
+            <a:alpha val="90000"/>
+            <a:hueOff val="0"/>
+            <a:satOff val="0"/>
+            <a:lumOff val="0"/>
+            <a:alphaOff val="0"/>
+          </a:schemeClr>
+        </a:solidFill>
+        <a:ln w="48000" cap="flat" cmpd="thickThin" algn="ctr">
+          <a:solidFill>
+            <a:schemeClr val="accent3">
+              <a:hueOff val="0"/>
+              <a:satOff val="0"/>
+              <a:lumOff val="0"/>
+              <a:alphaOff val="0"/>
+            </a:schemeClr>
+          </a:solidFill>
+          <a:prstDash val="solid"/>
+        </a:ln>
+        <a:effectLst/>
+      </dsp:spPr>
+      <dsp:style>
+        <a:lnRef idx="2">
+          <a:scrgbClr r="0" g="0" b="0"/>
+        </a:lnRef>
+        <a:fillRef idx="1">
+          <a:scrgbClr r="0" g="0" b="0"/>
+        </a:fillRef>
+        <a:effectRef idx="0">
+          <a:scrgbClr r="0" g="0" b="0"/>
+        </a:effectRef>
+        <a:fontRef idx="minor"/>
+      </dsp:style>
+      <dsp:txBody>
+        <a:bodyPr spcFirstLastPara="0" vert="horz" wrap="square" lIns="45720" tIns="45720" rIns="45720" bIns="45720" numCol="1" spcCol="1270" anchor="ctr" anchorCtr="0">
+          <a:noAutofit/>
+        </a:bodyPr>
+        <a:lstStyle/>
+        <a:p>
+          <a:pPr marL="0" lvl="0" indent="0" algn="ctr" defTabSz="533400">
+            <a:lnSpc>
+              <a:spcPct val="90000"/>
+            </a:lnSpc>
+            <a:spcBef>
+              <a:spcPct val="0"/>
+            </a:spcBef>
+            <a:spcAft>
+              <a:spcPct val="35000"/>
+            </a:spcAft>
+            <a:buNone/>
+          </a:pPr>
+          <a:r>
+            <a:rPr lang="en-US" sz="1200" kern="1200" dirty="0"/>
+            <a:t>A way to delineate how the concept can be measured</a:t>
+          </a:r>
+        </a:p>
+      </dsp:txBody>
+      <dsp:txXfrm>
+        <a:off x="3701305" y="1851971"/>
+        <a:ext cx="1697861" cy="1054199"/>
+      </dsp:txXfrm>
+    </dsp:sp>
+    <dsp:sp modelId="{B7481C72-ECAE-465C-9BA2-B6565892287A}">
+      <dsp:nvSpPr>
+        <dsp:cNvPr id="0" name=""/>
+        <dsp:cNvSpPr/>
+      </dsp:nvSpPr>
+      <dsp:spPr>
+        <a:xfrm>
+          <a:off x="2394899" y="3265698"/>
+          <a:ext cx="1763457" cy="1119795"/>
+        </a:xfrm>
+        <a:prstGeom prst="roundRect">
+          <a:avLst>
+            <a:gd name="adj" fmla="val 10000"/>
+          </a:avLst>
+        </a:prstGeom>
+        <a:solidFill>
+          <a:schemeClr val="accent3">
+            <a:hueOff val="0"/>
+            <a:satOff val="0"/>
+            <a:lumOff val="0"/>
+            <a:alphaOff val="0"/>
+          </a:schemeClr>
+        </a:solidFill>
+        <a:ln w="48000" cap="flat" cmpd="thickThin" algn="ctr">
+          <a:solidFill>
+            <a:schemeClr val="lt1">
+              <a:hueOff val="0"/>
+              <a:satOff val="0"/>
+              <a:lumOff val="0"/>
+              <a:alphaOff val="0"/>
+            </a:schemeClr>
+          </a:solidFill>
+          <a:prstDash val="solid"/>
+        </a:ln>
+        <a:effectLst/>
+      </dsp:spPr>
+      <dsp:style>
+        <a:lnRef idx="2">
+          <a:scrgbClr r="0" g="0" b="0"/>
+        </a:lnRef>
+        <a:fillRef idx="1">
+          <a:scrgbClr r="0" g="0" b="0"/>
+        </a:fillRef>
+        <a:effectRef idx="0">
+          <a:scrgbClr r="0" g="0" b="0"/>
+        </a:effectRef>
+        <a:fontRef idx="minor">
+          <a:schemeClr val="lt1"/>
+        </a:fontRef>
+      </dsp:style>
+    </dsp:sp>
+    <dsp:sp modelId="{B5851C82-E0C1-41FE-9C21-4134ABEC2BB3}">
+      <dsp:nvSpPr>
+        <dsp:cNvPr id="0" name=""/>
+        <dsp:cNvSpPr/>
+      </dsp:nvSpPr>
+      <dsp:spPr>
+        <a:xfrm>
+          <a:off x="2590839" y="3451841"/>
+          <a:ext cx="1763457" cy="1119795"/>
+        </a:xfrm>
+        <a:prstGeom prst="roundRect">
+          <a:avLst>
+            <a:gd name="adj" fmla="val 10000"/>
+          </a:avLst>
+        </a:prstGeom>
+        <a:solidFill>
+          <a:schemeClr val="lt1">
+            <a:alpha val="90000"/>
+            <a:hueOff val="0"/>
+            <a:satOff val="0"/>
+            <a:lumOff val="0"/>
+            <a:alphaOff val="0"/>
+          </a:schemeClr>
+        </a:solidFill>
+        <a:ln w="48000" cap="flat" cmpd="thickThin" algn="ctr">
+          <a:solidFill>
+            <a:schemeClr val="accent3">
+              <a:hueOff val="0"/>
+              <a:satOff val="0"/>
+              <a:lumOff val="0"/>
+              <a:alphaOff val="0"/>
+            </a:schemeClr>
+          </a:solidFill>
+          <a:prstDash val="solid"/>
+        </a:ln>
+        <a:effectLst/>
+      </dsp:spPr>
+      <dsp:style>
+        <a:lnRef idx="2">
+          <a:scrgbClr r="0" g="0" b="0"/>
+        </a:lnRef>
+        <a:fillRef idx="1">
+          <a:scrgbClr r="0" g="0" b="0"/>
+        </a:fillRef>
+        <a:effectRef idx="0">
+          <a:scrgbClr r="0" g="0" b="0"/>
+        </a:effectRef>
+        <a:fontRef idx="minor"/>
+      </dsp:style>
+      <dsp:txBody>
+        <a:bodyPr spcFirstLastPara="0" vert="horz" wrap="square" lIns="30480" tIns="30480" rIns="30480" bIns="30480" numCol="1" spcCol="1270" anchor="ctr" anchorCtr="0">
+          <a:noAutofit/>
+        </a:bodyPr>
+        <a:lstStyle/>
+        <a:p>
+          <a:pPr marL="0" lvl="0" indent="0" algn="ctr" defTabSz="355600">
+            <a:lnSpc>
+              <a:spcPct val="90000"/>
+            </a:lnSpc>
+            <a:spcBef>
+              <a:spcPct val="0"/>
+            </a:spcBef>
+            <a:spcAft>
+              <a:spcPct val="35000"/>
+            </a:spcAft>
+            <a:buNone/>
+          </a:pPr>
+          <a:r>
+            <a:rPr lang="en-US" sz="800" kern="1200" dirty="0"/>
+            <a:t>The ITUC Global Rights Index is based on information recorded in the ITUC Survey, the world’s most comprehensive database on workers’ rights violations. It covers violations in law and in practice </a:t>
+          </a:r>
+        </a:p>
+      </dsp:txBody>
+      <dsp:txXfrm>
+        <a:off x="2623637" y="3484639"/>
+        <a:ext cx="1697861" cy="1054199"/>
+      </dsp:txXfrm>
+    </dsp:sp>
+    <dsp:sp modelId="{831B79A0-CBFE-46CC-BD25-A0C510A67150}">
+      <dsp:nvSpPr>
+        <dsp:cNvPr id="0" name=""/>
+        <dsp:cNvSpPr/>
+      </dsp:nvSpPr>
+      <dsp:spPr>
+        <a:xfrm>
+          <a:off x="4550235" y="3265698"/>
+          <a:ext cx="1763457" cy="1119795"/>
+        </a:xfrm>
+        <a:prstGeom prst="roundRect">
+          <a:avLst>
+            <a:gd name="adj" fmla="val 10000"/>
+          </a:avLst>
+        </a:prstGeom>
+        <a:solidFill>
+          <a:schemeClr val="accent3">
+            <a:hueOff val="0"/>
+            <a:satOff val="0"/>
+            <a:lumOff val="0"/>
+            <a:alphaOff val="0"/>
+          </a:schemeClr>
+        </a:solidFill>
+        <a:ln w="48000" cap="flat" cmpd="thickThin" algn="ctr">
+          <a:solidFill>
+            <a:schemeClr val="lt1">
+              <a:hueOff val="0"/>
+              <a:satOff val="0"/>
+              <a:lumOff val="0"/>
+              <a:alphaOff val="0"/>
+            </a:schemeClr>
+          </a:solidFill>
+          <a:prstDash val="solid"/>
+        </a:ln>
+        <a:effectLst/>
+      </dsp:spPr>
+      <dsp:style>
+        <a:lnRef idx="2">
+          <a:scrgbClr r="0" g="0" b="0"/>
+        </a:lnRef>
+        <a:fillRef idx="1">
+          <a:scrgbClr r="0" g="0" b="0"/>
+        </a:fillRef>
+        <a:effectRef idx="0">
+          <a:scrgbClr r="0" g="0" b="0"/>
+        </a:effectRef>
+        <a:fontRef idx="minor">
+          <a:schemeClr val="lt1"/>
+        </a:fontRef>
+      </dsp:style>
+    </dsp:sp>
+    <dsp:sp modelId="{41417329-F6FD-4AAD-87D5-DBB99CFB5628}">
+      <dsp:nvSpPr>
+        <dsp:cNvPr id="0" name=""/>
+        <dsp:cNvSpPr/>
+      </dsp:nvSpPr>
+      <dsp:spPr>
+        <a:xfrm>
+          <a:off x="4746175" y="3451841"/>
+          <a:ext cx="1763457" cy="1119795"/>
+        </a:xfrm>
+        <a:prstGeom prst="roundRect">
+          <a:avLst>
+            <a:gd name="adj" fmla="val 10000"/>
+          </a:avLst>
+        </a:prstGeom>
+        <a:solidFill>
+          <a:schemeClr val="lt1">
+            <a:alpha val="90000"/>
+            <a:hueOff val="0"/>
+            <a:satOff val="0"/>
+            <a:lumOff val="0"/>
+            <a:alphaOff val="0"/>
+          </a:schemeClr>
+        </a:solidFill>
+        <a:ln w="48000" cap="flat" cmpd="thickThin" algn="ctr">
+          <a:solidFill>
+            <a:schemeClr val="accent3">
+              <a:hueOff val="0"/>
+              <a:satOff val="0"/>
+              <a:lumOff val="0"/>
+              <a:alphaOff val="0"/>
+            </a:schemeClr>
+          </a:solidFill>
+          <a:prstDash val="solid"/>
+        </a:ln>
+        <a:effectLst/>
+      </dsp:spPr>
+      <dsp:style>
+        <a:lnRef idx="2">
+          <a:scrgbClr r="0" g="0" b="0"/>
+        </a:lnRef>
+        <a:fillRef idx="1">
+          <a:scrgbClr r="0" g="0" b="0"/>
+        </a:fillRef>
+        <a:effectRef idx="0">
+          <a:scrgbClr r="0" g="0" b="0"/>
+        </a:effectRef>
+        <a:fontRef idx="minor"/>
+      </dsp:style>
+      <dsp:txBody>
+        <a:bodyPr spcFirstLastPara="0" vert="horz" wrap="square" lIns="30480" tIns="30480" rIns="30480" bIns="30480" numCol="1" spcCol="1270" anchor="ctr" anchorCtr="0">
+          <a:noAutofit/>
+        </a:bodyPr>
+        <a:lstStyle/>
+        <a:p>
+          <a:pPr marL="0" lvl="0" indent="0" algn="ctr" defTabSz="355600">
+            <a:lnSpc>
+              <a:spcPct val="90000"/>
+            </a:lnSpc>
+            <a:spcBef>
+              <a:spcPct val="0"/>
+            </a:spcBef>
+            <a:spcAft>
+              <a:spcPct val="35000"/>
+            </a:spcAft>
+            <a:buNone/>
+          </a:pPr>
+          <a:r>
+            <a:rPr lang="en-US" sz="800" kern="1200" dirty="0"/>
+            <a:t>Countries are rated on a scale from 1 to 5. A high score effectively means that many violations were committed which in turn results in a poor rating</a:t>
+          </a:r>
+        </a:p>
+      </dsp:txBody>
+      <dsp:txXfrm>
+        <a:off x="4778973" y="3484639"/>
+        <a:ext cx="1697861" cy="1054199"/>
+      </dsp:txXfrm>
+    </dsp:sp>
+    <dsp:sp modelId="{AC2BE8FD-53BD-404D-A3EA-4CE3ADDBEF51}">
+      <dsp:nvSpPr>
+        <dsp:cNvPr id="0" name=""/>
+        <dsp:cNvSpPr/>
+      </dsp:nvSpPr>
+      <dsp:spPr>
+        <a:xfrm>
+          <a:off x="5653068" y="363"/>
+          <a:ext cx="1763457" cy="1119795"/>
+        </a:xfrm>
+        <a:prstGeom prst="roundRect">
+          <a:avLst>
+            <a:gd name="adj" fmla="val 10000"/>
+          </a:avLst>
+        </a:prstGeom>
+        <a:solidFill>
+          <a:schemeClr val="accent3">
+            <a:hueOff val="0"/>
+            <a:satOff val="0"/>
+            <a:lumOff val="0"/>
+            <a:alphaOff val="0"/>
+          </a:schemeClr>
+        </a:solidFill>
+        <a:ln w="48000" cap="flat" cmpd="thickThin" algn="ctr">
+          <a:solidFill>
+            <a:schemeClr val="lt1">
+              <a:hueOff val="0"/>
+              <a:satOff val="0"/>
+              <a:lumOff val="0"/>
+              <a:alphaOff val="0"/>
+            </a:schemeClr>
+          </a:solidFill>
+          <a:prstDash val="solid"/>
+        </a:ln>
+        <a:effectLst/>
+      </dsp:spPr>
+      <dsp:style>
+        <a:lnRef idx="2">
+          <a:scrgbClr r="0" g="0" b="0"/>
+        </a:lnRef>
+        <a:fillRef idx="1">
+          <a:scrgbClr r="0" g="0" b="0"/>
+        </a:fillRef>
+        <a:effectRef idx="0">
+          <a:scrgbClr r="0" g="0" b="0"/>
+        </a:effectRef>
+        <a:fontRef idx="minor">
+          <a:schemeClr val="lt1"/>
+        </a:fontRef>
+      </dsp:style>
+    </dsp:sp>
+    <dsp:sp modelId="{0909153E-FBEC-4358-82D9-031869D1A77B}">
+      <dsp:nvSpPr>
+        <dsp:cNvPr id="0" name=""/>
+        <dsp:cNvSpPr/>
+      </dsp:nvSpPr>
+      <dsp:spPr>
+        <a:xfrm>
+          <a:off x="5849008" y="186506"/>
+          <a:ext cx="1763457" cy="1119795"/>
+        </a:xfrm>
+        <a:prstGeom prst="roundRect">
+          <a:avLst>
+            <a:gd name="adj" fmla="val 10000"/>
+          </a:avLst>
+        </a:prstGeom>
+        <a:solidFill>
+          <a:schemeClr val="lt1">
+            <a:alpha val="90000"/>
+            <a:hueOff val="0"/>
+            <a:satOff val="0"/>
+            <a:lumOff val="0"/>
+            <a:alphaOff val="0"/>
+          </a:schemeClr>
+        </a:solidFill>
+        <a:ln w="48000" cap="flat" cmpd="thickThin" algn="ctr">
+          <a:solidFill>
+            <a:schemeClr val="accent3">
+              <a:hueOff val="0"/>
+              <a:satOff val="0"/>
+              <a:lumOff val="0"/>
+              <a:alphaOff val="0"/>
+            </a:schemeClr>
+          </a:solidFill>
+          <a:prstDash val="solid"/>
+        </a:ln>
+        <a:effectLst/>
+      </dsp:spPr>
+      <dsp:style>
+        <a:lnRef idx="2">
+          <a:scrgbClr r="0" g="0" b="0"/>
+        </a:lnRef>
+        <a:fillRef idx="1">
+          <a:scrgbClr r="0" g="0" b="0"/>
+        </a:fillRef>
+        <a:effectRef idx="0">
+          <a:scrgbClr r="0" g="0" b="0"/>
+        </a:effectRef>
+        <a:fontRef idx="minor"/>
+      </dsp:style>
+      <dsp:txBody>
+        <a:bodyPr spcFirstLastPara="0" vert="horz" wrap="square" lIns="60960" tIns="60960" rIns="60960" bIns="60960" numCol="1" spcCol="1270" anchor="ctr" anchorCtr="0">
+          <a:noAutofit/>
+        </a:bodyPr>
+        <a:lstStyle/>
+        <a:p>
+          <a:pPr marL="0" lvl="0" indent="0" algn="ctr" defTabSz="711200">
+            <a:lnSpc>
+              <a:spcPct val="90000"/>
+            </a:lnSpc>
+            <a:spcBef>
+              <a:spcPct val="0"/>
+            </a:spcBef>
+            <a:spcAft>
+              <a:spcPct val="35000"/>
+            </a:spcAft>
+            <a:buNone/>
+          </a:pPr>
+          <a:r>
+            <a:rPr lang="en-US" sz="1600" kern="1200" dirty="0"/>
+            <a:t>Data Source: </a:t>
+          </a:r>
+        </a:p>
+      </dsp:txBody>
+      <dsp:txXfrm>
+        <a:off x="5881806" y="219304"/>
+        <a:ext cx="1697861" cy="1054199"/>
+      </dsp:txXfrm>
+    </dsp:sp>
+    <dsp:sp modelId="{647A168F-DA25-43EF-A8DE-CE4B94F983D9}">
+      <dsp:nvSpPr>
+        <dsp:cNvPr id="0" name=""/>
+        <dsp:cNvSpPr/>
+      </dsp:nvSpPr>
+      <dsp:spPr>
+        <a:xfrm>
+          <a:off x="5627903" y="1633031"/>
+          <a:ext cx="1763457" cy="1119795"/>
+        </a:xfrm>
+        <a:prstGeom prst="roundRect">
+          <a:avLst>
+            <a:gd name="adj" fmla="val 10000"/>
+          </a:avLst>
+        </a:prstGeom>
+        <a:solidFill>
+          <a:schemeClr val="accent3">
+            <a:hueOff val="0"/>
+            <a:satOff val="0"/>
+            <a:lumOff val="0"/>
+            <a:alphaOff val="0"/>
+          </a:schemeClr>
+        </a:solidFill>
+        <a:ln w="48000" cap="flat" cmpd="thickThin" algn="ctr">
+          <a:solidFill>
+            <a:schemeClr val="lt1">
+              <a:hueOff val="0"/>
+              <a:satOff val="0"/>
+              <a:lumOff val="0"/>
+              <a:alphaOff val="0"/>
+            </a:schemeClr>
+          </a:solidFill>
+          <a:prstDash val="solid"/>
+        </a:ln>
+        <a:effectLst/>
+      </dsp:spPr>
+      <dsp:style>
+        <a:lnRef idx="2">
+          <a:scrgbClr r="0" g="0" b="0"/>
+        </a:lnRef>
+        <a:fillRef idx="1">
+          <a:scrgbClr r="0" g="0" b="0"/>
+        </a:fillRef>
+        <a:effectRef idx="0">
+          <a:scrgbClr r="0" g="0" b="0"/>
+        </a:effectRef>
+        <a:fontRef idx="minor">
+          <a:schemeClr val="lt1"/>
+        </a:fontRef>
+      </dsp:style>
+    </dsp:sp>
+    <dsp:sp modelId="{FE749480-0E75-40F6-B9D0-3A27FB56D754}">
+      <dsp:nvSpPr>
+        <dsp:cNvPr id="0" name=""/>
+        <dsp:cNvSpPr/>
+      </dsp:nvSpPr>
+      <dsp:spPr>
+        <a:xfrm>
+          <a:off x="5823843" y="1819173"/>
+          <a:ext cx="1763457" cy="1119795"/>
+        </a:xfrm>
+        <a:prstGeom prst="roundRect">
+          <a:avLst>
+            <a:gd name="adj" fmla="val 10000"/>
+          </a:avLst>
+        </a:prstGeom>
+        <a:solidFill>
+          <a:schemeClr val="lt1">
+            <a:alpha val="90000"/>
+            <a:hueOff val="0"/>
+            <a:satOff val="0"/>
+            <a:lumOff val="0"/>
+            <a:alphaOff val="0"/>
+          </a:schemeClr>
+        </a:solidFill>
+        <a:ln w="48000" cap="flat" cmpd="thickThin" algn="ctr">
+          <a:solidFill>
+            <a:schemeClr val="accent3">
+              <a:hueOff val="0"/>
+              <a:satOff val="0"/>
+              <a:lumOff val="0"/>
+              <a:alphaOff val="0"/>
+            </a:schemeClr>
+          </a:solidFill>
+          <a:prstDash val="solid"/>
+        </a:ln>
+        <a:effectLst/>
+      </dsp:spPr>
+      <dsp:style>
+        <a:lnRef idx="2">
+          <a:scrgbClr r="0" g="0" b="0"/>
+        </a:lnRef>
+        <a:fillRef idx="1">
+          <a:scrgbClr r="0" g="0" b="0"/>
+        </a:fillRef>
+        <a:effectRef idx="0">
+          <a:scrgbClr r="0" g="0" b="0"/>
+        </a:effectRef>
+        <a:fontRef idx="minor"/>
+      </dsp:style>
+      <dsp:txBody>
+        <a:bodyPr spcFirstLastPara="0" vert="horz" wrap="square" lIns="60960" tIns="60960" rIns="60960" bIns="60960" numCol="1" spcCol="1270" anchor="ctr" anchorCtr="0">
+          <a:noAutofit/>
+        </a:bodyPr>
+        <a:lstStyle/>
+        <a:p>
+          <a:pPr marL="0" lvl="0" indent="0" algn="ctr" defTabSz="711200">
+            <a:lnSpc>
+              <a:spcPct val="90000"/>
+            </a:lnSpc>
+            <a:spcBef>
+              <a:spcPct val="0"/>
+            </a:spcBef>
+            <a:spcAft>
+              <a:spcPct val="35000"/>
+            </a:spcAft>
+            <a:buNone/>
+          </a:pPr>
+          <a:r>
+            <a:rPr lang="en-US" sz="1600" kern="1200" dirty="0"/>
+            <a:t>International Trade Union Confederation</a:t>
+          </a:r>
+        </a:p>
+      </dsp:txBody>
+      <dsp:txXfrm>
+        <a:off x="5856641" y="1851971"/>
+        <a:ext cx="1697861" cy="1054199"/>
+      </dsp:txXfrm>
+    </dsp:sp>
+  </dsp:spTree>
+</dsp:drawing>
+</file>
+
+<file path=ppt/diagrams/layout1.xml><?xml version="1.0" encoding="utf-8"?>
+<dgm:layoutDef xmlns:dgm="http://schemas.openxmlformats.org/drawingml/2006/diagram" xmlns:a="http://schemas.openxmlformats.org/drawingml/2006/main" uniqueId="urn:microsoft.com/office/officeart/2005/8/layout/hList1">
+  <dgm:title val=""/>
+  <dgm:desc val=""/>
+  <dgm:catLst>
+    <dgm:cat type="list" pri="5000"/>
+    <dgm:cat type="convert" pri="5000"/>
+  </dgm:catLst>
+  <dgm:sampData>
+    <dgm:dataModel>
+      <dgm:ptLst>
+        <dgm:pt modelId="0" type="doc"/>
+        <dgm:pt modelId="1">
+          <dgm:prSet phldr="1"/>
+        </dgm:pt>
+        <dgm:pt modelId="11">
+          <dgm:prSet phldr="1"/>
+        </dgm:pt>
+        <dgm:pt modelId="12">
+          <dgm:prSet phldr="1"/>
+        </dgm:pt>
+        <dgm:pt modelId="2">
+          <dgm:prSet phldr="1"/>
+        </dgm:pt>
+        <dgm:pt modelId="21">
+          <dgm:prSet phldr="1"/>
+        </dgm:pt>
+        <dgm:pt modelId="22">
+          <dgm:prSet phldr="1"/>
+        </dgm:pt>
+        <dgm:pt modelId="3">
+          <dgm:prSet phldr="1"/>
+        </dgm:pt>
+        <dgm:pt modelId="31">
+          <dgm:prSet phldr="1"/>
+        </dgm:pt>
+        <dgm:pt modelId="32">
+          <dgm:prSet phldr="1"/>
+        </dgm:pt>
+      </dgm:ptLst>
+      <dgm:cxnLst>
+        <dgm:cxn modelId="4" srcId="0" destId="1" srcOrd="0" destOrd="0"/>
+        <dgm:cxn modelId="5" srcId="0" destId="2" srcOrd="1" destOrd="0"/>
+        <dgm:cxn modelId="6" srcId="0" destId="3" srcOrd="2" destOrd="0"/>
+        <dgm:cxn modelId="13" srcId="1" destId="11" srcOrd="0" destOrd="0"/>
+        <dgm:cxn modelId="14" srcId="1" destId="12" srcOrd="1" destOrd="0"/>
+        <dgm:cxn modelId="23" srcId="2" destId="21" srcOrd="0" destOrd="0"/>
+        <dgm:cxn modelId="24" srcId="2" destId="22" srcOrd="1" destOrd="0"/>
+        <dgm:cxn modelId="33" srcId="3" destId="31" srcOrd="0" destOrd="0"/>
+        <dgm:cxn modelId="34" srcId="3" destId="32" srcOrd="1" destOrd="0"/>
+      </dgm:cxnLst>
+      <dgm:bg/>
+      <dgm:whole/>
+    </dgm:dataModel>
+  </dgm:sampData>
+  <dgm:styleData>
+    <dgm:dataModel>
+      <dgm:ptLst>
+        <dgm:pt modelId="0" type="doc"/>
+        <dgm:pt modelId="1">
+          <dgm:prSet phldr="1"/>
+        </dgm:pt>
+        <dgm:pt modelId="2">
+          <dgm:prSet phldr="1"/>
+        </dgm:pt>
+      </dgm:ptLst>
+      <dgm:cxnLst>
+        <dgm:cxn modelId="3" srcId="0" destId="1" srcOrd="0" destOrd="0"/>
+        <dgm:cxn modelId="4" srcId="0" destId="2" srcOrd="1" destOrd="0"/>
+      </dgm:cxnLst>
+      <dgm:bg/>
+      <dgm:whole/>
+    </dgm:dataModel>
+  </dgm:styleData>
+  <dgm:clrData>
+    <dgm:dataModel>
+      <dgm:ptLst>
+        <dgm:pt modelId="0" type="doc"/>
+        <dgm:pt modelId="1">
+          <dgm:prSet phldr="1"/>
+        </dgm:pt>
+        <dgm:pt modelId="2">
+          <dgm:prSet phldr="1"/>
+        </dgm:pt>
+        <dgm:pt modelId="3">
+          <dgm:prSet phldr="1"/>
+        </dgm:pt>
+        <dgm:pt modelId="4">
+          <dgm:prSet phldr="1"/>
+        </dgm:pt>
+      </dgm:ptLst>
+      <dgm:cxnLst>
+        <dgm:cxn modelId="5" srcId="0" destId="1" srcOrd="0" destOrd="0"/>
+        <dgm:cxn modelId="6" srcId="0" destId="2" srcOrd="1" destOrd="0"/>
+        <dgm:cxn modelId="7" srcId="0" destId="3" srcOrd="2" destOrd="0"/>
+        <dgm:cxn modelId="8" srcId="0" destId="4" srcOrd="3" destOrd="0"/>
+      </dgm:cxnLst>
+      <dgm:bg/>
+      <dgm:whole/>
+    </dgm:dataModel>
+  </dgm:clrData>
+  <dgm:layoutNode name="Name0">
+    <dgm:varLst>
+      <dgm:dir/>
+      <dgm:animLvl val="lvl"/>
+      <dgm:resizeHandles val="exact"/>
+    </dgm:varLst>
+    <dgm:choose name="Name1">
+      <dgm:if name="Name2" func="var" arg="dir" op="equ" val="norm">
+        <dgm:alg type="lin"/>
+      </dgm:if>
+      <dgm:else name="Name3">
+        <dgm:alg type="lin">
+          <dgm:param type="linDir" val="fromR"/>
+        </dgm:alg>
+      </dgm:else>
+    </dgm:choose>
+    <dgm:shape xmlns:r="http://schemas.openxmlformats.org/officeDocument/2006/relationships" r:blip="">
+      <dgm:adjLst/>
+    </dgm:shape>
+    <dgm:presOf/>
+    <dgm:constrLst>
+      <dgm:constr type="h" for="ch" forName="composite" refType="h"/>
+      <dgm:constr type="w" for="ch" forName="composite" refType="w"/>
+      <dgm:constr type="w" for="des" forName="parTx"/>
+      <dgm:constr type="h" for="des" forName="parTx" op="equ"/>
+      <dgm:constr type="w" for="des" forName="desTx"/>
+      <dgm:constr type="h" for="des" forName="desTx" op="equ"/>
+      <dgm:constr type="primFontSz" for="des" forName="parTx" val="65"/>
+      <dgm:constr type="secFontSz" for="des" forName="desTx" refType="primFontSz" refFor="des" refForName="parTx" op="equ"/>
+      <dgm:constr type="h" for="des" forName="parTx" refType="primFontSz" refFor="des" refForName="parTx" fact="0.8"/>
+      <dgm:constr type="h" for="des" forName="desTx" refType="primFontSz" refFor="des" refForName="parTx" fact="1.22"/>
+      <dgm:constr type="w" for="ch" forName="space" refType="w" refFor="ch" refForName="composite" op="equ" fact="0.14"/>
+    </dgm:constrLst>
+    <dgm:ruleLst>
+      <dgm:rule type="w" for="ch" forName="composite" val="0" fact="NaN" max="NaN"/>
+      <dgm:rule type="primFontSz" for="des" forName="parTx" val="5" fact="NaN" max="NaN"/>
+    </dgm:ruleLst>
+    <dgm:forEach name="Name4" axis="ch" ptType="node">
+      <dgm:layoutNode name="composite">
+        <dgm:alg type="composite"/>
+        <dgm:shape xmlns:r="http://schemas.openxmlformats.org/officeDocument/2006/relationships" r:blip="">
+          <dgm:adjLst/>
+        </dgm:shape>
+        <dgm:presOf/>
+        <dgm:constrLst>
+          <dgm:constr type="l" for="ch" forName="parTx"/>
+          <dgm:constr type="w" for="ch" forName="parTx" refType="w"/>
+          <dgm:constr type="t" for="ch" forName="parTx"/>
+          <dgm:constr type="l" for="ch" forName="desTx"/>
+          <dgm:constr type="w" for="ch" forName="desTx" refType="w" refFor="ch" refForName="parTx"/>
+          <dgm:constr type="t" for="ch" forName="desTx" refType="h" refFor="ch" refForName="parTx"/>
+        </dgm:constrLst>
+        <dgm:ruleLst>
+          <dgm:rule type="h" val="INF" fact="NaN" max="NaN"/>
+        </dgm:ruleLst>
+        <dgm:layoutNode name="parTx" styleLbl="alignNode1">
+          <dgm:varLst>
+            <dgm:chMax val="0"/>
+            <dgm:chPref val="0"/>
+            <dgm:bulletEnabled val="1"/>
+          </dgm:varLst>
+          <dgm:alg type="tx"/>
+          <dgm:shape xmlns:r="http://schemas.openxmlformats.org/officeDocument/2006/relationships" type="rect" r:blip="">
+            <dgm:adjLst/>
+          </dgm:shape>
+          <dgm:presOf axis="self" ptType="node"/>
+          <dgm:constrLst>
+            <dgm:constr type="h" refType="w" op="lte" fact="0.4"/>
+            <dgm:constr type="h"/>
+            <dgm:constr type="tMarg" refType="primFontSz" fact="0.32"/>
+            <dgm:constr type="bMarg" refType="primFontSz" fact="0.32"/>
+          </dgm:constrLst>
+          <dgm:ruleLst>
+            <dgm:rule type="h" val="INF" fact="NaN" max="NaN"/>
+          </dgm:ruleLst>
+        </dgm:layoutNode>
+        <dgm:layoutNode name="desTx" styleLbl="alignAccFollowNode1">
+          <dgm:varLst>
+            <dgm:bulletEnabled val="1"/>
+          </dgm:varLst>
+          <dgm:alg type="tx">
+            <dgm:param type="stBulletLvl" val="1"/>
+          </dgm:alg>
+          <dgm:shape xmlns:r="http://schemas.openxmlformats.org/officeDocument/2006/relationships" type="rect" r:blip="">
+            <dgm:adjLst/>
+          </dgm:shape>
+          <dgm:presOf axis="des" ptType="node"/>
+          <dgm:constrLst>
+            <dgm:constr type="secFontSz" val="65"/>
+            <dgm:constr type="primFontSz" refType="secFontSz"/>
+            <dgm:constr type="h"/>
+            <dgm:constr type="lMarg" refType="primFontSz" fact="0.42"/>
+            <dgm:constr type="tMarg" refType="primFontSz" fact="0.42"/>
+            <dgm:constr type="bMarg" refType="primFontSz" fact="0.63"/>
+          </dgm:constrLst>
+          <dgm:ruleLst>
+            <dgm:rule type="h" val="INF" fact="NaN" max="NaN"/>
+          </dgm:ruleLst>
+        </dgm:layoutNode>
+      </dgm:layoutNode>
+      <dgm:forEach name="Name5" axis="followSib" ptType="sibTrans" cnt="1">
+        <dgm:layoutNode name="space">
+          <dgm:alg type="sp"/>
+          <dgm:shape xmlns:r="http://schemas.openxmlformats.org/officeDocument/2006/relationships" r:blip="">
+            <dgm:adjLst/>
+          </dgm:shape>
+          <dgm:presOf/>
+          <dgm:constrLst/>
+          <dgm:ruleLst/>
+        </dgm:layoutNode>
+      </dgm:forEach>
+    </dgm:forEach>
+  </dgm:layoutNode>
+</dgm:layoutDef>
+</file>
+
+<file path=ppt/diagrams/layout2.xml><?xml version="1.0" encoding="utf-8"?>
+<dgm:layoutDef xmlns:dgm="http://schemas.openxmlformats.org/drawingml/2006/diagram" xmlns:a="http://schemas.openxmlformats.org/drawingml/2006/main" uniqueId="urn:microsoft.com/office/officeart/2005/8/layout/hierarchy1">
+  <dgm:title val=""/>
+  <dgm:desc val=""/>
+  <dgm:catLst>
+    <dgm:cat type="hierarchy" pri="2000"/>
+  </dgm:catLst>
+  <dgm:sampData>
+    <dgm:dataModel>
+      <dgm:ptLst>
+        <dgm:pt modelId="0" type="doc"/>
+        <dgm:pt modelId="1">
+          <dgm:prSet phldr="1"/>
+        </dgm:pt>
+        <dgm:pt modelId="2">
+          <dgm:prSet phldr="1"/>
+        </dgm:pt>
+        <dgm:pt modelId="21">
+          <dgm:prSet phldr="1"/>
+        </dgm:pt>
+        <dgm:pt modelId="22">
+          <dgm:prSet phldr="1"/>
+        </dgm:pt>
+        <dgm:pt modelId="3">
+          <dgm:prSet phldr="1"/>
+        </dgm:pt>
+        <dgm:pt modelId="31">
+          <dgm:prSet phldr="1"/>
+        </dgm:pt>
+      </dgm:ptLst>
+      <dgm:cxnLst>
+        <dgm:cxn modelId="4" srcId="0" destId="1" srcOrd="0" destOrd="0"/>
+        <dgm:cxn modelId="5" srcId="1" destId="2" srcOrd="0" destOrd="0"/>
+        <dgm:cxn modelId="6" srcId="1" destId="3" srcOrd="1" destOrd="0"/>
+        <dgm:cxn modelId="23" srcId="2" destId="21" srcOrd="0" destOrd="0"/>
+        <dgm:cxn modelId="24" srcId="2" destId="22" srcOrd="1" destOrd="0"/>
+        <dgm:cxn modelId="33" srcId="3" destId="31" srcOrd="0" destOrd="0"/>
+      </dgm:cxnLst>
+      <dgm:bg/>
+      <dgm:whole/>
+    </dgm:dataModel>
+  </dgm:sampData>
+  <dgm:styleData>
+    <dgm:dataModel>
+      <dgm:ptLst>
+        <dgm:pt modelId="0" type="doc"/>
+        <dgm:pt modelId="1"/>
+        <dgm:pt modelId="11"/>
+        <dgm:pt modelId="12"/>
+      </dgm:ptLst>
+      <dgm:cxnLst>
+        <dgm:cxn modelId="2" srcId="0" destId="1" srcOrd="0" destOrd="0"/>
+        <dgm:cxn modelId="13" srcId="1" destId="11" srcOrd="0" destOrd="0"/>
+        <dgm:cxn modelId="14" srcId="1" destId="12" srcOrd="1" destOrd="0"/>
+      </dgm:cxnLst>
+      <dgm:bg/>
+      <dgm:whole/>
+    </dgm:dataModel>
+  </dgm:styleData>
+  <dgm:clrData>
+    <dgm:dataModel>
+      <dgm:ptLst>
+        <dgm:pt modelId="0" type="doc"/>
+        <dgm:pt modelId="1"/>
+        <dgm:pt modelId="2"/>
+        <dgm:pt modelId="21"/>
+        <dgm:pt modelId="211"/>
+        <dgm:pt modelId="3"/>
+        <dgm:pt modelId="31"/>
+        <dgm:pt modelId="311"/>
+      </dgm:ptLst>
+      <dgm:cxnLst>
+        <dgm:cxn modelId="4" srcId="0" destId="1" srcOrd="0" destOrd="0"/>
+        <dgm:cxn modelId="5" srcId="1" destId="2" srcOrd="0" destOrd="0"/>
+        <dgm:cxn modelId="6" srcId="1" destId="3" srcOrd="1" destOrd="0"/>
+        <dgm:cxn modelId="23" srcId="2" destId="21" srcOrd="0" destOrd="0"/>
+        <dgm:cxn modelId="24" srcId="21" destId="211" srcOrd="0" destOrd="0"/>
+        <dgm:cxn modelId="33" srcId="3" destId="31" srcOrd="0" destOrd="0"/>
+        <dgm:cxn modelId="34" srcId="31" destId="311" srcOrd="0" destOrd="0"/>
+      </dgm:cxnLst>
+      <dgm:bg/>
+      <dgm:whole/>
+    </dgm:dataModel>
+  </dgm:clrData>
+  <dgm:layoutNode name="hierChild1">
+    <dgm:varLst>
+      <dgm:chPref val="1"/>
+      <dgm:dir/>
+      <dgm:animOne val="branch"/>
+      <dgm:animLvl val="lvl"/>
+      <dgm:resizeHandles/>
+    </dgm:varLst>
+    <dgm:choose name="Name0">
+      <dgm:if name="Name1" func="var" arg="dir" op="equ" val="norm">
+        <dgm:alg type="hierChild">
+          <dgm:param type="linDir" val="fromL"/>
+        </dgm:alg>
+      </dgm:if>
+      <dgm:else name="Name2">
+        <dgm:alg type="hierChild">
+          <dgm:param type="linDir" val="fromR"/>
+        </dgm:alg>
+      </dgm:else>
+    </dgm:choose>
+    <dgm:shape xmlns:r="http://schemas.openxmlformats.org/officeDocument/2006/relationships" r:blip="">
+      <dgm:adjLst/>
+    </dgm:shape>
+    <dgm:presOf/>
+    <dgm:constrLst>
+      <dgm:constr type="primFontSz" for="des" ptType="node" op="equ" val="65"/>
+      <dgm:constr type="w" for="des" forName="composite" refType="w"/>
+      <dgm:constr type="h" for="des" forName="composite" refType="w" refFor="des" refForName="composite" fact="0.667"/>
+      <dgm:constr type="w" for="des" forName="composite2" refType="w" refFor="des" refForName="composite"/>
+      <dgm:constr type="h" for="des" forName="composite2" refType="h" refFor="des" refForName="composite"/>
+      <dgm:constr type="w" for="des" forName="composite3" refType="w" refFor="des" refForName="composite"/>
+      <dgm:constr type="h" for="des" forName="composite3" refType="h" refFor="des" refForName="composite"/>
+      <dgm:constr type="w" for="des" forName="composite4" refType="w" refFor="des" refForName="composite"/>
+      <dgm:constr type="h" for="des" forName="composite4" refType="h" refFor="des" refForName="composite"/>
+      <dgm:constr type="w" for="des" forName="composite5" refType="w" refFor="des" refForName="composite"/>
+      <dgm:constr type="h" for="des" forName="composite5" refType="h" refFor="des" refForName="composite"/>
+      <dgm:constr type="sibSp" refType="w" refFor="des" refForName="composite" fact="0.1"/>
+      <dgm:constr type="sibSp" for="des" forName="hierChild2" refType="sibSp"/>
+      <dgm:constr type="sibSp" for="des" forName="hierChild3" refType="sibSp"/>
+      <dgm:constr type="sibSp" for="des" forName="hierChild4" refType="sibSp"/>
+      <dgm:constr type="sibSp" for="des" forName="hierChild5" refType="sibSp"/>
+      <dgm:constr type="sibSp" for="des" forName="hierChild6" refType="sibSp"/>
+      <dgm:constr type="sp" for="des" forName="hierRoot1" refType="h" refFor="des" refForName="composite" fact="0.25"/>
+      <dgm:constr type="sp" for="des" forName="hierRoot2" refType="sp" refFor="des" refForName="hierRoot1"/>
+      <dgm:constr type="sp" for="des" forName="hierRoot3" refType="sp" refFor="des" refForName="hierRoot1"/>
+      <dgm:constr type="sp" for="des" forName="hierRoot4" refType="sp" refFor="des" refForName="hierRoot1"/>
+      <dgm:constr type="sp" for="des" forName="hierRoot5" refType="sp" refFor="des" refForName="hierRoot1"/>
+    </dgm:constrLst>
+    <dgm:ruleLst/>
+    <dgm:forEach name="Name3" axis="ch">
+      <dgm:forEach name="Name4" axis="self" ptType="node">
+        <dgm:layoutNode name="hierRoot1">
+          <dgm:alg type="hierRoot"/>
+          <dgm:shape xmlns:r="http://schemas.openxmlformats.org/officeDocument/2006/relationships" r:blip="">
+            <dgm:adjLst/>
+          </dgm:shape>
+          <dgm:presOf/>
+          <dgm:constrLst>
+            <dgm:constr type="bendDist" for="des" ptType="parTrans" refType="sp" fact="0.5"/>
+          </dgm:constrLst>
+          <dgm:ruleLst/>
+          <dgm:layoutNode name="composite">
+            <dgm:alg type="composite"/>
+            <dgm:shape xmlns:r="http://schemas.openxmlformats.org/officeDocument/2006/relationships" r:blip="">
+              <dgm:adjLst/>
+            </dgm:shape>
+            <dgm:presOf/>
+            <dgm:constrLst>
+              <dgm:constr type="w" for="ch" forName="background" refType="w" fact="0.9"/>
+              <dgm:constr type="h" for="ch" forName="background" refType="w" refFor="ch" refForName="background" fact="0.635"/>
+              <dgm:constr type="t" for="ch" forName="background"/>
+              <dgm:constr type="l" for="ch" forName="background"/>
+              <dgm:constr type="w" for="ch" forName="text" refType="w" fact="0.9"/>
+              <dgm:constr type="h" for="ch" forName="text" refType="w" refFor="ch" refForName="text" fact="0.635"/>
+              <dgm:constr type="t" for="ch" forName="text" refType="w" fact="0.095"/>
+              <dgm:constr type="l" for="ch" forName="text" refType="w" fact="0.1"/>
+            </dgm:constrLst>
+            <dgm:ruleLst/>
+            <dgm:layoutNode name="background" styleLbl="node0" moveWith="text">
+              <dgm:alg type="sp"/>
+              <dgm:shape xmlns:r="http://schemas.openxmlformats.org/officeDocument/2006/relationships" type="roundRect" r:blip="">
+                <dgm:adjLst>
+                  <dgm:adj idx="1" val="0.1"/>
+                </dgm:adjLst>
+              </dgm:shape>
+              <dgm:presOf/>
+              <dgm:constrLst/>
+              <dgm:ruleLst/>
+            </dgm:layoutNode>
+            <dgm:layoutNode name="text" styleLbl="fgAcc0">
+              <dgm:varLst>
+                <dgm:chPref val="3"/>
+              </dgm:varLst>
+              <dgm:alg type="tx"/>
+              <dgm:shape xmlns:r="http://schemas.openxmlformats.org/officeDocument/2006/relationships" type="roundRect" r:blip="">
+                <dgm:adjLst>
+                  <dgm:adj idx="1" val="0.1"/>
+                </dgm:adjLst>
+              </dgm:shape>
+              <dgm:presOf axis="self"/>
+              <dgm:constrLst>
+                <dgm:constr type="tMarg" refType="primFontSz" fact="0.3"/>
+                <dgm:constr type="bMarg" refType="primFontSz" fact="0.3"/>
+                <dgm:constr type="lMarg" refType="primFontSz" fact="0.3"/>
+                <dgm:constr type="rMarg" refType="primFontSz" fact="0.3"/>
+              </dgm:constrLst>
+              <dgm:ruleLst>
+                <dgm:rule type="primFontSz" val="5" fact="NaN" max="NaN"/>
+              </dgm:ruleLst>
+            </dgm:layoutNode>
+          </dgm:layoutNode>
+          <dgm:layoutNode name="hierChild2">
+            <dgm:choose name="Name5">
+              <dgm:if name="Name6" func="var" arg="dir" op="equ" val="norm">
+                <dgm:alg type="hierChild">
+                  <dgm:param type="linDir" val="fromL"/>
+                </dgm:alg>
+              </dgm:if>
+              <dgm:else name="Name7">
+                <dgm:alg type="hierChild">
+                  <dgm:param type="linDir" val="fromR"/>
+                </dgm:alg>
+              </dgm:else>
+            </dgm:choose>
+            <dgm:shape xmlns:r="http://schemas.openxmlformats.org/officeDocument/2006/relationships" r:blip="">
+              <dgm:adjLst/>
+            </dgm:shape>
+            <dgm:presOf/>
+            <dgm:constrLst/>
+            <dgm:ruleLst/>
+            <dgm:forEach name="Name8" axis="ch">
+              <dgm:forEach name="Name9" axis="self" ptType="parTrans" cnt="1">
+                <dgm:layoutNode name="Name10">
+                  <dgm:alg type="conn">
+                    <dgm:param type="dim" val="1D"/>
+                    <dgm:param type="endSty" val="noArr"/>
+                    <dgm:param type="connRout" val="bend"/>
+                    <dgm:param type="bendPt" val="end"/>
+                    <dgm:param type="begPts" val="bCtr"/>
+                    <dgm:param type="endPts" val="tCtr"/>
+                    <dgm:param type="srcNode" val="background"/>
+                    <dgm:param type="dstNode" val="background2"/>
+                  </dgm:alg>
+                  <dgm:shape xmlns:r="http://schemas.openxmlformats.org/officeDocument/2006/relationships" type="conn" r:blip="" zOrderOff="-999">
+                    <dgm:adjLst/>
+                  </dgm:shape>
+                  <dgm:presOf axis="self"/>
+                  <dgm:constrLst>
+                    <dgm:constr type="begPad"/>
+                    <dgm:constr type="endPad"/>
+                  </dgm:constrLst>
+                  <dgm:ruleLst/>
+                </dgm:layoutNode>
+              </dgm:forEach>
+              <dgm:forEach name="Name11" axis="self" ptType="node">
+                <dgm:layoutNode name="hierRoot2">
+                  <dgm:alg type="hierRoot"/>
+                  <dgm:shape xmlns:r="http://schemas.openxmlformats.org/officeDocument/2006/relationships" r:blip="">
+                    <dgm:adjLst/>
+                  </dgm:shape>
+                  <dgm:presOf/>
+                  <dgm:constrLst>
+                    <dgm:constr type="bendDist" for="des" ptType="parTrans" refType="sp" fact="0.5"/>
+                  </dgm:constrLst>
+                  <dgm:ruleLst/>
+                  <dgm:layoutNode name="composite2">
+                    <dgm:alg type="composite"/>
+                    <dgm:shape xmlns:r="http://schemas.openxmlformats.org/officeDocument/2006/relationships" r:blip="">
+                      <dgm:adjLst/>
+                    </dgm:shape>
+                    <dgm:presOf/>
+                    <dgm:constrLst>
+                      <dgm:constr type="w" for="ch" forName="background2" refType="w" fact="0.9"/>
+                      <dgm:constr type="h" for="ch" forName="background2" refType="w" refFor="ch" refForName="background2" fact="0.635"/>
+                      <dgm:constr type="t" for="ch" forName="background2"/>
+                      <dgm:constr type="l" for="ch" forName="background2"/>
+                      <dgm:constr type="w" for="ch" forName="text2" refType="w" fact="0.9"/>
+                      <dgm:constr type="h" for="ch" forName="text2" refType="w" refFor="ch" refForName="text2" fact="0.635"/>
+                      <dgm:constr type="t" for="ch" forName="text2" refType="w" fact="0.095"/>
+                      <dgm:constr type="l" for="ch" forName="text2" refType="w" fact="0.1"/>
+                    </dgm:constrLst>
+                    <dgm:ruleLst/>
+                    <dgm:layoutNode name="background2" moveWith="text2">
+                      <dgm:alg type="sp"/>
+                      <dgm:shape xmlns:r="http://schemas.openxmlformats.org/officeDocument/2006/relationships" type="roundRect" r:blip="">
+                        <dgm:adjLst>
+                          <dgm:adj idx="1" val="0.1"/>
+                        </dgm:adjLst>
+                      </dgm:shape>
+                      <dgm:presOf/>
+                      <dgm:constrLst/>
+                      <dgm:ruleLst/>
+                    </dgm:layoutNode>
+                    <dgm:layoutNode name="text2" styleLbl="fgAcc2">
+                      <dgm:varLst>
+                        <dgm:chPref val="3"/>
+                      </dgm:varLst>
+                      <dgm:alg type="tx"/>
+                      <dgm:shape xmlns:r="http://schemas.openxmlformats.org/officeDocument/2006/relationships" type="roundRect" r:blip="">
+                        <dgm:adjLst>
+                          <dgm:adj idx="1" val="0.1"/>
+                        </dgm:adjLst>
+                      </dgm:shape>
+                      <dgm:presOf axis="self"/>
+                      <dgm:constrLst>
+                        <dgm:constr type="tMarg" refType="primFontSz" fact="0.3"/>
+                        <dgm:constr type="bMarg" refType="primFontSz" fact="0.3"/>
+                        <dgm:constr type="lMarg" refType="primFontSz" fact="0.3"/>
+                        <dgm:constr type="rMarg" refType="primFontSz" fact="0.3"/>
+                      </dgm:constrLst>
+                      <dgm:ruleLst>
+                        <dgm:rule type="primFontSz" val="5" fact="NaN" max="NaN"/>
+                      </dgm:ruleLst>
+                    </dgm:layoutNode>
+                  </dgm:layoutNode>
+                  <dgm:layoutNode name="hierChild3">
+                    <dgm:choose name="Name12">
+                      <dgm:if name="Name13" func="var" arg="dir" op="equ" val="norm">
+                        <dgm:alg type="hierChild">
+                          <dgm:param type="linDir" val="fromL"/>
+                        </dgm:alg>
+                      </dgm:if>
+                      <dgm:else name="Name14">
+                        <dgm:alg type="hierChild">
+                          <dgm:param type="linDir" val="fromR"/>
+                        </dgm:alg>
+                      </dgm:else>
+                    </dgm:choose>
+                    <dgm:shape xmlns:r="http://schemas.openxmlformats.org/officeDocument/2006/relationships" r:blip="">
+                      <dgm:adjLst/>
+                    </dgm:shape>
+                    <dgm:presOf/>
+                    <dgm:constrLst/>
+                    <dgm:ruleLst/>
+                    <dgm:forEach name="Name15" axis="ch">
+                      <dgm:forEach name="Name16" axis="self" ptType="parTrans" cnt="1">
+                        <dgm:layoutNode name="Name17">
+                          <dgm:alg type="conn">
+                            <dgm:param type="dim" val="1D"/>
+                            <dgm:param type="endSty" val="noArr"/>
+                            <dgm:param type="connRout" val="bend"/>
+                            <dgm:param type="bendPt" val="end"/>
+                            <dgm:param type="begPts" val="bCtr"/>
+                            <dgm:param type="endPts" val="tCtr"/>
+                            <dgm:param type="srcNode" val="background2"/>
+                            <dgm:param type="dstNode" val="background3"/>
+                          </dgm:alg>
+                          <dgm:shape xmlns:r="http://schemas.openxmlformats.org/officeDocument/2006/relationships" type="conn" r:blip="" zOrderOff="-999">
+                            <dgm:adjLst/>
+                          </dgm:shape>
+                          <dgm:presOf axis="self"/>
+                          <dgm:constrLst>
+                            <dgm:constr type="begPad"/>
+                            <dgm:constr type="endPad"/>
+                          </dgm:constrLst>
+                          <dgm:ruleLst/>
+                        </dgm:layoutNode>
+                      </dgm:forEach>
+                      <dgm:forEach name="Name18" axis="self" ptType="node">
+                        <dgm:layoutNode name="hierRoot3">
+                          <dgm:alg type="hierRoot"/>
+                          <dgm:shape xmlns:r="http://schemas.openxmlformats.org/officeDocument/2006/relationships" r:blip="">
+                            <dgm:adjLst/>
+                          </dgm:shape>
+                          <dgm:presOf/>
+                          <dgm:constrLst>
+                            <dgm:constr type="bendDist" for="des" ptType="parTrans" refType="sp" fact="0.5"/>
+                          </dgm:constrLst>
+                          <dgm:ruleLst/>
+                          <dgm:layoutNode name="composite3">
+                            <dgm:alg type="composite"/>
+                            <dgm:shape xmlns:r="http://schemas.openxmlformats.org/officeDocument/2006/relationships" r:blip="">
+                              <dgm:adjLst/>
+                            </dgm:shape>
+                            <dgm:presOf/>
+                            <dgm:constrLst>
+                              <dgm:constr type="w" for="ch" forName="background3" refType="w" fact="0.9"/>
+                              <dgm:constr type="h" for="ch" forName="background3" refType="w" refFor="ch" refForName="background3" fact="0.635"/>
+                              <dgm:constr type="t" for="ch" forName="background3"/>
+                              <dgm:constr type="l" for="ch" forName="background3"/>
+                              <dgm:constr type="w" for="ch" forName="text3" refType="w" fact="0.9"/>
+                              <dgm:constr type="h" for="ch" forName="text3" refType="w" refFor="ch" refForName="text3" fact="0.635"/>
+                              <dgm:constr type="t" for="ch" forName="text3" refType="w" fact="0.095"/>
+                              <dgm:constr type="l" for="ch" forName="text3" refType="w" fact="0.1"/>
+                            </dgm:constrLst>
+                            <dgm:ruleLst/>
+                            <dgm:layoutNode name="background3" moveWith="text3">
+                              <dgm:alg type="sp"/>
+                              <dgm:shape xmlns:r="http://schemas.openxmlformats.org/officeDocument/2006/relationships" type="roundRect" r:blip="">
+                                <dgm:adjLst>
+                                  <dgm:adj idx="1" val="0.1"/>
+                                </dgm:adjLst>
+                              </dgm:shape>
+                              <dgm:presOf/>
+                              <dgm:constrLst/>
+                              <dgm:ruleLst/>
+                            </dgm:layoutNode>
+                            <dgm:layoutNode name="text3" styleLbl="fgAcc3">
+                              <dgm:varLst>
+                                <dgm:chPref val="3"/>
+                              </dgm:varLst>
+                              <dgm:alg type="tx"/>
+                              <dgm:shape xmlns:r="http://schemas.openxmlformats.org/officeDocument/2006/relationships" type="roundRect" r:blip="">
+                                <dgm:adjLst>
+                                  <dgm:adj idx="1" val="0.1"/>
+                                </dgm:adjLst>
+                              </dgm:shape>
+                              <dgm:presOf axis="self"/>
+                              <dgm:constrLst>
+                                <dgm:constr type="tMarg" refType="primFontSz" fact="0.3"/>
+                                <dgm:constr type="bMarg" refType="primFontSz" fact="0.3"/>
+                                <dgm:constr type="lMarg" refType="primFontSz" fact="0.3"/>
+                                <dgm:constr type="rMarg" refType="primFontSz" fact="0.3"/>
+                              </dgm:constrLst>
+                              <dgm:ruleLst>
+                                <dgm:rule type="primFontSz" val="5" fact="NaN" max="NaN"/>
+                              </dgm:ruleLst>
+                            </dgm:layoutNode>
+                          </dgm:layoutNode>
+                          <dgm:layoutNode name="hierChild4">
+                            <dgm:choose name="Name19">
+                              <dgm:if name="Name20" func="var" arg="dir" op="equ" val="norm">
+                                <dgm:alg type="hierChild">
+                                  <dgm:param type="linDir" val="fromL"/>
+                                </dgm:alg>
+                              </dgm:if>
+                              <dgm:else name="Name21">
+                                <dgm:alg type="hierChild">
+                                  <dgm:param type="linDir" val="fromR"/>
+                                </dgm:alg>
+                              </dgm:else>
+                            </dgm:choose>
+                            <dgm:shape xmlns:r="http://schemas.openxmlformats.org/officeDocument/2006/relationships" r:blip="">
+                              <dgm:adjLst/>
+                            </dgm:shape>
+                            <dgm:presOf/>
+                            <dgm:constrLst/>
+                            <dgm:ruleLst/>
+                            <dgm:forEach name="repeat" axis="ch">
+                              <dgm:forEach name="Name22" axis="self" ptType="parTrans" cnt="1">
+                                <dgm:layoutNode name="Name23">
+                                  <dgm:choose name="Name24">
+                                    <dgm:if name="Name25" axis="self" func="depth" op="lte" val="4">
+                                      <dgm:alg type="conn">
+                                        <dgm:param type="dim" val="1D"/>
+                                        <dgm:param type="endSty" val="noArr"/>
+                                        <dgm:param type="connRout" val="bend"/>
+                                        <dgm:param type="bendPt" val="end"/>
+                                        <dgm:param type="begPts" val="bCtr"/>
+                                        <dgm:param type="endPts" val="tCtr"/>
+                                        <dgm:param type="srcNode" val="background3"/>
+                                        <dgm:param type="dstNode" val="background4"/>
+                                      </dgm:alg>
+                                    </dgm:if>
+                                    <dgm:else name="Name26">
+                                      <dgm:alg type="conn">
+                                        <dgm:param type="dim" val="1D"/>
+                                        <dgm:param type="endSty" val="noArr"/>
+                                        <dgm:param type="connRout" val="bend"/>
+                                        <dgm:param type="bendPt" val="end"/>
+                                        <dgm:param type="begPts" val="bCtr"/>
+                                        <dgm:param type="endPts" val="tCtr"/>
+                                        <dgm:param type="srcNode" val="background4"/>
+                                        <dgm:param type="dstNode" val="background4"/>
+                                      </dgm:alg>
+                                    </dgm:else>
+                                  </dgm:choose>
+                                  <dgm:shape xmlns:r="http://schemas.openxmlformats.org/officeDocument/2006/relationships" type="conn" r:blip="" zOrderOff="-999">
+                                    <dgm:adjLst/>
+                                  </dgm:shape>
+                                  <dgm:presOf axis="self"/>
+                                  <dgm:constrLst>
+                                    <dgm:constr type="begPad"/>
+                                    <dgm:constr type="endPad"/>
+                                  </dgm:constrLst>
+                                  <dgm:ruleLst/>
+                                </dgm:layoutNode>
+                              </dgm:forEach>
+                              <dgm:forEach name="Name27" axis="self" ptType="node">
+                                <dgm:layoutNode name="hierRoot4">
+                                  <dgm:alg type="hierRoot"/>
+                                  <dgm:shape xmlns:r="http://schemas.openxmlformats.org/officeDocument/2006/relationships" r:blip="">
+                                    <dgm:adjLst/>
+                                  </dgm:shape>
+                                  <dgm:presOf/>
+                                  <dgm:constrLst>
+                                    <dgm:constr type="bendDist" for="des" ptType="parTrans" refType="sp" fact="0.5"/>
+                                  </dgm:constrLst>
+                                  <dgm:ruleLst/>
+                                  <dgm:layoutNode name="composite4">
+                                    <dgm:alg type="composite"/>
+                                    <dgm:shape xmlns:r="http://schemas.openxmlformats.org/officeDocument/2006/relationships" r:blip="">
+                                      <dgm:adjLst/>
+                                    </dgm:shape>
+                                    <dgm:presOf/>
+                                    <dgm:constrLst>
+                                      <dgm:constr type="w" for="ch" forName="background4" refType="w" fact="0.9"/>
+                                      <dgm:constr type="h" for="ch" forName="background4" refType="w" refFor="ch" refForName="background4" fact="0.635"/>
+                                      <dgm:constr type="t" for="ch" forName="background4"/>
+                                      <dgm:constr type="l" for="ch" forName="background4"/>
+                                      <dgm:constr type="w" for="ch" forName="text4" refType="w" fact="0.9"/>
+                                      <dgm:constr type="h" for="ch" forName="text4" refType="w" refFor="ch" refForName="text4" fact="0.635"/>
+                                      <dgm:constr type="t" for="ch" forName="text4" refType="w" fact="0.095"/>
+                                      <dgm:constr type="l" for="ch" forName="text4" refType="w" fact="0.1"/>
+                                    </dgm:constrLst>
+                                    <dgm:ruleLst/>
+                                    <dgm:layoutNode name="background4" moveWith="text4">
+                                      <dgm:alg type="sp"/>
+                                      <dgm:shape xmlns:r="http://schemas.openxmlformats.org/officeDocument/2006/relationships" type="roundRect" r:blip="">
+                                        <dgm:adjLst>
+                                          <dgm:adj idx="1" val="0.1"/>
+                                        </dgm:adjLst>
+                                      </dgm:shape>
+                                      <dgm:presOf/>
+                                      <dgm:constrLst/>
+                                      <dgm:ruleLst/>
+                                    </dgm:layoutNode>
+                                    <dgm:layoutNode name="text4" styleLbl="fgAcc4">
+                                      <dgm:varLst>
+                                        <dgm:chPref val="3"/>
+                                      </dgm:varLst>
+                                      <dgm:alg type="tx"/>
+                                      <dgm:shape xmlns:r="http://schemas.openxmlformats.org/officeDocument/2006/relationships" type="roundRect" r:blip="">
+                                        <dgm:adjLst>
+                                          <dgm:adj idx="1" val="0.1"/>
+                                        </dgm:adjLst>
+                                      </dgm:shape>
+                                      <dgm:presOf axis="self"/>
+                                      <dgm:constrLst>
+                                        <dgm:constr type="tMarg" refType="primFontSz" fact="0.3"/>
+                                        <dgm:constr type="bMarg" refType="primFontSz" fact="0.3"/>
+                                        <dgm:constr type="lMarg" refType="primFontSz" fact="0.3"/>
+                                        <dgm:constr type="rMarg" refType="primFontSz" fact="0.3"/>
+                                      </dgm:constrLst>
+                                      <dgm:ruleLst>
+                                        <dgm:rule type="primFontSz" val="5" fact="NaN" max="NaN"/>
+                                      </dgm:ruleLst>
+                                    </dgm:layoutNode>
+                                  </dgm:layoutNode>
+                                  <dgm:layoutNode name="hierChild5">
+                                    <dgm:choose name="Name28">
+                                      <dgm:if name="Name29" func="var" arg="dir" op="equ" val="norm">
+                                        <dgm:alg type="hierChild">
+                                          <dgm:param type="linDir" val="fromL"/>
+                                        </dgm:alg>
+                                      </dgm:if>
+                                      <dgm:else name="Name30">
+                                        <dgm:alg type="hierChild">
+                                          <dgm:param type="linDir" val="fromR"/>
+                                        </dgm:alg>
+                                      </dgm:else>
+                                    </dgm:choose>
+                                    <dgm:shape xmlns:r="http://schemas.openxmlformats.org/officeDocument/2006/relationships" r:blip="">
+                                      <dgm:adjLst/>
+                                    </dgm:shape>
+                                    <dgm:presOf/>
+                                    <dgm:constrLst/>
+                                    <dgm:ruleLst/>
+                                    <dgm:forEach name="Name31" ref="repeat"/>
+                                  </dgm:layoutNode>
+                                </dgm:layoutNode>
+                              </dgm:forEach>
+                            </dgm:forEach>
+                          </dgm:layoutNode>
+                        </dgm:layoutNode>
+                      </dgm:forEach>
+                    </dgm:forEach>
+                  </dgm:layoutNode>
+                </dgm:layoutNode>
+              </dgm:forEach>
+            </dgm:forEach>
+          </dgm:layoutNode>
+        </dgm:layoutNode>
+      </dgm:forEach>
+    </dgm:forEach>
+  </dgm:layoutNode>
+</dgm:layoutDef>
+</file>
+
+<file path=ppt/diagrams/quickStyle1.xml><?xml version="1.0" encoding="utf-8"?>
+<dgm:styleDef xmlns:dgm="http://schemas.openxmlformats.org/drawingml/2006/diagram" xmlns:a="http://schemas.openxmlformats.org/drawingml/2006/main" uniqueId="urn:microsoft.com/office/officeart/2005/8/quickstyle/simple5">
+  <dgm:title val=""/>
+  <dgm:desc val=""/>
+  <dgm:catLst>
+    <dgm:cat type="simple" pri="10500"/>
+  </dgm:catLst>
+  <dgm:scene3d>
+    <a:camera prst="orthographicFront"/>
+    <a:lightRig rig="threePt" dir="t"/>
+  </dgm:scene3d>
+  <dgm:styleLbl name="node0">
+    <dgm:scene3d>
+      <a:camera prst="orthographicFront"/>
+      <a:lightRig rig="threePt" dir="t"/>
+    </dgm:scene3d>
+    <dgm:sp3d/>
+    <dgm:txPr/>
+    <dgm:style>
+      <a:lnRef idx="0">
+        <a:scrgbClr r="0" g="0" b="0"/>
+      </a:lnRef>
+      <a:fillRef idx="3">
+        <a:scrgbClr r="0" g="0" b="0"/>
+      </a:fillRef>
+      <a:effectRef idx="3">
+        <a:scrgbClr r="0" g="0" b="0"/>
+      </a:effectRef>
+      <a:fontRef idx="minor">
+        <a:schemeClr val="lt1"/>
+      </a:fontRef>
+    </dgm:style>
+  </dgm:styleLbl>
+  <dgm:styleLbl name="lnNode1">
+    <dgm:scene3d>
+      <a:camera prst="orthographicFront"/>
+      <a:lightRig rig="threePt" dir="t"/>
+    </dgm:scene3d>
+    <dgm:sp3d/>
+    <dgm:txPr/>
+    <dgm:style>
+      <a:lnRef idx="0">
+        <a:scrgbClr r="0" g="0" b="0"/>
+      </a:lnRef>
+      <a:fillRef idx="3">
+        <a:scrgbClr r="0" g="0" b="0"/>
+      </a:fillRef>
+      <a:effectRef idx="3">
+        <a:scrgbClr r="0" g="0" b="0"/>
+      </a:effectRef>
+      <a:fontRef idx="minor">
+        <a:schemeClr val="lt1"/>
+      </a:fontRef>
+    </dgm:style>
+  </dgm:styleLbl>
+  <dgm:styleLbl name="vennNode1">
+    <dgm:scene3d>
+      <a:camera prst="orthographicFront"/>
+      <a:lightRig rig="threePt" dir="t"/>
+    </dgm:scene3d>
+    <dgm:sp3d/>
+    <dgm:txPr/>
+    <dgm:style>
+      <a:lnRef idx="0">
+        <a:scrgbClr r="0" g="0" b="0"/>
+      </a:lnRef>
+      <a:fillRef idx="3">
+        <a:scrgbClr r="0" g="0" b="0"/>
+      </a:fillRef>
+      <a:effectRef idx="3">
+        <a:scrgbClr r="0" g="0" b="0"/>
+      </a:effectRef>
+      <a:fontRef idx="minor">
+        <a:schemeClr val="tx1"/>
+      </a:fontRef>
+    </dgm:style>
+  </dgm:styleLbl>
+  <dgm:styleLbl name="alignNode1">
+    <dgm:scene3d>
+      <a:camera prst="orthographicFront"/>
+      <a:lightRig rig="threePt" dir="t"/>
+    </dgm:scene3d>
+    <dgm:sp3d/>
+    <dgm:txPr/>
+    <dgm:style>
+      <a:lnRef idx="1">
+        <a:scrgbClr r="0" g="0" b="0"/>
+      </a:lnRef>
+      <a:fillRef idx="3">
+        <a:scrgbClr r="0" g="0" b="0"/>
+      </a:fillRef>
+      <a:effectRef idx="3">
+        <a:scrgbClr r="0" g="0" b="0"/>
+      </a:effectRef>
+      <a:fontRef idx="minor">
+        <a:schemeClr val="lt1"/>
+      </a:fontRef>
+    </dgm:style>
+  </dgm:styleLbl>
+  <dgm:styleLbl name="node1">
+    <dgm:scene3d>
+      <a:camera prst="orthographicFront"/>
+      <a:lightRig rig="threePt" dir="t"/>
+    </dgm:scene3d>
+    <dgm:sp3d/>
+    <dgm:txPr/>
+    <dgm:style>
+      <a:lnRef idx="0">
+        <a:scrgbClr r="0" g="0" b="0"/>
+      </a:lnRef>
+      <a:fillRef idx="3">
+        <a:scrgbClr r="0" g="0" b="0"/>
+      </a:fillRef>
+      <a:effectRef idx="3">
+        <a:scrgbClr r="0" g="0" b="0"/>
+      </a:effectRef>
+      <a:fontRef idx="minor">
+        <a:schemeClr val="lt1"/>
+      </a:fontRef>
+    </dgm:style>
+  </dgm:styleLbl>
+  <dgm:styleLbl name="node2">
+    <dgm:scene3d>
+      <a:camera prst="orthographicFront"/>
+      <a:lightRig rig="threePt" dir="t"/>
+    </dgm:scene3d>
+    <dgm:sp3d/>
+    <dgm:txPr/>
+    <dgm:style>
+      <a:lnRef idx="0">
+        <a:scrgbClr r="0" g="0" b="0"/>
+      </a:lnRef>
+      <a:fillRef idx="3">
+        <a:scrgbClr r="0" g="0" b="0"/>
+      </a:fillRef>
+      <a:effectRef idx="3">
+        <a:scrgbClr r="0" g="0" b="0"/>
+      </a:effectRef>
+      <a:fontRef idx="minor">
+        <a:schemeClr val="lt1"/>
+      </a:fontRef>
+    </dgm:style>
+  </dgm:styleLbl>
+  <dgm:styleLbl name="node3">
+    <dgm:scene3d>
+      <a:camera prst="orthographicFront"/>
+      <a:lightRig rig="threePt" dir="t"/>
+    </dgm:scene3d>
+    <dgm:sp3d/>
+    <dgm:txPr/>
+    <dgm:style>
+      <a:lnRef idx="0">
+        <a:scrgbClr r="0" g="0" b="0"/>
+      </a:lnRef>
+      <a:fillRef idx="3">
+        <a:scrgbClr r="0" g="0" b="0"/>
+      </a:fillRef>
+      <a:effectRef idx="3">
+        <a:scrgbClr r="0" g="0" b="0"/>
+      </a:effectRef>
+      <a:fontRef idx="minor">
+        <a:schemeClr val="lt1"/>
+      </a:fontRef>
+    </dgm:style>
+  </dgm:styleLbl>
+  <dgm:styleLbl name="node4">
+    <dgm:scene3d>
+      <a:camera prst="orthographicFront"/>
+      <a:lightRig rig="threePt" dir="t"/>
+    </dgm:scene3d>
+    <dgm:sp3d/>
+    <dgm:txPr/>
+    <dgm:style>
+      <a:lnRef idx="0">
+        <a:scrgbClr r="0" g="0" b="0"/>
+      </a:lnRef>
+      <a:fillRef idx="3">
+        <a:scrgbClr r="0" g="0" b="0"/>
+      </a:fillRef>
+      <a:effectRef idx="3">
+        <a:scrgbClr r="0" g="0" b="0"/>
+      </a:effectRef>
+      <a:fontRef idx="minor">
+        <a:schemeClr val="lt1"/>
+      </a:fontRef>
+    </dgm:style>
+  </dgm:styleLbl>
+  <dgm:styleLbl name="fgImgPlace1">
+    <dgm:scene3d>
+      <a:camera prst="orthographicFront"/>
+      <a:lightRig rig="threePt" dir="t"/>
+    </dgm:scene3d>
+    <dgm:sp3d/>
+    <dgm:txPr/>
+    <dgm:style>
+      <a:lnRef idx="0">
+        <a:scrgbClr r="0" g="0" b="0"/>
+      </a:lnRef>
+      <a:fillRef idx="1">
+        <a:scrgbClr r="0" g="0" b="0"/>
+      </a:fillRef>
+      <a:effectRef idx="3">
+        <a:scrgbClr r="0" g="0" b="0"/>
+      </a:effectRef>
+      <a:fontRef idx="minor"/>
+    </dgm:style>
+  </dgm:styleLbl>
+  <dgm:styleLbl name="alignImgPlace1">
+    <dgm:scene3d>
+      <a:camera prst="orthographicFront"/>
+      <a:lightRig rig="threePt" dir="t"/>
+    </dgm:scene3d>
+    <dgm:sp3d/>
+    <dgm:txPr/>
+    <dgm:style>
+      <a:lnRef idx="0">
+        <a:scrgbClr r="0" g="0" b="0"/>
+      </a:lnRef>
+      <a:fillRef idx="1">
+        <a:scrgbClr r="0" g="0" b="0"/>
+      </a:fillRef>
+      <a:effectRef idx="3">
+        <a:scrgbClr r="0" g="0" b="0"/>
+      </a:effectRef>
+      <a:fontRef idx="minor"/>
+    </dgm:style>
+  </dgm:styleLbl>
+  <dgm:styleLbl name="bgImgPlace1">
+    <dgm:scene3d>
+      <a:camera prst="orthographicFront"/>
+      <a:lightRig rig="threePt" dir="t"/>
+    </dgm:scene3d>
+    <dgm:sp3d/>
+    <dgm:txPr/>
+    <dgm:style>
+      <a:lnRef idx="0">
+        <a:scrgbClr r="0" g="0" b="0"/>
+      </a:lnRef>
+      <a:fillRef idx="1">
+        <a:scrgbClr r="0" g="0" b="0"/>
+      </a:fillRef>
+      <a:effectRef idx="3">
+        <a:scrgbClr r="0" g="0" b="0"/>
+      </a:effectRef>
+      <a:fontRef idx="minor"/>
+    </dgm:style>
+  </dgm:styleLbl>
+  <dgm:styleLbl name="sibTrans2D1">
+    <dgm:scene3d>
+      <a:camera prst="orthographicFront"/>
+      <a:lightRig rig="threePt" dir="t"/>
+    </dgm:scene3d>
+    <dgm:sp3d/>
+    <dgm:txPr/>
+    <dgm:style>
+      <a:lnRef idx="0">
+        <a:scrgbClr r="0" g="0" b="0"/>
+      </a:lnRef>
+      <a:fillRef idx="3">
+        <a:scrgbClr r="0" g="0" b="0"/>
+      </a:fillRef>
+      <a:effectRef idx="3">
+        <a:scrgbClr r="0" g="0" b="0"/>
+      </a:effectRef>
+      <a:fontRef idx="minor">
+        <a:schemeClr val="lt1"/>
+      </a:fontRef>
+    </dgm:style>
+  </dgm:styleLbl>
+  <dgm:styleLbl name="fgSibTrans2D1">
+    <dgm:scene3d>
+      <a:camera prst="orthographicFront"/>
+      <a:lightRig rig="threePt" dir="t"/>
+    </dgm:scene3d>
+    <dgm:sp3d/>
+    <dgm:txPr/>
+    <dgm:style>
+      <a:lnRef idx="0">
+        <a:scrgbClr r="0" g="0" b="0"/>
+      </a:lnRef>
+      <a:fillRef idx="3">
+        <a:scrgbClr r="0" g="0" b="0"/>
+      </a:fillRef>
+      <a:effectRef idx="3">
+        <a:scrgbClr r="0" g="0" b="0"/>
+      </a:effectRef>
+      <a:fontRef idx="minor">
+        <a:schemeClr val="lt1"/>
+      </a:fontRef>
+    </dgm:style>
+  </dgm:styleLbl>
+  <dgm:styleLbl name="bgSibTrans2D1">
+    <dgm:scene3d>
+      <a:camera prst="orthographicFront"/>
+      <a:lightRig rig="threePt" dir="t"/>
+    </dgm:scene3d>
+    <dgm:sp3d/>
+    <dgm:txPr/>
+    <dgm:style>
+      <a:lnRef idx="0">
+        <a:scrgbClr r="0" g="0" b="0"/>
+      </a:lnRef>
+      <a:fillRef idx="3">
+        <a:scrgbClr r="0" g="0" b="0"/>
+      </a:fillRef>
+      <a:effectRef idx="3">
+        <a:scrgbClr r="0" g="0" b="0"/>
+      </a:effectRef>
+      <a:fontRef idx="minor">
+        <a:schemeClr val="lt1"/>
+      </a:fontRef>
+    </dgm:style>
+  </dgm:styleLbl>
+  <dgm:styleLbl name="sibTrans1D1">
+    <dgm:scene3d>
+      <a:camera prst="orthographicFront"/>
+      <a:lightRig rig="threePt" dir="t"/>
+    </dgm:scene3d>
+    <dgm:sp3d/>
+    <dgm:txPr/>
+    <dgm:style>
+      <a:lnRef idx="1">
+        <a:scrgbClr r="0" g="0" b="0"/>
+      </a:lnRef>
+      <a:fillRef idx="0">
+        <a:scrgbClr r="0" g="0" b="0"/>
+      </a:fillRef>
+      <a:effectRef idx="0">
+        <a:scrgbClr r="0" g="0" b="0"/>
+      </a:effectRef>
+      <a:fontRef idx="minor"/>
+    </dgm:style>
+  </dgm:styleLbl>
+  <dgm:styleLbl name="callout">
+    <dgm:scene3d>
+      <a:camera prst="orthographicFront"/>
+      <a:lightRig rig="threePt" dir="t"/>
+    </dgm:scene3d>
+    <dgm:sp3d/>
+    <dgm:txPr/>
+    <dgm:style>
+      <a:lnRef idx="1">
+        <a:scrgbClr r="0" g="0" b="0"/>
+      </a:lnRef>
+      <a:fillRef idx="0">
+        <a:scrgbClr r="0" g="0" b="0"/>
+      </a:fillRef>
+      <a:effectRef idx="1">
+        <a:scrgbClr r="0" g="0" b="0"/>
+      </a:effectRef>
+      <a:fontRef idx="minor"/>
+    </dgm:style>
+  </dgm:styleLbl>
+  <dgm:styleLbl name="asst0">
+    <dgm:scene3d>
+      <a:camera prst="orthographicFront"/>
+      <a:lightRig rig="threePt" dir="t"/>
+    </dgm:scene3d>
+    <dgm:sp3d/>
+    <dgm:txPr/>
+    <dgm:style>
+      <a:lnRef idx="0">
+        <a:scrgbClr r="0" g="0" b="0"/>
+      </a:lnRef>
+      <a:fillRef idx="3">
+        <a:scrgbClr r="0" g="0" b="0"/>
+      </a:fillRef>
+      <a:effectRef idx="3">
+        <a:scrgbClr r="0" g="0" b="0"/>
+      </a:effectRef>
+      <a:fontRef idx="minor">
+        <a:schemeClr val="lt1"/>
+      </a:fontRef>
+    </dgm:style>
+  </dgm:styleLbl>
+  <dgm:styleLbl name="asst1">
+    <dgm:scene3d>
+      <a:camera prst="orthographicFront"/>
+      <a:lightRig rig="threePt" dir="t"/>
+    </dgm:scene3d>
+    <dgm:sp3d/>
+    <dgm:txPr/>
+    <dgm:style>
+      <a:lnRef idx="0">
+        <a:scrgbClr r="0" g="0" b="0"/>
+      </a:lnRef>
+      <a:fillRef idx="3">
+        <a:scrgbClr r="0" g="0" b="0"/>
+      </a:fillRef>
+      <a:effectRef idx="3">
+        <a:scrgbClr r="0" g="0" b="0"/>
+      </a:effectRef>
+      <a:fontRef idx="minor">
+        <a:schemeClr val="lt1"/>
+      </a:fontRef>
+    </dgm:style>
+  </dgm:styleLbl>
+  <dgm:styleLbl name="asst2">
+    <dgm:scene3d>
+      <a:camera prst="orthographicFront"/>
+      <a:lightRig rig="threePt" dir="t"/>
+    </dgm:scene3d>
+    <dgm:sp3d/>
+    <dgm:txPr/>
+    <dgm:style>
+      <a:lnRef idx="0">
+        <a:scrgbClr r="0" g="0" b="0"/>
+      </a:lnRef>
+      <a:fillRef idx="3">
+        <a:scrgbClr r="0" g="0" b="0"/>
+      </a:fillRef>
+      <a:effectRef idx="3">
+        <a:scrgbClr r="0" g="0" b="0"/>
+      </a:effectRef>
+      <a:fontRef idx="minor">
+        <a:schemeClr val="lt1"/>
+      </a:fontRef>
+    </dgm:style>
+  </dgm:styleLbl>
+  <dgm:styleLbl name="asst3">
+    <dgm:scene3d>
+      <a:camera prst="orthographicFront"/>
+      <a:lightRig rig="threePt" dir="t"/>
+    </dgm:scene3d>
+    <dgm:sp3d/>
+    <dgm:txPr/>
+    <dgm:style>
+      <a:lnRef idx="0">
+        <a:scrgbClr r="0" g="0" b="0"/>
+      </a:lnRef>
+      <a:fillRef idx="3">
+        <a:scrgbClr r="0" g="0" b="0"/>
+      </a:fillRef>
+      <a:effectRef idx="3">
+        <a:scrgbClr r="0" g="0" b="0"/>
+      </a:effectRef>
+      <a:fontRef idx="minor">
+        <a:schemeClr val="lt1"/>
+      </a:fontRef>
+    </dgm:style>
+  </dgm:styleLbl>
+  <dgm:styleLbl name="asst4">
+    <dgm:scene3d>
+      <a:camera prst="orthographicFront"/>
+      <a:lightRig rig="threePt" dir="t"/>
+    </dgm:scene3d>
+    <dgm:sp3d/>
+    <dgm:txPr/>
+    <dgm:style>
+      <a:lnRef idx="0">
+        <a:scrgbClr r="0" g="0" b="0"/>
+      </a:lnRef>
+      <a:fillRef idx="3">
+        <a:scrgbClr r="0" g="0" b="0"/>
+      </a:fillRef>
+      <a:effectRef idx="3">
+        <a:scrgbClr r="0" g="0" b="0"/>
+      </a:effectRef>
+      <a:fontRef idx="minor">
+        <a:schemeClr val="lt1"/>
+      </a:fontRef>
+    </dgm:style>
+  </dgm:styleLbl>
+  <dgm:styleLbl name="parChTrans2D1">
+    <dgm:scene3d>
+      <a:camera prst="orthographicFront"/>
+      <a:lightRig rig="threePt" dir="t"/>
+    </dgm:scene3d>
+    <dgm:sp3d/>
+    <dgm:txPr/>
+    <dgm:style>
+      <a:lnRef idx="0">
+        <a:scrgbClr r="0" g="0" b="0"/>
+      </a:lnRef>
+      <a:fillRef idx="3">
+        <a:scrgbClr r="0" g="0" b="0"/>
+      </a:fillRef>
+      <a:effectRef idx="3">
+        <a:scrgbClr r="0" g="0" b="0"/>
+      </a:effectRef>
+      <a:fontRef idx="minor">
+        <a:schemeClr val="lt1"/>
+      </a:fontRef>
+    </dgm:style>
+  </dgm:styleLbl>
+  <dgm:styleLbl name="parChTrans2D2">
+    <dgm:scene3d>
+      <a:camera prst="orthographicFront"/>
+      <a:lightRig rig="threePt" dir="t"/>
+    </dgm:scene3d>
+    <dgm:sp3d/>
+    <dgm:txPr/>
+    <dgm:style>
+      <a:lnRef idx="0">
+        <a:scrgbClr r="0" g="0" b="0"/>
+      </a:lnRef>
+      <a:fillRef idx="3">
+        <a:scrgbClr r="0" g="0" b="0"/>
+      </a:fillRef>
+      <a:effectRef idx="3">
+        <a:scrgbClr r="0" g="0" b="0"/>
+      </a:effectRef>
+      <a:fontRef idx="minor">
+        <a:schemeClr val="lt1"/>
+      </a:fontRef>
+    </dgm:style>
+  </dgm:styleLbl>
+  <dgm:styleLbl name="parChTrans2D3">
+    <dgm:scene3d>
+      <a:camera prst="orthographicFront"/>
+      <a:lightRig rig="threePt" dir="t"/>
+    </dgm:scene3d>
+    <dgm:sp3d/>
+    <dgm:txPr/>
+    <dgm:style>
+      <a:lnRef idx="0">
+        <a:scrgbClr r="0" g="0" b="0"/>
+      </a:lnRef>
+      <a:fillRef idx="3">
+        <a:scrgbClr r="0" g="0" b="0"/>
+      </a:fillRef>
+      <a:effectRef idx="3">
+        <a:scrgbClr r="0" g="0" b="0"/>
+      </a:effectRef>
+      <a:fontRef idx="minor">
+        <a:schemeClr val="lt1"/>
+      </a:fontRef>
+    </dgm:style>
+  </dgm:styleLbl>
+  <dgm:styleLbl name="parChTrans2D4">
+    <dgm:scene3d>
+      <a:camera prst="orthographicFront"/>
+      <a:lightRig rig="threePt" dir="t"/>
+    </dgm:scene3d>
+    <dgm:sp3d/>
+    <dgm:txPr/>
+    <dgm:style>
+      <a:lnRef idx="0">
+        <a:scrgbClr r="0" g="0" b="0"/>
+      </a:lnRef>
+      <a:fillRef idx="3">
+        <a:scrgbClr r="0" g="0" b="0"/>
+      </a:fillRef>
+      <a:effectRef idx="3">
+        <a:scrgbClr r="0" g="0" b="0"/>
+      </a:effectRef>
+      <a:fontRef idx="minor">
+        <a:schemeClr val="lt1"/>
+      </a:fontRef>
+    </dgm:style>
+  </dgm:styleLbl>
+  <dgm:styleLbl name="parChTrans1D1">
+    <dgm:scene3d>
+      <a:camera prst="orthographicFront"/>
+      <a:lightRig rig="threePt" dir="t"/>
+    </dgm:scene3d>
+    <dgm:sp3d/>
+    <dgm:txPr/>
+    <dgm:style>
+      <a:lnRef idx="2">
+        <a:scrgbClr r="0" g="0" b="0"/>
+      </a:lnRef>
+      <a:fillRef idx="0">
+        <a:scrgbClr r="0" g="0" b="0"/>
+      </a:fillRef>
+      <a:effectRef idx="0">
+        <a:scrgbClr r="0" g="0" b="0"/>
+      </a:effectRef>
+      <a:fontRef idx="minor"/>
+    </dgm:style>
+  </dgm:styleLbl>
+  <dgm:styleLbl name="parChTrans1D2">
+    <dgm:scene3d>
+      <a:camera prst="orthographicFront"/>
+      <a:lightRig rig="threePt" dir="t"/>
+    </dgm:scene3d>
+    <dgm:sp3d/>
+    <dgm:txPr/>
+    <dgm:style>
+      <a:lnRef idx="2">
+        <a:scrgbClr r="0" g="0" b="0"/>
+      </a:lnRef>
+      <a:fillRef idx="0">
+        <a:scrgbClr r="0" g="0" b="0"/>
+      </a:fillRef>
+      <a:effectRef idx="0">
+        <a:scrgbClr r="0" g="0" b="0"/>
+      </a:effectRef>
+      <a:fontRef idx="minor"/>
+    </dgm:style>
+  </dgm:styleLbl>
+  <dgm:styleLbl name="parChTrans1D3">
+    <dgm:scene3d>
+      <a:camera prst="orthographicFront"/>
+      <a:lightRig rig="threePt" dir="t"/>
+    </dgm:scene3d>
+    <dgm:sp3d/>
+    <dgm:txPr/>
+    <dgm:style>
+      <a:lnRef idx="2">
+        <a:scrgbClr r="0" g="0" b="0"/>
+      </a:lnRef>
+      <a:fillRef idx="0">
+        <a:scrgbClr r="0" g="0" b="0"/>
+      </a:fillRef>
+      <a:effectRef idx="0">
+        <a:scrgbClr r="0" g="0" b="0"/>
+      </a:effectRef>
+      <a:fontRef idx="minor"/>
+    </dgm:style>
+  </dgm:styleLbl>
+  <dgm:styleLbl name="parChTrans1D4">
+    <dgm:scene3d>
+      <a:camera prst="orthographicFront"/>
+      <a:lightRig rig="threePt" dir="t"/>
+    </dgm:scene3d>
+    <dgm:sp3d/>
+    <dgm:txPr/>
+    <dgm:style>
+      <a:lnRef idx="2">
+        <a:scrgbClr r="0" g="0" b="0"/>
+      </a:lnRef>
+      <a:fillRef idx="0">
+        <a:scrgbClr r="0" g="0" b="0"/>
+      </a:fillRef>
+      <a:effectRef idx="0">
+        <a:scrgbClr r="0" g="0" b="0"/>
+      </a:effectRef>
+      <a:fontRef idx="minor"/>
+    </dgm:style>
+  </dgm:styleLbl>
+  <dgm:styleLbl name="fgAcc1">
+    <dgm:scene3d>
+      <a:camera prst="orthographicFront"/>
+      <a:lightRig rig="threePt" dir="t"/>
+    </dgm:scene3d>
+    <dgm:sp3d/>
+    <dgm:txPr/>
+    <dgm:style>
+      <a:lnRef idx="1">
+        <a:scrgbClr r="0" g="0" b="0"/>
+      </a:lnRef>
+      <a:fillRef idx="1">
+        <a:scrgbClr r="0" g="0" b="0"/>
+      </a:fillRef>
+      <a:effectRef idx="2">
+        <a:scrgbClr r="0" g="0" b="0"/>
+      </a:effectRef>
+      <a:fontRef idx="minor"/>
+    </dgm:style>
+  </dgm:styleLbl>
+  <dgm:styleLbl name="conFgAcc1">
+    <dgm:scene3d>
+      <a:camera prst="orthographicFront"/>
+      <a:lightRig rig="threePt" dir="t"/>
+    </dgm:scene3d>
+    <dgm:sp3d/>
+    <dgm:txPr/>
+    <dgm:style>
+      <a:lnRef idx="1">
+        <a:scrgbClr r="0" g="0" b="0"/>
+      </a:lnRef>
+      <a:fillRef idx="1">
+        <a:scrgbClr r="0" g="0" b="0"/>
+      </a:fillRef>
+      <a:effectRef idx="2">
+        <a:scrgbClr r="0" g="0" b="0"/>
+      </a:effectRef>
+      <a:fontRef idx="minor"/>
+    </dgm:style>
+  </dgm:styleLbl>
+  <dgm:styleLbl name="alignAcc1">
+    <dgm:scene3d>
+      <a:camera prst="orthographicFront"/>
+      <a:lightRig rig="threePt" dir="t"/>
+    </dgm:scene3d>
+    <dgm:sp3d/>
+    <dgm:txPr/>
+    <dgm:style>
+      <a:lnRef idx="1">
+        <a:scrgbClr r="0" g="0" b="0"/>
+      </a:lnRef>
+      <a:fillRef idx="1">
+        <a:scrgbClr r="0" g="0" b="0"/>
+      </a:fillRef>
+      <a:effectRef idx="2">
+        <a:scrgbClr r="0" g="0" b="0"/>
+      </a:effectRef>
+      <a:fontRef idx="minor"/>
+    </dgm:style>
+  </dgm:styleLbl>
+  <dgm:styleLbl name="trAlignAcc1">
+    <dgm:scene3d>
+      <a:camera prst="orthographicFront"/>
+      <a:lightRig rig="threePt" dir="t"/>
+    </dgm:scene3d>
+    <dgm:sp3d/>
+    <dgm:txPr/>
+    <dgm:style>
+      <a:lnRef idx="1">
+        <a:scrgbClr r="0" g="0" b="0"/>
+      </a:lnRef>
+      <a:fillRef idx="1">
+        <a:scrgbClr r="0" g="0" b="0"/>
+      </a:fillRef>
+      <a:effectRef idx="0">
+        <a:scrgbClr r="0" g="0" b="0"/>
+      </a:effectRef>
+      <a:fontRef idx="minor"/>
+    </dgm:style>
+  </dgm:styleLbl>
+  <dgm:styleLbl name="bgAcc1">
+    <dgm:scene3d>
+      <a:camera prst="orthographicFront"/>
+      <a:lightRig rig="threePt" dir="t"/>
+    </dgm:scene3d>
+    <dgm:sp3d/>
+    <dgm:txPr/>
+    <dgm:style>
+      <a:lnRef idx="1">
+        <a:scrgbClr r="0" g="0" b="0"/>
+      </a:lnRef>
+      <a:fillRef idx="1">
+        <a:scrgbClr r="0" g="0" b="0"/>
+      </a:fillRef>
+      <a:effectRef idx="2">
+        <a:scrgbClr r="0" g="0" b="0"/>
+      </a:effectRef>
+      <a:fontRef idx="minor"/>
+    </dgm:style>
+  </dgm:styleLbl>
+  <dgm:styleLbl name="solidFgAcc1">
+    <dgm:scene3d>
+      <a:camera prst="orthographicFront"/>
+      <a:lightRig rig="threePt" dir="t"/>
+    </dgm:scene3d>
+    <dgm:sp3d/>
+    <dgm:txPr/>
+    <dgm:style>
+      <a:lnRef idx="1">
+        <a:scrgbClr r="0" g="0" b="0"/>
+      </a:lnRef>
+      <a:fillRef idx="1">
+        <a:scrgbClr r="0" g="0" b="0"/>
+      </a:fillRef>
+      <a:effectRef idx="2">
+        <a:scrgbClr r="0" g="0" b="0"/>
+      </a:effectRef>
+      <a:fontRef idx="minor"/>
+    </dgm:style>
+  </dgm:styleLbl>
+  <dgm:styleLbl name="solidAlignAcc1">
+    <dgm:scene3d>
+      <a:camera prst="orthographicFront"/>
+      <a:lightRig rig="threePt" dir="t"/>
+    </dgm:scene3d>
+    <dgm:sp3d/>
+    <dgm:txPr/>
+    <dgm:style>
+      <a:lnRef idx="1">
+        <a:scrgbClr r="0" g="0" b="0"/>
+      </a:lnRef>
+      <a:fillRef idx="1">
+        <a:scrgbClr r="0" g="0" b="0"/>
+      </a:fillRef>
+      <a:effectRef idx="3">
+        <a:scrgbClr r="0" g="0" b="0"/>
+      </a:effectRef>
+      <a:fontRef idx="minor"/>
+    </dgm:style>
+  </dgm:styleLbl>
+  <dgm:styleLbl name="solidBgAcc1">
+    <dgm:scene3d>
+      <a:camera prst="orthographicFront"/>
+      <a:lightRig rig="threePt" dir="t"/>
+    </dgm:scene3d>
+    <dgm:sp3d/>
+    <dgm:txPr/>
+    <dgm:style>
+      <a:lnRef idx="1">
+        <a:scrgbClr r="0" g="0" b="0"/>
+      </a:lnRef>
+      <a:fillRef idx="1">
+        <a:scrgbClr r="0" g="0" b="0"/>
+      </a:fillRef>
+      <a:effectRef idx="3">
+        <a:scrgbClr r="0" g="0" b="0"/>
+      </a:effectRef>
+      <a:fontRef idx="minor"/>
+    </dgm:style>
+  </dgm:styleLbl>
+  <dgm:styleLbl name="fgAccFollowNode1">
+    <dgm:scene3d>
+      <a:camera prst="orthographicFront"/>
+      <a:lightRig rig="threePt" dir="t"/>
+    </dgm:scene3d>
+    <dgm:sp3d/>
+    <dgm:txPr/>
+    <dgm:style>
+      <a:lnRef idx="1">
+        <a:scrgbClr r="0" g="0" b="0"/>
+      </a:lnRef>
+      <a:fillRef idx="1">
+        <a:scrgbClr r="0" g="0" b="0"/>
+      </a:fillRef>
+      <a:effectRef idx="2">
+        <a:scrgbClr r="0" g="0" b="0"/>
+      </a:effectRef>
+      <a:fontRef idx="minor"/>
+    </dgm:style>
+  </dgm:styleLbl>
+  <dgm:styleLbl name="alignAccFollowNode1">
+    <dgm:scene3d>
+      <a:camera prst="orthographicFront"/>
+      <a:lightRig rig="threePt" dir="t"/>
+    </dgm:scene3d>
+    <dgm:sp3d/>
+    <dgm:txPr/>
+    <dgm:style>
+      <a:lnRef idx="1">
+        <a:scrgbClr r="0" g="0" b="0"/>
+      </a:lnRef>
+      <a:fillRef idx="1">
+        <a:scrgbClr r="0" g="0" b="0"/>
+      </a:fillRef>
+      <a:effectRef idx="2">
+        <a:scrgbClr r="0" g="0" b="0"/>
+      </a:effectRef>
+      <a:fontRef idx="minor"/>
+    </dgm:style>
+  </dgm:styleLbl>
+  <dgm:styleLbl name="bgAccFollowNode1">
+    <dgm:scene3d>
+      <a:camera prst="orthographicFront"/>
+      <a:lightRig rig="threePt" dir="t"/>
+    </dgm:scene3d>
+    <dgm:sp3d/>
+    <dgm:txPr/>
+    <dgm:style>
+      <a:lnRef idx="1">
+        <a:scrgbClr r="0" g="0" b="0"/>
+      </a:lnRef>
+      <a:fillRef idx="1">
+        <a:scrgbClr r="0" g="0" b="0"/>
+      </a:fillRef>
+      <a:effectRef idx="2">
+        <a:scrgbClr r="0" g="0" b="0"/>
+      </a:effectRef>
+      <a:fontRef idx="minor"/>
+    </dgm:style>
+  </dgm:styleLbl>
+  <dgm:styleLbl name="fgAcc0">
+    <dgm:scene3d>
+      <a:camera prst="orthographicFront"/>
+      <a:lightRig rig="threePt" dir="t"/>
+    </dgm:scene3d>
+    <dgm:sp3d/>
+    <dgm:txPr/>
+    <dgm:style>
+      <a:lnRef idx="1">
+        <a:scrgbClr r="0" g="0" b="0"/>
+      </a:lnRef>
+      <a:fillRef idx="1">
+        <a:scrgbClr r="0" g="0" b="0"/>
+      </a:fillRef>
+      <a:effectRef idx="2">
+        <a:scrgbClr r="0" g="0" b="0"/>
+      </a:effectRef>
+      <a:fontRef idx="minor"/>
+    </dgm:style>
+  </dgm:styleLbl>
+  <dgm:styleLbl name="fgAcc2">
+    <dgm:scene3d>
+      <a:camera prst="orthographicFront"/>
+      <a:lightRig rig="threePt" dir="t"/>
+    </dgm:scene3d>
+    <dgm:sp3d/>
+    <dgm:txPr/>
+    <dgm:style>
+      <a:lnRef idx="1">
+        <a:scrgbClr r="0" g="0" b="0"/>
+      </a:lnRef>
+      <a:fillRef idx="1">
+        <a:scrgbClr r="0" g="0" b="0"/>
+      </a:fillRef>
+      <a:effectRef idx="2">
+        <a:scrgbClr r="0" g="0" b="0"/>
+      </a:effectRef>
+      <a:fontRef idx="minor"/>
+    </dgm:style>
+  </dgm:styleLbl>
+  <dgm:styleLbl name="fgAcc3">
+    <dgm:scene3d>
+      <a:camera prst="orthographicFront"/>
+      <a:lightRig rig="threePt" dir="t"/>
+    </dgm:scene3d>
+    <dgm:sp3d/>
+    <dgm:txPr/>
+    <dgm:style>
+      <a:lnRef idx="1">
+        <a:scrgbClr r="0" g="0" b="0"/>
+      </a:lnRef>
+      <a:fillRef idx="1">
+        <a:scrgbClr r="0" g="0" b="0"/>
+      </a:fillRef>
+      <a:effectRef idx="2">
+        <a:scrgbClr r="0" g="0" b="0"/>
+      </a:effectRef>
+      <a:fontRef idx="minor"/>
+    </dgm:style>
+  </dgm:styleLbl>
+  <dgm:styleLbl name="fgAcc4">
+    <dgm:scene3d>
+      <a:camera prst="orthographicFront"/>
+      <a:lightRig rig="threePt" dir="t"/>
+    </dgm:scene3d>
+    <dgm:sp3d/>
+    <dgm:txPr/>
+    <dgm:style>
+      <a:lnRef idx="1">
+        <a:scrgbClr r="0" g="0" b="0"/>
+      </a:lnRef>
+      <a:fillRef idx="1">
+        <a:scrgbClr r="0" g="0" b="0"/>
+      </a:fillRef>
+      <a:effectRef idx="2">
+        <a:scrgbClr r="0" g="0" b="0"/>
+      </a:effectRef>
+      <a:fontRef idx="minor"/>
+    </dgm:style>
+  </dgm:styleLbl>
+  <dgm:styleLbl name="bgShp">
+    <dgm:scene3d>
+      <a:camera prst="orthographicFront"/>
+      <a:lightRig rig="threePt" dir="t"/>
+    </dgm:scene3d>
+    <dgm:sp3d/>
+    <dgm:txPr/>
+    <dgm:style>
+      <a:lnRef idx="0">
+        <a:scrgbClr r="0" g="0" b="0"/>
+      </a:lnRef>
+      <a:fillRef idx="1">
+        <a:scrgbClr r="0" g="0" b="0"/>
+      </a:fillRef>
+      <a:effectRef idx="2">
+        <a:scrgbClr r="0" g="0" b="0"/>
+      </a:effectRef>
+      <a:fontRef idx="minor"/>
+    </dgm:style>
+  </dgm:styleLbl>
+  <dgm:styleLbl name="dkBgShp">
+    <dgm:scene3d>
+      <a:camera prst="orthographicFront"/>
+      <a:lightRig rig="threePt" dir="t"/>
+    </dgm:scene3d>
+    <dgm:sp3d/>
+    <dgm:txPr/>
+    <dgm:style>
+      <a:lnRef idx="0">
+        <a:scrgbClr r="0" g="0" b="0"/>
+      </a:lnRef>
+      <a:fillRef idx="1">
+        <a:scrgbClr r="0" g="0" b="0"/>
+      </a:fillRef>
+      <a:effectRef idx="3">
+        <a:scrgbClr r="0" g="0" b="0"/>
+      </a:effectRef>
+      <a:fontRef idx="minor"/>
+    </dgm:style>
+  </dgm:styleLbl>
+  <dgm:styleLbl name="trBgShp">
+    <dgm:scene3d>
+      <a:camera prst="orthographicFront"/>
+      <a:lightRig rig="threePt" dir="t"/>
+    </dgm:scene3d>
+    <dgm:sp3d/>
+    <dgm:txPr/>
+    <dgm:style>
+      <a:lnRef idx="0">
+        <a:scrgbClr r="0" g="0" b="0"/>
+      </a:lnRef>
+      <a:fillRef idx="1">
+        <a:scrgbClr r="0" g="0" b="0"/>
+      </a:fillRef>
+      <a:effectRef idx="0">
+        <a:scrgbClr r="0" g="0" b="0"/>
+      </a:effectRef>
+      <a:fontRef idx="minor"/>
+    </dgm:style>
+  </dgm:styleLbl>
+  <dgm:styleLbl name="fgShp">
+    <dgm:scene3d>
+      <a:camera prst="orthographicFront"/>
+      <a:lightRig rig="threePt" dir="t"/>
+    </dgm:scene3d>
+    <dgm:sp3d/>
+    <dgm:txPr/>
+    <dgm:style>
+      <a:lnRef idx="0">
+        <a:scrgbClr r="0" g="0" b="0"/>
+      </a:lnRef>
+      <a:fillRef idx="3">
+        <a:scrgbClr r="0" g="0" b="0"/>
+      </a:fillRef>
+      <a:effectRef idx="3">
+        <a:scrgbClr r="0" g="0" b="0"/>
+      </a:effectRef>
+      <a:fontRef idx="minor"/>
+    </dgm:style>
+  </dgm:styleLbl>
+  <dgm:styleLbl name="revTx">
+    <dgm:scene3d>
+      <a:camera prst="orthographicFront"/>
+      <a:lightRig rig="threePt" dir="t"/>
+    </dgm:scene3d>
+    <dgm:sp3d/>
+    <dgm:txPr/>
+    <dgm:style>
+      <a:lnRef idx="0">
+        <a:scrgbClr r="0" g="0" b="0"/>
+      </a:lnRef>
+      <a:fillRef idx="0">
+        <a:scrgbClr r="0" g="0" b="0"/>
+      </a:fillRef>
+      <a:effectRef idx="0">
+        <a:scrgbClr r="0" g="0" b="0"/>
+      </a:effectRef>
+      <a:fontRef idx="minor"/>
+    </dgm:style>
+  </dgm:styleLbl>
+</dgm:styleDef>
+</file>
+
+<file path=ppt/diagrams/quickStyle2.xml><?xml version="1.0" encoding="utf-8"?>
+<dgm:styleDef xmlns:dgm="http://schemas.openxmlformats.org/drawingml/2006/diagram" xmlns:a="http://schemas.openxmlformats.org/drawingml/2006/main" uniqueId="urn:microsoft.com/office/officeart/2005/8/quickstyle/simple1">
+  <dgm:title val=""/>
+  <dgm:desc val=""/>
+  <dgm:catLst>
+    <dgm:cat type="simple" pri="10100"/>
+  </dgm:catLst>
+  <dgm:scene3d>
+    <a:camera prst="orthographicFront"/>
+    <a:lightRig rig="threePt" dir="t"/>
+  </dgm:scene3d>
+  <dgm:styleLbl name="node0">
+    <dgm:scene3d>
+      <a:camera prst="orthographicFront"/>
+      <a:lightRig rig="threePt" dir="t"/>
+    </dgm:scene3d>
+    <dgm:sp3d/>
+    <dgm:txPr/>
+    <dgm:style>
+      <a:lnRef idx="2">
+        <a:scrgbClr r="0" g="0" b="0"/>
+      </a:lnRef>
+      <a:fillRef idx="1">
+        <a:scrgbClr r="0" g="0" b="0"/>
+      </a:fillRef>
+      <a:effectRef idx="0">
+        <a:scrgbClr r="0" g="0" b="0"/>
+      </a:effectRef>
+      <a:fontRef idx="minor">
+        <a:schemeClr val="lt1"/>
+      </a:fontRef>
+    </dgm:style>
+  </dgm:styleLbl>
+  <dgm:styleLbl name="lnNode1">
+    <dgm:scene3d>
+      <a:camera prst="orthographicFront"/>
+      <a:lightRig rig="threePt" dir="t"/>
+    </dgm:scene3d>
+    <dgm:sp3d/>
+    <dgm:txPr/>
+    <dgm:style>
+      <a:lnRef idx="2">
+        <a:scrgbClr r="0" g="0" b="0"/>
+      </a:lnRef>
+      <a:fillRef idx="1">
+        <a:scrgbClr r="0" g="0" b="0"/>
+      </a:fillRef>
+      <a:effectRef idx="0">
+        <a:scrgbClr r="0" g="0" b="0"/>
+      </a:effectRef>
+      <a:fontRef idx="minor">
+        <a:schemeClr val="lt1"/>
+      </a:fontRef>
+    </dgm:style>
+  </dgm:styleLbl>
+  <dgm:styleLbl name="vennNode1">
+    <dgm:scene3d>
+      <a:camera prst="orthographicFront"/>
+      <a:lightRig rig="threePt" dir="t"/>
+    </dgm:scene3d>
+    <dgm:sp3d/>
+    <dgm:txPr/>
+    <dgm:style>
+      <a:lnRef idx="2">
+        <a:scrgbClr r="0" g="0" b="0"/>
+      </a:lnRef>
+      <a:fillRef idx="1">
+        <a:scrgbClr r="0" g="0" b="0"/>
+      </a:fillRef>
+      <a:effectRef idx="0">
+        <a:scrgbClr r="0" g="0" b="0"/>
+      </a:effectRef>
+      <a:fontRef idx="minor">
+        <a:schemeClr val="tx1"/>
+      </a:fontRef>
+    </dgm:style>
+  </dgm:styleLbl>
+  <dgm:styleLbl name="alignNode1">
+    <dgm:scene3d>
+      <a:camera prst="orthographicFront"/>
+      <a:lightRig rig="threePt" dir="t"/>
+    </dgm:scene3d>
+    <dgm:sp3d/>
+    <dgm:txPr/>
+    <dgm:style>
+      <a:lnRef idx="2">
+        <a:scrgbClr r="0" g="0" b="0"/>
+      </a:lnRef>
+      <a:fillRef idx="1">
+        <a:scrgbClr r="0" g="0" b="0"/>
+      </a:fillRef>
+      <a:effectRef idx="0">
+        <a:scrgbClr r="0" g="0" b="0"/>
+      </a:effectRef>
+      <a:fontRef idx="minor">
+        <a:schemeClr val="lt1"/>
+      </a:fontRef>
+    </dgm:style>
+  </dgm:styleLbl>
+  <dgm:styleLbl name="node1">
+    <dgm:scene3d>
+      <a:camera prst="orthographicFront"/>
+      <a:lightRig rig="threePt" dir="t"/>
+    </dgm:scene3d>
+    <dgm:sp3d/>
+    <dgm:txPr/>
+    <dgm:style>
+      <a:lnRef idx="2">
+        <a:scrgbClr r="0" g="0" b="0"/>
+      </a:lnRef>
+      <a:fillRef idx="1">
+        <a:scrgbClr r="0" g="0" b="0"/>
+      </a:fillRef>
+      <a:effectRef idx="0">
+        <a:scrgbClr r="0" g="0" b="0"/>
+      </a:effectRef>
+      <a:fontRef idx="minor">
+        <a:schemeClr val="lt1"/>
+      </a:fontRef>
+    </dgm:style>
+  </dgm:styleLbl>
+  <dgm:styleLbl name="node2">
+    <dgm:scene3d>
+      <a:camera prst="orthographicFront"/>
+      <a:lightRig rig="threePt" dir="t"/>
+    </dgm:scene3d>
+    <dgm:sp3d/>
+    <dgm:txPr/>
+    <dgm:style>
+      <a:lnRef idx="2">
+        <a:scrgbClr r="0" g="0" b="0"/>
+      </a:lnRef>
+      <a:fillRef idx="1">
+        <a:scrgbClr r="0" g="0" b="0"/>
+      </a:fillRef>
+      <a:effectRef idx="0">
+        <a:scrgbClr r="0" g="0" b="0"/>
+      </a:effectRef>
+      <a:fontRef idx="minor">
+        <a:schemeClr val="lt1"/>
+      </a:fontRef>
+    </dgm:style>
+  </dgm:styleLbl>
+  <dgm:styleLbl name="node3">
+    <dgm:scene3d>
+      <a:camera prst="orthographicFront"/>
+      <a:lightRig rig="threePt" dir="t"/>
+    </dgm:scene3d>
+    <dgm:sp3d/>
+    <dgm:txPr/>
+    <dgm:style>
+      <a:lnRef idx="2">
+        <a:scrgbClr r="0" g="0" b="0"/>
+      </a:lnRef>
+      <a:fillRef idx="1">
+        <a:scrgbClr r="0" g="0" b="0"/>
+      </a:fillRef>
+      <a:effectRef idx="0">
+        <a:scrgbClr r="0" g="0" b="0"/>
+      </a:effectRef>
+      <a:fontRef idx="minor">
+        <a:schemeClr val="lt1"/>
+      </a:fontRef>
+    </dgm:style>
+  </dgm:styleLbl>
+  <dgm:styleLbl name="node4">
+    <dgm:scene3d>
+      <a:camera prst="orthographicFront"/>
+      <a:lightRig rig="threePt" dir="t"/>
+    </dgm:scene3d>
+    <dgm:sp3d/>
+    <dgm:txPr/>
+    <dgm:style>
+      <a:lnRef idx="2">
+        <a:scrgbClr r="0" g="0" b="0"/>
+      </a:lnRef>
+      <a:fillRef idx="1">
+        <a:scrgbClr r="0" g="0" b="0"/>
+      </a:fillRef>
+      <a:effectRef idx="0">
+        <a:scrgbClr r="0" g="0" b="0"/>
+      </a:effectRef>
+      <a:fontRef idx="minor">
+        <a:schemeClr val="lt1"/>
+      </a:fontRef>
+    </dgm:style>
+  </dgm:styleLbl>
+  <dgm:styleLbl name="fgImgPlace1">
+    <dgm:scene3d>
+      <a:camera prst="orthographicFront"/>
+      <a:lightRig rig="threePt" dir="t"/>
+    </dgm:scene3d>
+    <dgm:sp3d/>
+    <dgm:txPr/>
+    <dgm:style>
+      <a:lnRef idx="2">
+        <a:scrgbClr r="0" g="0" b="0"/>
+      </a:lnRef>
+      <a:fillRef idx="1">
+        <a:scrgbClr r="0" g="0" b="0"/>
+      </a:fillRef>
+      <a:effectRef idx="0">
+        <a:scrgbClr r="0" g="0" b="0"/>
+      </a:effectRef>
+      <a:fontRef idx="minor"/>
+    </dgm:style>
+  </dgm:styleLbl>
+  <dgm:styleLbl name="alignImgPlace1">
+    <dgm:scene3d>
+      <a:camera prst="orthographicFront"/>
+      <a:lightRig rig="threePt" dir="t"/>
+    </dgm:scene3d>
+    <dgm:sp3d/>
+    <dgm:txPr/>
+    <dgm:style>
+      <a:lnRef idx="2">
+        <a:scrgbClr r="0" g="0" b="0"/>
+      </a:lnRef>
+      <a:fillRef idx="1">
+        <a:scrgbClr r="0" g="0" b="0"/>
+      </a:fillRef>
+      <a:effectRef idx="0">
+        <a:scrgbClr r="0" g="0" b="0"/>
+      </a:effectRef>
+      <a:fontRef idx="minor"/>
+    </dgm:style>
+  </dgm:styleLbl>
+  <dgm:styleLbl name="bgImgPlace1">
+    <dgm:scene3d>
+      <a:camera prst="orthographicFront"/>
+      <a:lightRig rig="threePt" dir="t"/>
+    </dgm:scene3d>
+    <dgm:sp3d/>
+    <dgm:txPr/>
+    <dgm:style>
+      <a:lnRef idx="2">
+        <a:scrgbClr r="0" g="0" b="0"/>
+      </a:lnRef>
+      <a:fillRef idx="1">
+        <a:scrgbClr r="0" g="0" b="0"/>
+      </a:fillRef>
+      <a:effectRef idx="0">
+        <a:scrgbClr r="0" g="0" b="0"/>
+      </a:effectRef>
+      <a:fontRef idx="minor"/>
+    </dgm:style>
+  </dgm:styleLbl>
+  <dgm:styleLbl name="sibTrans2D1">
+    <dgm:scene3d>
+      <a:camera prst="orthographicFront"/>
+      <a:lightRig rig="threePt" dir="t"/>
+    </dgm:scene3d>
+    <dgm:sp3d/>
+    <dgm:txPr/>
+    <dgm:style>
+      <a:lnRef idx="0">
+        <a:scrgbClr r="0" g="0" b="0"/>
+      </a:lnRef>
+      <a:fillRef idx="1">
+        <a:scrgbClr r="0" g="0" b="0"/>
+      </a:fillRef>
+      <a:effectRef idx="0">
+        <a:scrgbClr r="0" g="0" b="0"/>
+      </a:effectRef>
+      <a:fontRef idx="minor">
+        <a:schemeClr val="lt1"/>
+      </a:fontRef>
+    </dgm:style>
+  </dgm:styleLbl>
+  <dgm:styleLbl name="fgSibTrans2D1">
+    <dgm:scene3d>
+      <a:camera prst="orthographicFront"/>
+      <a:lightRig rig="threePt" dir="t"/>
+    </dgm:scene3d>
+    <dgm:sp3d/>
+    <dgm:txPr/>
+    <dgm:style>
+      <a:lnRef idx="0">
+        <a:scrgbClr r="0" g="0" b="0"/>
+      </a:lnRef>
+      <a:fillRef idx="1">
+        <a:scrgbClr r="0" g="0" b="0"/>
+      </a:fillRef>
+      <a:effectRef idx="0">
+        <a:scrgbClr r="0" g="0" b="0"/>
+      </a:effectRef>
+      <a:fontRef idx="minor">
+        <a:schemeClr val="lt1"/>
+      </a:fontRef>
+    </dgm:style>
+  </dgm:styleLbl>
+  <dgm:styleLbl name="bgSibTrans2D1">
+    <dgm:scene3d>
+      <a:camera prst="orthographicFront"/>
+      <a:lightRig rig="threePt" dir="t"/>
+    </dgm:scene3d>
+    <dgm:sp3d/>
+    <dgm:txPr/>
+    <dgm:style>
+      <a:lnRef idx="0">
+        <a:scrgbClr r="0" g="0" b="0"/>
+      </a:lnRef>
+      <a:fillRef idx="1">
+        <a:scrgbClr r="0" g="0" b="0"/>
+      </a:fillRef>
+      <a:effectRef idx="0">
+        <a:scrgbClr r="0" g="0" b="0"/>
+      </a:effectRef>
+      <a:fontRef idx="minor">
+        <a:schemeClr val="lt1"/>
+      </a:fontRef>
+    </dgm:style>
+  </dgm:styleLbl>
+  <dgm:styleLbl name="sibTrans1D1">
+    <dgm:scene3d>
+      <a:camera prst="orthographicFront"/>
+      <a:lightRig rig="threePt" dir="t"/>
+    </dgm:scene3d>
+    <dgm:sp3d/>
+    <dgm:txPr/>
+    <dgm:style>
+      <a:lnRef idx="1">
+        <a:scrgbClr r="0" g="0" b="0"/>
+      </a:lnRef>
+      <a:fillRef idx="0">
+        <a:scrgbClr r="0" g="0" b="0"/>
+      </a:fillRef>
+      <a:effectRef idx="0">
+        <a:scrgbClr r="0" g="0" b="0"/>
+      </a:effectRef>
+      <a:fontRef idx="minor"/>
+    </dgm:style>
+  </dgm:styleLbl>
+  <dgm:styleLbl name="callout">
+    <dgm:scene3d>
+      <a:camera prst="orthographicFront"/>
+      <a:lightRig rig="threePt" dir="t"/>
+    </dgm:scene3d>
+    <dgm:sp3d/>
+    <dgm:txPr/>
+    <dgm:style>
+      <a:lnRef idx="2">
+        <a:scrgbClr r="0" g="0" b="0"/>
+      </a:lnRef>
+      <a:fillRef idx="1">
+        <a:scrgbClr r="0" g="0" b="0"/>
+      </a:fillRef>
+      <a:effectRef idx="0">
+        <a:scrgbClr r="0" g="0" b="0"/>
+      </a:effectRef>
+      <a:fontRef idx="minor"/>
+    </dgm:style>
+  </dgm:styleLbl>
+  <dgm:styleLbl name="asst0">
+    <dgm:scene3d>
+      <a:camera prst="orthographicFront"/>
+      <a:lightRig rig="threePt" dir="t"/>
+    </dgm:scene3d>
+    <dgm:sp3d/>
+    <dgm:txPr/>
+    <dgm:style>
+      <a:lnRef idx="2">
+        <a:scrgbClr r="0" g="0" b="0"/>
+      </a:lnRef>
+      <a:fillRef idx="1">
+        <a:scrgbClr r="0" g="0" b="0"/>
+      </a:fillRef>
+      <a:effectRef idx="0">
+        <a:scrgbClr r="0" g="0" b="0"/>
+      </a:effectRef>
+      <a:fontRef idx="minor">
+        <a:schemeClr val="lt1"/>
+      </a:fontRef>
+    </dgm:style>
+  </dgm:styleLbl>
+  <dgm:styleLbl name="asst1">
+    <dgm:scene3d>
+      <a:camera prst="orthographicFront"/>
+      <a:lightRig rig="threePt" dir="t"/>
+    </dgm:scene3d>
+    <dgm:sp3d/>
+    <dgm:txPr/>
+    <dgm:style>
+      <a:lnRef idx="2">
+        <a:scrgbClr r="0" g="0" b="0"/>
+      </a:lnRef>
+      <a:fillRef idx="1">
+        <a:scrgbClr r="0" g="0" b="0"/>
+      </a:fillRef>
+      <a:effectRef idx="0">
+        <a:scrgbClr r="0" g="0" b="0"/>
+      </a:effectRef>
+      <a:fontRef idx="minor">
+        <a:schemeClr val="lt1"/>
+      </a:fontRef>
+    </dgm:style>
+  </dgm:styleLbl>
+  <dgm:styleLbl name="asst2">
+    <dgm:scene3d>
+      <a:camera prst="orthographicFront"/>
+      <a:lightRig rig="threePt" dir="t"/>
+    </dgm:scene3d>
+    <dgm:sp3d/>
+    <dgm:txPr/>
+    <dgm:style>
+      <a:lnRef idx="2">
+        <a:scrgbClr r="0" g="0" b="0"/>
+      </a:lnRef>
+      <a:fillRef idx="1">
+        <a:scrgbClr r="0" g="0" b="0"/>
+      </a:fillRef>
+      <a:effectRef idx="0">
+        <a:scrgbClr r="0" g="0" b="0"/>
+      </a:effectRef>
+      <a:fontRef idx="minor">
+        <a:schemeClr val="lt1"/>
+      </a:fontRef>
+    </dgm:style>
+  </dgm:styleLbl>
+  <dgm:styleLbl name="asst3">
+    <dgm:scene3d>
+      <a:camera prst="orthographicFront"/>
+      <a:lightRig rig="threePt" dir="t"/>
+    </dgm:scene3d>
+    <dgm:sp3d/>
+    <dgm:txPr/>
+    <dgm:style>
+      <a:lnRef idx="2">
+        <a:scrgbClr r="0" g="0" b="0"/>
+      </a:lnRef>
+      <a:fillRef idx="1">
+        <a:scrgbClr r="0" g="0" b="0"/>
+      </a:fillRef>
+      <a:effectRef idx="0">
+        <a:scrgbClr r="0" g="0" b="0"/>
+      </a:effectRef>
+      <a:fontRef idx="minor">
+        <a:schemeClr val="lt1"/>
+      </a:fontRef>
+    </dgm:style>
+  </dgm:styleLbl>
+  <dgm:styleLbl name="asst4">
+    <dgm:scene3d>
+      <a:camera prst="orthographicFront"/>
+      <a:lightRig rig="threePt" dir="t"/>
+    </dgm:scene3d>
+    <dgm:sp3d/>
+    <dgm:txPr/>
+    <dgm:style>
+      <a:lnRef idx="2">
+        <a:scrgbClr r="0" g="0" b="0"/>
+      </a:lnRef>
+      <a:fillRef idx="1">
+        <a:scrgbClr r="0" g="0" b="0"/>
+      </a:fillRef>
+      <a:effectRef idx="0">
+        <a:scrgbClr r="0" g="0" b="0"/>
+      </a:effectRef>
+      <a:fontRef idx="minor">
+        <a:schemeClr val="lt1"/>
+      </a:fontRef>
+    </dgm:style>
+  </dgm:styleLbl>
+  <dgm:styleLbl name="parChTrans2D1">
+    <dgm:scene3d>
+      <a:camera prst="orthographicFront"/>
+      <a:lightRig rig="threePt" dir="t"/>
+    </dgm:scene3d>
+    <dgm:sp3d/>
+    <dgm:txPr/>
+    <dgm:style>
+      <a:lnRef idx="2">
+        <a:scrgbClr r="0" g="0" b="0"/>
+      </a:lnRef>
+      <a:fillRef idx="1">
+        <a:scrgbClr r="0" g="0" b="0"/>
+      </a:fillRef>
+      <a:effectRef idx="0">
+        <a:scrgbClr r="0" g="0" b="0"/>
+      </a:effectRef>
+      <a:fontRef idx="minor">
+        <a:schemeClr val="lt1"/>
+      </a:fontRef>
+    </dgm:style>
+  </dgm:styleLbl>
+  <dgm:styleLbl name="parChTrans2D2">
+    <dgm:scene3d>
+      <a:camera prst="orthographicFront"/>
+      <a:lightRig rig="threePt" dir="t"/>
+    </dgm:scene3d>
+    <dgm:sp3d/>
+    <dgm:txPr/>
+    <dgm:style>
+      <a:lnRef idx="2">
+        <a:scrgbClr r="0" g="0" b="0"/>
+      </a:lnRef>
+      <a:fillRef idx="1">
+        <a:scrgbClr r="0" g="0" b="0"/>
+      </a:fillRef>
+      <a:effectRef idx="0">
+        <a:scrgbClr r="0" g="0" b="0"/>
+      </a:effectRef>
+      <a:fontRef idx="minor">
+        <a:schemeClr val="lt1"/>
+      </a:fontRef>
+    </dgm:style>
+  </dgm:styleLbl>
+  <dgm:styleLbl name="parChTrans2D3">
+    <dgm:scene3d>
+      <a:camera prst="orthographicFront"/>
+      <a:lightRig rig="threePt" dir="t"/>
+    </dgm:scene3d>
+    <dgm:sp3d/>
+    <dgm:txPr/>
+    <dgm:style>
+      <a:lnRef idx="2">
+        <a:scrgbClr r="0" g="0" b="0"/>
+      </a:lnRef>
+      <a:fillRef idx="1">
+        <a:scrgbClr r="0" g="0" b="0"/>
+      </a:fillRef>
+      <a:effectRef idx="0">
+        <a:scrgbClr r="0" g="0" b="0"/>
+      </a:effectRef>
+      <a:fontRef idx="minor">
+        <a:schemeClr val="lt1"/>
+      </a:fontRef>
+    </dgm:style>
+  </dgm:styleLbl>
+  <dgm:styleLbl name="parChTrans2D4">
+    <dgm:scene3d>
+      <a:camera prst="orthographicFront"/>
+      <a:lightRig rig="threePt" dir="t"/>
+    </dgm:scene3d>
+    <dgm:sp3d/>
+    <dgm:txPr/>
+    <dgm:style>
+      <a:lnRef idx="2">
+        <a:scrgbClr r="0" g="0" b="0"/>
+      </a:lnRef>
+      <a:fillRef idx="1">
+        <a:scrgbClr r="0" g="0" b="0"/>
+      </a:fillRef>
+      <a:effectRef idx="0">
+        <a:scrgbClr r="0" g="0" b="0"/>
+      </a:effectRef>
+      <a:fontRef idx="minor">
+        <a:schemeClr val="lt1"/>
+      </a:fontRef>
+    </dgm:style>
+  </dgm:styleLbl>
+  <dgm:styleLbl name="parChTrans1D1">
+    <dgm:scene3d>
+      <a:camera prst="orthographicFront"/>
+      <a:lightRig rig="threePt" dir="t"/>
+    </dgm:scene3d>
+    <dgm:sp3d/>
+    <dgm:txPr/>
+    <dgm:style>
+      <a:lnRef idx="2">
+        <a:scrgbClr r="0" g="0" b="0"/>
+      </a:lnRef>
+      <a:fillRef idx="0">
+        <a:scrgbClr r="0" g="0" b="0"/>
+      </a:fillRef>
+      <a:effectRef idx="0">
+        <a:scrgbClr r="0" g="0" b="0"/>
+      </a:effectRef>
+      <a:fontRef idx="minor"/>
+    </dgm:style>
+  </dgm:styleLbl>
+  <dgm:styleLbl name="parChTrans1D2">
+    <dgm:scene3d>
+      <a:camera prst="orthographicFront"/>
+      <a:lightRig rig="threePt" dir="t"/>
+    </dgm:scene3d>
+    <dgm:sp3d/>
+    <dgm:txPr/>
+    <dgm:style>
+      <a:lnRef idx="2">
+        <a:scrgbClr r="0" g="0" b="0"/>
+      </a:lnRef>
+      <a:fillRef idx="0">
+        <a:scrgbClr r="0" g="0" b="0"/>
+      </a:fillRef>
+      <a:effectRef idx="0">
+        <a:scrgbClr r="0" g="0" b="0"/>
+      </a:effectRef>
+      <a:fontRef idx="minor"/>
+    </dgm:style>
+  </dgm:styleLbl>
+  <dgm:styleLbl name="parChTrans1D3">
+    <dgm:scene3d>
+      <a:camera prst="orthographicFront"/>
+      <a:lightRig rig="threePt" dir="t"/>
+    </dgm:scene3d>
+    <dgm:sp3d/>
+    <dgm:txPr/>
+    <dgm:style>
+      <a:lnRef idx="2">
+        <a:scrgbClr r="0" g="0" b="0"/>
+      </a:lnRef>
+      <a:fillRef idx="0">
+        <a:scrgbClr r="0" g="0" b="0"/>
+      </a:fillRef>
+      <a:effectRef idx="0">
+        <a:scrgbClr r="0" g="0" b="0"/>
+      </a:effectRef>
+      <a:fontRef idx="minor"/>
+    </dgm:style>
+  </dgm:styleLbl>
+  <dgm:styleLbl name="parChTrans1D4">
+    <dgm:scene3d>
+      <a:camera prst="orthographicFront"/>
+      <a:lightRig rig="threePt" dir="t"/>
+    </dgm:scene3d>
+    <dgm:sp3d/>
+    <dgm:txPr/>
+    <dgm:style>
+      <a:lnRef idx="2">
+        <a:scrgbClr r="0" g="0" b="0"/>
+      </a:lnRef>
+      <a:fillRef idx="0">
+        <a:scrgbClr r="0" g="0" b="0"/>
+      </a:fillRef>
+      <a:effectRef idx="0">
+        <a:scrgbClr r="0" g="0" b="0"/>
+      </a:effectRef>
+      <a:fontRef idx="minor"/>
+    </dgm:style>
+  </dgm:styleLbl>
+  <dgm:styleLbl name="fgAcc1">
+    <dgm:scene3d>
+      <a:camera prst="orthographicFront"/>
+      <a:lightRig rig="threePt" dir="t"/>
+    </dgm:scene3d>
+    <dgm:sp3d/>
+    <dgm:txPr/>
+    <dgm:style>
+      <a:lnRef idx="2">
+        <a:scrgbClr r="0" g="0" b="0"/>
+      </a:lnRef>
+      <a:fillRef idx="1">
+        <a:scrgbClr r="0" g="0" b="0"/>
+      </a:fillRef>
+      <a:effectRef idx="0">
+        <a:scrgbClr r="0" g="0" b="0"/>
+      </a:effectRef>
+      <a:fontRef idx="minor"/>
+    </dgm:style>
+  </dgm:styleLbl>
+  <dgm:styleLbl name="conFgAcc1">
+    <dgm:scene3d>
+      <a:camera prst="orthographicFront"/>
+      <a:lightRig rig="threePt" dir="t"/>
+    </dgm:scene3d>
+    <dgm:sp3d/>
+    <dgm:txPr/>
+    <dgm:style>
+      <a:lnRef idx="2">
+        <a:scrgbClr r="0" g="0" b="0"/>
+      </a:lnRef>
+      <a:fillRef idx="1">
+        <a:scrgbClr r="0" g="0" b="0"/>
+      </a:fillRef>
+      <a:effectRef idx="0">
+        <a:scrgbClr r="0" g="0" b="0"/>
+      </a:effectRef>
+      <a:fontRef idx="minor"/>
+    </dgm:style>
+  </dgm:styleLbl>
+  <dgm:styleLbl name="alignAcc1">
+    <dgm:scene3d>
+      <a:camera prst="orthographicFront"/>
+      <a:lightRig rig="threePt" dir="t"/>
+    </dgm:scene3d>
+    <dgm:sp3d/>
+    <dgm:txPr/>
+    <dgm:style>
+      <a:lnRef idx="2">
+        <a:scrgbClr r="0" g="0" b="0"/>
+      </a:lnRef>
+      <a:fillRef idx="1">
+        <a:scrgbClr r="0" g="0" b="0"/>
+      </a:fillRef>
+      <a:effectRef idx="0">
+        <a:scrgbClr r="0" g="0" b="0"/>
+      </a:effectRef>
+      <a:fontRef idx="minor"/>
+    </dgm:style>
+  </dgm:styleLbl>
+  <dgm:styleLbl name="trAlignAcc1">
+    <dgm:scene3d>
+      <a:camera prst="orthographicFront"/>
+      <a:lightRig rig="threePt" dir="t"/>
+    </dgm:scene3d>
+    <dgm:sp3d/>
+    <dgm:txPr/>
+    <dgm:style>
+      <a:lnRef idx="1">
+        <a:scrgbClr r="0" g="0" b="0"/>
+      </a:lnRef>
+      <a:fillRef idx="1">
+        <a:scrgbClr r="0" g="0" b="0"/>
+      </a:fillRef>
+      <a:effectRef idx="0">
+        <a:scrgbClr r="0" g="0" b="0"/>
+      </a:effectRef>
+      <a:fontRef idx="minor"/>
+    </dgm:style>
+  </dgm:styleLbl>
+  <dgm:styleLbl name="bgAcc1">
+    <dgm:scene3d>
+      <a:camera prst="orthographicFront"/>
+      <a:lightRig rig="threePt" dir="t"/>
+    </dgm:scene3d>
+    <dgm:sp3d/>
+    <dgm:txPr/>
+    <dgm:style>
+      <a:lnRef idx="2">
+        <a:scrgbClr r="0" g="0" b="0"/>
+      </a:lnRef>
+      <a:fillRef idx="1">
+        <a:scrgbClr r="0" g="0" b="0"/>
+      </a:fillRef>
+      <a:effectRef idx="0">
+        <a:scrgbClr r="0" g="0" b="0"/>
+      </a:effectRef>
+      <a:fontRef idx="minor"/>
+    </dgm:style>
+  </dgm:styleLbl>
+  <dgm:styleLbl name="solidFgAcc1">
+    <dgm:scene3d>
+      <a:camera prst="orthographicFront"/>
+      <a:lightRig rig="threePt" dir="t"/>
+    </dgm:scene3d>
+    <dgm:sp3d/>
+    <dgm:txPr/>
+    <dgm:style>
+      <a:lnRef idx="2">
+        <a:scrgbClr r="0" g="0" b="0"/>
+      </a:lnRef>
+      <a:fillRef idx="1">
+        <a:scrgbClr r="0" g="0" b="0"/>
+      </a:fillRef>
+      <a:effectRef idx="0">
+        <a:scrgbClr r="0" g="0" b="0"/>
+      </a:effectRef>
+      <a:fontRef idx="minor"/>
+    </dgm:style>
+  </dgm:styleLbl>
+  <dgm:styleLbl name="solidAlignAcc1">
+    <dgm:scene3d>
+      <a:camera prst="orthographicFront"/>
+      <a:lightRig rig="threePt" dir="t"/>
+    </dgm:scene3d>
+    <dgm:sp3d/>
+    <dgm:txPr/>
+    <dgm:style>
+      <a:lnRef idx="2">
+        <a:scrgbClr r="0" g="0" b="0"/>
+      </a:lnRef>
+      <a:fillRef idx="1">
+        <a:scrgbClr r="0" g="0" b="0"/>
+      </a:fillRef>
+      <a:effectRef idx="0">
+        <a:scrgbClr r="0" g="0" b="0"/>
+      </a:effectRef>
+      <a:fontRef idx="minor"/>
+    </dgm:style>
+  </dgm:styleLbl>
+  <dgm:styleLbl name="solidBgAcc1">
+    <dgm:scene3d>
+      <a:camera prst="orthographicFront"/>
+      <a:lightRig rig="threePt" dir="t"/>
+    </dgm:scene3d>
+    <dgm:sp3d/>
+    <dgm:txPr/>
+    <dgm:style>
+      <a:lnRef idx="2">
+        <a:scrgbClr r="0" g="0" b="0"/>
+      </a:lnRef>
+      <a:fillRef idx="1">
+        <a:scrgbClr r="0" g="0" b="0"/>
+      </a:fillRef>
+      <a:effectRef idx="0">
+        <a:scrgbClr r="0" g="0" b="0"/>
+      </a:effectRef>
+      <a:fontRef idx="minor"/>
+    </dgm:style>
+  </dgm:styleLbl>
+  <dgm:styleLbl name="fgAccFollowNode1">
+    <dgm:scene3d>
+      <a:camera prst="orthographicFront"/>
+      <a:lightRig rig="threePt" dir="t"/>
+    </dgm:scene3d>
+    <dgm:sp3d/>
+    <dgm:txPr/>
+    <dgm:style>
+      <a:lnRef idx="2">
+        <a:scrgbClr r="0" g="0" b="0"/>
+      </a:lnRef>
+      <a:fillRef idx="1">
+        <a:scrgbClr r="0" g="0" b="0"/>
+      </a:fillRef>
+      <a:effectRef idx="0">
+        <a:scrgbClr r="0" g="0" b="0"/>
+      </a:effectRef>
+      <a:fontRef idx="minor"/>
+    </dgm:style>
+  </dgm:styleLbl>
+  <dgm:styleLbl name="alignAccFollowNode1">
+    <dgm:scene3d>
+      <a:camera prst="orthographicFront"/>
+      <a:lightRig rig="threePt" dir="t"/>
+    </dgm:scene3d>
+    <dgm:sp3d/>
+    <dgm:txPr/>
+    <dgm:style>
+      <a:lnRef idx="2">
+        <a:scrgbClr r="0" g="0" b="0"/>
+      </a:lnRef>
+      <a:fillRef idx="1">
+        <a:scrgbClr r="0" g="0" b="0"/>
+      </a:fillRef>
+      <a:effectRef idx="0">
+        <a:scrgbClr r="0" g="0" b="0"/>
+      </a:effectRef>
+      <a:fontRef idx="minor"/>
+    </dgm:style>
+  </dgm:styleLbl>
+  <dgm:styleLbl name="bgAccFollowNode1">
+    <dgm:scene3d>
+      <a:camera prst="orthographicFront"/>
+      <a:lightRig rig="threePt" dir="t"/>
+    </dgm:scene3d>
+    <dgm:sp3d/>
+    <dgm:txPr/>
+    <dgm:style>
+      <a:lnRef idx="2">
+        <a:scrgbClr r="0" g="0" b="0"/>
+      </a:lnRef>
+      <a:fillRef idx="1">
+        <a:scrgbClr r="0" g="0" b="0"/>
+      </a:fillRef>
+      <a:effectRef idx="0">
+        <a:scrgbClr r="0" g="0" b="0"/>
+      </a:effectRef>
+      <a:fontRef idx="minor"/>
+    </dgm:style>
+  </dgm:styleLbl>
+  <dgm:styleLbl name="fgAcc0">
+    <dgm:scene3d>
+      <a:camera prst="orthographicFront"/>
+      <a:lightRig rig="threePt" dir="t"/>
+    </dgm:scene3d>
+    <dgm:sp3d/>
+    <dgm:txPr/>
+    <dgm:style>
+      <a:lnRef idx="2">
+        <a:scrgbClr r="0" g="0" b="0"/>
+      </a:lnRef>
+      <a:fillRef idx="1">
+        <a:scrgbClr r="0" g="0" b="0"/>
+      </a:fillRef>
+      <a:effectRef idx="0">
+        <a:scrgbClr r="0" g="0" b="0"/>
+      </a:effectRef>
+      <a:fontRef idx="minor"/>
+    </dgm:style>
+  </dgm:styleLbl>
+  <dgm:styleLbl name="fgAcc2">
+    <dgm:scene3d>
+      <a:camera prst="orthographicFront"/>
+      <a:lightRig rig="threePt" dir="t"/>
+    </dgm:scene3d>
+    <dgm:sp3d/>
+    <dgm:txPr/>
+    <dgm:style>
+      <a:lnRef idx="2">
+        <a:scrgbClr r="0" g="0" b="0"/>
+      </a:lnRef>
+      <a:fillRef idx="1">
+        <a:scrgbClr r="0" g="0" b="0"/>
+      </a:fillRef>
+      <a:effectRef idx="0">
+        <a:scrgbClr r="0" g="0" b="0"/>
+      </a:effectRef>
+      <a:fontRef idx="minor"/>
+    </dgm:style>
+  </dgm:styleLbl>
+  <dgm:styleLbl name="fgAcc3">
+    <dgm:scene3d>
+      <a:camera prst="orthographicFront"/>
+      <a:lightRig rig="threePt" dir="t"/>
+    </dgm:scene3d>
+    <dgm:sp3d/>
+    <dgm:txPr/>
+    <dgm:style>
+      <a:lnRef idx="2">
+        <a:scrgbClr r="0" g="0" b="0"/>
+      </a:lnRef>
+      <a:fillRef idx="1">
+        <a:scrgbClr r="0" g="0" b="0"/>
+      </a:fillRef>
+      <a:effectRef idx="0">
+        <a:scrgbClr r="0" g="0" b="0"/>
+      </a:effectRef>
+      <a:fontRef idx="minor"/>
+    </dgm:style>
+  </dgm:styleLbl>
+  <dgm:styleLbl name="fgAcc4">
+    <dgm:scene3d>
+      <a:camera prst="orthographicFront"/>
+      <a:lightRig rig="threePt" dir="t"/>
+    </dgm:scene3d>
+    <dgm:sp3d/>
+    <dgm:txPr/>
+    <dgm:style>
+      <a:lnRef idx="2">
+        <a:scrgbClr r="0" g="0" b="0"/>
+      </a:lnRef>
+      <a:fillRef idx="1">
+        <a:scrgbClr r="0" g="0" b="0"/>
+      </a:fillRef>
+      <a:effectRef idx="0">
+        <a:scrgbClr r="0" g="0" b="0"/>
+      </a:effectRef>
+      <a:fontRef idx="minor"/>
+    </dgm:style>
+  </dgm:styleLbl>
+  <dgm:styleLbl name="bgShp">
+    <dgm:scene3d>
+      <a:camera prst="orthographicFront"/>
+      <a:lightRig rig="threePt" dir="t"/>
+    </dgm:scene3d>
+    <dgm:sp3d/>
+    <dgm:txPr/>
+    <dgm:style>
+      <a:lnRef idx="0">
+        <a:scrgbClr r="0" g="0" b="0"/>
+      </a:lnRef>
+      <a:fillRef idx="1">
+        <a:scrgbClr r="0" g="0" b="0"/>
+      </a:fillRef>
+      <a:effectRef idx="0">
+        <a:scrgbClr r="0" g="0" b="0"/>
+      </a:effectRef>
+      <a:fontRef idx="minor"/>
+    </dgm:style>
+  </dgm:styleLbl>
+  <dgm:styleLbl name="dkBgShp">
+    <dgm:scene3d>
+      <a:camera prst="orthographicFront"/>
+      <a:lightRig rig="threePt" dir="t"/>
+    </dgm:scene3d>
+    <dgm:sp3d/>
+    <dgm:txPr/>
+    <dgm:style>
+      <a:lnRef idx="0">
+        <a:scrgbClr r="0" g="0" b="0"/>
+      </a:lnRef>
+      <a:fillRef idx="1">
+        <a:scrgbClr r="0" g="0" b="0"/>
+      </a:fillRef>
+      <a:effectRef idx="0">
+        <a:scrgbClr r="0" g="0" b="0"/>
+      </a:effectRef>
+      <a:fontRef idx="minor"/>
+    </dgm:style>
+  </dgm:styleLbl>
+  <dgm:styleLbl name="trBgShp">
+    <dgm:scene3d>
+      <a:camera prst="orthographicFront"/>
+      <a:lightRig rig="threePt" dir="t"/>
+    </dgm:scene3d>
+    <dgm:sp3d/>
+    <dgm:txPr/>
+    <dgm:style>
+      <a:lnRef idx="0">
+        <a:scrgbClr r="0" g="0" b="0"/>
+      </a:lnRef>
+      <a:fillRef idx="1">
+        <a:scrgbClr r="0" g="0" b="0"/>
+      </a:fillRef>
+      <a:effectRef idx="0">
+        <a:scrgbClr r="0" g="0" b="0"/>
+      </a:effectRef>
+      <a:fontRef idx="minor"/>
+    </dgm:style>
+  </dgm:styleLbl>
+  <dgm:styleLbl name="fgShp">
+    <dgm:scene3d>
+      <a:camera prst="orthographicFront"/>
+      <a:lightRig rig="threePt" dir="t"/>
+    </dgm:scene3d>
+    <dgm:sp3d/>
+    <dgm:txPr/>
+    <dgm:style>
+      <a:lnRef idx="2">
+        <a:scrgbClr r="0" g="0" b="0"/>
+      </a:lnRef>
+      <a:fillRef idx="1">
+        <a:scrgbClr r="0" g="0" b="0"/>
+      </a:fillRef>
+      <a:effectRef idx="0">
+        <a:scrgbClr r="0" g="0" b="0"/>
+      </a:effectRef>
+      <a:fontRef idx="minor"/>
+    </dgm:style>
+  </dgm:styleLbl>
+  <dgm:styleLbl name="revTx">
+    <dgm:scene3d>
+      <a:camera prst="orthographicFront"/>
+      <a:lightRig rig="threePt" dir="t"/>
+    </dgm:scene3d>
+    <dgm:sp3d/>
+    <dgm:txPr/>
+    <dgm:style>
+      <a:lnRef idx="0">
+        <a:scrgbClr r="0" g="0" b="0"/>
+      </a:lnRef>
+      <a:fillRef idx="0">
+        <a:scrgbClr r="0" g="0" b="0"/>
+      </a:fillRef>
+      <a:effectRef idx="0">
+        <a:scrgbClr r="0" g="0" b="0"/>
+      </a:effectRef>
+      <a:fontRef idx="minor"/>
+    </dgm:style>
+  </dgm:styleLbl>
+</dgm:styleDef>
+</file>
+
 <file path=ppt/handoutMasters/handoutMaster1.xml><?xml version="1.0" encoding="utf-8"?>
 <p:handoutMaster xmlns:a="http://schemas.openxmlformats.org/drawingml/2006/main" xmlns:r="http://schemas.openxmlformats.org/officeDocument/2006/relationships" xmlns:p="http://schemas.openxmlformats.org/presentationml/2006/main">
   <p:cSld>
@@ -226,7 +6958,7 @@
           <a:p>
             <a:fld id="{23CEAAF3-9831-450B-8D59-2C09DB96C8FC}" type="datetimeFigureOut">
               <a:rPr lang="en-US"/>
-              <a:t>6/14/2021</a:t>
+              <a:t>6/15/2021</a:t>
             </a:fld>
             <a:endParaRPr/>
           </a:p>
@@ -391,7 +7123,7 @@
           <a:p>
             <a:fld id="{2D50CD79-FC16-4410-AB61-17F26E6D3BC8}" type="datetimeFigureOut">
               <a:rPr lang="en-US"/>
-              <a:t>6/14/2021</a:t>
+              <a:t>6/15/2021</a:t>
             </a:fld>
             <a:endParaRPr/>
           </a:p>
@@ -1033,7 +7765,7 @@
             <a:fld id="{402B9795-92DC-40DC-A1CA-9A4B349D7824}" type="datetimeFigureOut">
               <a:rPr lang="en-US" smtClean="0"/>
               <a:pPr/>
-              <a:t>6/14/2021</a:t>
+              <a:t>6/15/2021</a:t>
             </a:fld>
             <a:endParaRPr lang="en-US" dirty="0"/>
           </a:p>
@@ -1327,7 +8059,7 @@
           <a:p>
             <a:fld id="{402B9795-92DC-40DC-A1CA-9A4B349D7824}" type="datetimeFigureOut">
               <a:rPr lang="en-US"/>
-              <a:t>6/14/2021</a:t>
+              <a:t>6/15/2021</a:t>
             </a:fld>
             <a:endParaRPr/>
           </a:p>
@@ -1509,7 +8241,7 @@
           <a:p>
             <a:fld id="{402B9795-92DC-40DC-A1CA-9A4B349D7824}" type="datetimeFigureOut">
               <a:rPr lang="en-US"/>
-              <a:t>6/14/2021</a:t>
+              <a:t>6/15/2021</a:t>
             </a:fld>
             <a:endParaRPr/>
           </a:p>
@@ -1701,7 +8433,7 @@
           <a:p>
             <a:fld id="{402B9795-92DC-40DC-A1CA-9A4B349D7824}" type="datetimeFigureOut">
               <a:rPr lang="en-US"/>
-              <a:t>6/14/2021</a:t>
+              <a:t>6/15/2021</a:t>
             </a:fld>
             <a:endParaRPr/>
           </a:p>
@@ -1970,7 +8702,7 @@
           <a:p>
             <a:fld id="{402B9795-92DC-40DC-A1CA-9A4B349D7824}" type="datetimeFigureOut">
               <a:rPr lang="en-US"/>
-              <a:t>6/14/2021</a:t>
+              <a:t>6/15/2021</a:t>
             </a:fld>
             <a:endParaRPr/>
           </a:p>
@@ -2999,7 +9731,7 @@
           <a:p>
             <a:fld id="{402B9795-92DC-40DC-A1CA-9A4B349D7824}" type="datetimeFigureOut">
               <a:rPr lang="en-US"/>
-              <a:t>6/14/2021</a:t>
+              <a:t>6/15/2021</a:t>
             </a:fld>
             <a:endParaRPr/>
           </a:p>
@@ -3272,7 +10004,7 @@
           <a:p>
             <a:fld id="{402B9795-92DC-40DC-A1CA-9A4B349D7824}" type="datetimeFigureOut">
               <a:rPr lang="en-US"/>
-              <a:t>6/14/2021</a:t>
+              <a:t>6/15/2021</a:t>
             </a:fld>
             <a:endParaRPr/>
           </a:p>
@@ -3652,7 +10384,7 @@
           <a:p>
             <a:fld id="{402B9795-92DC-40DC-A1CA-9A4B349D7824}" type="datetimeFigureOut">
               <a:rPr lang="en-US"/>
-              <a:t>6/14/2021</a:t>
+              <a:t>6/15/2021</a:t>
             </a:fld>
             <a:endParaRPr/>
           </a:p>
@@ -3782,7 +10514,7 @@
           <a:p>
             <a:fld id="{402B9795-92DC-40DC-A1CA-9A4B349D7824}" type="datetimeFigureOut">
               <a:rPr lang="en-US"/>
-              <a:t>6/14/2021</a:t>
+              <a:t>6/15/2021</a:t>
             </a:fld>
             <a:endParaRPr/>
           </a:p>
@@ -3889,7 +10621,7 @@
           <a:p>
             <a:fld id="{402B9795-92DC-40DC-A1CA-9A4B349D7824}" type="datetimeFigureOut">
               <a:rPr lang="en-US"/>
-              <a:t>6/14/2021</a:t>
+              <a:t>6/15/2021</a:t>
             </a:fld>
             <a:endParaRPr/>
           </a:p>
@@ -4180,7 +10912,7 @@
           <a:p>
             <a:fld id="{402B9795-92DC-40DC-A1CA-9A4B349D7824}" type="datetimeFigureOut">
               <a:rPr lang="en-US"/>
-              <a:t>6/14/2021</a:t>
+              <a:t>6/15/2021</a:t>
             </a:fld>
             <a:endParaRPr/>
           </a:p>
@@ -4406,7 +11138,7 @@
             <a:fld id="{402B9795-92DC-40DC-A1CA-9A4B349D7824}" type="datetimeFigureOut">
               <a:rPr lang="en-US" smtClean="0"/>
               <a:pPr/>
-              <a:t>6/14/2021</a:t>
+              <a:t>6/15/2021</a:t>
             </a:fld>
             <a:endParaRPr lang="en-US"/>
           </a:p>
@@ -4962,7 +11694,7 @@
           <a:p>
             <a:r>
               <a:rPr lang="en-US" dirty="0"/>
-              <a:t>Union density and OTHER ECONOMIC INDICATORS</a:t>
+              <a:t>Union density its Relationship with OTHER ECONOMIC measurements</a:t>
             </a:r>
           </a:p>
         </p:txBody>
@@ -5018,6 +11750,290 @@
 </file>
 
 <file path=ppt/slides/slide10.xml><?xml version="1.0" encoding="utf-8"?>
+<p:sld xmlns:a="http://schemas.openxmlformats.org/drawingml/2006/main" xmlns:r="http://schemas.openxmlformats.org/officeDocument/2006/relationships" xmlns:p="http://schemas.openxmlformats.org/presentationml/2006/main">
+  <p:cSld>
+    <p:spTree>
+      <p:nvGrpSpPr>
+        <p:cNvPr id="1" name=""/>
+        <p:cNvGrpSpPr/>
+        <p:nvPr/>
+      </p:nvGrpSpPr>
+      <p:grpSpPr>
+        <a:xfrm>
+          <a:off x="0" y="0"/>
+          <a:ext cx="0" cy="0"/>
+          <a:chOff x="0" y="0"/>
+          <a:chExt cx="0" cy="0"/>
+        </a:xfrm>
+      </p:grpSpPr>
+      <p:sp>
+        <p:nvSpPr>
+          <p:cNvPr id="2" name="Title 1"/>
+          <p:cNvSpPr>
+            <a:spLocks noGrp="1"/>
+          </p:cNvSpPr>
+          <p:nvPr>
+            <p:ph type="title"/>
+          </p:nvPr>
+        </p:nvSpPr>
+        <p:spPr>
+          <a:xfrm>
+            <a:off x="1104899" y="2971806"/>
+            <a:ext cx="10071099" cy="1684150"/>
+          </a:xfrm>
+        </p:spPr>
+        <p:txBody>
+          <a:bodyPr anchor="ctr">
+            <a:normAutofit/>
+          </a:bodyPr>
+          <a:lstStyle/>
+          <a:p>
+            <a:r>
+              <a:rPr lang="en-US" dirty="0"/>
+              <a:t>Union Density and GDP</a:t>
+            </a:r>
+          </a:p>
+        </p:txBody>
+      </p:sp>
+    </p:spTree>
+    <p:extLst>
+      <p:ext uri="{BB962C8B-B14F-4D97-AF65-F5344CB8AC3E}">
+        <p14:creationId xmlns:p14="http://schemas.microsoft.com/office/powerpoint/2010/main" val="1315647518"/>
+      </p:ext>
+    </p:extLst>
+  </p:cSld>
+  <p:clrMapOvr>
+    <a:masterClrMapping/>
+  </p:clrMapOvr>
+  <mc:AlternateContent xmlns:mc="http://schemas.openxmlformats.org/markup-compatibility/2006" xmlns:p14="http://schemas.microsoft.com/office/powerpoint/2010/main">
+    <mc:Choice Requires="p14">
+      <p:transition spd="med" p14:dur="700">
+        <p:fade/>
+      </p:transition>
+    </mc:Choice>
+    <mc:Fallback xmlns="">
+      <p:transition spd="med">
+        <p:fade/>
+      </p:transition>
+    </mc:Fallback>
+  </mc:AlternateContent>
+</p:sld>
+</file>
+
+<file path=ppt/slides/slide11.xml><?xml version="1.0" encoding="utf-8"?>
+<p:sld xmlns:a="http://schemas.openxmlformats.org/drawingml/2006/main" xmlns:r="http://schemas.openxmlformats.org/officeDocument/2006/relationships" xmlns:p="http://schemas.openxmlformats.org/presentationml/2006/main">
+  <p:cSld>
+    <p:spTree>
+      <p:nvGrpSpPr>
+        <p:cNvPr id="1" name=""/>
+        <p:cNvGrpSpPr/>
+        <p:nvPr/>
+      </p:nvGrpSpPr>
+      <p:grpSpPr>
+        <a:xfrm>
+          <a:off x="0" y="0"/>
+          <a:ext cx="0" cy="0"/>
+          <a:chOff x="0" y="0"/>
+          <a:chExt cx="0" cy="0"/>
+        </a:xfrm>
+      </p:grpSpPr>
+      <p:sp>
+        <p:nvSpPr>
+          <p:cNvPr id="2" name="Title 1"/>
+          <p:cNvSpPr>
+            <a:spLocks noGrp="1"/>
+          </p:cNvSpPr>
+          <p:nvPr>
+            <p:ph type="title"/>
+          </p:nvPr>
+        </p:nvSpPr>
+        <p:spPr>
+          <a:xfrm>
+            <a:off x="1104900" y="76200"/>
+            <a:ext cx="9980682" cy="1096962"/>
+          </a:xfrm>
+        </p:spPr>
+        <p:txBody>
+          <a:bodyPr vert="horz" lIns="0" tIns="45720" rIns="0" bIns="45720" rtlCol="0" anchor="b">
+            <a:normAutofit/>
+          </a:bodyPr>
+          <a:lstStyle/>
+          <a:p>
+            <a:r>
+              <a:rPr lang="en-US" dirty="0"/>
+              <a:t>Analysis</a:t>
+            </a:r>
+          </a:p>
+        </p:txBody>
+      </p:sp>
+      <p:sp>
+        <p:nvSpPr>
+          <p:cNvPr id="3" name="TextBox 2">
+            <a:extLst>
+              <a:ext uri="{FF2B5EF4-FFF2-40B4-BE49-F238E27FC236}">
+                <a16:creationId xmlns:a16="http://schemas.microsoft.com/office/drawing/2014/main" id="{DF71AE69-30F3-4232-A8F7-0EDAC72DF568}"/>
+              </a:ext>
+            </a:extLst>
+          </p:cNvPr>
+          <p:cNvSpPr txBox="1"/>
+          <p:nvPr/>
+        </p:nvSpPr>
+        <p:spPr>
+          <a:xfrm>
+            <a:off x="1409311" y="1600200"/>
+            <a:ext cx="9373378" cy="844037"/>
+          </a:xfrm>
+          <a:prstGeom prst="rect">
+            <a:avLst/>
+          </a:prstGeom>
+        </p:spPr>
+        <p:txBody>
+          <a:bodyPr vert="horz" lIns="0" tIns="45720" rIns="0" bIns="45720" rtlCol="0">
+            <a:normAutofit/>
+          </a:bodyPr>
+          <a:lstStyle/>
+          <a:p>
+            <a:pPr>
+              <a:lnSpc>
+                <a:spcPct val="90000"/>
+              </a:lnSpc>
+              <a:spcBef>
+                <a:spcPts val="1200"/>
+              </a:spcBef>
+            </a:pPr>
+            <a:r>
+              <a:rPr lang="en-US" kern="1200" dirty="0">
+                <a:latin typeface="+mn-lt"/>
+                <a:ea typeface="+mn-ea"/>
+                <a:cs typeface="+mn-cs"/>
+              </a:rPr>
+              <a:t>A linear regression analysis of GDP and Union Density indicates a weak positive correlation (</a:t>
+            </a:r>
+            <a:r>
+              <a:rPr lang="en-US" kern="1200" dirty="0" err="1">
+                <a:latin typeface="+mn-lt"/>
+                <a:ea typeface="+mn-ea"/>
+                <a:cs typeface="+mn-cs"/>
+              </a:rPr>
+              <a:t>r-value</a:t>
+            </a:r>
+            <a:r>
+              <a:rPr lang="en-US" kern="1200" dirty="0">
+                <a:latin typeface="+mn-lt"/>
+                <a:ea typeface="+mn-ea"/>
+                <a:cs typeface="+mn-cs"/>
+              </a:rPr>
+              <a:t> = .36) between Union Density on the x-axis, and GDP on the y-axis.</a:t>
+            </a:r>
+          </a:p>
+        </p:txBody>
+      </p:sp>
+      <p:pic>
+        <p:nvPicPr>
+          <p:cNvPr id="5" name="Picture 4" descr="Chart, scatter chart&#10;&#10;Description automatically generated">
+            <a:extLst>
+              <a:ext uri="{FF2B5EF4-FFF2-40B4-BE49-F238E27FC236}">
+                <a16:creationId xmlns:a16="http://schemas.microsoft.com/office/drawing/2014/main" id="{534A769F-63E5-49A4-82CA-54629A902C4B}"/>
+              </a:ext>
+            </a:extLst>
+          </p:cNvPr>
+          <p:cNvPicPr>
+            <a:picLocks noChangeAspect="1"/>
+          </p:cNvPicPr>
+          <p:nvPr/>
+        </p:nvPicPr>
+        <p:blipFill>
+          <a:blip r:embed="rId2">
+            <a:extLst>
+              <a:ext uri="{28A0092B-C50C-407E-A947-70E740481C1C}">
+                <a14:useLocalDpi xmlns:a14="http://schemas.microsoft.com/office/drawing/2010/main" val="0"/>
+              </a:ext>
+            </a:extLst>
+          </a:blip>
+          <a:stretch>
+            <a:fillRect/>
+          </a:stretch>
+        </p:blipFill>
+        <p:spPr>
+          <a:xfrm>
+            <a:off x="2393212" y="1744825"/>
+            <a:ext cx="7405577" cy="4943222"/>
+          </a:xfrm>
+          <a:prstGeom prst="rect">
+            <a:avLst/>
+          </a:prstGeom>
+          <a:noFill/>
+        </p:spPr>
+      </p:pic>
+      <p:sp>
+        <p:nvSpPr>
+          <p:cNvPr id="8" name="TextBox 7">
+            <a:extLst>
+              <a:ext uri="{FF2B5EF4-FFF2-40B4-BE49-F238E27FC236}">
+                <a16:creationId xmlns:a16="http://schemas.microsoft.com/office/drawing/2014/main" id="{598D689D-C59E-4DF2-8E34-9FE93D27522B}"/>
+              </a:ext>
+            </a:extLst>
+          </p:cNvPr>
+          <p:cNvSpPr txBox="1"/>
+          <p:nvPr/>
+        </p:nvSpPr>
+        <p:spPr>
+          <a:xfrm>
+            <a:off x="1104900" y="1362269"/>
+            <a:ext cx="9980682" cy="844037"/>
+          </a:xfrm>
+          <a:prstGeom prst="rect">
+            <a:avLst/>
+          </a:prstGeom>
+        </p:spPr>
+        <p:txBody>
+          <a:bodyPr vert="horz" lIns="0" tIns="45720" rIns="0" bIns="45720" rtlCol="0">
+            <a:normAutofit/>
+          </a:bodyPr>
+          <a:lstStyle/>
+          <a:p>
+            <a:pPr>
+              <a:lnSpc>
+                <a:spcPct val="90000"/>
+              </a:lnSpc>
+              <a:spcBef>
+                <a:spcPts val="1200"/>
+              </a:spcBef>
+            </a:pPr>
+            <a:endParaRPr lang="en-US" kern="1200" dirty="0">
+              <a:latin typeface="+mn-lt"/>
+              <a:ea typeface="+mn-ea"/>
+              <a:cs typeface="+mn-cs"/>
+            </a:endParaRPr>
+          </a:p>
+        </p:txBody>
+      </p:sp>
+    </p:spTree>
+    <p:extLst>
+      <p:ext uri="{BB962C8B-B14F-4D97-AF65-F5344CB8AC3E}">
+        <p14:creationId xmlns:p14="http://schemas.microsoft.com/office/powerpoint/2010/main" val="3882789794"/>
+      </p:ext>
+    </p:extLst>
+  </p:cSld>
+  <p:clrMapOvr>
+    <a:masterClrMapping/>
+  </p:clrMapOvr>
+  <mc:AlternateContent xmlns:mc="http://schemas.openxmlformats.org/markup-compatibility/2006" xmlns:p14="http://schemas.microsoft.com/office/powerpoint/2010/main">
+    <mc:Choice Requires="p14">
+      <p:transition spd="med" p14:dur="700">
+        <p:fade/>
+      </p:transition>
+    </mc:Choice>
+    <mc:Fallback xmlns="">
+      <p:transition spd="med">
+        <p:fade/>
+      </p:transition>
+    </mc:Fallback>
+  </mc:AlternateContent>
+</p:sld>
+</file>
+
+<file path=ppt/slides/slide12.xml><?xml version="1.0" encoding="utf-8"?>
 <p:sld xmlns:a="http://schemas.openxmlformats.org/drawingml/2006/main" xmlns:r="http://schemas.openxmlformats.org/officeDocument/2006/relationships" xmlns:p="http://schemas.openxmlformats.org/presentationml/2006/main">
   <p:cSld>
     <p:spTree>
@@ -5104,23 +12120,7 @@
                 <a:ea typeface="+mn-ea"/>
                 <a:cs typeface="+mn-cs"/>
               </a:rPr>
-              <a:t>When the countries are separated into regions, one can see a moderate positive correlation in the Western countries, but interestingly, a weak negative correlation in the </a:t>
-            </a:r>
-            <a:r>
-              <a:rPr lang="en-US" kern="1200" dirty="0" err="1">
-                <a:latin typeface="+mn-lt"/>
-                <a:ea typeface="+mn-ea"/>
-                <a:cs typeface="+mn-cs"/>
-              </a:rPr>
-              <a:t>Scandanavian</a:t>
-            </a:r>
-            <a:r>
-              <a:rPr lang="en-US" kern="1200" dirty="0">
-                <a:latin typeface="+mn-lt"/>
-                <a:ea typeface="+mn-ea"/>
-                <a:cs typeface="+mn-cs"/>
-              </a:rPr>
-              <a:t> countries.</a:t>
+              <a:t>When the countries are separated into regions, one can see a moderate positive correlation in the Western countries, but interestingly, a weak negative correlation in the Scandinavian countries.</a:t>
             </a:r>
           </a:p>
         </p:txBody>
@@ -5172,13 +12172,13 @@
   <p:clrMapOvr>
     <a:masterClrMapping/>
   </p:clrMapOvr>
-  <mc:AlternateContent xmlns:mc="http://schemas.openxmlformats.org/markup-compatibility/2006">
-    <mc:Choice xmlns:p14="http://schemas.microsoft.com/office/powerpoint/2010/main" Requires="p14">
+  <mc:AlternateContent xmlns:mc="http://schemas.openxmlformats.org/markup-compatibility/2006" xmlns:p14="http://schemas.microsoft.com/office/powerpoint/2010/main">
+    <mc:Choice Requires="p14">
       <p:transition spd="med" p14:dur="700">
         <p:fade/>
       </p:transition>
     </mc:Choice>
-    <mc:Fallback>
+    <mc:Fallback xmlns="">
       <p:transition spd="med">
         <p:fade/>
       </p:transition>
@@ -5187,7 +12187,7 @@
 </p:sld>
 </file>
 
-<file path=ppt/slides/slide11.xml><?xml version="1.0" encoding="utf-8"?>
+<file path=ppt/slides/slide13.xml><?xml version="1.0" encoding="utf-8"?>
 <p:sld xmlns:a="http://schemas.openxmlformats.org/drawingml/2006/main" xmlns:r="http://schemas.openxmlformats.org/officeDocument/2006/relationships" xmlns:p="http://schemas.openxmlformats.org/presentationml/2006/main">
   <p:cSld>
     <p:spTree>
@@ -5251,7 +12251,7 @@
             </a:r>
             <a:r>
               <a:rPr lang="en-US" dirty="0"/>
-              <a:t> to 0.49.</a:t>
+              <a:t> increases to 0.49.</a:t>
             </a:r>
           </a:p>
         </p:txBody>
@@ -5312,7 +12312,7 @@
 </p:sld>
 </file>
 
-<file path=ppt/slides/slide12.xml><?xml version="1.0" encoding="utf-8"?>
+<file path=ppt/slides/slide14.xml><?xml version="1.0" encoding="utf-8"?>
 <p:sld xmlns:a="http://schemas.openxmlformats.org/drawingml/2006/main" xmlns:r="http://schemas.openxmlformats.org/officeDocument/2006/relationships" xmlns:p="http://schemas.openxmlformats.org/presentationml/2006/main">
   <p:cSld>
     <p:spTree>
@@ -5331,90 +12331,10 @@
       </p:grpSpPr>
       <p:sp>
         <p:nvSpPr>
-          <p:cNvPr id="10" name="Text Placeholder 9">
+          <p:cNvPr id="2" name="Title 1">
             <a:extLst>
               <a:ext uri="{FF2B5EF4-FFF2-40B4-BE49-F238E27FC236}">
-                <a16:creationId xmlns:a16="http://schemas.microsoft.com/office/drawing/2014/main" id="{022A927E-65EE-435C-B567-9B75E6DEFE70}"/>
-              </a:ext>
-            </a:extLst>
-          </p:cNvPr>
-          <p:cNvSpPr>
-            <a:spLocks noGrp="1"/>
-          </p:cNvSpPr>
-          <p:nvPr>
-            <p:ph type="body" sz="half" idx="2"/>
-          </p:nvPr>
-        </p:nvSpPr>
-        <p:spPr>
-          <a:xfrm>
-            <a:off x="1104900" y="1600200"/>
-            <a:ext cx="9859511" cy="4572000"/>
-          </a:xfrm>
-        </p:spPr>
-        <p:txBody>
-          <a:bodyPr>
-            <a:normAutofit/>
-          </a:bodyPr>
-          <a:lstStyle/>
-          <a:p>
-            <a:r>
-              <a:rPr lang="en-US" dirty="0"/>
-              <a:t>Data Needed:</a:t>
-            </a:r>
-          </a:p>
-          <a:p>
-            <a:r>
-              <a:rPr lang="en-US" dirty="0"/>
-              <a:t>A way to delineate how the concept can be measured</a:t>
-            </a:r>
-          </a:p>
-          <a:p>
-            <a:r>
-              <a:rPr lang="en-US" dirty="0"/>
-              <a:t>The ITUC Global Rights Index is based on information recorded in the ITUC Survey, the world’s most comprehensive database on workers’ rights violations. It covers violations in law and in practice </a:t>
-            </a:r>
-          </a:p>
-          <a:p>
-            <a:r>
-              <a:rPr lang="en-US" dirty="0"/>
-              <a:t>Countries are rated on a scale from 1 to 5. A high score effectively means that a large number of violations were committed which in turn results in a poor rating</a:t>
-            </a:r>
-          </a:p>
-          <a:p>
-            <a:r>
-              <a:rPr lang="en-US" dirty="0"/>
-              <a:t>Data Source: </a:t>
-            </a:r>
-          </a:p>
-          <a:p>
-            <a:r>
-              <a:rPr lang="en-US" dirty="0"/>
-              <a:t>International Trade Union Confederation</a:t>
-            </a:r>
-          </a:p>
-          <a:p>
-            <a:r>
-              <a:rPr lang="en-US" dirty="0"/>
-              <a:t>Analysis:</a:t>
-            </a:r>
-          </a:p>
-          <a:p>
-            <a:r>
-              <a:rPr lang="en-US" dirty="0"/>
-              <a:t>OECD countries where the political and legal systems are more friendly to labor unions tend to have a lower average Gini coefficient. Interestingly, this is not true for the three countries rated most poorly</a:t>
-            </a:r>
-          </a:p>
-          <a:p>
-            <a:endParaRPr lang="en-US" dirty="0"/>
-          </a:p>
-        </p:txBody>
-      </p:sp>
-      <p:sp>
-        <p:nvSpPr>
-          <p:cNvPr id="12" name="Title 11">
-            <a:extLst>
-              <a:ext uri="{FF2B5EF4-FFF2-40B4-BE49-F238E27FC236}">
-                <a16:creationId xmlns:a16="http://schemas.microsoft.com/office/drawing/2014/main" id="{B237F72C-8E6A-409C-9FBA-98EAE4D051DF}"/>
+                <a16:creationId xmlns:a16="http://schemas.microsoft.com/office/drawing/2014/main" id="{8645C034-844B-49C9-A6A1-ABF1D7F37A77}"/>
               </a:ext>
             </a:extLst>
           </p:cNvPr>
@@ -5432,7 +12352,35 @@
           <a:p>
             <a:r>
               <a:rPr lang="en-US" dirty="0"/>
-              <a:t>How does the political and legal environment within each country affect income inequality?</a:t>
+              <a:t>Conclusion</a:t>
+            </a:r>
+          </a:p>
+        </p:txBody>
+      </p:sp>
+      <p:sp>
+        <p:nvSpPr>
+          <p:cNvPr id="3" name="Content Placeholder 2">
+            <a:extLst>
+              <a:ext uri="{FF2B5EF4-FFF2-40B4-BE49-F238E27FC236}">
+                <a16:creationId xmlns:a16="http://schemas.microsoft.com/office/drawing/2014/main" id="{79C06DF0-E606-4688-B6F6-8AE4AEADDF42}"/>
+              </a:ext>
+            </a:extLst>
+          </p:cNvPr>
+          <p:cNvSpPr>
+            <a:spLocks noGrp="1"/>
+          </p:cNvSpPr>
+          <p:nvPr>
+            <p:ph idx="1"/>
+          </p:nvPr>
+        </p:nvSpPr>
+        <p:spPr/>
+        <p:txBody>
+          <a:bodyPr/>
+          <a:lstStyle/>
+          <a:p>
+            <a:r>
+              <a:rPr lang="en-US" dirty="0"/>
+              <a:t>In the OECD there appears to be a moderate positive correlation between Union Density and GDP. Meaning that as Union Density increases there is a moderate increase in GDP.</a:t>
             </a:r>
           </a:p>
         </p:txBody>
@@ -5440,7 +12388,7 @@
     </p:spTree>
     <p:extLst>
       <p:ext uri="{BB962C8B-B14F-4D97-AF65-F5344CB8AC3E}">
-        <p14:creationId xmlns:p14="http://schemas.microsoft.com/office/powerpoint/2010/main" val="64936229"/>
+        <p14:creationId xmlns:p14="http://schemas.microsoft.com/office/powerpoint/2010/main" val="2229617535"/>
       </p:ext>
     </p:extLst>
   </p:cSld>
@@ -5462,7 +12410,112 @@
 </p:sld>
 </file>
 
-<file path=ppt/slides/slide13.xml><?xml version="1.0" encoding="utf-8"?>
+<file path=ppt/slides/slide15.xml><?xml version="1.0" encoding="utf-8"?>
+<p:sld xmlns:a="http://schemas.openxmlformats.org/drawingml/2006/main" xmlns:r="http://schemas.openxmlformats.org/officeDocument/2006/relationships" xmlns:p="http://schemas.openxmlformats.org/presentationml/2006/main">
+  <p:cSld>
+    <p:spTree>
+      <p:nvGrpSpPr>
+        <p:cNvPr id="1" name=""/>
+        <p:cNvGrpSpPr/>
+        <p:nvPr/>
+      </p:nvGrpSpPr>
+      <p:grpSpPr>
+        <a:xfrm>
+          <a:off x="0" y="0"/>
+          <a:ext cx="0" cy="0"/>
+          <a:chOff x="0" y="0"/>
+          <a:chExt cx="0" cy="0"/>
+        </a:xfrm>
+      </p:grpSpPr>
+      <p:sp>
+        <p:nvSpPr>
+          <p:cNvPr id="12" name="Title 11">
+            <a:extLst>
+              <a:ext uri="{FF2B5EF4-FFF2-40B4-BE49-F238E27FC236}">
+                <a16:creationId xmlns:a16="http://schemas.microsoft.com/office/drawing/2014/main" id="{B237F72C-8E6A-409C-9FBA-98EAE4D051DF}"/>
+              </a:ext>
+            </a:extLst>
+          </p:cNvPr>
+          <p:cNvSpPr>
+            <a:spLocks noGrp="1"/>
+          </p:cNvSpPr>
+          <p:nvPr>
+            <p:ph type="title"/>
+          </p:nvPr>
+        </p:nvSpPr>
+        <p:spPr>
+          <a:xfrm>
+            <a:off x="1104900" y="76200"/>
+            <a:ext cx="9980682" cy="1096962"/>
+          </a:xfrm>
+        </p:spPr>
+        <p:txBody>
+          <a:bodyPr anchor="b">
+            <a:normAutofit/>
+          </a:bodyPr>
+          <a:lstStyle/>
+          <a:p>
+            <a:r>
+              <a:rPr lang="en-US" dirty="0"/>
+              <a:t>How does the political and legal environment within each country affect income inequality?</a:t>
+            </a:r>
+          </a:p>
+        </p:txBody>
+      </p:sp>
+      <p:graphicFrame>
+        <p:nvGraphicFramePr>
+          <p:cNvPr id="20" name="Text Placeholder 9">
+            <a:extLst>
+              <a:ext uri="{FF2B5EF4-FFF2-40B4-BE49-F238E27FC236}">
+                <a16:creationId xmlns:a16="http://schemas.microsoft.com/office/drawing/2014/main" id="{C7511F6A-164C-4E9A-B6D9-0FB2C555CCAF}"/>
+              </a:ext>
+            </a:extLst>
+          </p:cNvPr>
+          <p:cNvGraphicFramePr/>
+          <p:nvPr>
+            <p:extLst>
+              <p:ext uri="{D42A27DB-BD31-4B8C-83A1-F6EECF244321}">
+                <p14:modId xmlns:p14="http://schemas.microsoft.com/office/powerpoint/2010/main" val="2530736392"/>
+              </p:ext>
+            </p:extLst>
+          </p:nvPr>
+        </p:nvGraphicFramePr>
+        <p:xfrm>
+          <a:off x="1104900" y="1600200"/>
+          <a:ext cx="9982200" cy="4572000"/>
+        </p:xfrm>
+        <a:graphic>
+          <a:graphicData uri="http://schemas.openxmlformats.org/drawingml/2006/diagram">
+            <dgm:relIds xmlns:dgm="http://schemas.openxmlformats.org/drawingml/2006/diagram" xmlns:r="http://schemas.openxmlformats.org/officeDocument/2006/relationships" r:dm="rId2" r:lo="rId3" r:qs="rId4" r:cs="rId5"/>
+          </a:graphicData>
+        </a:graphic>
+      </p:graphicFrame>
+    </p:spTree>
+    <p:extLst>
+      <p:ext uri="{BB962C8B-B14F-4D97-AF65-F5344CB8AC3E}">
+        <p14:creationId xmlns:p14="http://schemas.microsoft.com/office/powerpoint/2010/main" val="64936229"/>
+      </p:ext>
+    </p:extLst>
+  </p:cSld>
+  <p:clrMapOvr>
+    <a:masterClrMapping/>
+  </p:clrMapOvr>
+  <mc:AlternateContent xmlns:mc="http://schemas.openxmlformats.org/markup-compatibility/2006" xmlns:p14="http://schemas.microsoft.com/office/powerpoint/2010/main">
+    <mc:Choice Requires="p14">
+      <p:transition spd="med" p14:dur="700">
+        <p:fade/>
+      </p:transition>
+    </mc:Choice>
+    <mc:Fallback xmlns="">
+      <p:transition spd="med">
+        <p:fade/>
+      </p:transition>
+    </mc:Fallback>
+  </mc:AlternateContent>
+</p:sld>
+</file>
+
+<file path=ppt/slides/slide16.xml><?xml version="1.0" encoding="utf-8"?>
 <p:sld xmlns:a="http://schemas.openxmlformats.org/drawingml/2006/main" xmlns:r="http://schemas.openxmlformats.org/officeDocument/2006/relationships" xmlns:p="http://schemas.openxmlformats.org/presentationml/2006/main">
   <p:cSld>
     <p:spTree>
@@ -5496,14 +12549,78 @@
           </a:xfrm>
         </p:spPr>
         <p:txBody>
-          <a:bodyPr anchor="b">
+          <a:bodyPr vert="horz" lIns="0" tIns="45720" rIns="0" bIns="45720" rtlCol="0" anchor="b">
             <a:normAutofit/>
           </a:bodyPr>
           <a:lstStyle/>
           <a:p>
             <a:r>
               <a:rPr lang="en-US" dirty="0"/>
-              <a:t>ITUC</a:t>
+              <a:t>Analysis</a:t>
+            </a:r>
+          </a:p>
+        </p:txBody>
+      </p:sp>
+      <p:sp>
+        <p:nvSpPr>
+          <p:cNvPr id="3" name="TextBox 2">
+            <a:extLst>
+              <a:ext uri="{FF2B5EF4-FFF2-40B4-BE49-F238E27FC236}">
+                <a16:creationId xmlns:a16="http://schemas.microsoft.com/office/drawing/2014/main" id="{8DD92B05-C73E-4809-B665-676C1440AB3F}"/>
+              </a:ext>
+            </a:extLst>
+          </p:cNvPr>
+          <p:cNvSpPr txBox="1"/>
+          <p:nvPr/>
+        </p:nvSpPr>
+        <p:spPr>
+          <a:xfrm>
+            <a:off x="1104900" y="1600200"/>
+            <a:ext cx="3396996" cy="4572000"/>
+          </a:xfrm>
+          <a:prstGeom prst="rect">
+            <a:avLst/>
+          </a:prstGeom>
+        </p:spPr>
+        <p:txBody>
+          <a:bodyPr vert="horz" lIns="0" tIns="45720" rIns="0" bIns="45720" rtlCol="0">
+            <a:normAutofit/>
+          </a:bodyPr>
+          <a:lstStyle/>
+          <a:p>
+            <a:pPr>
+              <a:lnSpc>
+                <a:spcPct val="90000"/>
+              </a:lnSpc>
+              <a:spcBef>
+                <a:spcPts val="1200"/>
+              </a:spcBef>
+            </a:pPr>
+            <a:r>
+              <a:rPr lang="en-US" kern="1200" dirty="0">
+                <a:latin typeface="+mn-lt"/>
+                <a:ea typeface="+mn-ea"/>
+                <a:cs typeface="+mn-cs"/>
+              </a:rPr>
+              <a:t>Conclusion: Countries with a more labor union “friendly” political and legal environment appear to have lower levels of income inequality on average and as the climate becomes less friendly to labor unions the average level of income inequality increases. </a:t>
+            </a:r>
+          </a:p>
+          <a:p>
+            <a:pPr>
+              <a:lnSpc>
+                <a:spcPct val="90000"/>
+              </a:lnSpc>
+              <a:spcBef>
+                <a:spcPts val="1200"/>
+              </a:spcBef>
+            </a:pPr>
+            <a:r>
+              <a:rPr lang="en-US" kern="1200" dirty="0">
+                <a:latin typeface="+mn-lt"/>
+                <a:ea typeface="+mn-ea"/>
+                <a:cs typeface="+mn-cs"/>
+              </a:rPr>
+              <a:t>Interestingly this is not true for the three OECD countries with the worst political and legal climate for labor unions.</a:t>
             </a:r>
           </a:p>
         </p:txBody>
@@ -5521,10 +12638,10 @@
             <a:picLocks noGrp="1" noChangeAspect="1"/>
           </p:cNvPicPr>
           <p:nvPr>
-            <p:ph idx="1"/>
+            <p:ph type="pic" idx="1"/>
           </p:nvPr>
         </p:nvPicPr>
-        <p:blipFill>
+        <p:blipFill rotWithShape="1">
           <a:blip r:embed="rId2">
             <a:extLst>
               <a:ext uri="{28A0092B-C50C-407E-A947-70E740481C1C}">
@@ -5532,14 +12649,12 @@
               </a:ext>
             </a:extLst>
           </a:blip>
-          <a:stretch>
-            <a:fillRect/>
-          </a:stretch>
+          <a:stretch/>
         </p:blipFill>
         <p:spPr>
           <a:xfrm>
-            <a:off x="2667000" y="1600200"/>
-            <a:ext cx="6857999" cy="4572000"/>
+            <a:off x="4654671" y="1742562"/>
+            <a:ext cx="6430912" cy="4287275"/>
           </a:xfrm>
           <a:noFill/>
         </p:spPr>
@@ -5596,60 +12711,115 @@
             <p:ph type="title"/>
           </p:nvPr>
         </p:nvSpPr>
-        <p:spPr/>
+        <p:spPr>
+          <a:xfrm>
+            <a:off x="1104900" y="76200"/>
+            <a:ext cx="9980682" cy="1096962"/>
+          </a:xfrm>
+        </p:spPr>
         <p:txBody>
-          <a:bodyPr/>
+          <a:bodyPr anchor="b">
+            <a:normAutofit/>
+          </a:bodyPr>
           <a:lstStyle/>
           <a:p>
             <a:r>
               <a:rPr lang="en-US" dirty="0"/>
-              <a:t>QUESTIONS</a:t>
+              <a:t>Preliminary Information</a:t>
             </a:r>
           </a:p>
         </p:txBody>
       </p:sp>
       <p:sp>
         <p:nvSpPr>
-          <p:cNvPr id="14" name="Content Placeholder 13"/>
+          <p:cNvPr id="18" name="Content Placeholder 13"/>
           <p:cNvSpPr>
             <a:spLocks noGrp="1"/>
           </p:cNvSpPr>
           <p:nvPr>
-            <p:ph idx="1"/>
+            <p:ph sz="half" idx="1"/>
           </p:nvPr>
         </p:nvSpPr>
-        <p:spPr/>
+        <p:spPr>
+          <a:xfrm>
+            <a:off x="1104900" y="1600200"/>
+            <a:ext cx="4914900" cy="4571999"/>
+          </a:xfrm>
+        </p:spPr>
         <p:txBody>
           <a:bodyPr>
             <a:normAutofit/>
           </a:bodyPr>
           <a:lstStyle/>
           <a:p>
+            <a:pPr>
+              <a:spcAft>
+                <a:spcPts val="600"/>
+              </a:spcAft>
+            </a:pPr>
             <a:r>
-              <a:rPr lang="en-US" dirty="0"/>
+              <a:rPr lang="en-US"/>
               <a:t>Over the last forty years, the legal and political climate in the United States has become very hostile to labor unions. </a:t>
             </a:r>
           </a:p>
           <a:p>
+            <a:pPr>
+              <a:spcAft>
+                <a:spcPts val="600"/>
+              </a:spcAft>
+            </a:pPr>
             <a:r>
-              <a:rPr lang="en-US" dirty="0"/>
-              <a:t>The 2016 Republican Party platform declared: "[w]e support the right of states to enact Right-to-Work laws and call for a national law to protect the economic liberty of the modern workforce."</a:t>
+              <a:rPr lang="en-US"/>
+              <a:t>The 2016 Republican Party platform declared: "[w]e support the right of states to enact Right-to-Work laws and call for a national law to protect the economic liberty of the modern workforce.“</a:t>
             </a:r>
           </a:p>
           <a:p>
+            <a:pPr>
+              <a:spcAft>
+                <a:spcPts val="600"/>
+              </a:spcAft>
+            </a:pPr>
             <a:r>
-              <a:rPr lang="en-US" dirty="0"/>
-              <a:t>The primary motivation behind this project is to analyze what sort of effects union density has on income inequality and gross domestic product</a:t>
-            </a:r>
-          </a:p>
-          <a:p>
-            <a:r>
-              <a:rPr lang="en-US" dirty="0"/>
-              <a:t>During the research, the question: “how does the political and legal environment within a country affect income inequality and gross domestic product?”</a:t>
+              <a:rPr lang="en-US"/>
+              <a:t>Since 1980 the amount of workers in the United States that are members of a labor union has declined drastically.</a:t>
             </a:r>
           </a:p>
         </p:txBody>
       </p:sp>
+      <p:pic>
+        <p:nvPicPr>
+          <p:cNvPr id="3" name="Content Placeholder 2" descr="Chart, line chart&#10;&#10;Description automatically generated">
+            <a:extLst>
+              <a:ext uri="{FF2B5EF4-FFF2-40B4-BE49-F238E27FC236}">
+                <a16:creationId xmlns:a16="http://schemas.microsoft.com/office/drawing/2014/main" id="{69282B0C-935E-48C1-9AF2-59020399847C}"/>
+              </a:ext>
+            </a:extLst>
+          </p:cNvPr>
+          <p:cNvPicPr>
+            <a:picLocks noGrp="1" noChangeAspect="1"/>
+          </p:cNvPicPr>
+          <p:nvPr>
+            <p:ph sz="half" idx="2"/>
+          </p:nvPr>
+        </p:nvPicPr>
+        <p:blipFill rotWithShape="1">
+          <a:blip r:embed="rId2" cstate="print">
+            <a:extLst>
+              <a:ext uri="{28A0092B-C50C-407E-A947-70E740481C1C}">
+                <a14:useLocalDpi xmlns:a14="http://schemas.microsoft.com/office/drawing/2010/main" val="0"/>
+              </a:ext>
+            </a:extLst>
+          </a:blip>
+          <a:stretch/>
+        </p:blipFill>
+        <p:spPr>
+          <a:xfrm>
+            <a:off x="6172200" y="2596038"/>
+            <a:ext cx="4914900" cy="2580322"/>
+          </a:xfrm>
+          <a:noFill/>
+        </p:spPr>
+      </p:pic>
     </p:spTree>
     <p:extLst>
       <p:ext uri="{BB962C8B-B14F-4D97-AF65-F5344CB8AC3E}">
@@ -5694,7 +12864,13 @@
       </p:grpSpPr>
       <p:sp>
         <p:nvSpPr>
-          <p:cNvPr id="2" name="Title 1"/>
+          <p:cNvPr id="2" name="Title 1">
+            <a:extLst>
+              <a:ext uri="{FF2B5EF4-FFF2-40B4-BE49-F238E27FC236}">
+                <a16:creationId xmlns:a16="http://schemas.microsoft.com/office/drawing/2014/main" id="{DDA5082C-504E-42FE-9F73-7BDC4655D07A}"/>
+              </a:ext>
+            </a:extLst>
+          </p:cNvPr>
           <p:cNvSpPr>
             <a:spLocks noGrp="1"/>
           </p:cNvSpPr>
@@ -5709,83 +12885,7 @@
           <a:p>
             <a:r>
               <a:rPr lang="en-US" dirty="0"/>
-              <a:t>What is the relationship between union density and income inequality within the countries of the OECD?</a:t>
-            </a:r>
-          </a:p>
-        </p:txBody>
-      </p:sp>
-      <p:sp>
-        <p:nvSpPr>
-          <p:cNvPr id="4" name="Content Placeholder 3">
-            <a:extLst>
-              <a:ext uri="{FF2B5EF4-FFF2-40B4-BE49-F238E27FC236}">
-                <a16:creationId xmlns:a16="http://schemas.microsoft.com/office/drawing/2014/main" id="{4AEFC5BF-34E9-43C3-91B1-75EDCD23BFAA}"/>
-              </a:ext>
-            </a:extLst>
-          </p:cNvPr>
-          <p:cNvSpPr>
-            <a:spLocks noGrp="1"/>
-          </p:cNvSpPr>
-          <p:nvPr>
-            <p:ph idx="1"/>
-          </p:nvPr>
-        </p:nvSpPr>
-        <p:spPr/>
-        <p:txBody>
-          <a:bodyPr/>
-          <a:lstStyle/>
-          <a:p>
-            <a:r>
-              <a:rPr lang="en-US" dirty="0"/>
-              <a:t>Data Needed: </a:t>
-            </a:r>
-          </a:p>
-          <a:p>
-            <a:pPr lvl="1"/>
-            <a:r>
-              <a:rPr lang="en-US" dirty="0"/>
-              <a:t>Information regarding “union density” in OECD countries </a:t>
-            </a:r>
-          </a:p>
-          <a:p>
-            <a:pPr lvl="2"/>
-            <a:r>
-              <a:rPr lang="en-US" dirty="0"/>
-              <a:t>“Trade Union Density” expresses union membership as a proportion of the eligible workforce</a:t>
-            </a:r>
-          </a:p>
-          <a:p>
-            <a:pPr lvl="1"/>
-            <a:r>
-              <a:rPr lang="en-US" dirty="0"/>
-              <a:t>Information regarding income inequality in OECD countries</a:t>
-            </a:r>
-          </a:p>
-          <a:p>
-            <a:pPr lvl="2"/>
-            <a:r>
-              <a:rPr lang="en-US" dirty="0"/>
-              <a:t>The Gini Coefficient measures the extent to which the distribution of income among individuals or households within an economy deviates from a perfectly equal distribution </a:t>
-            </a:r>
-          </a:p>
-          <a:p>
-            <a:r>
-              <a:rPr lang="en-US" dirty="0"/>
-              <a:t>Sources:</a:t>
-            </a:r>
-          </a:p>
-          <a:p>
-            <a:pPr lvl="1"/>
-            <a:r>
-              <a:rPr lang="en-US" dirty="0"/>
-              <a:t>Union Density Data Source: OECD (2021), Trade Union (database), stats.oecd.org </a:t>
-            </a:r>
-          </a:p>
-          <a:p>
-            <a:pPr lvl="1"/>
-            <a:r>
-              <a:rPr lang="en-US" dirty="0"/>
-              <a:t>Gini Coefficient Data Source: OECD (2021), Income Distribution (database), stats.oecd.org </a:t>
+              <a:t>Union Density and Income inequality</a:t>
             </a:r>
           </a:p>
         </p:txBody>
@@ -5793,7 +12893,7 @@
     </p:spTree>
     <p:extLst>
       <p:ext uri="{BB962C8B-B14F-4D97-AF65-F5344CB8AC3E}">
-        <p14:creationId xmlns:p14="http://schemas.microsoft.com/office/powerpoint/2010/main" val="4010278615"/>
+        <p14:creationId xmlns:p14="http://schemas.microsoft.com/office/powerpoint/2010/main" val="3850461833"/>
       </p:ext>
     </p:extLst>
   </p:cSld>
@@ -5849,102 +12949,53 @@
           </a:xfrm>
         </p:spPr>
         <p:txBody>
-          <a:bodyPr vert="horz" lIns="0" tIns="45720" rIns="0" bIns="45720" rtlCol="0" anchor="b">
+          <a:bodyPr anchor="b">
             <a:normAutofit/>
           </a:bodyPr>
           <a:lstStyle/>
           <a:p>
             <a:r>
               <a:rPr lang="en-US" dirty="0"/>
-              <a:t>Analysis</a:t>
+              <a:t>What is the relationship between union density and income inequality within the countries of the OECD?</a:t>
             </a:r>
           </a:p>
         </p:txBody>
       </p:sp>
-      <p:sp>
-        <p:nvSpPr>
-          <p:cNvPr id="8" name="TextBox 7">
+      <p:graphicFrame>
+        <p:nvGraphicFramePr>
+          <p:cNvPr id="6" name="Content Placeholder 3">
             <a:extLst>
               <a:ext uri="{FF2B5EF4-FFF2-40B4-BE49-F238E27FC236}">
-                <a16:creationId xmlns:a16="http://schemas.microsoft.com/office/drawing/2014/main" id="{598D689D-C59E-4DF2-8E34-9FE93D27522B}"/>
+                <a16:creationId xmlns:a16="http://schemas.microsoft.com/office/drawing/2014/main" id="{0DC50838-06B5-4B95-B750-4E5267E4A725}"/>
               </a:ext>
             </a:extLst>
           </p:cNvPr>
-          <p:cNvSpPr txBox="1"/>
-          <p:nvPr/>
-        </p:nvSpPr>
-        <p:spPr>
-          <a:xfrm>
-            <a:off x="1104900" y="1506172"/>
-            <a:ext cx="9980682" cy="700134"/>
-          </a:xfrm>
-          <a:prstGeom prst="rect">
-            <a:avLst/>
-          </a:prstGeom>
-        </p:spPr>
-        <p:txBody>
-          <a:bodyPr vert="horz" lIns="0" tIns="45720" rIns="0" bIns="45720" rtlCol="0">
-            <a:normAutofit/>
-          </a:bodyPr>
-          <a:lstStyle/>
-          <a:p>
-            <a:pPr>
-              <a:lnSpc>
-                <a:spcPct val="90000"/>
-              </a:lnSpc>
-              <a:spcBef>
-                <a:spcPts val="1200"/>
-              </a:spcBef>
-            </a:pPr>
-            <a:r>
-              <a:rPr lang="en-US" kern="1200" dirty="0">
-                <a:latin typeface="+mn-lt"/>
-                <a:ea typeface="+mn-ea"/>
-                <a:cs typeface="+mn-cs"/>
-              </a:rPr>
-              <a:t>A linear regression analysis of data between 2009 and 2019 indicates there is a weak correlation between Union Density and Income Inequality in the OECD countries.</a:t>
-            </a:r>
-          </a:p>
-        </p:txBody>
-      </p:sp>
-      <p:pic>
-        <p:nvPicPr>
-          <p:cNvPr id="7" name="Content Placeholder 6" descr="Chart, scatter chart&#10;&#10;Description automatically generated">
-            <a:extLst>
-              <a:ext uri="{FF2B5EF4-FFF2-40B4-BE49-F238E27FC236}">
-                <a16:creationId xmlns:a16="http://schemas.microsoft.com/office/drawing/2014/main" id="{F58D0EAA-30CE-42BF-B981-54FA28F57920}"/>
-              </a:ext>
-            </a:extLst>
-          </p:cNvPr>
-          <p:cNvPicPr>
-            <a:picLocks noGrp="1" noChangeAspect="1"/>
-          </p:cNvPicPr>
+          <p:cNvGraphicFramePr>
+            <a:graphicFrameLocks noGrp="1"/>
+          </p:cNvGraphicFramePr>
           <p:nvPr>
-            <p:ph type="pic" idx="1"/>
+            <p:ph idx="1"/>
+            <p:extLst>
+              <p:ext uri="{D42A27DB-BD31-4B8C-83A1-F6EECF244321}">
+                <p14:modId xmlns:p14="http://schemas.microsoft.com/office/powerpoint/2010/main" val="3646873969"/>
+              </p:ext>
+            </p:extLst>
           </p:nvPr>
-        </p:nvPicPr>
-        <p:blipFill rotWithShape="1">
-          <a:blip r:embed="rId2">
-            <a:extLst>
-              <a:ext uri="{28A0092B-C50C-407E-A947-70E740481C1C}">
-                <a14:useLocalDpi xmlns:a14="http://schemas.microsoft.com/office/drawing/2010/main" val="0"/>
-              </a:ext>
-            </a:extLst>
-          </a:blip>
-          <a:stretch/>
-        </p:blipFill>
-        <p:spPr>
-          <a:xfrm>
-            <a:off x="1198927" y="2055303"/>
-            <a:ext cx="9794146" cy="3917657"/>
-          </a:xfrm>
-          <a:noFill/>
-        </p:spPr>
-      </p:pic>
+        </p:nvGraphicFramePr>
+        <p:xfrm>
+          <a:off x="1104900" y="1600200"/>
+          <a:ext cx="9982200" cy="4572000"/>
+        </p:xfrm>
+        <a:graphic>
+          <a:graphicData uri="http://schemas.openxmlformats.org/drawingml/2006/diagram">
+            <dgm:relIds xmlns:dgm="http://schemas.openxmlformats.org/drawingml/2006/diagram" xmlns:r="http://schemas.openxmlformats.org/officeDocument/2006/relationships" r:dm="rId2" r:lo="rId3" r:qs="rId4" r:cs="rId5"/>
+          </a:graphicData>
+        </a:graphic>
+      </p:graphicFrame>
     </p:spTree>
     <p:extLst>
       <p:ext uri="{BB962C8B-B14F-4D97-AF65-F5344CB8AC3E}">
-        <p14:creationId xmlns:p14="http://schemas.microsoft.com/office/powerpoint/2010/main" val="4224509479"/>
+        <p14:creationId xmlns:p14="http://schemas.microsoft.com/office/powerpoint/2010/main" val="4010278615"/>
       </p:ext>
     </p:extLst>
   </p:cSld>
@@ -6053,11 +13104,162 @@
                 <a:ea typeface="+mn-ea"/>
                 <a:cs typeface="+mn-cs"/>
               </a:rPr>
-              <a:t>The same analysis with the countries of the OECD grouped by region indicates the data from the Latin American countries </a:t>
+              <a:t>A linear regression analysis of data between 2009 and 2019 indicates there is a weak and negative correlation between Union Density and Income Inequality in the OECD countries.</a:t>
+            </a:r>
+          </a:p>
+        </p:txBody>
+      </p:sp>
+      <p:pic>
+        <p:nvPicPr>
+          <p:cNvPr id="7" name="Content Placeholder 6" descr="Chart, scatter chart&#10;&#10;Description automatically generated">
+            <a:extLst>
+              <a:ext uri="{FF2B5EF4-FFF2-40B4-BE49-F238E27FC236}">
+                <a16:creationId xmlns:a16="http://schemas.microsoft.com/office/drawing/2014/main" id="{F58D0EAA-30CE-42BF-B981-54FA28F57920}"/>
+              </a:ext>
+            </a:extLst>
+          </p:cNvPr>
+          <p:cNvPicPr>
+            <a:picLocks noGrp="1" noChangeAspect="1"/>
+          </p:cNvPicPr>
+          <p:nvPr>
+            <p:ph type="pic" idx="1"/>
+          </p:nvPr>
+        </p:nvPicPr>
+        <p:blipFill rotWithShape="1">
+          <a:blip r:embed="rId2">
+            <a:extLst>
+              <a:ext uri="{28A0092B-C50C-407E-A947-70E740481C1C}">
+                <a14:useLocalDpi xmlns:a14="http://schemas.microsoft.com/office/drawing/2010/main" val="0"/>
+              </a:ext>
+            </a:extLst>
+          </a:blip>
+          <a:stretch/>
+        </p:blipFill>
+        <p:spPr>
+          <a:xfrm>
+            <a:off x="1198927" y="2055303"/>
+            <a:ext cx="9794146" cy="3917657"/>
+          </a:xfrm>
+          <a:noFill/>
+        </p:spPr>
+      </p:pic>
+    </p:spTree>
+    <p:extLst>
+      <p:ext uri="{BB962C8B-B14F-4D97-AF65-F5344CB8AC3E}">
+        <p14:creationId xmlns:p14="http://schemas.microsoft.com/office/powerpoint/2010/main" val="4224509479"/>
+      </p:ext>
+    </p:extLst>
+  </p:cSld>
+  <p:clrMapOvr>
+    <a:masterClrMapping/>
+  </p:clrMapOvr>
+  <mc:AlternateContent xmlns:mc="http://schemas.openxmlformats.org/markup-compatibility/2006" xmlns:p14="http://schemas.microsoft.com/office/powerpoint/2010/main">
+    <mc:Choice Requires="p14">
+      <p:transition spd="med" p14:dur="700">
+        <p:fade/>
+      </p:transition>
+    </mc:Choice>
+    <mc:Fallback xmlns="">
+      <p:transition spd="med">
+        <p:fade/>
+      </p:transition>
+    </mc:Fallback>
+  </mc:AlternateContent>
+</p:sld>
+</file>
+
+<file path=ppt/slides/slide6.xml><?xml version="1.0" encoding="utf-8"?>
+<p:sld xmlns:a="http://schemas.openxmlformats.org/drawingml/2006/main" xmlns:r="http://schemas.openxmlformats.org/officeDocument/2006/relationships" xmlns:p="http://schemas.openxmlformats.org/presentationml/2006/main">
+  <p:cSld>
+    <p:spTree>
+      <p:nvGrpSpPr>
+        <p:cNvPr id="1" name=""/>
+        <p:cNvGrpSpPr/>
+        <p:nvPr/>
+      </p:nvGrpSpPr>
+      <p:grpSpPr>
+        <a:xfrm>
+          <a:off x="0" y="0"/>
+          <a:ext cx="0" cy="0"/>
+          <a:chOff x="0" y="0"/>
+          <a:chExt cx="0" cy="0"/>
+        </a:xfrm>
+      </p:grpSpPr>
+      <p:sp>
+        <p:nvSpPr>
+          <p:cNvPr id="2" name="Title 1"/>
+          <p:cNvSpPr>
+            <a:spLocks noGrp="1"/>
+          </p:cNvSpPr>
+          <p:nvPr>
+            <p:ph type="title"/>
+          </p:nvPr>
+        </p:nvSpPr>
+        <p:spPr>
+          <a:xfrm>
+            <a:off x="1104900" y="76200"/>
+            <a:ext cx="9980682" cy="1096962"/>
+          </a:xfrm>
+        </p:spPr>
+        <p:txBody>
+          <a:bodyPr vert="horz" lIns="0" tIns="45720" rIns="0" bIns="45720" rtlCol="0" anchor="b">
+            <a:normAutofit/>
+          </a:bodyPr>
+          <a:lstStyle/>
+          <a:p>
+            <a:r>
+              <a:rPr lang="en-US" dirty="0"/>
+              <a:t>Analysis</a:t>
+            </a:r>
+          </a:p>
+        </p:txBody>
+      </p:sp>
+      <p:sp>
+        <p:nvSpPr>
+          <p:cNvPr id="8" name="TextBox 7">
+            <a:extLst>
+              <a:ext uri="{FF2B5EF4-FFF2-40B4-BE49-F238E27FC236}">
+                <a16:creationId xmlns:a16="http://schemas.microsoft.com/office/drawing/2014/main" id="{598D689D-C59E-4DF2-8E34-9FE93D27522B}"/>
+              </a:ext>
+            </a:extLst>
+          </p:cNvPr>
+          <p:cNvSpPr txBox="1"/>
+          <p:nvPr/>
+        </p:nvSpPr>
+        <p:spPr>
+          <a:xfrm>
+            <a:off x="1104900" y="1506172"/>
+            <a:ext cx="9980682" cy="700134"/>
+          </a:xfrm>
+          <a:prstGeom prst="rect">
+            <a:avLst/>
+          </a:prstGeom>
+        </p:spPr>
+        <p:txBody>
+          <a:bodyPr vert="horz" lIns="0" tIns="45720" rIns="0" bIns="45720" rtlCol="0">
+            <a:normAutofit/>
+          </a:bodyPr>
+          <a:lstStyle/>
+          <a:p>
+            <a:pPr>
+              <a:lnSpc>
+                <a:spcPct val="90000"/>
+              </a:lnSpc>
+              <a:spcBef>
+                <a:spcPts val="1200"/>
+              </a:spcBef>
+            </a:pPr>
+            <a:r>
+              <a:rPr lang="en-US" kern="1200" dirty="0">
+                <a:latin typeface="+mn-lt"/>
+                <a:ea typeface="+mn-ea"/>
+                <a:cs typeface="+mn-cs"/>
+              </a:rPr>
+              <a:t>The same analysis, with the countries of the OECD grouped by region indicates the data from the Latin American countries </a:t>
             </a:r>
             <a:r>
               <a:rPr lang="en-US" dirty="0"/>
-              <a:t>are outliers. </a:t>
+              <a:t>are statistical outliers. </a:t>
             </a:r>
             <a:endParaRPr lang="en-US" kern="1200" dirty="0">
               <a:latin typeface="+mn-lt"/>
@@ -6128,7 +13330,7 @@
 </p:sld>
 </file>
 
-<file path=ppt/slides/slide6.xml><?xml version="1.0" encoding="utf-8"?>
+<file path=ppt/slides/slide7.xml><?xml version="1.0" encoding="utf-8"?>
 <p:sld xmlns:a="http://schemas.openxmlformats.org/drawingml/2006/main" xmlns:r="http://schemas.openxmlformats.org/officeDocument/2006/relationships" xmlns:p="http://schemas.openxmlformats.org/presentationml/2006/main">
   <p:cSld>
     <p:spTree>
@@ -6297,7 +13499,7 @@
 </p:sld>
 </file>
 
-<file path=ppt/slides/slide7.xml><?xml version="1.0" encoding="utf-8"?>
+<file path=ppt/slides/slide8.xml><?xml version="1.0" encoding="utf-8"?>
 <p:sld xmlns:a="http://schemas.openxmlformats.org/drawingml/2006/main" xmlns:r="http://schemas.openxmlformats.org/officeDocument/2006/relationships" xmlns:p="http://schemas.openxmlformats.org/presentationml/2006/main">
   <p:cSld>
     <p:spTree>
@@ -6450,70 +13652,6 @@
 </p:sld>
 </file>
 
-<file path=ppt/slides/slide8.xml><?xml version="1.0" encoding="utf-8"?>
-<p:sld xmlns:a="http://schemas.openxmlformats.org/drawingml/2006/main" xmlns:r="http://schemas.openxmlformats.org/officeDocument/2006/relationships" xmlns:p="http://schemas.openxmlformats.org/presentationml/2006/main">
-  <p:cSld>
-    <p:spTree>
-      <p:nvGrpSpPr>
-        <p:cNvPr id="1" name=""/>
-        <p:cNvGrpSpPr/>
-        <p:nvPr/>
-      </p:nvGrpSpPr>
-      <p:grpSpPr>
-        <a:xfrm>
-          <a:off x="0" y="0"/>
-          <a:ext cx="0" cy="0"/>
-          <a:chOff x="0" y="0"/>
-          <a:chExt cx="0" cy="0"/>
-        </a:xfrm>
-      </p:grpSpPr>
-      <p:sp>
-        <p:nvSpPr>
-          <p:cNvPr id="2" name="Title 1"/>
-          <p:cNvSpPr>
-            <a:spLocks noGrp="1"/>
-          </p:cNvSpPr>
-          <p:nvPr>
-            <p:ph type="ctrTitle"/>
-          </p:nvPr>
-        </p:nvSpPr>
-        <p:spPr/>
-        <p:txBody>
-          <a:bodyPr/>
-          <a:lstStyle/>
-          <a:p>
-            <a:r>
-              <a:rPr lang="en-US" dirty="0"/>
-              <a:t>Union Density and GDP</a:t>
-            </a:r>
-          </a:p>
-        </p:txBody>
-      </p:sp>
-    </p:spTree>
-    <p:extLst>
-      <p:ext uri="{BB962C8B-B14F-4D97-AF65-F5344CB8AC3E}">
-        <p14:creationId xmlns:p14="http://schemas.microsoft.com/office/powerpoint/2010/main" val="1315647518"/>
-      </p:ext>
-    </p:extLst>
-  </p:cSld>
-  <p:clrMapOvr>
-    <a:masterClrMapping/>
-  </p:clrMapOvr>
-  <mc:AlternateContent xmlns:mc="http://schemas.openxmlformats.org/markup-compatibility/2006" xmlns:p14="http://schemas.microsoft.com/office/powerpoint/2010/main">
-    <mc:Choice Requires="p14">
-      <p:transition spd="med" p14:dur="700">
-        <p:fade/>
-      </p:transition>
-    </mc:Choice>
-    <mc:Fallback xmlns="">
-      <p:transition spd="med">
-        <p:fade/>
-      </p:transition>
-    </mc:Fallback>
-  </mc:AlternateContent>
-</p:sld>
-</file>
-
 <file path=ppt/slides/slide9.xml><?xml version="1.0" encoding="utf-8"?>
 <p:sld xmlns:a="http://schemas.openxmlformats.org/drawingml/2006/main" xmlns:r="http://schemas.openxmlformats.org/officeDocument/2006/relationships" xmlns:p="http://schemas.openxmlformats.org/presentationml/2006/main">
   <p:cSld>
@@ -6533,7 +13671,13 @@
       </p:grpSpPr>
       <p:sp>
         <p:nvSpPr>
-          <p:cNvPr id="2" name="Title 1"/>
+          <p:cNvPr id="2" name="Title 1">
+            <a:extLst>
+              <a:ext uri="{FF2B5EF4-FFF2-40B4-BE49-F238E27FC236}">
+                <a16:creationId xmlns:a16="http://schemas.microsoft.com/office/drawing/2014/main" id="{8645C034-844B-49C9-A6A1-ABF1D7F37A77}"/>
+              </a:ext>
+            </a:extLst>
+          </p:cNvPr>
           <p:cNvSpPr>
             <a:spLocks noGrp="1"/>
           </p:cNvSpPr>
@@ -6541,171 +13685,50 @@
             <p:ph type="title"/>
           </p:nvPr>
         </p:nvSpPr>
-        <p:spPr>
-          <a:xfrm>
-            <a:off x="1104900" y="76200"/>
-            <a:ext cx="9980682" cy="1096962"/>
-          </a:xfrm>
-        </p:spPr>
+        <p:spPr/>
         <p:txBody>
-          <a:bodyPr vert="horz" lIns="0" tIns="45720" rIns="0" bIns="45720" rtlCol="0" anchor="b">
-            <a:normAutofit/>
-          </a:bodyPr>
+          <a:bodyPr/>
           <a:lstStyle/>
           <a:p>
             <a:r>
               <a:rPr lang="en-US" dirty="0"/>
-              <a:t>Analysis</a:t>
+              <a:t>Conclusion</a:t>
             </a:r>
           </a:p>
         </p:txBody>
       </p:sp>
       <p:sp>
         <p:nvSpPr>
-          <p:cNvPr id="3" name="TextBox 2">
+          <p:cNvPr id="3" name="Content Placeholder 2">
             <a:extLst>
               <a:ext uri="{FF2B5EF4-FFF2-40B4-BE49-F238E27FC236}">
-                <a16:creationId xmlns:a16="http://schemas.microsoft.com/office/drawing/2014/main" id="{DF71AE69-30F3-4232-A8F7-0EDAC72DF568}"/>
+                <a16:creationId xmlns:a16="http://schemas.microsoft.com/office/drawing/2014/main" id="{79C06DF0-E606-4688-B6F6-8AE4AEADDF42}"/>
               </a:ext>
             </a:extLst>
           </p:cNvPr>
-          <p:cNvSpPr txBox="1"/>
-          <p:nvPr/>
+          <p:cNvSpPr>
+            <a:spLocks noGrp="1"/>
+          </p:cNvSpPr>
+          <p:nvPr>
+            <p:ph idx="1"/>
+          </p:nvPr>
         </p:nvSpPr>
-        <p:spPr>
-          <a:xfrm>
-            <a:off x="1104900" y="1600200"/>
-            <a:ext cx="3396996" cy="4572000"/>
-          </a:xfrm>
-          <a:prstGeom prst="rect">
-            <a:avLst/>
-          </a:prstGeom>
-        </p:spPr>
+        <p:spPr/>
         <p:txBody>
-          <a:bodyPr vert="horz" lIns="0" tIns="45720" rIns="0" bIns="45720" rtlCol="0">
-            <a:normAutofit/>
-          </a:bodyPr>
+          <a:bodyPr/>
           <a:lstStyle/>
           <a:p>
-            <a:pPr>
-              <a:lnSpc>
-                <a:spcPct val="90000"/>
-              </a:lnSpc>
-              <a:spcBef>
-                <a:spcPts val="1200"/>
-              </a:spcBef>
-            </a:pPr>
             <a:r>
-              <a:rPr lang="en-US" kern="1200" dirty="0">
-                <a:latin typeface="+mn-lt"/>
-                <a:ea typeface="+mn-ea"/>
-                <a:cs typeface="+mn-cs"/>
-              </a:rPr>
-              <a:t>A linear regression analysis of GDP and Union Density indicates a weak positive correlation (</a:t>
+              <a:rPr lang="en-US" dirty="0"/>
+              <a:t>In the OECD there appears to be a moderate negative correlation between Union Density and the Gini Coefficient. Meaning that as Union Density increases there is a moderate decrease in income inequality.</a:t>
             </a:r>
-            <a:r>
-              <a:rPr lang="en-US" kern="1200" dirty="0" err="1">
-                <a:latin typeface="+mn-lt"/>
-                <a:ea typeface="+mn-ea"/>
-                <a:cs typeface="+mn-cs"/>
-              </a:rPr>
-              <a:t>r-value</a:t>
-            </a:r>
-            <a:r>
-              <a:rPr lang="en-US" kern="1200" dirty="0">
-                <a:latin typeface="+mn-lt"/>
-                <a:ea typeface="+mn-ea"/>
-                <a:cs typeface="+mn-cs"/>
-              </a:rPr>
-              <a:t> = .36)</a:t>
-            </a:r>
-          </a:p>
-        </p:txBody>
-      </p:sp>
-      <p:pic>
-        <p:nvPicPr>
-          <p:cNvPr id="5" name="Picture 4" descr="Chart, scatter chart&#10;&#10;Description automatically generated">
-            <a:extLst>
-              <a:ext uri="{FF2B5EF4-FFF2-40B4-BE49-F238E27FC236}">
-                <a16:creationId xmlns:a16="http://schemas.microsoft.com/office/drawing/2014/main" id="{534A769F-63E5-49A4-82CA-54629A902C4B}"/>
-              </a:ext>
-            </a:extLst>
-          </p:cNvPr>
-          <p:cNvPicPr>
-            <a:picLocks noChangeAspect="1"/>
-          </p:cNvPicPr>
-          <p:nvPr/>
-        </p:nvPicPr>
-        <p:blipFill>
-          <a:blip r:embed="rId2">
-            <a:extLst>
-              <a:ext uri="{28A0092B-C50C-407E-A947-70E740481C1C}">
-                <a14:useLocalDpi xmlns:a14="http://schemas.microsoft.com/office/drawing/2010/main" val="0"/>
-              </a:ext>
-            </a:extLst>
-          </a:blip>
-          <a:stretch>
-            <a:fillRect/>
-          </a:stretch>
-        </p:blipFill>
-        <p:spPr>
-          <a:xfrm>
-            <a:off x="4654671" y="1739883"/>
-            <a:ext cx="6430912" cy="4292633"/>
-          </a:xfrm>
-          <a:prstGeom prst="rect">
-            <a:avLst/>
-          </a:prstGeom>
-          <a:noFill/>
-        </p:spPr>
-      </p:pic>
-      <p:sp>
-        <p:nvSpPr>
-          <p:cNvPr id="8" name="TextBox 7">
-            <a:extLst>
-              <a:ext uri="{FF2B5EF4-FFF2-40B4-BE49-F238E27FC236}">
-                <a16:creationId xmlns:a16="http://schemas.microsoft.com/office/drawing/2014/main" id="{598D689D-C59E-4DF2-8E34-9FE93D27522B}"/>
-              </a:ext>
-            </a:extLst>
-          </p:cNvPr>
-          <p:cNvSpPr txBox="1"/>
-          <p:nvPr/>
-        </p:nvSpPr>
-        <p:spPr>
-          <a:xfrm>
-            <a:off x="1104900" y="1362269"/>
-            <a:ext cx="9980682" cy="844037"/>
-          </a:xfrm>
-          <a:prstGeom prst="rect">
-            <a:avLst/>
-          </a:prstGeom>
-        </p:spPr>
-        <p:txBody>
-          <a:bodyPr vert="horz" lIns="0" tIns="45720" rIns="0" bIns="45720" rtlCol="0">
-            <a:normAutofit/>
-          </a:bodyPr>
-          <a:lstStyle/>
-          <a:p>
-            <a:pPr>
-              <a:lnSpc>
-                <a:spcPct val="90000"/>
-              </a:lnSpc>
-              <a:spcBef>
-                <a:spcPts val="1200"/>
-              </a:spcBef>
-            </a:pPr>
-            <a:endParaRPr lang="en-US" kern="1200" dirty="0">
-              <a:latin typeface="+mn-lt"/>
-              <a:ea typeface="+mn-ea"/>
-              <a:cs typeface="+mn-cs"/>
-            </a:endParaRPr>
           </a:p>
         </p:txBody>
       </p:sp>
     </p:spTree>
     <p:extLst>
       <p:ext uri="{BB962C8B-B14F-4D97-AF65-F5344CB8AC3E}">
-        <p14:creationId xmlns:p14="http://schemas.microsoft.com/office/powerpoint/2010/main" val="3882789794"/>
+        <p14:creationId xmlns:p14="http://schemas.microsoft.com/office/powerpoint/2010/main" val="4004792554"/>
       </p:ext>
     </p:extLst>
   </p:cSld>
@@ -7475,12 +14498,129 @@
 </file>
 
 <file path=customXml/item1.xml><?xml version="1.0" encoding="utf-8"?>
-<?mso-contentType ?>
-<FormTemplates xmlns="http://schemas.microsoft.com/sharepoint/v3/contenttype/forms">
-  <Display>DocumentLibraryForm</Display>
-  <Edit>AssetEditForm</Edit>
-  <New>DocumentLibraryForm</New>
-</FormTemplates>
+<p:properties xmlns:p="http://schemas.microsoft.com/office/2006/metadata/properties" xmlns:xsi="http://www.w3.org/2001/XMLSchema-instance" xmlns:pc="http://schemas.microsoft.com/office/infopath/2007/PartnerControls">
+  <documentManagement>
+    <APDescription xmlns="4873beb7-5857-4685-be1f-d57550cc96cc" xsi:nil="true"/>
+    <AssetExpire xmlns="4873beb7-5857-4685-be1f-d57550cc96cc">2029-01-01T08:00:00+00:00</AssetExpire>
+    <CampaignTagsTaxHTField0 xmlns="4873beb7-5857-4685-be1f-d57550cc96cc">
+      <Terms xmlns="http://schemas.microsoft.com/office/infopath/2007/PartnerControls"/>
+    </CampaignTagsTaxHTField0>
+    <IntlLangReviewDate xmlns="4873beb7-5857-4685-be1f-d57550cc96cc" xsi:nil="true"/>
+    <TPFriendlyName xmlns="4873beb7-5857-4685-be1f-d57550cc96cc" xsi:nil="true"/>
+    <IntlLangReview xmlns="4873beb7-5857-4685-be1f-d57550cc96cc">false</IntlLangReview>
+    <LocLastLocAttemptVersionLookup xmlns="4873beb7-5857-4685-be1f-d57550cc96cc">855024</LocLastLocAttemptVersionLookup>
+    <PolicheckWords xmlns="4873beb7-5857-4685-be1f-d57550cc96cc" xsi:nil="true"/>
+    <SubmitterId xmlns="4873beb7-5857-4685-be1f-d57550cc96cc" xsi:nil="true"/>
+    <AcquiredFrom xmlns="4873beb7-5857-4685-be1f-d57550cc96cc">Internal MS</AcquiredFrom>
+    <EditorialStatus xmlns="4873beb7-5857-4685-be1f-d57550cc96cc">Complete</EditorialStatus>
+    <Markets xmlns="4873beb7-5857-4685-be1f-d57550cc96cc"/>
+    <OriginAsset xmlns="4873beb7-5857-4685-be1f-d57550cc96cc" xsi:nil="true"/>
+    <AssetStart xmlns="4873beb7-5857-4685-be1f-d57550cc96cc">2012-08-31T08:50:00+00:00</AssetStart>
+    <FriendlyTitle xmlns="4873beb7-5857-4685-be1f-d57550cc96cc" xsi:nil="true"/>
+    <MarketSpecific xmlns="4873beb7-5857-4685-be1f-d57550cc96cc">false</MarketSpecific>
+    <TPNamespace xmlns="4873beb7-5857-4685-be1f-d57550cc96cc" xsi:nil="true"/>
+    <PublishStatusLookup xmlns="4873beb7-5857-4685-be1f-d57550cc96cc">
+      <Value>1616423</Value>
+    </PublishStatusLookup>
+    <APAuthor xmlns="4873beb7-5857-4685-be1f-d57550cc96cc">
+      <UserInfo>
+        <DisplayName>REDMOND\kristaa</DisplayName>
+        <AccountId>136</AccountId>
+        <AccountType/>
+      </UserInfo>
+    </APAuthor>
+    <TPCommandLine xmlns="4873beb7-5857-4685-be1f-d57550cc96cc" xsi:nil="true"/>
+    <IntlLangReviewer xmlns="4873beb7-5857-4685-be1f-d57550cc96cc" xsi:nil="true"/>
+    <OpenTemplate xmlns="4873beb7-5857-4685-be1f-d57550cc96cc">true</OpenTemplate>
+    <CSXSubmissionDate xmlns="4873beb7-5857-4685-be1f-d57550cc96cc" xsi:nil="true"/>
+    <TaxCatchAll xmlns="4873beb7-5857-4685-be1f-d57550cc96cc"/>
+    <Manager xmlns="4873beb7-5857-4685-be1f-d57550cc96cc" xsi:nil="true"/>
+    <NumericId xmlns="4873beb7-5857-4685-be1f-d57550cc96cc" xsi:nil="true"/>
+    <ParentAssetId xmlns="4873beb7-5857-4685-be1f-d57550cc96cc" xsi:nil="true"/>
+    <OriginalSourceMarket xmlns="4873beb7-5857-4685-be1f-d57550cc96cc" xsi:nil="true"/>
+    <ApprovalStatus xmlns="4873beb7-5857-4685-be1f-d57550cc96cc">InProgress</ApprovalStatus>
+    <TPComponent xmlns="4873beb7-5857-4685-be1f-d57550cc96cc" xsi:nil="true"/>
+    <EditorialTags xmlns="4873beb7-5857-4685-be1f-d57550cc96cc" xsi:nil="true"/>
+    <TPExecutable xmlns="4873beb7-5857-4685-be1f-d57550cc96cc" xsi:nil="true"/>
+    <TPLaunchHelpLink xmlns="4873beb7-5857-4685-be1f-d57550cc96cc" xsi:nil="true"/>
+    <LocComments xmlns="4873beb7-5857-4685-be1f-d57550cc96cc" xsi:nil="true"/>
+    <LocRecommendedHandoff xmlns="4873beb7-5857-4685-be1f-d57550cc96cc" xsi:nil="true"/>
+    <SourceTitle xmlns="4873beb7-5857-4685-be1f-d57550cc96cc" xsi:nil="true"/>
+    <CSXUpdate xmlns="4873beb7-5857-4685-be1f-d57550cc96cc">false</CSXUpdate>
+    <IntlLocPriority xmlns="4873beb7-5857-4685-be1f-d57550cc96cc" xsi:nil="true"/>
+    <UAProjectedTotalWords xmlns="4873beb7-5857-4685-be1f-d57550cc96cc" xsi:nil="true"/>
+    <AssetType xmlns="4873beb7-5857-4685-be1f-d57550cc96cc">TP</AssetType>
+    <MachineTranslated xmlns="4873beb7-5857-4685-be1f-d57550cc96cc">false</MachineTranslated>
+    <OutputCachingOn xmlns="4873beb7-5857-4685-be1f-d57550cc96cc">false</OutputCachingOn>
+    <TemplateStatus xmlns="4873beb7-5857-4685-be1f-d57550cc96cc">Complete</TemplateStatus>
+    <IsSearchable xmlns="4873beb7-5857-4685-be1f-d57550cc96cc">true</IsSearchable>
+    <ContentItem xmlns="4873beb7-5857-4685-be1f-d57550cc96cc" xsi:nil="true"/>
+    <HandoffToMSDN xmlns="4873beb7-5857-4685-be1f-d57550cc96cc" xsi:nil="true"/>
+    <ShowIn xmlns="4873beb7-5857-4685-be1f-d57550cc96cc">Show everywhere</ShowIn>
+    <ThumbnailAssetId xmlns="4873beb7-5857-4685-be1f-d57550cc96cc" xsi:nil="true"/>
+    <UALocComments xmlns="4873beb7-5857-4685-be1f-d57550cc96cc" xsi:nil="true"/>
+    <UALocRecommendation xmlns="4873beb7-5857-4685-be1f-d57550cc96cc">Localize</UALocRecommendation>
+    <LastModifiedDateTime xmlns="4873beb7-5857-4685-be1f-d57550cc96cc" xsi:nil="true"/>
+    <LegacyData xmlns="4873beb7-5857-4685-be1f-d57550cc96cc" xsi:nil="true"/>
+    <LocManualTestRequired xmlns="4873beb7-5857-4685-be1f-d57550cc96cc">false</LocManualTestRequired>
+    <LocMarketGroupTiers2 xmlns="4873beb7-5857-4685-be1f-d57550cc96cc" xsi:nil="true"/>
+    <ClipArtFilename xmlns="4873beb7-5857-4685-be1f-d57550cc96cc" xsi:nil="true"/>
+    <TPApplication xmlns="4873beb7-5857-4685-be1f-d57550cc96cc" xsi:nil="true"/>
+    <CSXHash xmlns="4873beb7-5857-4685-be1f-d57550cc96cc" xsi:nil="true"/>
+    <DirectSourceMarket xmlns="4873beb7-5857-4685-be1f-d57550cc96cc" xsi:nil="true"/>
+    <PrimaryImageGen xmlns="4873beb7-5857-4685-be1f-d57550cc96cc">true</PrimaryImageGen>
+    <PlannedPubDate xmlns="4873beb7-5857-4685-be1f-d57550cc96cc" xsi:nil="true"/>
+    <CSXSubmissionMarket xmlns="4873beb7-5857-4685-be1f-d57550cc96cc" xsi:nil="true"/>
+    <Downloads xmlns="4873beb7-5857-4685-be1f-d57550cc96cc">0</Downloads>
+    <ArtSampleDocs xmlns="4873beb7-5857-4685-be1f-d57550cc96cc" xsi:nil="true"/>
+    <TrustLevel xmlns="4873beb7-5857-4685-be1f-d57550cc96cc">1 Microsoft Managed Content</TrustLevel>
+    <BlockPublish xmlns="4873beb7-5857-4685-be1f-d57550cc96cc">false</BlockPublish>
+    <TPLaunchHelpLinkType xmlns="4873beb7-5857-4685-be1f-d57550cc96cc">Template</TPLaunchHelpLinkType>
+    <LocalizationTagsTaxHTField0 xmlns="4873beb7-5857-4685-be1f-d57550cc96cc">
+      <Terms xmlns="http://schemas.microsoft.com/office/infopath/2007/PartnerControls"/>
+    </LocalizationTagsTaxHTField0>
+    <BusinessGroup xmlns="4873beb7-5857-4685-be1f-d57550cc96cc" xsi:nil="true"/>
+    <Providers xmlns="4873beb7-5857-4685-be1f-d57550cc96cc" xsi:nil="true"/>
+    <TemplateTemplateType xmlns="4873beb7-5857-4685-be1f-d57550cc96cc">PowerPoint Presentation Template</TemplateTemplateType>
+    <TimesCloned xmlns="4873beb7-5857-4685-be1f-d57550cc96cc" xsi:nil="true"/>
+    <TPAppVersion xmlns="4873beb7-5857-4685-be1f-d57550cc96cc" xsi:nil="true"/>
+    <VoteCount xmlns="4873beb7-5857-4685-be1f-d57550cc96cc" xsi:nil="true"/>
+    <AverageRating xmlns="4873beb7-5857-4685-be1f-d57550cc96cc" xsi:nil="true"/>
+    <FeatureTagsTaxHTField0 xmlns="4873beb7-5857-4685-be1f-d57550cc96cc">
+      <Terms xmlns="http://schemas.microsoft.com/office/infopath/2007/PartnerControls"/>
+    </FeatureTagsTaxHTField0>
+    <Provider xmlns="4873beb7-5857-4685-be1f-d57550cc96cc" xsi:nil="true"/>
+    <UACurrentWords xmlns="4873beb7-5857-4685-be1f-d57550cc96cc" xsi:nil="true"/>
+    <AssetId xmlns="4873beb7-5857-4685-be1f-d57550cc96cc">TP103431361</AssetId>
+    <TPClientViewer xmlns="4873beb7-5857-4685-be1f-d57550cc96cc" xsi:nil="true"/>
+    <DSATActionTaken xmlns="4873beb7-5857-4685-be1f-d57550cc96cc" xsi:nil="true"/>
+    <APEditor xmlns="4873beb7-5857-4685-be1f-d57550cc96cc">
+      <UserInfo>
+        <DisplayName/>
+        <AccountId xsi:nil="true"/>
+        <AccountType/>
+      </UserInfo>
+    </APEditor>
+    <TPInstallLocation xmlns="4873beb7-5857-4685-be1f-d57550cc96cc" xsi:nil="true"/>
+    <OOCacheId xmlns="4873beb7-5857-4685-be1f-d57550cc96cc" xsi:nil="true"/>
+    <IsDeleted xmlns="4873beb7-5857-4685-be1f-d57550cc96cc">false</IsDeleted>
+    <PublishTargets xmlns="4873beb7-5857-4685-be1f-d57550cc96cc">OfficeOnlineVNext</PublishTargets>
+    <ApprovalLog xmlns="4873beb7-5857-4685-be1f-d57550cc96cc" xsi:nil="true"/>
+    <BugNumber xmlns="4873beb7-5857-4685-be1f-d57550cc96cc" xsi:nil="true"/>
+    <CrawlForDependencies xmlns="4873beb7-5857-4685-be1f-d57550cc96cc">false</CrawlForDependencies>
+    <InternalTagsTaxHTField0 xmlns="4873beb7-5857-4685-be1f-d57550cc96cc">
+      <Terms xmlns="http://schemas.microsoft.com/office/infopath/2007/PartnerControls"/>
+    </InternalTagsTaxHTField0>
+    <LastHandOff xmlns="4873beb7-5857-4685-be1f-d57550cc96cc" xsi:nil="true"/>
+    <Milestone xmlns="4873beb7-5857-4685-be1f-d57550cc96cc" xsi:nil="true"/>
+    <OriginalRelease xmlns="4873beb7-5857-4685-be1f-d57550cc96cc">15</OriginalRelease>
+    <RecommendationsModifier xmlns="4873beb7-5857-4685-be1f-d57550cc96cc" xsi:nil="true"/>
+    <ScenarioTagsTaxHTField0 xmlns="4873beb7-5857-4685-be1f-d57550cc96cc">
+      <Terms xmlns="http://schemas.microsoft.com/office/infopath/2007/PartnerControls"/>
+    </ScenarioTagsTaxHTField0>
+    <UANotes xmlns="4873beb7-5857-4685-be1f-d57550cc96cc" xsi:nil="true"/>
+  </documentManagement>
+</p:properties>
 </file>
 
 <file path=customXml/item2.xml><?xml version="1.0" encoding="utf-8"?>
@@ -8524,135 +15664,26 @@
 </file>
 
 <file path=customXml/item3.xml><?xml version="1.0" encoding="utf-8"?>
-<p:properties xmlns:p="http://schemas.microsoft.com/office/2006/metadata/properties" xmlns:xsi="http://www.w3.org/2001/XMLSchema-instance" xmlns:pc="http://schemas.microsoft.com/office/infopath/2007/PartnerControls">
-  <documentManagement>
-    <APDescription xmlns="4873beb7-5857-4685-be1f-d57550cc96cc" xsi:nil="true"/>
-    <AssetExpire xmlns="4873beb7-5857-4685-be1f-d57550cc96cc">2029-01-01T08:00:00+00:00</AssetExpire>
-    <CampaignTagsTaxHTField0 xmlns="4873beb7-5857-4685-be1f-d57550cc96cc">
-      <Terms xmlns="http://schemas.microsoft.com/office/infopath/2007/PartnerControls"/>
-    </CampaignTagsTaxHTField0>
-    <IntlLangReviewDate xmlns="4873beb7-5857-4685-be1f-d57550cc96cc" xsi:nil="true"/>
-    <TPFriendlyName xmlns="4873beb7-5857-4685-be1f-d57550cc96cc" xsi:nil="true"/>
-    <IntlLangReview xmlns="4873beb7-5857-4685-be1f-d57550cc96cc">false</IntlLangReview>
-    <LocLastLocAttemptVersionLookup xmlns="4873beb7-5857-4685-be1f-d57550cc96cc">855024</LocLastLocAttemptVersionLookup>
-    <PolicheckWords xmlns="4873beb7-5857-4685-be1f-d57550cc96cc" xsi:nil="true"/>
-    <SubmitterId xmlns="4873beb7-5857-4685-be1f-d57550cc96cc" xsi:nil="true"/>
-    <AcquiredFrom xmlns="4873beb7-5857-4685-be1f-d57550cc96cc">Internal MS</AcquiredFrom>
-    <EditorialStatus xmlns="4873beb7-5857-4685-be1f-d57550cc96cc">Complete</EditorialStatus>
-    <Markets xmlns="4873beb7-5857-4685-be1f-d57550cc96cc"/>
-    <OriginAsset xmlns="4873beb7-5857-4685-be1f-d57550cc96cc" xsi:nil="true"/>
-    <AssetStart xmlns="4873beb7-5857-4685-be1f-d57550cc96cc">2012-08-31T08:50:00+00:00</AssetStart>
-    <FriendlyTitle xmlns="4873beb7-5857-4685-be1f-d57550cc96cc" xsi:nil="true"/>
-    <MarketSpecific xmlns="4873beb7-5857-4685-be1f-d57550cc96cc">false</MarketSpecific>
-    <TPNamespace xmlns="4873beb7-5857-4685-be1f-d57550cc96cc" xsi:nil="true"/>
-    <PublishStatusLookup xmlns="4873beb7-5857-4685-be1f-d57550cc96cc">
-      <Value>1616423</Value>
-    </PublishStatusLookup>
-    <APAuthor xmlns="4873beb7-5857-4685-be1f-d57550cc96cc">
-      <UserInfo>
-        <DisplayName>REDMOND\kristaa</DisplayName>
-        <AccountId>136</AccountId>
-        <AccountType/>
-      </UserInfo>
-    </APAuthor>
-    <TPCommandLine xmlns="4873beb7-5857-4685-be1f-d57550cc96cc" xsi:nil="true"/>
-    <IntlLangReviewer xmlns="4873beb7-5857-4685-be1f-d57550cc96cc" xsi:nil="true"/>
-    <OpenTemplate xmlns="4873beb7-5857-4685-be1f-d57550cc96cc">true</OpenTemplate>
-    <CSXSubmissionDate xmlns="4873beb7-5857-4685-be1f-d57550cc96cc" xsi:nil="true"/>
-    <TaxCatchAll xmlns="4873beb7-5857-4685-be1f-d57550cc96cc"/>
-    <Manager xmlns="4873beb7-5857-4685-be1f-d57550cc96cc" xsi:nil="true"/>
-    <NumericId xmlns="4873beb7-5857-4685-be1f-d57550cc96cc" xsi:nil="true"/>
-    <ParentAssetId xmlns="4873beb7-5857-4685-be1f-d57550cc96cc" xsi:nil="true"/>
-    <OriginalSourceMarket xmlns="4873beb7-5857-4685-be1f-d57550cc96cc" xsi:nil="true"/>
-    <ApprovalStatus xmlns="4873beb7-5857-4685-be1f-d57550cc96cc">InProgress</ApprovalStatus>
-    <TPComponent xmlns="4873beb7-5857-4685-be1f-d57550cc96cc" xsi:nil="true"/>
-    <EditorialTags xmlns="4873beb7-5857-4685-be1f-d57550cc96cc" xsi:nil="true"/>
-    <TPExecutable xmlns="4873beb7-5857-4685-be1f-d57550cc96cc" xsi:nil="true"/>
-    <TPLaunchHelpLink xmlns="4873beb7-5857-4685-be1f-d57550cc96cc" xsi:nil="true"/>
-    <LocComments xmlns="4873beb7-5857-4685-be1f-d57550cc96cc" xsi:nil="true"/>
-    <LocRecommendedHandoff xmlns="4873beb7-5857-4685-be1f-d57550cc96cc" xsi:nil="true"/>
-    <SourceTitle xmlns="4873beb7-5857-4685-be1f-d57550cc96cc" xsi:nil="true"/>
-    <CSXUpdate xmlns="4873beb7-5857-4685-be1f-d57550cc96cc">false</CSXUpdate>
-    <IntlLocPriority xmlns="4873beb7-5857-4685-be1f-d57550cc96cc" xsi:nil="true"/>
-    <UAProjectedTotalWords xmlns="4873beb7-5857-4685-be1f-d57550cc96cc" xsi:nil="true"/>
-    <AssetType xmlns="4873beb7-5857-4685-be1f-d57550cc96cc">TP</AssetType>
-    <MachineTranslated xmlns="4873beb7-5857-4685-be1f-d57550cc96cc">false</MachineTranslated>
-    <OutputCachingOn xmlns="4873beb7-5857-4685-be1f-d57550cc96cc">false</OutputCachingOn>
-    <TemplateStatus xmlns="4873beb7-5857-4685-be1f-d57550cc96cc">Complete</TemplateStatus>
-    <IsSearchable xmlns="4873beb7-5857-4685-be1f-d57550cc96cc">true</IsSearchable>
-    <ContentItem xmlns="4873beb7-5857-4685-be1f-d57550cc96cc" xsi:nil="true"/>
-    <HandoffToMSDN xmlns="4873beb7-5857-4685-be1f-d57550cc96cc" xsi:nil="true"/>
-    <ShowIn xmlns="4873beb7-5857-4685-be1f-d57550cc96cc">Show everywhere</ShowIn>
-    <ThumbnailAssetId xmlns="4873beb7-5857-4685-be1f-d57550cc96cc" xsi:nil="true"/>
-    <UALocComments xmlns="4873beb7-5857-4685-be1f-d57550cc96cc" xsi:nil="true"/>
-    <UALocRecommendation xmlns="4873beb7-5857-4685-be1f-d57550cc96cc">Localize</UALocRecommendation>
-    <LastModifiedDateTime xmlns="4873beb7-5857-4685-be1f-d57550cc96cc" xsi:nil="true"/>
-    <LegacyData xmlns="4873beb7-5857-4685-be1f-d57550cc96cc" xsi:nil="true"/>
-    <LocManualTestRequired xmlns="4873beb7-5857-4685-be1f-d57550cc96cc">false</LocManualTestRequired>
-    <LocMarketGroupTiers2 xmlns="4873beb7-5857-4685-be1f-d57550cc96cc" xsi:nil="true"/>
-    <ClipArtFilename xmlns="4873beb7-5857-4685-be1f-d57550cc96cc" xsi:nil="true"/>
-    <TPApplication xmlns="4873beb7-5857-4685-be1f-d57550cc96cc" xsi:nil="true"/>
-    <CSXHash xmlns="4873beb7-5857-4685-be1f-d57550cc96cc" xsi:nil="true"/>
-    <DirectSourceMarket xmlns="4873beb7-5857-4685-be1f-d57550cc96cc" xsi:nil="true"/>
-    <PrimaryImageGen xmlns="4873beb7-5857-4685-be1f-d57550cc96cc">true</PrimaryImageGen>
-    <PlannedPubDate xmlns="4873beb7-5857-4685-be1f-d57550cc96cc" xsi:nil="true"/>
-    <CSXSubmissionMarket xmlns="4873beb7-5857-4685-be1f-d57550cc96cc" xsi:nil="true"/>
-    <Downloads xmlns="4873beb7-5857-4685-be1f-d57550cc96cc">0</Downloads>
-    <ArtSampleDocs xmlns="4873beb7-5857-4685-be1f-d57550cc96cc" xsi:nil="true"/>
-    <TrustLevel xmlns="4873beb7-5857-4685-be1f-d57550cc96cc">1 Microsoft Managed Content</TrustLevel>
-    <BlockPublish xmlns="4873beb7-5857-4685-be1f-d57550cc96cc">false</BlockPublish>
-    <TPLaunchHelpLinkType xmlns="4873beb7-5857-4685-be1f-d57550cc96cc">Template</TPLaunchHelpLinkType>
-    <LocalizationTagsTaxHTField0 xmlns="4873beb7-5857-4685-be1f-d57550cc96cc">
-      <Terms xmlns="http://schemas.microsoft.com/office/infopath/2007/PartnerControls"/>
-    </LocalizationTagsTaxHTField0>
-    <BusinessGroup xmlns="4873beb7-5857-4685-be1f-d57550cc96cc" xsi:nil="true"/>
-    <Providers xmlns="4873beb7-5857-4685-be1f-d57550cc96cc" xsi:nil="true"/>
-    <TemplateTemplateType xmlns="4873beb7-5857-4685-be1f-d57550cc96cc">PowerPoint Presentation Template</TemplateTemplateType>
-    <TimesCloned xmlns="4873beb7-5857-4685-be1f-d57550cc96cc" xsi:nil="true"/>
-    <TPAppVersion xmlns="4873beb7-5857-4685-be1f-d57550cc96cc" xsi:nil="true"/>
-    <VoteCount xmlns="4873beb7-5857-4685-be1f-d57550cc96cc" xsi:nil="true"/>
-    <AverageRating xmlns="4873beb7-5857-4685-be1f-d57550cc96cc" xsi:nil="true"/>
-    <FeatureTagsTaxHTField0 xmlns="4873beb7-5857-4685-be1f-d57550cc96cc">
-      <Terms xmlns="http://schemas.microsoft.com/office/infopath/2007/PartnerControls"/>
-    </FeatureTagsTaxHTField0>
-    <Provider xmlns="4873beb7-5857-4685-be1f-d57550cc96cc" xsi:nil="true"/>
-    <UACurrentWords xmlns="4873beb7-5857-4685-be1f-d57550cc96cc" xsi:nil="true"/>
-    <AssetId xmlns="4873beb7-5857-4685-be1f-d57550cc96cc">TP103431361</AssetId>
-    <TPClientViewer xmlns="4873beb7-5857-4685-be1f-d57550cc96cc" xsi:nil="true"/>
-    <DSATActionTaken xmlns="4873beb7-5857-4685-be1f-d57550cc96cc" xsi:nil="true"/>
-    <APEditor xmlns="4873beb7-5857-4685-be1f-d57550cc96cc">
-      <UserInfo>
-        <DisplayName/>
-        <AccountId xsi:nil="true"/>
-        <AccountType/>
-      </UserInfo>
-    </APEditor>
-    <TPInstallLocation xmlns="4873beb7-5857-4685-be1f-d57550cc96cc" xsi:nil="true"/>
-    <OOCacheId xmlns="4873beb7-5857-4685-be1f-d57550cc96cc" xsi:nil="true"/>
-    <IsDeleted xmlns="4873beb7-5857-4685-be1f-d57550cc96cc">false</IsDeleted>
-    <PublishTargets xmlns="4873beb7-5857-4685-be1f-d57550cc96cc">OfficeOnlineVNext</PublishTargets>
-    <ApprovalLog xmlns="4873beb7-5857-4685-be1f-d57550cc96cc" xsi:nil="true"/>
-    <BugNumber xmlns="4873beb7-5857-4685-be1f-d57550cc96cc" xsi:nil="true"/>
-    <CrawlForDependencies xmlns="4873beb7-5857-4685-be1f-d57550cc96cc">false</CrawlForDependencies>
-    <InternalTagsTaxHTField0 xmlns="4873beb7-5857-4685-be1f-d57550cc96cc">
-      <Terms xmlns="http://schemas.microsoft.com/office/infopath/2007/PartnerControls"/>
-    </InternalTagsTaxHTField0>
-    <LastHandOff xmlns="4873beb7-5857-4685-be1f-d57550cc96cc" xsi:nil="true"/>
-    <Milestone xmlns="4873beb7-5857-4685-be1f-d57550cc96cc" xsi:nil="true"/>
-    <OriginalRelease xmlns="4873beb7-5857-4685-be1f-d57550cc96cc">15</OriginalRelease>
-    <RecommendationsModifier xmlns="4873beb7-5857-4685-be1f-d57550cc96cc" xsi:nil="true"/>
-    <ScenarioTagsTaxHTField0 xmlns="4873beb7-5857-4685-be1f-d57550cc96cc">
-      <Terms xmlns="http://schemas.microsoft.com/office/infopath/2007/PartnerControls"/>
-    </ScenarioTagsTaxHTField0>
-    <UANotes xmlns="4873beb7-5857-4685-be1f-d57550cc96cc" xsi:nil="true"/>
-  </documentManagement>
-</p:properties>
+<?mso-contentType ?>
+<FormTemplates xmlns="http://schemas.microsoft.com/sharepoint/v3/contenttype/forms">
+  <Display>DocumentLibraryForm</Display>
+  <Edit>AssetEditForm</Edit>
+  <New>DocumentLibraryForm</New>
+</FormTemplates>
 </file>
 
 <file path=customXml/itemProps1.xml><?xml version="1.0" encoding="utf-8"?>
-<ds:datastoreItem xmlns:ds="http://schemas.openxmlformats.org/officeDocument/2006/customXml" ds:itemID="{561E720F-F05D-4536-9C34-0CFCED65D3B7}">
+<ds:datastoreItem xmlns:ds="http://schemas.openxmlformats.org/officeDocument/2006/customXml" ds:itemID="{8CDDBB83-77C1-4099-A0AA-289882E745E2}">
   <ds:schemaRefs>
-    <ds:schemaRef ds:uri="http://schemas.microsoft.com/sharepoint/v3/contenttype/forms"/>
+    <ds:schemaRef ds:uri="http://purl.org/dc/elements/1.1/"/>
+    <ds:schemaRef ds:uri="http://schemas.microsoft.com/office/2006/metadata/properties"/>
+    <ds:schemaRef ds:uri="4873beb7-5857-4685-be1f-d57550cc96cc"/>
+    <ds:schemaRef ds:uri="http://schemas.openxmlformats.org/package/2006/metadata/core-properties"/>
+    <ds:schemaRef ds:uri="http://purl.org/dc/terms/"/>
+    <ds:schemaRef ds:uri="http://schemas.microsoft.com/office/2006/documentManagement/types"/>
+    <ds:schemaRef ds:uri="http://schemas.microsoft.com/office/infopath/2007/PartnerControls"/>
+    <ds:schemaRef ds:uri="http://www.w3.org/XML/1998/namespace"/>
+    <ds:schemaRef ds:uri="http://purl.org/dc/dcmitype/"/>
   </ds:schemaRefs>
 </ds:datastoreItem>
 </file>
@@ -8676,17 +15707,9 @@
 </file>
 
 <file path=customXml/itemProps3.xml><?xml version="1.0" encoding="utf-8"?>
-<ds:datastoreItem xmlns:ds="http://schemas.openxmlformats.org/officeDocument/2006/customXml" ds:itemID="{8CDDBB83-77C1-4099-A0AA-289882E745E2}">
+<ds:datastoreItem xmlns:ds="http://schemas.openxmlformats.org/officeDocument/2006/customXml" ds:itemID="{561E720F-F05D-4536-9C34-0CFCED65D3B7}">
   <ds:schemaRefs>
-    <ds:schemaRef ds:uri="http://purl.org/dc/elements/1.1/"/>
-    <ds:schemaRef ds:uri="http://schemas.microsoft.com/office/2006/metadata/properties"/>
-    <ds:schemaRef ds:uri="4873beb7-5857-4685-be1f-d57550cc96cc"/>
-    <ds:schemaRef ds:uri="http://schemas.openxmlformats.org/package/2006/metadata/core-properties"/>
-    <ds:schemaRef ds:uri="http://purl.org/dc/terms/"/>
-    <ds:schemaRef ds:uri="http://schemas.microsoft.com/office/2006/documentManagement/types"/>
-    <ds:schemaRef ds:uri="http://schemas.microsoft.com/office/infopath/2007/PartnerControls"/>
-    <ds:schemaRef ds:uri="http://www.w3.org/XML/1998/namespace"/>
-    <ds:schemaRef ds:uri="http://purl.org/dc/dcmitype/"/>
+    <ds:schemaRef ds:uri="http://schemas.microsoft.com/sharepoint/v3/contenttype/forms"/>
   </ds:schemaRefs>
 </ds:datastoreItem>
 </file>